--- a/thesis-paper/Figures/diagrams.pptx
+++ b/thesis-paper/Figures/diagrams.pptx
@@ -7,6 +7,7 @@
   <p:sldIdLst>
     <p:sldId id="266" r:id="rId2"/>
     <p:sldId id="267" r:id="rId3"/>
+    <p:sldId id="268" r:id="rId4"/>
   </p:sldIdLst>
   <p:sldSz cx="9144000" cy="10799763"/>
   <p:notesSz cx="6858000" cy="9144000"/>
@@ -244,7 +245,7 @@
           <a:p>
             <a:fld id="{CBEC48C1-88EF-40BB-A6F8-168F32703100}" type="datetimeFigureOut">
               <a:rPr lang="en-AU" smtClean="0"/>
-              <a:t>8/06/2015</a:t>
+              <a:t>23/08/2015</a:t>
             </a:fld>
             <a:endParaRPr lang="en-AU"/>
           </a:p>
@@ -414,7 +415,7 @@
           <a:p>
             <a:fld id="{CBEC48C1-88EF-40BB-A6F8-168F32703100}" type="datetimeFigureOut">
               <a:rPr lang="en-AU" smtClean="0"/>
-              <a:t>8/06/2015</a:t>
+              <a:t>23/08/2015</a:t>
             </a:fld>
             <a:endParaRPr lang="en-AU"/>
           </a:p>
@@ -594,7 +595,7 @@
           <a:p>
             <a:fld id="{CBEC48C1-88EF-40BB-A6F8-168F32703100}" type="datetimeFigureOut">
               <a:rPr lang="en-AU" smtClean="0"/>
-              <a:t>8/06/2015</a:t>
+              <a:t>23/08/2015</a:t>
             </a:fld>
             <a:endParaRPr lang="en-AU"/>
           </a:p>
@@ -764,7 +765,7 @@
           <a:p>
             <a:fld id="{CBEC48C1-88EF-40BB-A6F8-168F32703100}" type="datetimeFigureOut">
               <a:rPr lang="en-AU" smtClean="0"/>
-              <a:t>8/06/2015</a:t>
+              <a:t>23/08/2015</a:t>
             </a:fld>
             <a:endParaRPr lang="en-AU"/>
           </a:p>
@@ -1008,7 +1009,7 @@
           <a:p>
             <a:fld id="{CBEC48C1-88EF-40BB-A6F8-168F32703100}" type="datetimeFigureOut">
               <a:rPr lang="en-AU" smtClean="0"/>
-              <a:t>8/06/2015</a:t>
+              <a:t>23/08/2015</a:t>
             </a:fld>
             <a:endParaRPr lang="en-AU"/>
           </a:p>
@@ -1240,7 +1241,7 @@
           <a:p>
             <a:fld id="{CBEC48C1-88EF-40BB-A6F8-168F32703100}" type="datetimeFigureOut">
               <a:rPr lang="en-AU" smtClean="0"/>
-              <a:t>8/06/2015</a:t>
+              <a:t>23/08/2015</a:t>
             </a:fld>
             <a:endParaRPr lang="en-AU"/>
           </a:p>
@@ -1607,7 +1608,7 @@
           <a:p>
             <a:fld id="{CBEC48C1-88EF-40BB-A6F8-168F32703100}" type="datetimeFigureOut">
               <a:rPr lang="en-AU" smtClean="0"/>
-              <a:t>8/06/2015</a:t>
+              <a:t>23/08/2015</a:t>
             </a:fld>
             <a:endParaRPr lang="en-AU"/>
           </a:p>
@@ -1725,7 +1726,7 @@
           <a:p>
             <a:fld id="{CBEC48C1-88EF-40BB-A6F8-168F32703100}" type="datetimeFigureOut">
               <a:rPr lang="en-AU" smtClean="0"/>
-              <a:t>8/06/2015</a:t>
+              <a:t>23/08/2015</a:t>
             </a:fld>
             <a:endParaRPr lang="en-AU"/>
           </a:p>
@@ -1820,7 +1821,7 @@
           <a:p>
             <a:fld id="{CBEC48C1-88EF-40BB-A6F8-168F32703100}" type="datetimeFigureOut">
               <a:rPr lang="en-AU" smtClean="0"/>
-              <a:t>8/06/2015</a:t>
+              <a:t>23/08/2015</a:t>
             </a:fld>
             <a:endParaRPr lang="en-AU"/>
           </a:p>
@@ -2097,7 +2098,7 @@
           <a:p>
             <a:fld id="{CBEC48C1-88EF-40BB-A6F8-168F32703100}" type="datetimeFigureOut">
               <a:rPr lang="en-AU" smtClean="0"/>
-              <a:t>8/06/2015</a:t>
+              <a:t>23/08/2015</a:t>
             </a:fld>
             <a:endParaRPr lang="en-AU"/>
           </a:p>
@@ -2354,7 +2355,7 @@
           <a:p>
             <a:fld id="{CBEC48C1-88EF-40BB-A6F8-168F32703100}" type="datetimeFigureOut">
               <a:rPr lang="en-AU" smtClean="0"/>
-              <a:t>8/06/2015</a:t>
+              <a:t>23/08/2015</a:t>
             </a:fld>
             <a:endParaRPr lang="en-AU"/>
           </a:p>
@@ -2567,7 +2568,7 @@
           <a:p>
             <a:fld id="{CBEC48C1-88EF-40BB-A6F8-168F32703100}" type="datetimeFigureOut">
               <a:rPr lang="en-AU" smtClean="0"/>
-              <a:t>8/06/2015</a:t>
+              <a:t>23/08/2015</a:t>
             </a:fld>
             <a:endParaRPr lang="en-AU"/>
           </a:p>
@@ -3109,8 +3110,8 @@
           </a:p>
         </p:txBody>
       </p:sp>
-      <mc:AlternateContent xmlns:mc="http://schemas.openxmlformats.org/markup-compatibility/2006">
-        <mc:Choice xmlns:a14="http://schemas.microsoft.com/office/drawing/2010/main" Requires="a14">
+      <mc:AlternateContent xmlns:mc="http://schemas.openxmlformats.org/markup-compatibility/2006" xmlns:a14="http://schemas.microsoft.com/office/drawing/2010/main">
+        <mc:Choice Requires="a14">
           <p:sp>
             <p:nvSpPr>
               <p:cNvPr id="11" name="TextBox 10"/>
@@ -3157,7 +3158,7 @@
             </p:txBody>
           </p:sp>
         </mc:Choice>
-        <mc:Fallback>
+        <mc:Fallback xmlns="">
           <p:sp>
             <p:nvSpPr>
               <p:cNvPr id="11" name="TextBox 10"/>
@@ -3247,8 +3248,8 @@
           </a:p>
         </p:txBody>
       </p:sp>
-      <mc:AlternateContent xmlns:mc="http://schemas.openxmlformats.org/markup-compatibility/2006">
-        <mc:Choice xmlns:a14="http://schemas.microsoft.com/office/drawing/2010/main" Requires="a14">
+      <mc:AlternateContent xmlns:mc="http://schemas.openxmlformats.org/markup-compatibility/2006" xmlns:a14="http://schemas.microsoft.com/office/drawing/2010/main">
+        <mc:Choice Requires="a14">
           <p:sp>
             <p:nvSpPr>
               <p:cNvPr id="13" name="TextBox 12"/>
@@ -3295,7 +3296,7 @@
             </p:txBody>
           </p:sp>
         </mc:Choice>
-        <mc:Fallback>
+        <mc:Fallback xmlns="">
           <p:sp>
             <p:nvSpPr>
               <p:cNvPr id="13" name="TextBox 12"/>
@@ -3414,21 +3415,7 @@
                 <a:latin typeface="Helvetica" panose="020B0604020202020204" pitchFamily="34" charset="0"/>
                 <a:cs typeface="Helvetica" panose="020B0604020202020204" pitchFamily="34" charset="0"/>
               </a:rPr>
-              <a:t>Bathymetry </a:t>
-            </a:r>
-            <a:r>
-              <a:rPr lang="en-AU" sz="1400" b="1" i="1" dirty="0" smtClean="0">
-                <a:latin typeface="Helvetica" panose="020B0604020202020204" pitchFamily="34" charset="0"/>
-                <a:cs typeface="Helvetica" panose="020B0604020202020204" pitchFamily="34" charset="0"/>
-              </a:rPr>
-              <a:t>Prediction </a:t>
-            </a:r>
-            <a:r>
-              <a:rPr lang="en-AU" sz="1400" b="1" i="1" dirty="0" smtClean="0">
-                <a:latin typeface="Helvetica" panose="020B0604020202020204" pitchFamily="34" charset="0"/>
-                <a:cs typeface="Helvetica" panose="020B0604020202020204" pitchFamily="34" charset="0"/>
-              </a:rPr>
-              <a:t>Model</a:t>
+              <a:t>Bathymetry Prediction Model</a:t>
             </a:r>
             <a:r>
               <a:rPr lang="en-AU" sz="1400" i="1" dirty="0" smtClean="0">
@@ -4323,6 +4310,618 @@
     <p:extLst>
       <p:ext uri="{BB962C8B-B14F-4D97-AF65-F5344CB8AC3E}">
         <p14:creationId xmlns:p14="http://schemas.microsoft.com/office/powerpoint/2010/main" val="2767403472"/>
+      </p:ext>
+    </p:extLst>
+  </p:cSld>
+  <p:clrMapOvr>
+    <a:masterClrMapping/>
+  </p:clrMapOvr>
+  <p:timing>
+    <p:tnLst>
+      <p:par>
+        <p:cTn id="1" dur="indefinite" restart="never" nodeType="tmRoot"/>
+      </p:par>
+    </p:tnLst>
+  </p:timing>
+</p:sld>
+</file>
+
+<file path=ppt/slides/slide3.xml><?xml version="1.0" encoding="utf-8"?>
+<p:sld xmlns:a="http://schemas.openxmlformats.org/drawingml/2006/main" xmlns:r="http://schemas.openxmlformats.org/officeDocument/2006/relationships" xmlns:p="http://schemas.openxmlformats.org/presentationml/2006/main">
+  <p:cSld>
+    <p:spTree>
+      <p:nvGrpSpPr>
+        <p:cNvPr id="1" name=""/>
+        <p:cNvGrpSpPr/>
+        <p:nvPr/>
+      </p:nvGrpSpPr>
+      <p:grpSpPr>
+        <a:xfrm>
+          <a:off x="0" y="0"/>
+          <a:ext cx="0" cy="0"/>
+          <a:chOff x="0" y="0"/>
+          <a:chExt cx="0" cy="0"/>
+        </a:xfrm>
+      </p:grpSpPr>
+      <p:sp>
+        <p:nvSpPr>
+          <p:cNvPr id="4" name="Rounded Rectangle 3"/>
+          <p:cNvSpPr/>
+          <p:nvPr/>
+        </p:nvSpPr>
+        <p:spPr>
+          <a:xfrm>
+            <a:off x="472088" y="492885"/>
+            <a:ext cx="1840556" cy="738666"/>
+          </a:xfrm>
+          <a:prstGeom prst="roundRect">
+            <a:avLst/>
+          </a:prstGeom>
+          <a:ln w="28575"/>
+          <a:effectLst>
+            <a:glow rad="228600">
+              <a:schemeClr val="accent6">
+                <a:satMod val="175000"/>
+                <a:alpha val="40000"/>
+              </a:schemeClr>
+            </a:glow>
+          </a:effectLst>
+        </p:spPr>
+        <p:style>
+          <a:lnRef idx="2">
+            <a:schemeClr val="accent5"/>
+          </a:lnRef>
+          <a:fillRef idx="1">
+            <a:schemeClr val="lt1"/>
+          </a:fillRef>
+          <a:effectRef idx="0">
+            <a:schemeClr val="accent5"/>
+          </a:effectRef>
+          <a:fontRef idx="minor">
+            <a:schemeClr val="dk1"/>
+          </a:fontRef>
+        </p:style>
+        <p:txBody>
+          <a:bodyPr rot="0" spcFirstLastPara="0" vertOverflow="overflow" horzOverflow="overflow" vert="horz" wrap="square" lIns="91440" tIns="45720" rIns="91440" bIns="45720" numCol="1" spcCol="0" rtlCol="0" fromWordArt="0" anchor="ctr" anchorCtr="0" forceAA="0" compatLnSpc="1">
+            <a:prstTxWarp prst="textNoShape">
+              <a:avLst/>
+            </a:prstTxWarp>
+            <a:noAutofit/>
+          </a:bodyPr>
+          <a:lstStyle/>
+          <a:p>
+            <a:pPr algn="ctr"/>
+            <a:endParaRPr lang="en-AU"/>
+          </a:p>
+        </p:txBody>
+      </p:sp>
+      <p:sp>
+        <p:nvSpPr>
+          <p:cNvPr id="5" name="TextBox 4"/>
+          <p:cNvSpPr txBox="1"/>
+          <p:nvPr/>
+        </p:nvSpPr>
+        <p:spPr>
+          <a:xfrm>
+            <a:off x="472088" y="492887"/>
+            <a:ext cx="1840556" cy="738664"/>
+          </a:xfrm>
+          <a:prstGeom prst="rect">
+            <a:avLst/>
+          </a:prstGeom>
+          <a:noFill/>
+        </p:spPr>
+        <p:txBody>
+          <a:bodyPr wrap="square" rtlCol="0">
+            <a:spAutoFit/>
+          </a:bodyPr>
+          <a:lstStyle/>
+          <a:p>
+            <a:pPr algn="ctr"/>
+            <a:r>
+              <a:rPr lang="en-AU" sz="1400" i="1" dirty="0" smtClean="0">
+                <a:latin typeface="Helvetica" panose="020B0604020202020204" pitchFamily="34" charset="0"/>
+                <a:cs typeface="Helvetica" panose="020B0604020202020204" pitchFamily="34" charset="0"/>
+              </a:rPr>
+              <a:t>Learn initial GP </a:t>
+            </a:r>
+            <a:r>
+              <a:rPr lang="en-AU" sz="1400" i="1" dirty="0" smtClean="0">
+                <a:latin typeface="Helvetica" panose="020B0604020202020204" pitchFamily="34" charset="0"/>
+                <a:cs typeface="Helvetica" panose="020B0604020202020204" pitchFamily="34" charset="0"/>
+              </a:rPr>
+              <a:t>m</a:t>
+            </a:r>
+            <a:r>
+              <a:rPr lang="en-AU" sz="1400" i="1" dirty="0" smtClean="0">
+                <a:latin typeface="Helvetica" panose="020B0604020202020204" pitchFamily="34" charset="0"/>
+                <a:cs typeface="Helvetica" panose="020B0604020202020204" pitchFamily="34" charset="0"/>
+              </a:rPr>
+              <a:t>odel from past track data</a:t>
+            </a:r>
+            <a:endParaRPr lang="en-AU" sz="1400" b="1" dirty="0"/>
+          </a:p>
+        </p:txBody>
+      </p:sp>
+      <p:sp>
+        <p:nvSpPr>
+          <p:cNvPr id="6" name="Rounded Rectangle 5"/>
+          <p:cNvSpPr/>
+          <p:nvPr/>
+        </p:nvSpPr>
+        <p:spPr>
+          <a:xfrm>
+            <a:off x="3355052" y="251585"/>
+            <a:ext cx="2372884" cy="1206022"/>
+          </a:xfrm>
+          <a:prstGeom prst="roundRect">
+            <a:avLst/>
+          </a:prstGeom>
+          <a:ln w="28575"/>
+          <a:effectLst>
+            <a:glow rad="228600">
+              <a:schemeClr val="accent6">
+                <a:satMod val="175000"/>
+                <a:alpha val="40000"/>
+              </a:schemeClr>
+            </a:glow>
+          </a:effectLst>
+        </p:spPr>
+        <p:style>
+          <a:lnRef idx="2">
+            <a:schemeClr val="accent5"/>
+          </a:lnRef>
+          <a:fillRef idx="1">
+            <a:schemeClr val="lt1"/>
+          </a:fillRef>
+          <a:effectRef idx="0">
+            <a:schemeClr val="accent5"/>
+          </a:effectRef>
+          <a:fontRef idx="minor">
+            <a:schemeClr val="dk1"/>
+          </a:fontRef>
+        </p:style>
+        <p:txBody>
+          <a:bodyPr rot="0" spcFirstLastPara="0" vertOverflow="overflow" horzOverflow="overflow" vert="horz" wrap="square" lIns="91440" tIns="45720" rIns="91440" bIns="45720" numCol="1" spcCol="0" rtlCol="0" fromWordArt="0" anchor="ctr" anchorCtr="0" forceAA="0" compatLnSpc="1">
+            <a:prstTxWarp prst="textNoShape">
+              <a:avLst/>
+            </a:prstTxWarp>
+            <a:noAutofit/>
+          </a:bodyPr>
+          <a:lstStyle/>
+          <a:p>
+            <a:pPr algn="ctr"/>
+            <a:endParaRPr lang="en-AU"/>
+          </a:p>
+        </p:txBody>
+      </p:sp>
+      <p:sp>
+        <p:nvSpPr>
+          <p:cNvPr id="7" name="TextBox 6"/>
+          <p:cNvSpPr txBox="1"/>
+          <p:nvPr/>
+        </p:nvSpPr>
+        <p:spPr>
+          <a:xfrm>
+            <a:off x="3355052" y="288056"/>
+            <a:ext cx="2372884" cy="1169551"/>
+          </a:xfrm>
+          <a:prstGeom prst="rect">
+            <a:avLst/>
+          </a:prstGeom>
+          <a:noFill/>
+        </p:spPr>
+        <p:txBody>
+          <a:bodyPr wrap="square" rtlCol="0">
+            <a:spAutoFit/>
+          </a:bodyPr>
+          <a:lstStyle/>
+          <a:p>
+            <a:pPr algn="ctr"/>
+            <a:r>
+              <a:rPr lang="en-AU" sz="1400" i="1" dirty="0" smtClean="0">
+                <a:latin typeface="Helvetica" panose="020B0604020202020204" pitchFamily="34" charset="0"/>
+                <a:cs typeface="Helvetica" panose="020B0604020202020204" pitchFamily="34" charset="0"/>
+              </a:rPr>
+              <a:t>Find optimal </a:t>
+            </a:r>
+            <a:r>
+              <a:rPr lang="en-AU" sz="1400" i="1" dirty="0">
+                <a:latin typeface="Helvetica" panose="020B0604020202020204" pitchFamily="34" charset="0"/>
+                <a:cs typeface="Helvetica" panose="020B0604020202020204" pitchFamily="34" charset="0"/>
+              </a:rPr>
+              <a:t>path of fixed horizon from </a:t>
+            </a:r>
+            <a:r>
+              <a:rPr lang="en-AU" sz="1400" i="1" dirty="0" smtClean="0">
+                <a:latin typeface="Helvetica" panose="020B0604020202020204" pitchFamily="34" charset="0"/>
+                <a:cs typeface="Helvetica" panose="020B0604020202020204" pitchFamily="34" charset="0"/>
+              </a:rPr>
+              <a:t>current location through maximising acquisition function under </a:t>
+            </a:r>
+            <a:r>
+              <a:rPr lang="en-AU" sz="1400" i="1" dirty="0" smtClean="0">
+                <a:latin typeface="Helvetica" panose="020B0604020202020204" pitchFamily="34" charset="0"/>
+                <a:cs typeface="Helvetica" panose="020B0604020202020204" pitchFamily="34" charset="0"/>
+              </a:rPr>
+              <a:t>GP </a:t>
+            </a:r>
+            <a:r>
+              <a:rPr lang="en-AU" sz="1400" i="1" dirty="0" smtClean="0">
+                <a:latin typeface="Helvetica" panose="020B0604020202020204" pitchFamily="34" charset="0"/>
+                <a:cs typeface="Helvetica" panose="020B0604020202020204" pitchFamily="34" charset="0"/>
+              </a:rPr>
+              <a:t>model</a:t>
+            </a:r>
+            <a:endParaRPr lang="en-AU" sz="1400" b="1" dirty="0"/>
+          </a:p>
+        </p:txBody>
+      </p:sp>
+      <p:sp>
+        <p:nvSpPr>
+          <p:cNvPr id="8" name="Rounded Rectangle 7"/>
+          <p:cNvSpPr/>
+          <p:nvPr/>
+        </p:nvSpPr>
+        <p:spPr>
+          <a:xfrm>
+            <a:off x="6770344" y="492885"/>
+            <a:ext cx="1840556" cy="738666"/>
+          </a:xfrm>
+          <a:prstGeom prst="roundRect">
+            <a:avLst/>
+          </a:prstGeom>
+          <a:ln w="28575"/>
+          <a:effectLst>
+            <a:glow rad="228600">
+              <a:schemeClr val="accent6">
+                <a:satMod val="175000"/>
+                <a:alpha val="40000"/>
+              </a:schemeClr>
+            </a:glow>
+          </a:effectLst>
+        </p:spPr>
+        <p:style>
+          <a:lnRef idx="2">
+            <a:schemeClr val="accent5"/>
+          </a:lnRef>
+          <a:fillRef idx="1">
+            <a:schemeClr val="lt1"/>
+          </a:fillRef>
+          <a:effectRef idx="0">
+            <a:schemeClr val="accent5"/>
+          </a:effectRef>
+          <a:fontRef idx="minor">
+            <a:schemeClr val="dk1"/>
+          </a:fontRef>
+        </p:style>
+        <p:txBody>
+          <a:bodyPr rot="0" spcFirstLastPara="0" vertOverflow="overflow" horzOverflow="overflow" vert="horz" wrap="square" lIns="91440" tIns="45720" rIns="91440" bIns="45720" numCol="1" spcCol="0" rtlCol="0" fromWordArt="0" anchor="ctr" anchorCtr="0" forceAA="0" compatLnSpc="1">
+            <a:prstTxWarp prst="textNoShape">
+              <a:avLst/>
+            </a:prstTxWarp>
+            <a:noAutofit/>
+          </a:bodyPr>
+          <a:lstStyle/>
+          <a:p>
+            <a:pPr algn="ctr"/>
+            <a:endParaRPr lang="en-AU"/>
+          </a:p>
+        </p:txBody>
+      </p:sp>
+      <p:sp>
+        <p:nvSpPr>
+          <p:cNvPr id="9" name="TextBox 8"/>
+          <p:cNvSpPr txBox="1"/>
+          <p:nvPr/>
+        </p:nvSpPr>
+        <p:spPr>
+          <a:xfrm>
+            <a:off x="6770344" y="492887"/>
+            <a:ext cx="1840556" cy="738664"/>
+          </a:xfrm>
+          <a:prstGeom prst="rect">
+            <a:avLst/>
+          </a:prstGeom>
+          <a:noFill/>
+        </p:spPr>
+        <p:txBody>
+          <a:bodyPr wrap="square" rtlCol="0">
+            <a:spAutoFit/>
+          </a:bodyPr>
+          <a:lstStyle/>
+          <a:p>
+            <a:pPr algn="ctr"/>
+            <a:r>
+              <a:rPr lang="en-AU" sz="1400" i="1" dirty="0" smtClean="0">
+                <a:latin typeface="Helvetica" panose="020B0604020202020204" pitchFamily="34" charset="0"/>
+                <a:cs typeface="Helvetica" panose="020B0604020202020204" pitchFamily="34" charset="0"/>
+              </a:rPr>
+              <a:t>Take one step </a:t>
+            </a:r>
+            <a:r>
+              <a:rPr lang="en-AU" sz="1400" i="1" dirty="0" smtClean="0">
+                <a:latin typeface="Helvetica" panose="020B0604020202020204" pitchFamily="34" charset="0"/>
+                <a:cs typeface="Helvetica" panose="020B0604020202020204" pitchFamily="34" charset="0"/>
+              </a:rPr>
+              <a:t>into optimal path and take observation</a:t>
+            </a:r>
+            <a:endParaRPr lang="en-AU" sz="1400" b="1" dirty="0"/>
+          </a:p>
+        </p:txBody>
+      </p:sp>
+      <p:sp>
+        <p:nvSpPr>
+          <p:cNvPr id="10" name="Rounded Rectangle 9"/>
+          <p:cNvSpPr/>
+          <p:nvPr/>
+        </p:nvSpPr>
+        <p:spPr>
+          <a:xfrm>
+            <a:off x="6770344" y="1902585"/>
+            <a:ext cx="1840556" cy="473080"/>
+          </a:xfrm>
+          <a:prstGeom prst="roundRect">
+            <a:avLst/>
+          </a:prstGeom>
+          <a:ln w="28575"/>
+          <a:effectLst>
+            <a:glow rad="228600">
+              <a:schemeClr val="accent6">
+                <a:satMod val="175000"/>
+                <a:alpha val="40000"/>
+              </a:schemeClr>
+            </a:glow>
+          </a:effectLst>
+        </p:spPr>
+        <p:style>
+          <a:lnRef idx="2">
+            <a:schemeClr val="accent5"/>
+          </a:lnRef>
+          <a:fillRef idx="1">
+            <a:schemeClr val="lt1"/>
+          </a:fillRef>
+          <a:effectRef idx="0">
+            <a:schemeClr val="accent5"/>
+          </a:effectRef>
+          <a:fontRef idx="minor">
+            <a:schemeClr val="dk1"/>
+          </a:fontRef>
+        </p:style>
+        <p:txBody>
+          <a:bodyPr rot="0" spcFirstLastPara="0" vertOverflow="overflow" horzOverflow="overflow" vert="horz" wrap="square" lIns="91440" tIns="45720" rIns="91440" bIns="45720" numCol="1" spcCol="0" rtlCol="0" fromWordArt="0" anchor="ctr" anchorCtr="0" forceAA="0" compatLnSpc="1">
+            <a:prstTxWarp prst="textNoShape">
+              <a:avLst/>
+            </a:prstTxWarp>
+            <a:noAutofit/>
+          </a:bodyPr>
+          <a:lstStyle/>
+          <a:p>
+            <a:pPr algn="ctr"/>
+            <a:endParaRPr lang="en-AU"/>
+          </a:p>
+        </p:txBody>
+      </p:sp>
+      <p:sp>
+        <p:nvSpPr>
+          <p:cNvPr id="11" name="TextBox 10"/>
+          <p:cNvSpPr txBox="1"/>
+          <p:nvPr/>
+        </p:nvSpPr>
+        <p:spPr>
+          <a:xfrm>
+            <a:off x="6770344" y="1902587"/>
+            <a:ext cx="1840556" cy="523220"/>
+          </a:xfrm>
+          <a:prstGeom prst="rect">
+            <a:avLst/>
+          </a:prstGeom>
+          <a:noFill/>
+        </p:spPr>
+        <p:txBody>
+          <a:bodyPr wrap="square" rtlCol="0">
+            <a:spAutoFit/>
+          </a:bodyPr>
+          <a:lstStyle/>
+          <a:p>
+            <a:pPr algn="ctr"/>
+            <a:r>
+              <a:rPr lang="en-AU" sz="1400" i="1" dirty="0" smtClean="0">
+                <a:latin typeface="Helvetica" panose="020B0604020202020204" pitchFamily="34" charset="0"/>
+                <a:cs typeface="Helvetica" panose="020B0604020202020204" pitchFamily="34" charset="0"/>
+              </a:rPr>
+              <a:t>Re-learn GP model with new data</a:t>
+            </a:r>
+            <a:endParaRPr lang="en-AU" sz="1400" b="1" dirty="0"/>
+          </a:p>
+        </p:txBody>
+      </p:sp>
+      <p:cxnSp>
+        <p:nvCxnSpPr>
+          <p:cNvPr id="15" name="Straight Arrow Connector 14"/>
+          <p:cNvCxnSpPr>
+            <a:stCxn id="4" idx="3"/>
+            <a:endCxn id="6" idx="1"/>
+          </p:cNvCxnSpPr>
+          <p:nvPr/>
+        </p:nvCxnSpPr>
+        <p:spPr>
+          <a:xfrm flipV="1">
+            <a:off x="2312644" y="854596"/>
+            <a:ext cx="1042408" cy="7622"/>
+          </a:xfrm>
+          <a:prstGeom prst="straightConnector1">
+            <a:avLst/>
+          </a:prstGeom>
+          <a:ln>
+            <a:tailEnd type="triangle"/>
+          </a:ln>
+        </p:spPr>
+        <p:style>
+          <a:lnRef idx="1">
+            <a:schemeClr val="accent1"/>
+          </a:lnRef>
+          <a:fillRef idx="0">
+            <a:schemeClr val="accent1"/>
+          </a:fillRef>
+          <a:effectRef idx="0">
+            <a:schemeClr val="accent1"/>
+          </a:effectRef>
+          <a:fontRef idx="minor">
+            <a:schemeClr val="tx1"/>
+          </a:fontRef>
+        </p:style>
+      </p:cxnSp>
+      <p:cxnSp>
+        <p:nvCxnSpPr>
+          <p:cNvPr id="17" name="Straight Arrow Connector 16"/>
+          <p:cNvCxnSpPr>
+            <a:stCxn id="7" idx="3"/>
+            <a:endCxn id="8" idx="1"/>
+          </p:cNvCxnSpPr>
+          <p:nvPr/>
+        </p:nvCxnSpPr>
+        <p:spPr>
+          <a:xfrm flipV="1">
+            <a:off x="5727936" y="862218"/>
+            <a:ext cx="1042408" cy="10614"/>
+          </a:xfrm>
+          <a:prstGeom prst="straightConnector1">
+            <a:avLst/>
+          </a:prstGeom>
+          <a:ln>
+            <a:tailEnd type="triangle"/>
+          </a:ln>
+        </p:spPr>
+        <p:style>
+          <a:lnRef idx="1">
+            <a:schemeClr val="accent1"/>
+          </a:lnRef>
+          <a:fillRef idx="0">
+            <a:schemeClr val="accent1"/>
+          </a:fillRef>
+          <a:effectRef idx="0">
+            <a:schemeClr val="accent1"/>
+          </a:effectRef>
+          <a:fontRef idx="minor">
+            <a:schemeClr val="tx1"/>
+          </a:fontRef>
+        </p:style>
+      </p:cxnSp>
+      <p:cxnSp>
+        <p:nvCxnSpPr>
+          <p:cNvPr id="19" name="Straight Arrow Connector 18"/>
+          <p:cNvCxnSpPr>
+            <a:stCxn id="8" idx="2"/>
+            <a:endCxn id="10" idx="0"/>
+          </p:cNvCxnSpPr>
+          <p:nvPr/>
+        </p:nvCxnSpPr>
+        <p:spPr>
+          <a:xfrm>
+            <a:off x="7690622" y="1231551"/>
+            <a:ext cx="0" cy="671034"/>
+          </a:xfrm>
+          <a:prstGeom prst="straightConnector1">
+            <a:avLst/>
+          </a:prstGeom>
+          <a:ln>
+            <a:tailEnd type="triangle"/>
+          </a:ln>
+        </p:spPr>
+        <p:style>
+          <a:lnRef idx="1">
+            <a:schemeClr val="accent1"/>
+          </a:lnRef>
+          <a:fillRef idx="0">
+            <a:schemeClr val="accent1"/>
+          </a:fillRef>
+          <a:effectRef idx="0">
+            <a:schemeClr val="accent1"/>
+          </a:effectRef>
+          <a:fontRef idx="minor">
+            <a:schemeClr val="tx1"/>
+          </a:fontRef>
+        </p:style>
+      </p:cxnSp>
+      <p:cxnSp>
+        <p:nvCxnSpPr>
+          <p:cNvPr id="21" name="Curved Connector 20"/>
+          <p:cNvCxnSpPr>
+            <a:stCxn id="11" idx="1"/>
+            <a:endCxn id="6" idx="2"/>
+          </p:cNvCxnSpPr>
+          <p:nvPr/>
+        </p:nvCxnSpPr>
+        <p:spPr>
+          <a:xfrm rot="10800000">
+            <a:off x="4541494" y="1457607"/>
+            <a:ext cx="2228850" cy="706590"/>
+          </a:xfrm>
+          <a:prstGeom prst="curvedConnector2">
+            <a:avLst/>
+          </a:prstGeom>
+          <a:ln>
+            <a:tailEnd type="triangle"/>
+          </a:ln>
+        </p:spPr>
+        <p:style>
+          <a:lnRef idx="1">
+            <a:schemeClr val="accent1"/>
+          </a:lnRef>
+          <a:fillRef idx="0">
+            <a:schemeClr val="accent1"/>
+          </a:fillRef>
+          <a:effectRef idx="0">
+            <a:schemeClr val="accent1"/>
+          </a:effectRef>
+          <a:fontRef idx="minor">
+            <a:schemeClr val="tx1"/>
+          </a:fontRef>
+        </p:style>
+      </p:cxnSp>
+      <p:sp>
+        <p:nvSpPr>
+          <p:cNvPr id="31" name="TextBox 30"/>
+          <p:cNvSpPr txBox="1"/>
+          <p:nvPr/>
+        </p:nvSpPr>
+        <p:spPr>
+          <a:xfrm>
+            <a:off x="472088" y="1964142"/>
+            <a:ext cx="5346700" cy="461665"/>
+          </a:xfrm>
+          <a:prstGeom prst="rect">
+            <a:avLst/>
+          </a:prstGeom>
+          <a:noFill/>
+        </p:spPr>
+        <p:txBody>
+          <a:bodyPr wrap="square" rtlCol="0">
+            <a:spAutoFit/>
+          </a:bodyPr>
+          <a:lstStyle/>
+          <a:p>
+            <a:r>
+              <a:rPr lang="en-AU" sz="2400" b="1" dirty="0" smtClean="0">
+                <a:solidFill>
+                  <a:srgbClr val="0070C0"/>
+                </a:solidFill>
+              </a:rPr>
+              <a:t>Basic Receding Horizon Approach</a:t>
+            </a:r>
+            <a:endParaRPr lang="en-AU" sz="2400" b="1" dirty="0">
+              <a:solidFill>
+                <a:srgbClr val="0070C0"/>
+              </a:solidFill>
+            </a:endParaRPr>
+          </a:p>
+        </p:txBody>
+      </p:sp>
+    </p:spTree>
+    <p:extLst>
+      <p:ext uri="{BB962C8B-B14F-4D97-AF65-F5344CB8AC3E}">
+        <p14:creationId xmlns:p14="http://schemas.microsoft.com/office/powerpoint/2010/main" val="3985221863"/>
       </p:ext>
     </p:extLst>
   </p:cSld>

--- a/thesis-paper/Figures/diagrams.pptx
+++ b/thesis-paper/Figures/diagrams.pptx
@@ -2,20 +2,22 @@
 <file path=ppt/presentation.xml><?xml version="1.0" encoding="utf-8"?>
 <p:presentation xmlns:a="http://schemas.openxmlformats.org/drawingml/2006/main" xmlns:r="http://schemas.openxmlformats.org/officeDocument/2006/relationships" xmlns:p="http://schemas.openxmlformats.org/presentationml/2006/main" saveSubsetFonts="1">
   <p:sldMasterIdLst>
-    <p:sldMasterId id="2147483672" r:id="rId1"/>
+    <p:sldMasterId id="2147483708" r:id="rId1"/>
   </p:sldMasterIdLst>
+  <p:notesMasterIdLst>
+    <p:notesMasterId r:id="rId4"/>
+  </p:notesMasterIdLst>
   <p:sldIdLst>
     <p:sldId id="266" r:id="rId2"/>
     <p:sldId id="267" r:id="rId3"/>
-    <p:sldId id="268" r:id="rId4"/>
   </p:sldIdLst>
-  <p:sldSz cx="9144000" cy="10799763"/>
-  <p:notesSz cx="6858000" cy="9144000"/>
+  <p:sldSz cx="9144000" cy="9359900"/>
+  <p:notesSz cx="6807200" cy="9918700"/>
   <p:defaultTextStyle>
     <a:defPPr>
       <a:defRPr lang="en-US"/>
     </a:defPPr>
-    <a:lvl1pPr marL="0" algn="l" defTabSz="914400" rtl="0" eaLnBrk="1" latinLnBrk="0" hangingPunct="1">
+    <a:lvl1pPr marL="0" algn="l" defTabSz="914321" rtl="0" eaLnBrk="1" latinLnBrk="0" hangingPunct="1">
       <a:defRPr sz="1800" kern="1200">
         <a:solidFill>
           <a:schemeClr val="tx1"/>
@@ -25,7 +27,7 @@
         <a:cs typeface="+mn-cs"/>
       </a:defRPr>
     </a:lvl1pPr>
-    <a:lvl2pPr marL="457200" algn="l" defTabSz="914400" rtl="0" eaLnBrk="1" latinLnBrk="0" hangingPunct="1">
+    <a:lvl2pPr marL="457161" algn="l" defTabSz="914321" rtl="0" eaLnBrk="1" latinLnBrk="0" hangingPunct="1">
       <a:defRPr sz="1800" kern="1200">
         <a:solidFill>
           <a:schemeClr val="tx1"/>
@@ -35,7 +37,7 @@
         <a:cs typeface="+mn-cs"/>
       </a:defRPr>
     </a:lvl2pPr>
-    <a:lvl3pPr marL="914400" algn="l" defTabSz="914400" rtl="0" eaLnBrk="1" latinLnBrk="0" hangingPunct="1">
+    <a:lvl3pPr marL="914321" algn="l" defTabSz="914321" rtl="0" eaLnBrk="1" latinLnBrk="0" hangingPunct="1">
       <a:defRPr sz="1800" kern="1200">
         <a:solidFill>
           <a:schemeClr val="tx1"/>
@@ -45,7 +47,7 @@
         <a:cs typeface="+mn-cs"/>
       </a:defRPr>
     </a:lvl3pPr>
-    <a:lvl4pPr marL="1371600" algn="l" defTabSz="914400" rtl="0" eaLnBrk="1" latinLnBrk="0" hangingPunct="1">
+    <a:lvl4pPr marL="1371482" algn="l" defTabSz="914321" rtl="0" eaLnBrk="1" latinLnBrk="0" hangingPunct="1">
       <a:defRPr sz="1800" kern="1200">
         <a:solidFill>
           <a:schemeClr val="tx1"/>
@@ -55,7 +57,7 @@
         <a:cs typeface="+mn-cs"/>
       </a:defRPr>
     </a:lvl4pPr>
-    <a:lvl5pPr marL="1828800" algn="l" defTabSz="914400" rtl="0" eaLnBrk="1" latinLnBrk="0" hangingPunct="1">
+    <a:lvl5pPr marL="1828643" algn="l" defTabSz="914321" rtl="0" eaLnBrk="1" latinLnBrk="0" hangingPunct="1">
       <a:defRPr sz="1800" kern="1200">
         <a:solidFill>
           <a:schemeClr val="tx1"/>
@@ -65,7 +67,7 @@
         <a:cs typeface="+mn-cs"/>
       </a:defRPr>
     </a:lvl5pPr>
-    <a:lvl6pPr marL="2286000" algn="l" defTabSz="914400" rtl="0" eaLnBrk="1" latinLnBrk="0" hangingPunct="1">
+    <a:lvl6pPr marL="2285803" algn="l" defTabSz="914321" rtl="0" eaLnBrk="1" latinLnBrk="0" hangingPunct="1">
       <a:defRPr sz="1800" kern="1200">
         <a:solidFill>
           <a:schemeClr val="tx1"/>
@@ -75,7 +77,7 @@
         <a:cs typeface="+mn-cs"/>
       </a:defRPr>
     </a:lvl6pPr>
-    <a:lvl7pPr marL="2743200" algn="l" defTabSz="914400" rtl="0" eaLnBrk="1" latinLnBrk="0" hangingPunct="1">
+    <a:lvl7pPr marL="2742963" algn="l" defTabSz="914321" rtl="0" eaLnBrk="1" latinLnBrk="0" hangingPunct="1">
       <a:defRPr sz="1800" kern="1200">
         <a:solidFill>
           <a:schemeClr val="tx1"/>
@@ -85,7 +87,7 @@
         <a:cs typeface="+mn-cs"/>
       </a:defRPr>
     </a:lvl7pPr>
-    <a:lvl8pPr marL="3200400" algn="l" defTabSz="914400" rtl="0" eaLnBrk="1" latinLnBrk="0" hangingPunct="1">
+    <a:lvl8pPr marL="3200124" algn="l" defTabSz="914321" rtl="0" eaLnBrk="1" latinLnBrk="0" hangingPunct="1">
       <a:defRPr sz="1800" kern="1200">
         <a:solidFill>
           <a:schemeClr val="tx1"/>
@@ -95,7 +97,7 @@
         <a:cs typeface="+mn-cs"/>
       </a:defRPr>
     </a:lvl8pPr>
-    <a:lvl9pPr marL="3657600" algn="l" defTabSz="914400" rtl="0" eaLnBrk="1" latinLnBrk="0" hangingPunct="1">
+    <a:lvl9pPr marL="3657284" algn="l" defTabSz="914321" rtl="0" eaLnBrk="1" latinLnBrk="0" hangingPunct="1">
       <a:defRPr sz="1800" kern="1200">
         <a:solidFill>
           <a:schemeClr val="tx1"/>
@@ -112,6 +114,445 @@
     </p:ext>
   </p:extLst>
 </p:presentation>
+</file>
+
+<file path=ppt/notesMasters/notesMaster1.xml><?xml version="1.0" encoding="utf-8"?>
+<p:notesMaster xmlns:a="http://schemas.openxmlformats.org/drawingml/2006/main" xmlns:r="http://schemas.openxmlformats.org/officeDocument/2006/relationships" xmlns:p="http://schemas.openxmlformats.org/presentationml/2006/main">
+  <p:cSld>
+    <p:bg>
+      <p:bgRef idx="1001">
+        <a:schemeClr val="bg1"/>
+      </p:bgRef>
+    </p:bg>
+    <p:spTree>
+      <p:nvGrpSpPr>
+        <p:cNvPr id="1" name=""/>
+        <p:cNvGrpSpPr/>
+        <p:nvPr/>
+      </p:nvGrpSpPr>
+      <p:grpSpPr>
+        <a:xfrm>
+          <a:off x="0" y="0"/>
+          <a:ext cx="0" cy="0"/>
+          <a:chOff x="0" y="0"/>
+          <a:chExt cx="0" cy="0"/>
+        </a:xfrm>
+      </p:grpSpPr>
+      <p:sp>
+        <p:nvSpPr>
+          <p:cNvPr id="2" name="Header Placeholder 1"/>
+          <p:cNvSpPr>
+            <a:spLocks noGrp="1"/>
+          </p:cNvSpPr>
+          <p:nvPr>
+            <p:ph type="hdr" sz="quarter"/>
+          </p:nvPr>
+        </p:nvSpPr>
+        <p:spPr>
+          <a:xfrm>
+            <a:off x="0" y="0"/>
+            <a:ext cx="2949575" cy="496888"/>
+          </a:xfrm>
+          <a:prstGeom prst="rect">
+            <a:avLst/>
+          </a:prstGeom>
+        </p:spPr>
+        <p:txBody>
+          <a:bodyPr vert="horz" lIns="91440" tIns="45720" rIns="91440" bIns="45720" rtlCol="0"/>
+          <a:lstStyle>
+            <a:lvl1pPr algn="l">
+              <a:defRPr sz="1200"/>
+            </a:lvl1pPr>
+          </a:lstStyle>
+          <a:p>
+            <a:endParaRPr lang="en-AU"/>
+          </a:p>
+        </p:txBody>
+      </p:sp>
+      <p:sp>
+        <p:nvSpPr>
+          <p:cNvPr id="3" name="Date Placeholder 2"/>
+          <p:cNvSpPr>
+            <a:spLocks noGrp="1"/>
+          </p:cNvSpPr>
+          <p:nvPr>
+            <p:ph type="dt" idx="1"/>
+          </p:nvPr>
+        </p:nvSpPr>
+        <p:spPr>
+          <a:xfrm>
+            <a:off x="3856039" y="0"/>
+            <a:ext cx="2949575" cy="496888"/>
+          </a:xfrm>
+          <a:prstGeom prst="rect">
+            <a:avLst/>
+          </a:prstGeom>
+        </p:spPr>
+        <p:txBody>
+          <a:bodyPr vert="horz" lIns="91440" tIns="45720" rIns="91440" bIns="45720" rtlCol="0"/>
+          <a:lstStyle>
+            <a:lvl1pPr algn="r">
+              <a:defRPr sz="1200"/>
+            </a:lvl1pPr>
+          </a:lstStyle>
+          <a:p>
+            <a:fld id="{86F821BD-8487-424C-BBE1-C33FA9EE49D2}" type="datetimeFigureOut">
+              <a:rPr lang="en-AU" smtClean="0"/>
+              <a:t>14/09/2015</a:t>
+            </a:fld>
+            <a:endParaRPr lang="en-AU"/>
+          </a:p>
+        </p:txBody>
+      </p:sp>
+      <p:sp>
+        <p:nvSpPr>
+          <p:cNvPr id="4" name="Slide Image Placeholder 3"/>
+          <p:cNvSpPr>
+            <a:spLocks noGrp="1" noRot="1" noChangeAspect="1"/>
+          </p:cNvSpPr>
+          <p:nvPr>
+            <p:ph type="sldImg" idx="2"/>
+          </p:nvPr>
+        </p:nvSpPr>
+        <p:spPr>
+          <a:xfrm>
+            <a:off x="1768475" y="1239838"/>
+            <a:ext cx="3270250" cy="3348037"/>
+          </a:xfrm>
+          <a:prstGeom prst="rect">
+            <a:avLst/>
+          </a:prstGeom>
+          <a:noFill/>
+          <a:ln w="12700">
+            <a:solidFill>
+              <a:prstClr val="black"/>
+            </a:solidFill>
+          </a:ln>
+        </p:spPr>
+        <p:txBody>
+          <a:bodyPr vert="horz" lIns="91440" tIns="45720" rIns="91440" bIns="45720" rtlCol="0" anchor="ctr"/>
+          <a:lstStyle/>
+          <a:p>
+            <a:endParaRPr lang="en-AU"/>
+          </a:p>
+        </p:txBody>
+      </p:sp>
+      <p:sp>
+        <p:nvSpPr>
+          <p:cNvPr id="5" name="Notes Placeholder 4"/>
+          <p:cNvSpPr>
+            <a:spLocks noGrp="1"/>
+          </p:cNvSpPr>
+          <p:nvPr>
+            <p:ph type="body" sz="quarter" idx="3"/>
+          </p:nvPr>
+        </p:nvSpPr>
+        <p:spPr>
+          <a:xfrm>
+            <a:off x="681038" y="4773613"/>
+            <a:ext cx="5445125" cy="3905250"/>
+          </a:xfrm>
+          <a:prstGeom prst="rect">
+            <a:avLst/>
+          </a:prstGeom>
+        </p:spPr>
+        <p:txBody>
+          <a:bodyPr vert="horz" lIns="91440" tIns="45720" rIns="91440" bIns="45720" rtlCol="0"/>
+          <a:lstStyle/>
+          <a:p>
+            <a:pPr lvl="0"/>
+            <a:r>
+              <a:rPr lang="en-US" smtClean="0"/>
+              <a:t>Click to edit Master text styles</a:t>
+            </a:r>
+          </a:p>
+          <a:p>
+            <a:pPr lvl="1"/>
+            <a:r>
+              <a:rPr lang="en-US" smtClean="0"/>
+              <a:t>Second level</a:t>
+            </a:r>
+          </a:p>
+          <a:p>
+            <a:pPr lvl="2"/>
+            <a:r>
+              <a:rPr lang="en-US" smtClean="0"/>
+              <a:t>Third level</a:t>
+            </a:r>
+          </a:p>
+          <a:p>
+            <a:pPr lvl="3"/>
+            <a:r>
+              <a:rPr lang="en-US" smtClean="0"/>
+              <a:t>Fourth level</a:t>
+            </a:r>
+          </a:p>
+          <a:p>
+            <a:pPr lvl="4"/>
+            <a:r>
+              <a:rPr lang="en-US" smtClean="0"/>
+              <a:t>Fifth level</a:t>
+            </a:r>
+            <a:endParaRPr lang="en-AU"/>
+          </a:p>
+        </p:txBody>
+      </p:sp>
+      <p:sp>
+        <p:nvSpPr>
+          <p:cNvPr id="6" name="Footer Placeholder 5"/>
+          <p:cNvSpPr>
+            <a:spLocks noGrp="1"/>
+          </p:cNvSpPr>
+          <p:nvPr>
+            <p:ph type="ftr" sz="quarter" idx="4"/>
+          </p:nvPr>
+        </p:nvSpPr>
+        <p:spPr>
+          <a:xfrm>
+            <a:off x="0" y="9421813"/>
+            <a:ext cx="2949575" cy="496887"/>
+          </a:xfrm>
+          <a:prstGeom prst="rect">
+            <a:avLst/>
+          </a:prstGeom>
+        </p:spPr>
+        <p:txBody>
+          <a:bodyPr vert="horz" lIns="91440" tIns="45720" rIns="91440" bIns="45720" rtlCol="0" anchor="b"/>
+          <a:lstStyle>
+            <a:lvl1pPr algn="l">
+              <a:defRPr sz="1200"/>
+            </a:lvl1pPr>
+          </a:lstStyle>
+          <a:p>
+            <a:endParaRPr lang="en-AU"/>
+          </a:p>
+        </p:txBody>
+      </p:sp>
+      <p:sp>
+        <p:nvSpPr>
+          <p:cNvPr id="7" name="Slide Number Placeholder 6"/>
+          <p:cNvSpPr>
+            <a:spLocks noGrp="1"/>
+          </p:cNvSpPr>
+          <p:nvPr>
+            <p:ph type="sldNum" sz="quarter" idx="5"/>
+          </p:nvPr>
+        </p:nvSpPr>
+        <p:spPr>
+          <a:xfrm>
+            <a:off x="3856039" y="9421813"/>
+            <a:ext cx="2949575" cy="496887"/>
+          </a:xfrm>
+          <a:prstGeom prst="rect">
+            <a:avLst/>
+          </a:prstGeom>
+        </p:spPr>
+        <p:txBody>
+          <a:bodyPr vert="horz" lIns="91440" tIns="45720" rIns="91440" bIns="45720" rtlCol="0" anchor="b"/>
+          <a:lstStyle>
+            <a:lvl1pPr algn="r">
+              <a:defRPr sz="1200"/>
+            </a:lvl1pPr>
+          </a:lstStyle>
+          <a:p>
+            <a:fld id="{882305D7-EB09-4A51-94FF-B39B0C90A039}" type="slidenum">
+              <a:rPr lang="en-AU" smtClean="0"/>
+              <a:t>‹#›</a:t>
+            </a:fld>
+            <a:endParaRPr lang="en-AU"/>
+          </a:p>
+        </p:txBody>
+      </p:sp>
+    </p:spTree>
+    <p:extLst>
+      <p:ext uri="{BB962C8B-B14F-4D97-AF65-F5344CB8AC3E}">
+        <p14:creationId xmlns:p14="http://schemas.microsoft.com/office/powerpoint/2010/main" val="2388773714"/>
+      </p:ext>
+    </p:extLst>
+  </p:cSld>
+  <p:clrMap bg1="lt1" tx1="dk1" bg2="lt2" tx2="dk2" accent1="accent1" accent2="accent2" accent3="accent3" accent4="accent4" accent5="accent5" accent6="accent6" hlink="hlink" folHlink="folHlink"/>
+  <p:notesStyle>
+    <a:lvl1pPr marL="0" algn="l" defTabSz="914321" rtl="0" eaLnBrk="1" latinLnBrk="0" hangingPunct="1">
+      <a:defRPr sz="1200" kern="1200">
+        <a:solidFill>
+          <a:schemeClr val="tx1"/>
+        </a:solidFill>
+        <a:latin typeface="+mn-lt"/>
+        <a:ea typeface="+mn-ea"/>
+        <a:cs typeface="+mn-cs"/>
+      </a:defRPr>
+    </a:lvl1pPr>
+    <a:lvl2pPr marL="457161" algn="l" defTabSz="914321" rtl="0" eaLnBrk="1" latinLnBrk="0" hangingPunct="1">
+      <a:defRPr sz="1200" kern="1200">
+        <a:solidFill>
+          <a:schemeClr val="tx1"/>
+        </a:solidFill>
+        <a:latin typeface="+mn-lt"/>
+        <a:ea typeface="+mn-ea"/>
+        <a:cs typeface="+mn-cs"/>
+      </a:defRPr>
+    </a:lvl2pPr>
+    <a:lvl3pPr marL="914321" algn="l" defTabSz="914321" rtl="0" eaLnBrk="1" latinLnBrk="0" hangingPunct="1">
+      <a:defRPr sz="1200" kern="1200">
+        <a:solidFill>
+          <a:schemeClr val="tx1"/>
+        </a:solidFill>
+        <a:latin typeface="+mn-lt"/>
+        <a:ea typeface="+mn-ea"/>
+        <a:cs typeface="+mn-cs"/>
+      </a:defRPr>
+    </a:lvl3pPr>
+    <a:lvl4pPr marL="1371482" algn="l" defTabSz="914321" rtl="0" eaLnBrk="1" latinLnBrk="0" hangingPunct="1">
+      <a:defRPr sz="1200" kern="1200">
+        <a:solidFill>
+          <a:schemeClr val="tx1"/>
+        </a:solidFill>
+        <a:latin typeface="+mn-lt"/>
+        <a:ea typeface="+mn-ea"/>
+        <a:cs typeface="+mn-cs"/>
+      </a:defRPr>
+    </a:lvl4pPr>
+    <a:lvl5pPr marL="1828643" algn="l" defTabSz="914321" rtl="0" eaLnBrk="1" latinLnBrk="0" hangingPunct="1">
+      <a:defRPr sz="1200" kern="1200">
+        <a:solidFill>
+          <a:schemeClr val="tx1"/>
+        </a:solidFill>
+        <a:latin typeface="+mn-lt"/>
+        <a:ea typeface="+mn-ea"/>
+        <a:cs typeface="+mn-cs"/>
+      </a:defRPr>
+    </a:lvl5pPr>
+    <a:lvl6pPr marL="2285803" algn="l" defTabSz="914321" rtl="0" eaLnBrk="1" latinLnBrk="0" hangingPunct="1">
+      <a:defRPr sz="1200" kern="1200">
+        <a:solidFill>
+          <a:schemeClr val="tx1"/>
+        </a:solidFill>
+        <a:latin typeface="+mn-lt"/>
+        <a:ea typeface="+mn-ea"/>
+        <a:cs typeface="+mn-cs"/>
+      </a:defRPr>
+    </a:lvl6pPr>
+    <a:lvl7pPr marL="2742963" algn="l" defTabSz="914321" rtl="0" eaLnBrk="1" latinLnBrk="0" hangingPunct="1">
+      <a:defRPr sz="1200" kern="1200">
+        <a:solidFill>
+          <a:schemeClr val="tx1"/>
+        </a:solidFill>
+        <a:latin typeface="+mn-lt"/>
+        <a:ea typeface="+mn-ea"/>
+        <a:cs typeface="+mn-cs"/>
+      </a:defRPr>
+    </a:lvl7pPr>
+    <a:lvl8pPr marL="3200124" algn="l" defTabSz="914321" rtl="0" eaLnBrk="1" latinLnBrk="0" hangingPunct="1">
+      <a:defRPr sz="1200" kern="1200">
+        <a:solidFill>
+          <a:schemeClr val="tx1"/>
+        </a:solidFill>
+        <a:latin typeface="+mn-lt"/>
+        <a:ea typeface="+mn-ea"/>
+        <a:cs typeface="+mn-cs"/>
+      </a:defRPr>
+    </a:lvl8pPr>
+    <a:lvl9pPr marL="3657284" algn="l" defTabSz="914321" rtl="0" eaLnBrk="1" latinLnBrk="0" hangingPunct="1">
+      <a:defRPr sz="1200" kern="1200">
+        <a:solidFill>
+          <a:schemeClr val="tx1"/>
+        </a:solidFill>
+        <a:latin typeface="+mn-lt"/>
+        <a:ea typeface="+mn-ea"/>
+        <a:cs typeface="+mn-cs"/>
+      </a:defRPr>
+    </a:lvl9pPr>
+  </p:notesStyle>
+</p:notesMaster>
+</file>
+
+<file path=ppt/notesSlides/notesSlide1.xml><?xml version="1.0" encoding="utf-8"?>
+<p:notes xmlns:a="http://schemas.openxmlformats.org/drawingml/2006/main" xmlns:r="http://schemas.openxmlformats.org/officeDocument/2006/relationships" xmlns:p="http://schemas.openxmlformats.org/presentationml/2006/main">
+  <p:cSld>
+    <p:spTree>
+      <p:nvGrpSpPr>
+        <p:cNvPr id="1" name=""/>
+        <p:cNvGrpSpPr/>
+        <p:nvPr/>
+      </p:nvGrpSpPr>
+      <p:grpSpPr>
+        <a:xfrm>
+          <a:off x="0" y="0"/>
+          <a:ext cx="0" cy="0"/>
+          <a:chOff x="0" y="0"/>
+          <a:chExt cx="0" cy="0"/>
+        </a:xfrm>
+      </p:grpSpPr>
+      <p:sp>
+        <p:nvSpPr>
+          <p:cNvPr id="2" name="Slide Image Placeholder 1"/>
+          <p:cNvSpPr>
+            <a:spLocks noGrp="1" noRot="1" noChangeAspect="1"/>
+          </p:cNvSpPr>
+          <p:nvPr>
+            <p:ph type="sldImg"/>
+          </p:nvPr>
+        </p:nvSpPr>
+        <p:spPr>
+          <a:xfrm>
+            <a:off x="1768475" y="1239838"/>
+            <a:ext cx="3270250" cy="3348037"/>
+          </a:xfrm>
+        </p:spPr>
+      </p:sp>
+      <p:sp>
+        <p:nvSpPr>
+          <p:cNvPr id="3" name="Notes Placeholder 2"/>
+          <p:cNvSpPr>
+            <a:spLocks noGrp="1"/>
+          </p:cNvSpPr>
+          <p:nvPr>
+            <p:ph type="body" idx="1"/>
+          </p:nvPr>
+        </p:nvSpPr>
+        <p:spPr/>
+        <p:txBody>
+          <a:bodyPr/>
+          <a:lstStyle/>
+          <a:p>
+            <a:endParaRPr lang="en-AU"/>
+          </a:p>
+        </p:txBody>
+      </p:sp>
+      <p:sp>
+        <p:nvSpPr>
+          <p:cNvPr id="4" name="Slide Number Placeholder 3"/>
+          <p:cNvSpPr>
+            <a:spLocks noGrp="1"/>
+          </p:cNvSpPr>
+          <p:nvPr>
+            <p:ph type="sldNum" sz="quarter" idx="10"/>
+          </p:nvPr>
+        </p:nvSpPr>
+        <p:spPr/>
+        <p:txBody>
+          <a:bodyPr/>
+          <a:lstStyle/>
+          <a:p>
+            <a:fld id="{882305D7-EB09-4A51-94FF-B39B0C90A039}" type="slidenum">
+              <a:rPr lang="en-AU" smtClean="0"/>
+              <a:t>2</a:t>
+            </a:fld>
+            <a:endParaRPr lang="en-AU"/>
+          </a:p>
+        </p:txBody>
+      </p:sp>
+    </p:spTree>
+    <p:extLst>
+      <p:ext uri="{BB962C8B-B14F-4D97-AF65-F5344CB8AC3E}">
+        <p14:creationId xmlns:p14="http://schemas.microsoft.com/office/powerpoint/2010/main" val="3473051670"/>
+      </p:ext>
+    </p:extLst>
+  </p:cSld>
+  <p:clrMapOvr>
+    <a:masterClrMapping/>
+  </p:clrMapOvr>
+</p:notes>
 </file>
 
 <file path=ppt/slideLayouts/slideLayout1.xml><?xml version="1.0" encoding="utf-8"?>
@@ -143,8 +584,8 @@
         </p:nvSpPr>
         <p:spPr>
           <a:xfrm>
-            <a:off x="685800" y="1767462"/>
-            <a:ext cx="7772400" cy="3759917"/>
+            <a:off x="685801" y="1531818"/>
+            <a:ext cx="7772400" cy="3258632"/>
           </a:xfrm>
         </p:spPr>
         <p:txBody>
@@ -175,8 +616,8 @@
         </p:nvSpPr>
         <p:spPr>
           <a:xfrm>
-            <a:off x="1143000" y="5672376"/>
-            <a:ext cx="6858000" cy="2607442"/>
+            <a:off x="1143001" y="4916117"/>
+            <a:ext cx="6858000" cy="2259809"/>
           </a:xfrm>
         </p:spPr>
         <p:txBody>
@@ -245,7 +686,7 @@
           <a:p>
             <a:fld id="{CBEC48C1-88EF-40BB-A6F8-168F32703100}" type="datetimeFigureOut">
               <a:rPr lang="en-AU" smtClean="0"/>
-              <a:t>23/08/2015</a:t>
+              <a:t>14/09/2015</a:t>
             </a:fld>
             <a:endParaRPr lang="en-AU"/>
           </a:p>
@@ -296,7 +737,7 @@
     </p:spTree>
     <p:extLst>
       <p:ext uri="{BB962C8B-B14F-4D97-AF65-F5344CB8AC3E}">
-        <p14:creationId xmlns:p14="http://schemas.microsoft.com/office/powerpoint/2010/main" val="2510221400"/>
+        <p14:creationId xmlns:p14="http://schemas.microsoft.com/office/powerpoint/2010/main" val="3730501648"/>
       </p:ext>
     </p:extLst>
   </p:cSld>
@@ -415,7 +856,7 @@
           <a:p>
             <a:fld id="{CBEC48C1-88EF-40BB-A6F8-168F32703100}" type="datetimeFigureOut">
               <a:rPr lang="en-AU" smtClean="0"/>
-              <a:t>23/08/2015</a:t>
+              <a:t>14/09/2015</a:t>
             </a:fld>
             <a:endParaRPr lang="en-AU"/>
           </a:p>
@@ -466,7 +907,7 @@
     </p:spTree>
     <p:extLst>
       <p:ext uri="{BB962C8B-B14F-4D97-AF65-F5344CB8AC3E}">
-        <p14:creationId xmlns:p14="http://schemas.microsoft.com/office/powerpoint/2010/main" val="2306902807"/>
+        <p14:creationId xmlns:p14="http://schemas.microsoft.com/office/powerpoint/2010/main" val="2127387274"/>
       </p:ext>
     </p:extLst>
   </p:cSld>
@@ -505,8 +946,8 @@
         </p:nvSpPr>
         <p:spPr>
           <a:xfrm>
-            <a:off x="6543676" y="574987"/>
-            <a:ext cx="1971675" cy="9152300"/>
+            <a:off x="6543676" y="498330"/>
+            <a:ext cx="1971676" cy="7932083"/>
           </a:xfrm>
         </p:spPr>
         <p:txBody>
@@ -533,8 +974,8 @@
         </p:nvSpPr>
         <p:spPr>
           <a:xfrm>
-            <a:off x="628651" y="574987"/>
-            <a:ext cx="5800725" cy="9152300"/>
+            <a:off x="628652" y="498330"/>
+            <a:ext cx="5800725" cy="7932083"/>
           </a:xfrm>
         </p:spPr>
         <p:txBody>
@@ -595,7 +1036,7 @@
           <a:p>
             <a:fld id="{CBEC48C1-88EF-40BB-A6F8-168F32703100}" type="datetimeFigureOut">
               <a:rPr lang="en-AU" smtClean="0"/>
-              <a:t>23/08/2015</a:t>
+              <a:t>14/09/2015</a:t>
             </a:fld>
             <a:endParaRPr lang="en-AU"/>
           </a:p>
@@ -646,7 +1087,7 @@
     </p:spTree>
     <p:extLst>
       <p:ext uri="{BB962C8B-B14F-4D97-AF65-F5344CB8AC3E}">
-        <p14:creationId xmlns:p14="http://schemas.microsoft.com/office/powerpoint/2010/main" val="859478867"/>
+        <p14:creationId xmlns:p14="http://schemas.microsoft.com/office/powerpoint/2010/main" val="4043198958"/>
       </p:ext>
     </p:extLst>
   </p:cSld>
@@ -765,7 +1206,7 @@
           <a:p>
             <a:fld id="{CBEC48C1-88EF-40BB-A6F8-168F32703100}" type="datetimeFigureOut">
               <a:rPr lang="en-AU" smtClean="0"/>
-              <a:t>23/08/2015</a:t>
+              <a:t>14/09/2015</a:t>
             </a:fld>
             <a:endParaRPr lang="en-AU"/>
           </a:p>
@@ -816,7 +1257,7 @@
     </p:spTree>
     <p:extLst>
       <p:ext uri="{BB962C8B-B14F-4D97-AF65-F5344CB8AC3E}">
-        <p14:creationId xmlns:p14="http://schemas.microsoft.com/office/powerpoint/2010/main" val="2753252368"/>
+        <p14:creationId xmlns:p14="http://schemas.microsoft.com/office/powerpoint/2010/main" val="3890777773"/>
       </p:ext>
     </p:extLst>
   </p:cSld>
@@ -855,8 +1296,8 @@
         </p:nvSpPr>
         <p:spPr>
           <a:xfrm>
-            <a:off x="623888" y="2692444"/>
-            <a:ext cx="7886700" cy="4492401"/>
+            <a:off x="623887" y="2333478"/>
+            <a:ext cx="7886700" cy="3893458"/>
           </a:xfrm>
         </p:spPr>
         <p:txBody>
@@ -887,8 +1328,8 @@
         </p:nvSpPr>
         <p:spPr>
           <a:xfrm>
-            <a:off x="623888" y="7227345"/>
-            <a:ext cx="7886700" cy="2362447"/>
+            <a:off x="623887" y="6263770"/>
+            <a:ext cx="7886700" cy="2047477"/>
           </a:xfrm>
         </p:spPr>
         <p:txBody>
@@ -1009,7 +1450,7 @@
           <a:p>
             <a:fld id="{CBEC48C1-88EF-40BB-A6F8-168F32703100}" type="datetimeFigureOut">
               <a:rPr lang="en-AU" smtClean="0"/>
-              <a:t>23/08/2015</a:t>
+              <a:t>14/09/2015</a:t>
             </a:fld>
             <a:endParaRPr lang="en-AU"/>
           </a:p>
@@ -1060,7 +1501,7 @@
     </p:spTree>
     <p:extLst>
       <p:ext uri="{BB962C8B-B14F-4D97-AF65-F5344CB8AC3E}">
-        <p14:creationId xmlns:p14="http://schemas.microsoft.com/office/powerpoint/2010/main" val="1137367456"/>
+        <p14:creationId xmlns:p14="http://schemas.microsoft.com/office/powerpoint/2010/main" val="3031678311"/>
       </p:ext>
     </p:extLst>
   </p:cSld>
@@ -1122,8 +1563,8 @@
         </p:nvSpPr>
         <p:spPr>
           <a:xfrm>
-            <a:off x="628650" y="2874937"/>
-            <a:ext cx="3886200" cy="6852350"/>
+            <a:off x="628650" y="2491642"/>
+            <a:ext cx="3886200" cy="5938771"/>
           </a:xfrm>
         </p:spPr>
         <p:txBody>
@@ -1179,8 +1620,8 @@
         </p:nvSpPr>
         <p:spPr>
           <a:xfrm>
-            <a:off x="4629150" y="2874937"/>
-            <a:ext cx="3886200" cy="6852350"/>
+            <a:off x="4629150" y="2491642"/>
+            <a:ext cx="3886200" cy="5938771"/>
           </a:xfrm>
         </p:spPr>
         <p:txBody>
@@ -1241,7 +1682,7 @@
           <a:p>
             <a:fld id="{CBEC48C1-88EF-40BB-A6F8-168F32703100}" type="datetimeFigureOut">
               <a:rPr lang="en-AU" smtClean="0"/>
-              <a:t>23/08/2015</a:t>
+              <a:t>14/09/2015</a:t>
             </a:fld>
             <a:endParaRPr lang="en-AU"/>
           </a:p>
@@ -1292,7 +1733,7 @@
     </p:spTree>
     <p:extLst>
       <p:ext uri="{BB962C8B-B14F-4D97-AF65-F5344CB8AC3E}">
-        <p14:creationId xmlns:p14="http://schemas.microsoft.com/office/powerpoint/2010/main" val="1200496061"/>
+        <p14:creationId xmlns:p14="http://schemas.microsoft.com/office/powerpoint/2010/main" val="3358086754"/>
       </p:ext>
     </p:extLst>
   </p:cSld>
@@ -1331,8 +1772,8 @@
         </p:nvSpPr>
         <p:spPr>
           <a:xfrm>
-            <a:off x="629841" y="574990"/>
-            <a:ext cx="7886700" cy="2087455"/>
+            <a:off x="629840" y="498330"/>
+            <a:ext cx="7886700" cy="1809148"/>
           </a:xfrm>
         </p:spPr>
         <p:txBody>
@@ -1359,8 +1800,8 @@
         </p:nvSpPr>
         <p:spPr>
           <a:xfrm>
-            <a:off x="629842" y="2647443"/>
-            <a:ext cx="3868340" cy="1297471"/>
+            <a:off x="629842" y="2294478"/>
+            <a:ext cx="3868340" cy="1124487"/>
           </a:xfrm>
         </p:spPr>
         <p:txBody>
@@ -1424,8 +1865,8 @@
         </p:nvSpPr>
         <p:spPr>
           <a:xfrm>
-            <a:off x="629842" y="3944914"/>
-            <a:ext cx="3868340" cy="5802373"/>
+            <a:off x="629842" y="3418964"/>
+            <a:ext cx="3868340" cy="5028780"/>
           </a:xfrm>
         </p:spPr>
         <p:txBody>
@@ -1481,8 +1922,8 @@
         </p:nvSpPr>
         <p:spPr>
           <a:xfrm>
-            <a:off x="4629151" y="2647443"/>
-            <a:ext cx="3887391" cy="1297471"/>
+            <a:off x="4629152" y="2294478"/>
+            <a:ext cx="3887391" cy="1124487"/>
           </a:xfrm>
         </p:spPr>
         <p:txBody>
@@ -1546,8 +1987,8 @@
         </p:nvSpPr>
         <p:spPr>
           <a:xfrm>
-            <a:off x="4629151" y="3944914"/>
-            <a:ext cx="3887391" cy="5802373"/>
+            <a:off x="4629152" y="3418964"/>
+            <a:ext cx="3887391" cy="5028780"/>
           </a:xfrm>
         </p:spPr>
         <p:txBody>
@@ -1608,7 +2049,7 @@
           <a:p>
             <a:fld id="{CBEC48C1-88EF-40BB-A6F8-168F32703100}" type="datetimeFigureOut">
               <a:rPr lang="en-AU" smtClean="0"/>
-              <a:t>23/08/2015</a:t>
+              <a:t>14/09/2015</a:t>
             </a:fld>
             <a:endParaRPr lang="en-AU"/>
           </a:p>
@@ -1659,7 +2100,7 @@
     </p:spTree>
     <p:extLst>
       <p:ext uri="{BB962C8B-B14F-4D97-AF65-F5344CB8AC3E}">
-        <p14:creationId xmlns:p14="http://schemas.microsoft.com/office/powerpoint/2010/main" val="2778731061"/>
+        <p14:creationId xmlns:p14="http://schemas.microsoft.com/office/powerpoint/2010/main" val="2849449316"/>
       </p:ext>
     </p:extLst>
   </p:cSld>
@@ -1726,7 +2167,7 @@
           <a:p>
             <a:fld id="{CBEC48C1-88EF-40BB-A6F8-168F32703100}" type="datetimeFigureOut">
               <a:rPr lang="en-AU" smtClean="0"/>
-              <a:t>23/08/2015</a:t>
+              <a:t>14/09/2015</a:t>
             </a:fld>
             <a:endParaRPr lang="en-AU"/>
           </a:p>
@@ -1777,7 +2218,7 @@
     </p:spTree>
     <p:extLst>
       <p:ext uri="{BB962C8B-B14F-4D97-AF65-F5344CB8AC3E}">
-        <p14:creationId xmlns:p14="http://schemas.microsoft.com/office/powerpoint/2010/main" val="3890541201"/>
+        <p14:creationId xmlns:p14="http://schemas.microsoft.com/office/powerpoint/2010/main" val="3160667048"/>
       </p:ext>
     </p:extLst>
   </p:cSld>
@@ -1821,7 +2262,7 @@
           <a:p>
             <a:fld id="{CBEC48C1-88EF-40BB-A6F8-168F32703100}" type="datetimeFigureOut">
               <a:rPr lang="en-AU" smtClean="0"/>
-              <a:t>23/08/2015</a:t>
+              <a:t>14/09/2015</a:t>
             </a:fld>
             <a:endParaRPr lang="en-AU"/>
           </a:p>
@@ -1872,7 +2313,7 @@
     </p:spTree>
     <p:extLst>
       <p:ext uri="{BB962C8B-B14F-4D97-AF65-F5344CB8AC3E}">
-        <p14:creationId xmlns:p14="http://schemas.microsoft.com/office/powerpoint/2010/main" val="3339085855"/>
+        <p14:creationId xmlns:p14="http://schemas.microsoft.com/office/powerpoint/2010/main" val="385192518"/>
       </p:ext>
     </p:extLst>
   </p:cSld>
@@ -1911,8 +2352,8 @@
         </p:nvSpPr>
         <p:spPr>
           <a:xfrm>
-            <a:off x="629841" y="719984"/>
-            <a:ext cx="2949178" cy="2519945"/>
+            <a:off x="629842" y="623995"/>
+            <a:ext cx="2949178" cy="2183977"/>
           </a:xfrm>
         </p:spPr>
         <p:txBody>
@@ -1943,8 +2384,8 @@
         </p:nvSpPr>
         <p:spPr>
           <a:xfrm>
-            <a:off x="3887391" y="1554968"/>
-            <a:ext cx="4629150" cy="7674832"/>
+            <a:off x="3887392" y="1347654"/>
+            <a:ext cx="4629150" cy="6651596"/>
           </a:xfrm>
         </p:spPr>
         <p:txBody>
@@ -2028,8 +2469,8 @@
         </p:nvSpPr>
         <p:spPr>
           <a:xfrm>
-            <a:off x="629841" y="3239929"/>
-            <a:ext cx="2949178" cy="6002369"/>
+            <a:off x="629842" y="2807970"/>
+            <a:ext cx="2949178" cy="5202112"/>
           </a:xfrm>
         </p:spPr>
         <p:txBody>
@@ -2098,7 +2539,7 @@
           <a:p>
             <a:fld id="{CBEC48C1-88EF-40BB-A6F8-168F32703100}" type="datetimeFigureOut">
               <a:rPr lang="en-AU" smtClean="0"/>
-              <a:t>23/08/2015</a:t>
+              <a:t>14/09/2015</a:t>
             </a:fld>
             <a:endParaRPr lang="en-AU"/>
           </a:p>
@@ -2149,7 +2590,7 @@
     </p:spTree>
     <p:extLst>
       <p:ext uri="{BB962C8B-B14F-4D97-AF65-F5344CB8AC3E}">
-        <p14:creationId xmlns:p14="http://schemas.microsoft.com/office/powerpoint/2010/main" val="2581289449"/>
+        <p14:creationId xmlns:p14="http://schemas.microsoft.com/office/powerpoint/2010/main" val="888754512"/>
       </p:ext>
     </p:extLst>
   </p:cSld>
@@ -2188,8 +2629,8 @@
         </p:nvSpPr>
         <p:spPr>
           <a:xfrm>
-            <a:off x="629841" y="719984"/>
-            <a:ext cx="2949178" cy="2519945"/>
+            <a:off x="629842" y="623995"/>
+            <a:ext cx="2949178" cy="2183977"/>
           </a:xfrm>
         </p:spPr>
         <p:txBody>
@@ -2220,8 +2661,8 @@
         </p:nvSpPr>
         <p:spPr>
           <a:xfrm>
-            <a:off x="3887391" y="1554968"/>
-            <a:ext cx="4629150" cy="7674832"/>
+            <a:off x="3887392" y="1347654"/>
+            <a:ext cx="4629150" cy="6651596"/>
           </a:xfrm>
         </p:spPr>
         <p:txBody>
@@ -2285,8 +2726,8 @@
         </p:nvSpPr>
         <p:spPr>
           <a:xfrm>
-            <a:off x="629841" y="3239929"/>
-            <a:ext cx="2949178" cy="6002369"/>
+            <a:off x="629842" y="2807970"/>
+            <a:ext cx="2949178" cy="5202112"/>
           </a:xfrm>
         </p:spPr>
         <p:txBody>
@@ -2355,7 +2796,7 @@
           <a:p>
             <a:fld id="{CBEC48C1-88EF-40BB-A6F8-168F32703100}" type="datetimeFigureOut">
               <a:rPr lang="en-AU" smtClean="0"/>
-              <a:t>23/08/2015</a:t>
+              <a:t>14/09/2015</a:t>
             </a:fld>
             <a:endParaRPr lang="en-AU"/>
           </a:p>
@@ -2406,7 +2847,7 @@
     </p:spTree>
     <p:extLst>
       <p:ext uri="{BB962C8B-B14F-4D97-AF65-F5344CB8AC3E}">
-        <p14:creationId xmlns:p14="http://schemas.microsoft.com/office/powerpoint/2010/main" val="3951116299"/>
+        <p14:creationId xmlns:p14="http://schemas.microsoft.com/office/powerpoint/2010/main" val="763044828"/>
       </p:ext>
     </p:extLst>
   </p:cSld>
@@ -2450,8 +2891,8 @@
         </p:nvSpPr>
         <p:spPr>
           <a:xfrm>
-            <a:off x="628650" y="574990"/>
-            <a:ext cx="7886700" cy="2087455"/>
+            <a:off x="628651" y="498330"/>
+            <a:ext cx="7886700" cy="1809148"/>
           </a:xfrm>
           <a:prstGeom prst="rect">
             <a:avLst/>
@@ -2483,8 +2924,8 @@
         </p:nvSpPr>
         <p:spPr>
           <a:xfrm>
-            <a:off x="628650" y="2874937"/>
-            <a:ext cx="7886700" cy="6852350"/>
+            <a:off x="628651" y="2491642"/>
+            <a:ext cx="7886700" cy="5938771"/>
           </a:xfrm>
           <a:prstGeom prst="rect">
             <a:avLst/>
@@ -2545,8 +2986,8 @@
         </p:nvSpPr>
         <p:spPr>
           <a:xfrm>
-            <a:off x="628650" y="10009783"/>
-            <a:ext cx="2057400" cy="574987"/>
+            <a:off x="628650" y="8675243"/>
+            <a:ext cx="2057400" cy="498328"/>
           </a:xfrm>
           <a:prstGeom prst="rect">
             <a:avLst/>
@@ -2568,7 +3009,7 @@
           <a:p>
             <a:fld id="{CBEC48C1-88EF-40BB-A6F8-168F32703100}" type="datetimeFigureOut">
               <a:rPr lang="en-AU" smtClean="0"/>
-              <a:t>23/08/2015</a:t>
+              <a:t>14/09/2015</a:t>
             </a:fld>
             <a:endParaRPr lang="en-AU"/>
           </a:p>
@@ -2586,8 +3027,8 @@
         </p:nvSpPr>
         <p:spPr>
           <a:xfrm>
-            <a:off x="3028950" y="10009783"/>
-            <a:ext cx="3086100" cy="574987"/>
+            <a:off x="3028951" y="8675243"/>
+            <a:ext cx="3086100" cy="498328"/>
           </a:xfrm>
           <a:prstGeom prst="rect">
             <a:avLst/>
@@ -2623,8 +3064,8 @@
         </p:nvSpPr>
         <p:spPr>
           <a:xfrm>
-            <a:off x="6457950" y="10009783"/>
-            <a:ext cx="2057400" cy="574987"/>
+            <a:off x="6457951" y="8675243"/>
+            <a:ext cx="2057400" cy="498328"/>
           </a:xfrm>
           <a:prstGeom prst="rect">
             <a:avLst/>
@@ -2655,23 +3096,23 @@
     </p:spTree>
     <p:extLst>
       <p:ext uri="{BB962C8B-B14F-4D97-AF65-F5344CB8AC3E}">
-        <p14:creationId xmlns:p14="http://schemas.microsoft.com/office/powerpoint/2010/main" val="3490155223"/>
+        <p14:creationId xmlns:p14="http://schemas.microsoft.com/office/powerpoint/2010/main" val="1779964279"/>
       </p:ext>
     </p:extLst>
   </p:cSld>
   <p:clrMap bg1="lt1" tx1="dk1" bg2="lt2" tx2="dk2" accent1="accent1" accent2="accent2" accent3="accent3" accent4="accent4" accent5="accent5" accent6="accent6" hlink="hlink" folHlink="folHlink"/>
   <p:sldLayoutIdLst>
-    <p:sldLayoutId id="2147483673" r:id="rId1"/>
-    <p:sldLayoutId id="2147483674" r:id="rId2"/>
-    <p:sldLayoutId id="2147483675" r:id="rId3"/>
-    <p:sldLayoutId id="2147483676" r:id="rId4"/>
-    <p:sldLayoutId id="2147483677" r:id="rId5"/>
-    <p:sldLayoutId id="2147483678" r:id="rId6"/>
-    <p:sldLayoutId id="2147483679" r:id="rId7"/>
-    <p:sldLayoutId id="2147483680" r:id="rId8"/>
-    <p:sldLayoutId id="2147483681" r:id="rId9"/>
-    <p:sldLayoutId id="2147483682" r:id="rId10"/>
-    <p:sldLayoutId id="2147483683" r:id="rId11"/>
+    <p:sldLayoutId id="2147483709" r:id="rId1"/>
+    <p:sldLayoutId id="2147483710" r:id="rId2"/>
+    <p:sldLayoutId id="2147483711" r:id="rId3"/>
+    <p:sldLayoutId id="2147483712" r:id="rId4"/>
+    <p:sldLayoutId id="2147483713" r:id="rId5"/>
+    <p:sldLayoutId id="2147483714" r:id="rId6"/>
+    <p:sldLayoutId id="2147483715" r:id="rId7"/>
+    <p:sldLayoutId id="2147483716" r:id="rId8"/>
+    <p:sldLayoutId id="2147483717" r:id="rId9"/>
+    <p:sldLayoutId id="2147483718" r:id="rId10"/>
+    <p:sldLayoutId id="2147483719" r:id="rId11"/>
   </p:sldLayoutIdLst>
   <p:txStyles>
     <p:titleStyle>
@@ -2981,8 +3422,8 @@
         </p:nvSpPr>
         <p:spPr>
           <a:xfrm>
-            <a:off x="1957044" y="4988685"/>
-            <a:ext cx="1840556" cy="473080"/>
+            <a:off x="2357959" y="4331796"/>
+            <a:ext cx="1558373" cy="400550"/>
           </a:xfrm>
           <a:prstGeom prst="roundRect">
             <a:avLst/>
@@ -3012,7 +3453,7 @@
           </a:fontRef>
         </p:style>
         <p:txBody>
-          <a:bodyPr rot="0" spcFirstLastPara="0" vertOverflow="overflow" horzOverflow="overflow" vert="horz" wrap="square" lIns="91440" tIns="45720" rIns="91440" bIns="45720" numCol="1" spcCol="0" rtlCol="0" fromWordArt="0" anchor="ctr" anchorCtr="0" forceAA="0" compatLnSpc="1">
+          <a:bodyPr rot="0" spcFirstLastPara="0" vertOverflow="overflow" horzOverflow="overflow" vert="horz" wrap="square" lIns="77421" tIns="38710" rIns="77421" bIns="38710" numCol="1" spcCol="0" rtlCol="0" fromWordArt="0" anchor="ctr" anchorCtr="0" forceAA="0" compatLnSpc="1">
             <a:prstTxWarp prst="textNoShape">
               <a:avLst/>
             </a:prstTxWarp>
@@ -3021,7 +3462,7 @@
           <a:lstStyle/>
           <a:p>
             <a:pPr algn="ctr"/>
-            <a:endParaRPr lang="en-AU"/>
+            <a:endParaRPr lang="en-AU" sz="1524"/>
           </a:p>
         </p:txBody>
       </p:sp>
@@ -3033,8 +3474,8 @@
         </p:nvSpPr>
         <p:spPr>
           <a:xfrm>
-            <a:off x="1957044" y="4988687"/>
-            <a:ext cx="1840556" cy="523220"/>
+            <a:off x="2357959" y="4331797"/>
+            <a:ext cx="1558373" cy="457048"/>
           </a:xfrm>
           <a:prstGeom prst="rect">
             <a:avLst/>
@@ -3049,13 +3490,13 @@
           <a:p>
             <a:pPr algn="ctr"/>
             <a:r>
-              <a:rPr lang="en-AU" sz="1400" i="1" dirty="0" smtClean="0">
+              <a:rPr lang="en-AU" sz="1185" i="1" dirty="0">
                 <a:latin typeface="Helvetica" panose="020B0604020202020204" pitchFamily="34" charset="0"/>
                 <a:cs typeface="Helvetica" panose="020B0604020202020204" pitchFamily="34" charset="0"/>
               </a:rPr>
               <a:t>Perform Feature Extraction</a:t>
             </a:r>
-            <a:endParaRPr lang="en-AU" sz="1400" b="1" dirty="0"/>
+            <a:endParaRPr lang="en-AU" sz="1185" b="1" dirty="0"/>
           </a:p>
         </p:txBody>
       </p:sp>
@@ -3067,8 +3508,8 @@
         </p:nvSpPr>
         <p:spPr>
           <a:xfrm>
-            <a:off x="3702642" y="600916"/>
-            <a:ext cx="1694834" cy="348338"/>
+            <a:off x="3835932" y="616739"/>
+            <a:ext cx="1434991" cy="294932"/>
           </a:xfrm>
           <a:prstGeom prst="roundRect">
             <a:avLst/>
@@ -3097,7 +3538,7 @@
           </a:fontRef>
         </p:style>
         <p:txBody>
-          <a:bodyPr rot="0" spcFirstLastPara="0" vertOverflow="overflow" horzOverflow="overflow" vert="horz" wrap="square" lIns="91440" tIns="45720" rIns="91440" bIns="45720" numCol="1" spcCol="0" rtlCol="0" fromWordArt="0" anchor="ctr" anchorCtr="0" forceAA="0" compatLnSpc="1">
+          <a:bodyPr rot="0" spcFirstLastPara="0" vertOverflow="overflow" horzOverflow="overflow" vert="horz" wrap="square" lIns="77421" tIns="38710" rIns="77421" bIns="38710" numCol="1" spcCol="0" rtlCol="0" fromWordArt="0" anchor="ctr" anchorCtr="0" forceAA="0" compatLnSpc="1">
             <a:prstTxWarp prst="textNoShape">
               <a:avLst/>
             </a:prstTxWarp>
@@ -3106,7 +3547,7 @@
           <a:lstStyle/>
           <a:p>
             <a:pPr algn="ctr"/>
-            <a:endParaRPr lang="en-AU"/>
+            <a:endParaRPr lang="en-AU" sz="1524"/>
           </a:p>
         </p:txBody>
       </p:sp>
@@ -3120,8 +3561,8 @@
             </p:nvSpPr>
             <p:spPr>
               <a:xfrm>
-                <a:off x="3702642" y="600917"/>
-                <a:ext cx="1694834" cy="307777"/>
+                <a:off x="3835932" y="616745"/>
+                <a:ext cx="1434991" cy="274691"/>
               </a:xfrm>
               <a:prstGeom prst="rect">
                 <a:avLst/>
@@ -3136,7 +3577,7 @@
               <a:p>
                 <a:pPr algn="ctr"/>
                 <a:r>
-                  <a:rPr lang="en-AU" sz="1400" i="1" dirty="0">
+                  <a:rPr lang="en-AU" sz="1185" i="1" dirty="0">
                     <a:latin typeface="Helvetica" panose="020B0604020202020204" pitchFamily="34" charset="0"/>
                     <a:cs typeface="Helvetica" panose="020B0604020202020204" pitchFamily="34" charset="0"/>
                   </a:rPr>
@@ -3145,7 +3586,7 @@
                 <a14:m>
                   <m:oMath xmlns:m="http://schemas.openxmlformats.org/officeDocument/2006/math">
                     <m:r>
-                      <a:rPr lang="en-AU" sz="1400" i="1">
+                      <a:rPr lang="en-AU" sz="1185" i="1">
                         <a:latin typeface="Cambria Math" panose="02040503050406030204" pitchFamily="18" charset="0"/>
                         <a:cs typeface="Helvetica" panose="020B0604020202020204" pitchFamily="34" charset="0"/>
                       </a:rPr>
@@ -3153,7 +3594,7 @@
                     </m:r>
                   </m:oMath>
                 </a14:m>
-                <a:endParaRPr lang="en-AU" sz="1400" b="1" dirty="0"/>
+                <a:endParaRPr lang="en-AU" sz="1185" b="1" dirty="0"/>
               </a:p>
             </p:txBody>
           </p:sp>
@@ -3205,8 +3646,8 @@
         </p:nvSpPr>
         <p:spPr>
           <a:xfrm>
-            <a:off x="3702642" y="6478330"/>
-            <a:ext cx="1694834" cy="348338"/>
+            <a:off x="3835932" y="5593060"/>
+            <a:ext cx="1434991" cy="294932"/>
           </a:xfrm>
           <a:prstGeom prst="roundRect">
             <a:avLst/>
@@ -3235,7 +3676,7 @@
           </a:fontRef>
         </p:style>
         <p:txBody>
-          <a:bodyPr rot="0" spcFirstLastPara="0" vertOverflow="overflow" horzOverflow="overflow" vert="horz" wrap="square" lIns="91440" tIns="45720" rIns="91440" bIns="45720" numCol="1" spcCol="0" rtlCol="0" fromWordArt="0" anchor="ctr" anchorCtr="0" forceAA="0" compatLnSpc="1">
+          <a:bodyPr rot="0" spcFirstLastPara="0" vertOverflow="overflow" horzOverflow="overflow" vert="horz" wrap="square" lIns="77421" tIns="38710" rIns="77421" bIns="38710" numCol="1" spcCol="0" rtlCol="0" fromWordArt="0" anchor="ctr" anchorCtr="0" forceAA="0" compatLnSpc="1">
             <a:prstTxWarp prst="textNoShape">
               <a:avLst/>
             </a:prstTxWarp>
@@ -3244,7 +3685,7 @@
           <a:lstStyle/>
           <a:p>
             <a:pPr algn="ctr"/>
-            <a:endParaRPr lang="en-AU"/>
+            <a:endParaRPr lang="en-AU" sz="1524"/>
           </a:p>
         </p:txBody>
       </p:sp>
@@ -3258,8 +3699,8 @@
             </p:nvSpPr>
             <p:spPr>
               <a:xfrm>
-                <a:off x="3702642" y="6478331"/>
-                <a:ext cx="1694834" cy="307777"/>
+                <a:off x="3835932" y="5593064"/>
+                <a:ext cx="1434991" cy="274691"/>
               </a:xfrm>
               <a:prstGeom prst="rect">
                 <a:avLst/>
@@ -3274,7 +3715,7 @@
               <a:p>
                 <a:pPr algn="ctr"/>
                 <a:r>
-                  <a:rPr lang="en-AU" sz="1400" i="1" dirty="0">
+                  <a:rPr lang="en-AU" sz="1185" i="1" dirty="0">
                     <a:latin typeface="Helvetica" panose="020B0604020202020204" pitchFamily="34" charset="0"/>
                     <a:cs typeface="Helvetica" panose="020B0604020202020204" pitchFamily="34" charset="0"/>
                   </a:rPr>
@@ -3283,7 +3724,7 @@
                 <a14:m>
                   <m:oMath xmlns:m="http://schemas.openxmlformats.org/officeDocument/2006/math">
                     <m:r>
-                      <a:rPr lang="en-AU" sz="1400" i="1">
+                      <a:rPr lang="en-AU" sz="1185" i="1">
                         <a:latin typeface="Cambria Math" panose="02040503050406030204" pitchFamily="18" charset="0"/>
                         <a:cs typeface="Helvetica" panose="020B0604020202020204" pitchFamily="34" charset="0"/>
                       </a:rPr>
@@ -3291,7 +3732,7 @@
                     </m:r>
                   </m:oMath>
                 </a14:m>
-                <a:endParaRPr lang="en-AU" sz="1400" b="1" dirty="0"/>
+                <a:endParaRPr lang="en-AU" sz="1185" b="1" dirty="0"/>
               </a:p>
             </p:txBody>
           </p:sp>
@@ -3343,8 +3784,8 @@
         </p:nvSpPr>
         <p:spPr>
           <a:xfrm>
-            <a:off x="4826509" y="4988685"/>
-            <a:ext cx="2997490" cy="490442"/>
+            <a:off x="4787495" y="4331796"/>
+            <a:ext cx="2537931" cy="415250"/>
           </a:xfrm>
           <a:prstGeom prst="roundRect">
             <a:avLst/>
@@ -3374,7 +3815,7 @@
           </a:fontRef>
         </p:style>
         <p:txBody>
-          <a:bodyPr rot="0" spcFirstLastPara="0" vertOverflow="overflow" horzOverflow="overflow" vert="horz" wrap="square" lIns="91440" tIns="45720" rIns="91440" bIns="45720" numCol="1" spcCol="0" rtlCol="0" fromWordArt="0" anchor="ctr" anchorCtr="0" forceAA="0" compatLnSpc="1">
+          <a:bodyPr rot="0" spcFirstLastPara="0" vertOverflow="overflow" horzOverflow="overflow" vert="horz" wrap="square" lIns="77421" tIns="38710" rIns="77421" bIns="38710" numCol="1" spcCol="0" rtlCol="0" fromWordArt="0" anchor="ctr" anchorCtr="0" forceAA="0" compatLnSpc="1">
             <a:prstTxWarp prst="textNoShape">
               <a:avLst/>
             </a:prstTxWarp>
@@ -3383,7 +3824,7 @@
           <a:lstStyle/>
           <a:p>
             <a:pPr algn="ctr"/>
-            <a:endParaRPr lang="en-AU"/>
+            <a:endParaRPr lang="en-AU" sz="1524"/>
           </a:p>
         </p:txBody>
       </p:sp>
@@ -3395,8 +3836,8 @@
         </p:nvSpPr>
         <p:spPr>
           <a:xfrm>
-            <a:off x="4826509" y="4988685"/>
-            <a:ext cx="2997490" cy="523220"/>
+            <a:off x="4787495" y="4331796"/>
+            <a:ext cx="2537931" cy="457048"/>
           </a:xfrm>
           <a:prstGeom prst="rect">
             <a:avLst/>
@@ -3411,20 +3852,20 @@
           <a:p>
             <a:pPr algn="ctr"/>
             <a:r>
-              <a:rPr lang="en-AU" sz="1400" b="1" i="1" dirty="0" smtClean="0">
+              <a:rPr lang="en-AU" sz="1185" b="1" i="1" dirty="0">
                 <a:latin typeface="Helvetica" panose="020B0604020202020204" pitchFamily="34" charset="0"/>
                 <a:cs typeface="Helvetica" panose="020B0604020202020204" pitchFamily="34" charset="0"/>
               </a:rPr>
               <a:t>Bathymetry Prediction Model</a:t>
             </a:r>
             <a:r>
-              <a:rPr lang="en-AU" sz="1400" i="1" dirty="0" smtClean="0">
+              <a:rPr lang="en-AU" sz="1185" i="1" dirty="0">
                 <a:latin typeface="Helvetica" panose="020B0604020202020204" pitchFamily="34" charset="0"/>
                 <a:cs typeface="Helvetica" panose="020B0604020202020204" pitchFamily="34" charset="0"/>
               </a:rPr>
               <a:t>: Gaussian Process Regression</a:t>
             </a:r>
-            <a:endParaRPr lang="en-AU" sz="1400" b="1" dirty="0"/>
+            <a:endParaRPr lang="en-AU" sz="1185" b="1" dirty="0"/>
           </a:p>
         </p:txBody>
       </p:sp>
@@ -3436,8 +3877,8 @@
         </p:nvSpPr>
         <p:spPr>
           <a:xfrm>
-            <a:off x="3051314" y="7859266"/>
-            <a:ext cx="2997490" cy="523220"/>
+            <a:off x="3284461" y="6762280"/>
+            <a:ext cx="2537931" cy="443003"/>
           </a:xfrm>
           <a:prstGeom prst="roundRect">
             <a:avLst/>
@@ -3467,7 +3908,7 @@
           </a:fontRef>
         </p:style>
         <p:txBody>
-          <a:bodyPr rot="0" spcFirstLastPara="0" vertOverflow="overflow" horzOverflow="overflow" vert="horz" wrap="square" lIns="91440" tIns="45720" rIns="91440" bIns="45720" numCol="1" spcCol="0" rtlCol="0" fromWordArt="0" anchor="ctr" anchorCtr="0" forceAA="0" compatLnSpc="1">
+          <a:bodyPr rot="0" spcFirstLastPara="0" vertOverflow="overflow" horzOverflow="overflow" vert="horz" wrap="square" lIns="77421" tIns="38710" rIns="77421" bIns="38710" numCol="1" spcCol="0" rtlCol="0" fromWordArt="0" anchor="ctr" anchorCtr="0" forceAA="0" compatLnSpc="1">
             <a:prstTxWarp prst="textNoShape">
               <a:avLst/>
             </a:prstTxWarp>
@@ -3476,7 +3917,7 @@
           <a:lstStyle/>
           <a:p>
             <a:pPr algn="ctr"/>
-            <a:endParaRPr lang="en-AU"/>
+            <a:endParaRPr lang="en-AU" sz="1524"/>
           </a:p>
         </p:txBody>
       </p:sp>
@@ -3488,8 +3929,8 @@
         </p:nvSpPr>
         <p:spPr>
           <a:xfrm>
-            <a:off x="3051314" y="7859266"/>
-            <a:ext cx="2997490" cy="523220"/>
+            <a:off x="3284461" y="6762277"/>
+            <a:ext cx="2537931" cy="457048"/>
           </a:xfrm>
           <a:prstGeom prst="rect">
             <a:avLst/>
@@ -3504,14 +3945,14 @@
           <a:p>
             <a:pPr algn="ctr"/>
             <a:r>
-              <a:rPr lang="en-AU" sz="1400" b="1" i="1" dirty="0" smtClean="0">
+              <a:rPr lang="en-AU" sz="1185" b="1" i="1" dirty="0">
                 <a:latin typeface="Helvetica" panose="020B0604020202020204" pitchFamily="34" charset="0"/>
                 <a:cs typeface="Helvetica" panose="020B0604020202020204" pitchFamily="34" charset="0"/>
               </a:rPr>
               <a:t>Environment Prediction Model</a:t>
             </a:r>
             <a:r>
-              <a:rPr lang="en-AU" sz="1400" i="1" dirty="0" smtClean="0">
+              <a:rPr lang="en-AU" sz="1185" i="1" dirty="0">
                 <a:latin typeface="Helvetica" panose="020B0604020202020204" pitchFamily="34" charset="0"/>
                 <a:cs typeface="Helvetica" panose="020B0604020202020204" pitchFamily="34" charset="0"/>
               </a:rPr>
@@ -3521,13 +3962,13 @@
           <a:p>
             <a:pPr algn="ctr"/>
             <a:r>
-              <a:rPr lang="en-AU" sz="1400" i="1" dirty="0" smtClean="0">
+              <a:rPr lang="en-AU" sz="1185" i="1" dirty="0">
                 <a:latin typeface="Helvetica" panose="020B0604020202020204" pitchFamily="34" charset="0"/>
                 <a:cs typeface="Helvetica" panose="020B0604020202020204" pitchFamily="34" charset="0"/>
               </a:rPr>
               <a:t>Gaussian Process Classification</a:t>
             </a:r>
-            <a:endParaRPr lang="en-AU" sz="1400" dirty="0"/>
+            <a:endParaRPr lang="en-AU" sz="1185" dirty="0"/>
           </a:p>
         </p:txBody>
       </p:sp>
@@ -3539,8 +3980,8 @@
         </p:nvSpPr>
         <p:spPr>
           <a:xfrm>
-            <a:off x="3432169" y="1695851"/>
-            <a:ext cx="2258085" cy="1020270"/>
+            <a:off x="3606928" y="1543802"/>
+            <a:ext cx="1911886" cy="863848"/>
           </a:xfrm>
           <a:prstGeom prst="ellipse">
             <a:avLst/>
@@ -3574,7 +4015,7 @@
           <a:lstStyle/>
           <a:p>
             <a:pPr algn="ctr"/>
-            <a:endParaRPr lang="en-AU"/>
+            <a:endParaRPr lang="en-AU" sz="1524"/>
           </a:p>
         </p:txBody>
       </p:sp>
@@ -3586,8 +4027,8 @@
         </p:nvSpPr>
         <p:spPr>
           <a:xfrm>
-            <a:off x="3456674" y="1852520"/>
-            <a:ext cx="2258085" cy="738664"/>
+            <a:off x="3627676" y="1676453"/>
+            <a:ext cx="1911886" cy="639406"/>
           </a:xfrm>
           <a:prstGeom prst="rect">
             <a:avLst/>
@@ -3602,16 +4043,12 @@
           <a:p>
             <a:pPr algn="ctr"/>
             <a:r>
-              <a:rPr lang="en-AU" sz="1400" dirty="0" smtClean="0">
+              <a:rPr lang="en-AU" sz="1185" dirty="0">
                 <a:latin typeface="Helvetica" panose="020B0604020202020204" pitchFamily="34" charset="0"/>
                 <a:cs typeface="Helvetica" panose="020B0604020202020204" pitchFamily="34" charset="0"/>
               </a:rPr>
               <a:t>Are there enough neighbouring depth data for feature extraction?</a:t>
             </a:r>
-            <a:endParaRPr lang="en-AU" sz="1400" dirty="0">
-              <a:latin typeface="Helvetica" panose="020B0604020202020204" pitchFamily="34" charset="0"/>
-              <a:cs typeface="Helvetica" panose="020B0604020202020204" pitchFamily="34" charset="0"/>
-            </a:endParaRPr>
           </a:p>
         </p:txBody>
       </p:sp>
@@ -3623,8 +4060,8 @@
         </p:nvSpPr>
         <p:spPr>
           <a:xfrm>
-            <a:off x="2606026" y="3369894"/>
-            <a:ext cx="542594" cy="412722"/>
+            <a:off x="2907440" y="2961192"/>
+            <a:ext cx="459406" cy="349446"/>
           </a:xfrm>
           <a:prstGeom prst="roundRect">
             <a:avLst/>
@@ -3653,7 +4090,7 @@
           </a:fontRef>
         </p:style>
         <p:txBody>
-          <a:bodyPr rot="0" spcFirstLastPara="0" vertOverflow="overflow" horzOverflow="overflow" vert="horz" wrap="square" lIns="91440" tIns="45720" rIns="91440" bIns="45720" numCol="1" spcCol="0" rtlCol="0" fromWordArt="0" anchor="ctr" anchorCtr="0" forceAA="0" compatLnSpc="1">
+          <a:bodyPr rot="0" spcFirstLastPara="0" vertOverflow="overflow" horzOverflow="overflow" vert="horz" wrap="square" lIns="77421" tIns="38710" rIns="77421" bIns="38710" numCol="1" spcCol="0" rtlCol="0" fromWordArt="0" anchor="ctr" anchorCtr="0" forceAA="0" compatLnSpc="1">
             <a:prstTxWarp prst="textNoShape">
               <a:avLst/>
             </a:prstTxWarp>
@@ -3662,7 +4099,7 @@
           <a:lstStyle/>
           <a:p>
             <a:pPr algn="ctr"/>
-            <a:endParaRPr lang="en-AU"/>
+            <a:endParaRPr lang="en-AU" sz="1524"/>
           </a:p>
         </p:txBody>
       </p:sp>
@@ -3674,8 +4111,8 @@
         </p:nvSpPr>
         <p:spPr>
           <a:xfrm>
-            <a:off x="2606026" y="3417270"/>
-            <a:ext cx="542594" cy="315204"/>
+            <a:off x="2907440" y="3001306"/>
+            <a:ext cx="459406" cy="274691"/>
           </a:xfrm>
           <a:prstGeom prst="rect">
             <a:avLst/>
@@ -3690,16 +4127,12 @@
           <a:p>
             <a:pPr algn="ctr"/>
             <a:r>
-              <a:rPr lang="en-AU" sz="1400" dirty="0" smtClean="0">
+              <a:rPr lang="en-AU" sz="1185" dirty="0">
                 <a:latin typeface="Helvetica" panose="020B0604020202020204" pitchFamily="34" charset="0"/>
                 <a:cs typeface="Helvetica" panose="020B0604020202020204" pitchFamily="34" charset="0"/>
               </a:rPr>
               <a:t>Yes</a:t>
             </a:r>
-            <a:endParaRPr lang="en-AU" sz="1400" dirty="0">
-              <a:latin typeface="Helvetica" panose="020B0604020202020204" pitchFamily="34" charset="0"/>
-              <a:cs typeface="Helvetica" panose="020B0604020202020204" pitchFamily="34" charset="0"/>
-            </a:endParaRPr>
           </a:p>
         </p:txBody>
       </p:sp>
@@ -3711,8 +4144,8 @@
         </p:nvSpPr>
         <p:spPr>
           <a:xfrm>
-            <a:off x="6053957" y="3367098"/>
-            <a:ext cx="542594" cy="415830"/>
+            <a:off x="5826751" y="2958827"/>
+            <a:ext cx="459406" cy="352077"/>
           </a:xfrm>
           <a:prstGeom prst="roundRect">
             <a:avLst/>
@@ -3741,7 +4174,7 @@
           </a:fontRef>
         </p:style>
         <p:txBody>
-          <a:bodyPr rot="0" spcFirstLastPara="0" vertOverflow="overflow" horzOverflow="overflow" vert="horz" wrap="square" lIns="91440" tIns="45720" rIns="91440" bIns="45720" numCol="1" spcCol="0" rtlCol="0" fromWordArt="0" anchor="ctr" anchorCtr="0" forceAA="0" compatLnSpc="1">
+          <a:bodyPr rot="0" spcFirstLastPara="0" vertOverflow="overflow" horzOverflow="overflow" vert="horz" wrap="square" lIns="77421" tIns="38710" rIns="77421" bIns="38710" numCol="1" spcCol="0" rtlCol="0" fromWordArt="0" anchor="ctr" anchorCtr="0" forceAA="0" compatLnSpc="1">
             <a:prstTxWarp prst="textNoShape">
               <a:avLst/>
             </a:prstTxWarp>
@@ -3750,7 +4183,7 @@
           <a:lstStyle/>
           <a:p>
             <a:pPr algn="ctr"/>
-            <a:endParaRPr lang="en-AU" dirty="0"/>
+            <a:endParaRPr lang="en-AU" sz="1524" dirty="0"/>
           </a:p>
         </p:txBody>
       </p:sp>
@@ -3762,8 +4195,8 @@
         </p:nvSpPr>
         <p:spPr>
           <a:xfrm>
-            <a:off x="6053957" y="3414548"/>
-            <a:ext cx="542594" cy="315204"/>
+            <a:off x="5826751" y="2999002"/>
+            <a:ext cx="459406" cy="274691"/>
           </a:xfrm>
           <a:prstGeom prst="rect">
             <a:avLst/>
@@ -3778,16 +4211,12 @@
           <a:p>
             <a:pPr algn="ctr"/>
             <a:r>
-              <a:rPr lang="en-AU" sz="1400" dirty="0" smtClean="0">
+              <a:rPr lang="en-AU" sz="1185" dirty="0">
                 <a:latin typeface="Helvetica" panose="020B0604020202020204" pitchFamily="34" charset="0"/>
                 <a:cs typeface="Helvetica" panose="020B0604020202020204" pitchFamily="34" charset="0"/>
               </a:rPr>
               <a:t>No</a:t>
             </a:r>
-            <a:endParaRPr lang="en-AU" sz="1400" dirty="0">
-              <a:latin typeface="Helvetica" panose="020B0604020202020204" pitchFamily="34" charset="0"/>
-              <a:cs typeface="Helvetica" panose="020B0604020202020204" pitchFamily="34" charset="0"/>
-            </a:endParaRPr>
           </a:p>
         </p:txBody>
       </p:sp>
@@ -3799,8 +4228,8 @@
         </p:nvSpPr>
         <p:spPr>
           <a:xfrm>
-            <a:off x="3723926" y="9177304"/>
-            <a:ext cx="1694834" cy="864456"/>
+            <a:off x="3853953" y="7878239"/>
+            <a:ext cx="1434991" cy="731922"/>
           </a:xfrm>
           <a:prstGeom prst="roundRect">
             <a:avLst/>
@@ -3829,7 +4258,7 @@
           </a:fontRef>
         </p:style>
         <p:txBody>
-          <a:bodyPr rot="0" spcFirstLastPara="0" vertOverflow="overflow" horzOverflow="overflow" vert="horz" wrap="square" lIns="91440" tIns="45720" rIns="91440" bIns="45720" numCol="1" spcCol="0" rtlCol="0" fromWordArt="0" anchor="ctr" anchorCtr="0" forceAA="0" compatLnSpc="1">
+          <a:bodyPr rot="0" spcFirstLastPara="0" vertOverflow="overflow" horzOverflow="overflow" vert="horz" wrap="square" lIns="77421" tIns="38710" rIns="77421" bIns="38710" numCol="1" spcCol="0" rtlCol="0" fromWordArt="0" anchor="ctr" anchorCtr="0" forceAA="0" compatLnSpc="1">
             <a:prstTxWarp prst="textNoShape">
               <a:avLst/>
             </a:prstTxWarp>
@@ -3838,7 +4267,7 @@
           <a:lstStyle/>
           <a:p>
             <a:pPr algn="ctr"/>
-            <a:endParaRPr lang="en-AU"/>
+            <a:endParaRPr lang="en-AU" sz="1524"/>
           </a:p>
         </p:txBody>
       </p:sp>
@@ -3850,8 +4279,8 @@
         </p:nvSpPr>
         <p:spPr>
           <a:xfrm>
-            <a:off x="3723926" y="9240200"/>
-            <a:ext cx="1694834" cy="738664"/>
+            <a:off x="3853953" y="7931491"/>
+            <a:ext cx="1434991" cy="639406"/>
           </a:xfrm>
           <a:prstGeom prst="rect">
             <a:avLst/>
@@ -3866,13 +4295,13 @@
           <a:p>
             <a:pPr algn="ctr"/>
             <a:r>
-              <a:rPr lang="en-AU" sz="1400" i="1" dirty="0" smtClean="0">
+              <a:rPr lang="en-AU" sz="1185" i="1" dirty="0">
                 <a:latin typeface="Helvetica" panose="020B0604020202020204" pitchFamily="34" charset="0"/>
                 <a:cs typeface="Helvetica" panose="020B0604020202020204" pitchFamily="34" charset="0"/>
               </a:rPr>
               <a:t>Environment Prediction and Entropy</a:t>
             </a:r>
-            <a:endParaRPr lang="en-AU" sz="1400" b="1" dirty="0"/>
+            <a:endParaRPr lang="en-AU" sz="1185" b="1" dirty="0"/>
           </a:p>
         </p:txBody>
       </p:sp>
@@ -3887,8 +4316,8 @@
         </p:nvCxnSpPr>
         <p:spPr>
           <a:xfrm rot="10800000" flipV="1">
-            <a:off x="2877323" y="2205986"/>
-            <a:ext cx="554846" cy="1163908"/>
+            <a:off x="3137142" y="1975731"/>
+            <a:ext cx="469780" cy="985463"/>
           </a:xfrm>
           <a:prstGeom prst="curvedConnector2">
             <a:avLst/>
@@ -3923,8 +4352,8 @@
         </p:nvCxnSpPr>
         <p:spPr>
           <a:xfrm>
-            <a:off x="5714759" y="2221852"/>
-            <a:ext cx="610495" cy="1145246"/>
+            <a:off x="5539562" y="1996156"/>
+            <a:ext cx="516892" cy="962668"/>
           </a:xfrm>
           <a:prstGeom prst="curvedConnector2">
             <a:avLst/>
@@ -3958,9 +4387,9 @@
           <p:nvPr/>
         </p:nvCxnSpPr>
         <p:spPr>
-          <a:xfrm flipH="1">
-            <a:off x="2877322" y="3782616"/>
-            <a:ext cx="1" cy="1206071"/>
+          <a:xfrm>
+            <a:off x="3137143" y="3310641"/>
+            <a:ext cx="0" cy="1021159"/>
           </a:xfrm>
           <a:prstGeom prst="straightConnector1">
             <a:avLst/>
@@ -3995,8 +4424,8 @@
         </p:nvCxnSpPr>
         <p:spPr>
           <a:xfrm>
-            <a:off x="6325254" y="3782928"/>
-            <a:ext cx="0" cy="1205757"/>
+            <a:off x="6056454" y="3310904"/>
+            <a:ext cx="4" cy="1020895"/>
           </a:xfrm>
           <a:prstGeom prst="straightConnector1">
             <a:avLst/>
@@ -4031,8 +4460,8 @@
         </p:nvCxnSpPr>
         <p:spPr>
           <a:xfrm>
-            <a:off x="4550059" y="949254"/>
-            <a:ext cx="11153" cy="746597"/>
+            <a:off x="4553432" y="911678"/>
+            <a:ext cx="9443" cy="632133"/>
           </a:xfrm>
           <a:prstGeom prst="straightConnector1">
             <a:avLst/>
@@ -4067,8 +4496,8 @@
         </p:nvCxnSpPr>
         <p:spPr>
           <a:xfrm rot="16200000" flipH="1">
-            <a:off x="2729826" y="5659403"/>
-            <a:ext cx="1120313" cy="825320"/>
+            <a:off x="3015755" y="4910233"/>
+            <a:ext cx="941562" cy="698786"/>
           </a:xfrm>
           <a:prstGeom prst="curvedConnector2">
             <a:avLst/>
@@ -4103,8 +4532,8 @@
         </p:nvCxnSpPr>
         <p:spPr>
           <a:xfrm rot="5400000">
-            <a:off x="5301208" y="5608173"/>
-            <a:ext cx="1120315" cy="927778"/>
+            <a:off x="5192911" y="4866856"/>
+            <a:ext cx="941563" cy="785538"/>
           </a:xfrm>
           <a:prstGeom prst="curvedConnector2">
             <a:avLst/>
@@ -4138,9 +4567,9 @@
           <p:nvPr/>
         </p:nvCxnSpPr>
         <p:spPr>
-          <a:xfrm>
-            <a:off x="4550059" y="6826668"/>
-            <a:ext cx="0" cy="1032598"/>
+          <a:xfrm flipH="1">
+            <a:off x="4553427" y="5887995"/>
+            <a:ext cx="1" cy="874285"/>
           </a:xfrm>
           <a:prstGeom prst="straightConnector1">
             <a:avLst/>
@@ -4175,8 +4604,8 @@
         </p:nvCxnSpPr>
         <p:spPr>
           <a:xfrm>
-            <a:off x="4550059" y="8382486"/>
-            <a:ext cx="21284" cy="794818"/>
+            <a:off x="4553424" y="7219325"/>
+            <a:ext cx="18022" cy="658914"/>
           </a:xfrm>
           <a:prstGeom prst="straightConnector1">
             <a:avLst/>
@@ -4239,110 +4668,176 @@
       </p:grpSpPr>
       <p:sp>
         <p:nvSpPr>
-          <p:cNvPr id="6" name="Rounded Rectangle 5"/>
+          <p:cNvPr id="235" name="Rounded Rectangle 234"/>
           <p:cNvSpPr/>
           <p:nvPr/>
         </p:nvSpPr>
         <p:spPr>
           <a:xfrm>
-            <a:off x="889336" y="4075272"/>
-            <a:ext cx="3302000" cy="4141628"/>
-          </a:xfrm>
-          <a:prstGeom prst="roundRect">
+            <a:off x="2903778" y="131991"/>
+            <a:ext cx="6064144" cy="5311934"/>
+          </a:xfrm>
+          <a:custGeom>
             <a:avLst/>
-          </a:prstGeom>
-          <a:ln w="38100"/>
+            <a:gdLst>
+              <a:gd name="connsiteX0" fmla="*/ 0 w 6542300"/>
+              <a:gd name="connsiteY0" fmla="*/ 1045654 h 6273800"/>
+              <a:gd name="connsiteX1" fmla="*/ 1045654 w 6542300"/>
+              <a:gd name="connsiteY1" fmla="*/ 0 h 6273800"/>
+              <a:gd name="connsiteX2" fmla="*/ 5496646 w 6542300"/>
+              <a:gd name="connsiteY2" fmla="*/ 0 h 6273800"/>
+              <a:gd name="connsiteX3" fmla="*/ 6542300 w 6542300"/>
+              <a:gd name="connsiteY3" fmla="*/ 1045654 h 6273800"/>
+              <a:gd name="connsiteX4" fmla="*/ 6542300 w 6542300"/>
+              <a:gd name="connsiteY4" fmla="*/ 5228146 h 6273800"/>
+              <a:gd name="connsiteX5" fmla="*/ 5496646 w 6542300"/>
+              <a:gd name="connsiteY5" fmla="*/ 6273800 h 6273800"/>
+              <a:gd name="connsiteX6" fmla="*/ 1045654 w 6542300"/>
+              <a:gd name="connsiteY6" fmla="*/ 6273800 h 6273800"/>
+              <a:gd name="connsiteX7" fmla="*/ 0 w 6542300"/>
+              <a:gd name="connsiteY7" fmla="*/ 5228146 h 6273800"/>
+              <a:gd name="connsiteX8" fmla="*/ 0 w 6542300"/>
+              <a:gd name="connsiteY8" fmla="*/ 1045654 h 6273800"/>
+              <a:gd name="connsiteX0" fmla="*/ 0 w 6542300"/>
+              <a:gd name="connsiteY0" fmla="*/ 1045654 h 6273800"/>
+              <a:gd name="connsiteX1" fmla="*/ 1045654 w 6542300"/>
+              <a:gd name="connsiteY1" fmla="*/ 0 h 6273800"/>
+              <a:gd name="connsiteX2" fmla="*/ 5496646 w 6542300"/>
+              <a:gd name="connsiteY2" fmla="*/ 0 h 6273800"/>
+              <a:gd name="connsiteX3" fmla="*/ 6542300 w 6542300"/>
+              <a:gd name="connsiteY3" fmla="*/ 1045654 h 6273800"/>
+              <a:gd name="connsiteX4" fmla="*/ 6542300 w 6542300"/>
+              <a:gd name="connsiteY4" fmla="*/ 5228146 h 6273800"/>
+              <a:gd name="connsiteX5" fmla="*/ 5496646 w 6542300"/>
+              <a:gd name="connsiteY5" fmla="*/ 6273800 h 6273800"/>
+              <a:gd name="connsiteX6" fmla="*/ 1045654 w 6542300"/>
+              <a:gd name="connsiteY6" fmla="*/ 6273800 h 6273800"/>
+              <a:gd name="connsiteX7" fmla="*/ 1206500 w 6542300"/>
+              <a:gd name="connsiteY7" fmla="*/ 4364546 h 6273800"/>
+              <a:gd name="connsiteX8" fmla="*/ 0 w 6542300"/>
+              <a:gd name="connsiteY8" fmla="*/ 1045654 h 6273800"/>
+              <a:gd name="connsiteX0" fmla="*/ 0 w 6542300"/>
+              <a:gd name="connsiteY0" fmla="*/ 1045654 h 6273800"/>
+              <a:gd name="connsiteX1" fmla="*/ 1045654 w 6542300"/>
+              <a:gd name="connsiteY1" fmla="*/ 0 h 6273800"/>
+              <a:gd name="connsiteX2" fmla="*/ 5496646 w 6542300"/>
+              <a:gd name="connsiteY2" fmla="*/ 0 h 6273800"/>
+              <a:gd name="connsiteX3" fmla="*/ 6542300 w 6542300"/>
+              <a:gd name="connsiteY3" fmla="*/ 1045654 h 6273800"/>
+              <a:gd name="connsiteX4" fmla="*/ 6542300 w 6542300"/>
+              <a:gd name="connsiteY4" fmla="*/ 5228146 h 6273800"/>
+              <a:gd name="connsiteX5" fmla="*/ 5496646 w 6542300"/>
+              <a:gd name="connsiteY5" fmla="*/ 6273800 h 6273800"/>
+              <a:gd name="connsiteX6" fmla="*/ 1794954 w 6542300"/>
+              <a:gd name="connsiteY6" fmla="*/ 6121400 h 6273800"/>
+              <a:gd name="connsiteX7" fmla="*/ 1206500 w 6542300"/>
+              <a:gd name="connsiteY7" fmla="*/ 4364546 h 6273800"/>
+              <a:gd name="connsiteX8" fmla="*/ 0 w 6542300"/>
+              <a:gd name="connsiteY8" fmla="*/ 1045654 h 6273800"/>
+            </a:gdLst>
+            <a:ahLst/>
+            <a:cxnLst>
+              <a:cxn ang="0">
+                <a:pos x="connsiteX0" y="connsiteY0"/>
+              </a:cxn>
+              <a:cxn ang="0">
+                <a:pos x="connsiteX1" y="connsiteY1"/>
+              </a:cxn>
+              <a:cxn ang="0">
+                <a:pos x="connsiteX2" y="connsiteY2"/>
+              </a:cxn>
+              <a:cxn ang="0">
+                <a:pos x="connsiteX3" y="connsiteY3"/>
+              </a:cxn>
+              <a:cxn ang="0">
+                <a:pos x="connsiteX4" y="connsiteY4"/>
+              </a:cxn>
+              <a:cxn ang="0">
+                <a:pos x="connsiteX5" y="connsiteY5"/>
+              </a:cxn>
+              <a:cxn ang="0">
+                <a:pos x="connsiteX6" y="connsiteY6"/>
+              </a:cxn>
+              <a:cxn ang="0">
+                <a:pos x="connsiteX7" y="connsiteY7"/>
+              </a:cxn>
+              <a:cxn ang="0">
+                <a:pos x="connsiteX8" y="connsiteY8"/>
+              </a:cxn>
+            </a:cxnLst>
+            <a:rect l="l" t="t" r="r" b="b"/>
+            <a:pathLst>
+              <a:path w="6542300" h="6273800">
+                <a:moveTo>
+                  <a:pt x="0" y="1045654"/>
+                </a:moveTo>
+                <a:cubicBezTo>
+                  <a:pt x="0" y="468155"/>
+                  <a:pt x="468155" y="0"/>
+                  <a:pt x="1045654" y="0"/>
+                </a:cubicBezTo>
+                <a:lnTo>
+                  <a:pt x="5496646" y="0"/>
+                </a:lnTo>
+                <a:cubicBezTo>
+                  <a:pt x="6074145" y="0"/>
+                  <a:pt x="6542300" y="468155"/>
+                  <a:pt x="6542300" y="1045654"/>
+                </a:cubicBezTo>
+                <a:lnTo>
+                  <a:pt x="6542300" y="5228146"/>
+                </a:lnTo>
+                <a:cubicBezTo>
+                  <a:pt x="6542300" y="5805645"/>
+                  <a:pt x="6074145" y="6273800"/>
+                  <a:pt x="5496646" y="6273800"/>
+                </a:cubicBezTo>
+                <a:lnTo>
+                  <a:pt x="1794954" y="6121400"/>
+                </a:lnTo>
+                <a:cubicBezTo>
+                  <a:pt x="1217455" y="6121400"/>
+                  <a:pt x="1206500" y="4942045"/>
+                  <a:pt x="1206500" y="4364546"/>
+                </a:cubicBezTo>
+                <a:cubicBezTo>
+                  <a:pt x="1206500" y="2970382"/>
+                  <a:pt x="0" y="2439818"/>
+                  <a:pt x="0" y="1045654"/>
+                </a:cubicBezTo>
+                <a:close/>
+              </a:path>
+            </a:pathLst>
+          </a:custGeom>
         </p:spPr>
         <p:style>
           <a:lnRef idx="2">
-            <a:schemeClr val="accent4"/>
+            <a:schemeClr val="accent2"/>
           </a:lnRef>
           <a:fillRef idx="1">
             <a:schemeClr val="lt1"/>
           </a:fillRef>
           <a:effectRef idx="0">
-            <a:schemeClr val="accent4"/>
+            <a:schemeClr val="accent2"/>
           </a:effectRef>
           <a:fontRef idx="minor">
             <a:schemeClr val="dk1"/>
           </a:fontRef>
         </p:style>
         <p:txBody>
-          <a:bodyPr rtlCol="0" anchor="ctr"/>
+          <a:bodyPr rot="0" spcFirstLastPara="0" vertOverflow="overflow" horzOverflow="overflow" vert="horz" wrap="square" lIns="77421" tIns="38710" rIns="77421" bIns="38710" numCol="1" spcCol="0" rtlCol="0" fromWordArt="0" anchor="ctr" anchorCtr="0" forceAA="0" compatLnSpc="1">
+            <a:prstTxWarp prst="textNoShape">
+              <a:avLst/>
+            </a:prstTxWarp>
+            <a:noAutofit/>
+          </a:bodyPr>
           <a:lstStyle/>
           <a:p>
             <a:pPr algn="ctr"/>
-            <a:endParaRPr lang="en-AU"/>
-          </a:p>
-        </p:txBody>
-      </p:sp>
-      <p:pic>
-        <p:nvPicPr>
-          <p:cNvPr id="5" name="Picture 4"/>
-          <p:cNvPicPr>
-            <a:picLocks noChangeAspect="1"/>
-          </p:cNvPicPr>
-          <p:nvPr/>
-        </p:nvPicPr>
-        <p:blipFill>
-          <a:blip r:embed="rId2" cstate="print">
-            <a:extLst>
-              <a:ext uri="{28A0092B-C50C-407E-A947-70E740481C1C}">
-                <a14:useLocalDpi xmlns:a14="http://schemas.microsoft.com/office/drawing/2010/main" val="0"/>
-              </a:ext>
-            </a:extLst>
-          </a:blip>
-          <a:stretch>
-            <a:fillRect/>
-          </a:stretch>
-        </p:blipFill>
-        <p:spPr>
-          <a:xfrm>
-            <a:off x="1029373" y="4354195"/>
-            <a:ext cx="3021927" cy="3569653"/>
-          </a:xfrm>
-          <a:prstGeom prst="rect">
-            <a:avLst/>
-          </a:prstGeom>
-        </p:spPr>
-      </p:pic>
-    </p:spTree>
-    <p:extLst>
-      <p:ext uri="{BB962C8B-B14F-4D97-AF65-F5344CB8AC3E}">
-        <p14:creationId xmlns:p14="http://schemas.microsoft.com/office/powerpoint/2010/main" val="2767403472"/>
-      </p:ext>
-    </p:extLst>
-  </p:cSld>
-  <p:clrMapOvr>
-    <a:masterClrMapping/>
-  </p:clrMapOvr>
-  <p:timing>
-    <p:tnLst>
-      <p:par>
-        <p:cTn id="1" dur="indefinite" restart="never" nodeType="tmRoot"/>
-      </p:par>
-    </p:tnLst>
-  </p:timing>
-</p:sld>
-</file>
-
-<file path=ppt/slides/slide3.xml><?xml version="1.0" encoding="utf-8"?>
-<p:sld xmlns:a="http://schemas.openxmlformats.org/drawingml/2006/main" xmlns:r="http://schemas.openxmlformats.org/officeDocument/2006/relationships" xmlns:p="http://schemas.openxmlformats.org/presentationml/2006/main">
-  <p:cSld>
-    <p:spTree>
-      <p:nvGrpSpPr>
-        <p:cNvPr id="1" name=""/>
-        <p:cNvGrpSpPr/>
-        <p:nvPr/>
-      </p:nvGrpSpPr>
-      <p:grpSpPr>
-        <a:xfrm>
-          <a:off x="0" y="0"/>
-          <a:ext cx="0" cy="0"/>
-          <a:chOff x="0" y="0"/>
-          <a:chExt cx="0" cy="0"/>
-        </a:xfrm>
-      </p:grpSpPr>
+            <a:endParaRPr lang="en-AU" sz="1524"/>
+          </a:p>
+        </p:txBody>
+      </p:sp>
       <p:sp>
         <p:nvSpPr>
           <p:cNvPr id="4" name="Rounded Rectangle 3"/>
@@ -4351,8 +4846,8 @@
         </p:nvSpPr>
         <p:spPr>
           <a:xfrm>
-            <a:off x="472088" y="492885"/>
-            <a:ext cx="1840556" cy="738666"/>
+            <a:off x="1218150" y="1856893"/>
+            <a:ext cx="1568871" cy="265044"/>
           </a:xfrm>
           <a:prstGeom prst="roundRect">
             <a:avLst/>
@@ -4360,11 +4855,12 @@
           <a:ln w="28575"/>
           <a:effectLst>
             <a:glow rad="228600">
-              <a:schemeClr val="accent6">
+              <a:schemeClr val="accent1">
                 <a:satMod val="175000"/>
                 <a:alpha val="40000"/>
               </a:schemeClr>
             </a:glow>
+            <a:softEdge rad="0"/>
           </a:effectLst>
         </p:spPr>
         <p:style>
@@ -4382,7 +4878,7 @@
           </a:fontRef>
         </p:style>
         <p:txBody>
-          <a:bodyPr rot="0" spcFirstLastPara="0" vertOverflow="overflow" horzOverflow="overflow" vert="horz" wrap="square" lIns="91440" tIns="45720" rIns="91440" bIns="45720" numCol="1" spcCol="0" rtlCol="0" fromWordArt="0" anchor="ctr" anchorCtr="0" forceAA="0" compatLnSpc="1">
+          <a:bodyPr rot="0" spcFirstLastPara="0" vertOverflow="overflow" horzOverflow="overflow" vert="horz" wrap="square" lIns="77421" tIns="38710" rIns="77421" bIns="38710" numCol="1" spcCol="0" rtlCol="0" fromWordArt="0" anchor="ctr" anchorCtr="0" forceAA="0" compatLnSpc="1">
             <a:prstTxWarp prst="textNoShape">
               <a:avLst/>
             </a:prstTxWarp>
@@ -4391,68 +4887,147 @@
           <a:lstStyle/>
           <a:p>
             <a:pPr algn="ctr"/>
-            <a:endParaRPr lang="en-AU"/>
-          </a:p>
-        </p:txBody>
-      </p:sp>
-      <p:sp>
-        <p:nvSpPr>
-          <p:cNvPr id="5" name="TextBox 4"/>
-          <p:cNvSpPr txBox="1"/>
-          <p:nvPr/>
-        </p:nvSpPr>
-        <p:spPr>
-          <a:xfrm>
-            <a:off x="472088" y="492887"/>
-            <a:ext cx="1840556" cy="738664"/>
-          </a:xfrm>
-          <a:prstGeom prst="rect">
-            <a:avLst/>
-          </a:prstGeom>
-          <a:noFill/>
-        </p:spPr>
-        <p:txBody>
-          <a:bodyPr wrap="square" rtlCol="0">
-            <a:spAutoFit/>
-          </a:bodyPr>
-          <a:lstStyle/>
-          <a:p>
-            <a:pPr algn="ctr"/>
-            <a:r>
-              <a:rPr lang="en-AU" sz="1400" i="1" dirty="0" smtClean="0">
-                <a:latin typeface="Helvetica" panose="020B0604020202020204" pitchFamily="34" charset="0"/>
-                <a:cs typeface="Helvetica" panose="020B0604020202020204" pitchFamily="34" charset="0"/>
-              </a:rPr>
-              <a:t>Learn initial GP </a:t>
-            </a:r>
-            <a:r>
-              <a:rPr lang="en-AU" sz="1400" i="1" dirty="0" smtClean="0">
-                <a:latin typeface="Helvetica" panose="020B0604020202020204" pitchFamily="34" charset="0"/>
-                <a:cs typeface="Helvetica" panose="020B0604020202020204" pitchFamily="34" charset="0"/>
-              </a:rPr>
-              <a:t>m</a:t>
-            </a:r>
-            <a:r>
-              <a:rPr lang="en-AU" sz="1400" i="1" dirty="0" smtClean="0">
-                <a:latin typeface="Helvetica" panose="020B0604020202020204" pitchFamily="34" charset="0"/>
-                <a:cs typeface="Helvetica" panose="020B0604020202020204" pitchFamily="34" charset="0"/>
-              </a:rPr>
-              <a:t>odel from past track data</a:t>
-            </a:r>
-            <a:endParaRPr lang="en-AU" sz="1400" b="1" dirty="0"/>
-          </a:p>
-        </p:txBody>
-      </p:sp>
-      <p:sp>
-        <p:nvSpPr>
-          <p:cNvPr id="6" name="Rounded Rectangle 5"/>
+            <a:endParaRPr lang="en-AU" sz="1185"/>
+          </a:p>
+        </p:txBody>
+      </p:sp>
+      <mc:AlternateContent xmlns:mc="http://schemas.openxmlformats.org/markup-compatibility/2006" xmlns:a14="http://schemas.microsoft.com/office/drawing/2010/main">
+        <mc:Choice Requires="a14">
+          <p:sp>
+            <p:nvSpPr>
+              <p:cNvPr id="7" name="TextBox 6"/>
+              <p:cNvSpPr txBox="1"/>
+              <p:nvPr/>
+            </p:nvSpPr>
+            <p:spPr>
+              <a:xfrm>
+                <a:off x="1218150" y="1856895"/>
+                <a:ext cx="1568871" cy="300852"/>
+              </a:xfrm>
+              <a:prstGeom prst="rect">
+                <a:avLst/>
+              </a:prstGeom>
+              <a:noFill/>
+              <a:effectLst>
+                <a:glow rad="228600">
+                  <a:schemeClr val="accent1">
+                    <a:satMod val="175000"/>
+                    <a:alpha val="40000"/>
+                  </a:schemeClr>
+                </a:glow>
+                <a:softEdge rad="0"/>
+              </a:effectLst>
+            </p:spPr>
+            <p:txBody>
+              <a:bodyPr wrap="square" rtlCol="0">
+                <a:spAutoFit/>
+              </a:bodyPr>
+              <a:lstStyle/>
+              <a:p>
+                <a:pPr algn="ctr"/>
+                <a:r>
+                  <a:rPr lang="en-AU" sz="1185" i="1" dirty="0">
+                    <a:latin typeface="Helvetica" panose="020B0604020202020204" pitchFamily="34" charset="0"/>
+                    <a:cs typeface="Helvetica" panose="020B0604020202020204" pitchFamily="34" charset="0"/>
+                  </a:rPr>
+                  <a:t>Query Features  </a:t>
+                </a:r>
+                <a14:m>
+                  <m:oMath xmlns:m="http://schemas.openxmlformats.org/officeDocument/2006/math">
+                    <m:sSup>
+                      <m:sSupPr>
+                        <m:ctrlPr>
+                          <a:rPr lang="en-AU" sz="1355" i="1" dirty="0">
+                            <a:latin typeface="Cambria Math" panose="02040503050406030204" pitchFamily="18" charset="0"/>
+                            <a:cs typeface="Helvetica" panose="020B0604020202020204" pitchFamily="34" charset="0"/>
+                          </a:rPr>
+                        </m:ctrlPr>
+                      </m:sSupPr>
+                      <m:e>
+                        <m:r>
+                          <a:rPr lang="en-AU" sz="1355" i="1" dirty="0">
+                            <a:latin typeface="Cambria Math" panose="02040503050406030204" pitchFamily="18" charset="0"/>
+                            <a:cs typeface="Helvetica" panose="020B0604020202020204" pitchFamily="34" charset="0"/>
+                          </a:rPr>
+                          <m:t>𝑋</m:t>
+                        </m:r>
+                      </m:e>
+                      <m:sup>
+                        <m:r>
+                          <a:rPr lang="en-AU" sz="1355" i="1" dirty="0">
+                            <a:latin typeface="Cambria Math" panose="02040503050406030204" pitchFamily="18" charset="0"/>
+                            <a:ea typeface="Cambria Math" panose="02040503050406030204" pitchFamily="18" charset="0"/>
+                            <a:cs typeface="Helvetica" panose="020B0604020202020204" pitchFamily="34" charset="0"/>
+                          </a:rPr>
+                          <m:t>∗</m:t>
+                        </m:r>
+                      </m:sup>
+                    </m:sSup>
+                  </m:oMath>
+                </a14:m>
+                <a:endParaRPr lang="en-AU" sz="1355" b="1" dirty="0"/>
+              </a:p>
+            </p:txBody>
+          </p:sp>
+        </mc:Choice>
+        <mc:Fallback xmlns="">
+          <p:sp>
+            <p:nvSpPr>
+              <p:cNvPr id="7" name="TextBox 6"/>
+              <p:cNvSpPr txBox="1">
+                <a:spLocks noRot="1" noChangeAspect="1" noMove="1" noResize="1" noEditPoints="1" noAdjustHandles="1" noChangeArrowheads="1" noChangeShapeType="1" noTextEdit="1"/>
+              </p:cNvSpPr>
+              <p:nvPr/>
+            </p:nvSpPr>
+            <p:spPr>
+              <a:xfrm>
+                <a:off x="1218150" y="1856895"/>
+                <a:ext cx="1568871" cy="300852"/>
+              </a:xfrm>
+              <a:prstGeom prst="rect">
+                <a:avLst/>
+              </a:prstGeom>
+              <a:blipFill rotWithShape="0">
+                <a:blip r:embed="rId3"/>
+                <a:stretch>
+                  <a:fillRect/>
+                </a:stretch>
+              </a:blipFill>
+              <a:effectLst>
+                <a:glow rad="228600">
+                  <a:schemeClr val="accent1">
+                    <a:satMod val="175000"/>
+                    <a:alpha val="40000"/>
+                  </a:schemeClr>
+                </a:glow>
+                <a:softEdge rad="0"/>
+              </a:effectLst>
+            </p:spPr>
+            <p:txBody>
+              <a:bodyPr/>
+              <a:lstStyle/>
+              <a:p>
+                <a:r>
+                  <a:rPr lang="en-AU">
+                    <a:noFill/>
+                  </a:rPr>
+                  <a:t> </a:t>
+                </a:r>
+              </a:p>
+            </p:txBody>
+          </p:sp>
+        </mc:Fallback>
+      </mc:AlternateContent>
+      <p:sp>
+        <p:nvSpPr>
+          <p:cNvPr id="8" name="Rounded Rectangle 7"/>
           <p:cNvSpPr/>
           <p:nvPr/>
         </p:nvSpPr>
         <p:spPr>
           <a:xfrm>
-            <a:off x="3355052" y="251585"/>
-            <a:ext cx="2372884" cy="1206022"/>
+            <a:off x="4616069" y="1838498"/>
+            <a:ext cx="1568871" cy="265046"/>
           </a:xfrm>
           <a:prstGeom prst="roundRect">
             <a:avLst/>
@@ -4460,11 +5035,12 @@
           <a:ln w="28575"/>
           <a:effectLst>
             <a:glow rad="228600">
-              <a:schemeClr val="accent6">
+              <a:schemeClr val="accent1">
                 <a:satMod val="175000"/>
                 <a:alpha val="40000"/>
               </a:schemeClr>
             </a:glow>
+            <a:softEdge rad="0"/>
           </a:effectLst>
         </p:spPr>
         <p:style>
@@ -4482,7 +5058,7 @@
           </a:fontRef>
         </p:style>
         <p:txBody>
-          <a:bodyPr rot="0" spcFirstLastPara="0" vertOverflow="overflow" horzOverflow="overflow" vert="horz" wrap="square" lIns="91440" tIns="45720" rIns="91440" bIns="45720" numCol="1" spcCol="0" rtlCol="0" fromWordArt="0" anchor="ctr" anchorCtr="0" forceAA="0" compatLnSpc="1">
+          <a:bodyPr rot="0" spcFirstLastPara="0" vertOverflow="overflow" horzOverflow="overflow" vert="horz" wrap="square" lIns="77421" tIns="38710" rIns="77421" bIns="38710" numCol="1" spcCol="0" rtlCol="0" fromWordArt="0" anchor="ctr" anchorCtr="0" forceAA="0" compatLnSpc="1">
             <a:prstTxWarp prst="textNoShape">
               <a:avLst/>
             </a:prstTxWarp>
@@ -4491,82 +5067,125 @@
           <a:lstStyle/>
           <a:p>
             <a:pPr algn="ctr"/>
-            <a:endParaRPr lang="en-AU"/>
-          </a:p>
-        </p:txBody>
-      </p:sp>
-      <p:sp>
-        <p:nvSpPr>
-          <p:cNvPr id="7" name="TextBox 6"/>
-          <p:cNvSpPr txBox="1"/>
-          <p:nvPr/>
-        </p:nvSpPr>
-        <p:spPr>
-          <a:xfrm>
-            <a:off x="3355052" y="288056"/>
-            <a:ext cx="2372884" cy="1169551"/>
-          </a:xfrm>
-          <a:prstGeom prst="rect">
-            <a:avLst/>
-          </a:prstGeom>
-          <a:noFill/>
-        </p:spPr>
-        <p:txBody>
-          <a:bodyPr wrap="square" rtlCol="0">
-            <a:spAutoFit/>
-          </a:bodyPr>
-          <a:lstStyle/>
-          <a:p>
-            <a:pPr algn="ctr"/>
-            <a:r>
-              <a:rPr lang="en-AU" sz="1400" i="1" dirty="0" smtClean="0">
-                <a:latin typeface="Helvetica" panose="020B0604020202020204" pitchFamily="34" charset="0"/>
-                <a:cs typeface="Helvetica" panose="020B0604020202020204" pitchFamily="34" charset="0"/>
-              </a:rPr>
-              <a:t>Find optimal </a:t>
-            </a:r>
-            <a:r>
-              <a:rPr lang="en-AU" sz="1400" i="1" dirty="0">
-                <a:latin typeface="Helvetica" panose="020B0604020202020204" pitchFamily="34" charset="0"/>
-                <a:cs typeface="Helvetica" panose="020B0604020202020204" pitchFamily="34" charset="0"/>
-              </a:rPr>
-              <a:t>path of fixed horizon from </a:t>
-            </a:r>
-            <a:r>
-              <a:rPr lang="en-AU" sz="1400" i="1" dirty="0" smtClean="0">
-                <a:latin typeface="Helvetica" panose="020B0604020202020204" pitchFamily="34" charset="0"/>
-                <a:cs typeface="Helvetica" panose="020B0604020202020204" pitchFamily="34" charset="0"/>
-              </a:rPr>
-              <a:t>current location through maximising acquisition function under </a:t>
-            </a:r>
-            <a:r>
-              <a:rPr lang="en-AU" sz="1400" i="1" dirty="0" smtClean="0">
-                <a:latin typeface="Helvetica" panose="020B0604020202020204" pitchFamily="34" charset="0"/>
-                <a:cs typeface="Helvetica" panose="020B0604020202020204" pitchFamily="34" charset="0"/>
-              </a:rPr>
-              <a:t>GP </a:t>
-            </a:r>
-            <a:r>
-              <a:rPr lang="en-AU" sz="1400" i="1" dirty="0" smtClean="0">
-                <a:latin typeface="Helvetica" panose="020B0604020202020204" pitchFamily="34" charset="0"/>
-                <a:cs typeface="Helvetica" panose="020B0604020202020204" pitchFamily="34" charset="0"/>
-              </a:rPr>
-              <a:t>model</a:t>
-            </a:r>
-            <a:endParaRPr lang="en-AU" sz="1400" b="1" dirty="0"/>
-          </a:p>
-        </p:txBody>
-      </p:sp>
-      <p:sp>
-        <p:nvSpPr>
-          <p:cNvPr id="8" name="Rounded Rectangle 7"/>
+            <a:endParaRPr lang="en-AU" sz="1185"/>
+          </a:p>
+        </p:txBody>
+      </p:sp>
+      <mc:AlternateContent xmlns:mc="http://schemas.openxmlformats.org/markup-compatibility/2006" xmlns:a14="http://schemas.microsoft.com/office/drawing/2010/main">
+        <mc:Choice Requires="a14">
+          <p:sp>
+            <p:nvSpPr>
+              <p:cNvPr id="9" name="TextBox 8"/>
+              <p:cNvSpPr txBox="1"/>
+              <p:nvPr/>
+            </p:nvSpPr>
+            <p:spPr>
+              <a:xfrm>
+                <a:off x="4616069" y="1838500"/>
+                <a:ext cx="1568871" cy="300852"/>
+              </a:xfrm>
+              <a:prstGeom prst="rect">
+                <a:avLst/>
+              </a:prstGeom>
+              <a:noFill/>
+              <a:effectLst>
+                <a:glow rad="228600">
+                  <a:schemeClr val="accent1">
+                    <a:satMod val="175000"/>
+                    <a:alpha val="40000"/>
+                  </a:schemeClr>
+                </a:glow>
+                <a:softEdge rad="0"/>
+              </a:effectLst>
+            </p:spPr>
+            <p:txBody>
+              <a:bodyPr wrap="square" rtlCol="0">
+                <a:spAutoFit/>
+              </a:bodyPr>
+              <a:lstStyle/>
+              <a:p>
+                <a:pPr algn="ctr"/>
+                <a:r>
+                  <a:rPr lang="en-AU" sz="1185" i="1" dirty="0">
+                    <a:latin typeface="Helvetica" panose="020B0604020202020204" pitchFamily="34" charset="0"/>
+                    <a:cs typeface="Helvetica" panose="020B0604020202020204" pitchFamily="34" charset="0"/>
+                  </a:rPr>
+                  <a:t>Training Features  </a:t>
+                </a:r>
+                <a14:m>
+                  <m:oMath xmlns:m="http://schemas.openxmlformats.org/officeDocument/2006/math">
+                    <m:r>
+                      <a:rPr lang="en-AU" sz="1355" i="1">
+                        <a:latin typeface="Cambria Math" panose="02040503050406030204" pitchFamily="18" charset="0"/>
+                        <a:cs typeface="Helvetica" panose="020B0604020202020204" pitchFamily="34" charset="0"/>
+                      </a:rPr>
+                      <m:t>𝑋</m:t>
+                    </m:r>
+                  </m:oMath>
+                </a14:m>
+                <a:endParaRPr lang="en-AU" sz="1355" b="1" dirty="0"/>
+              </a:p>
+            </p:txBody>
+          </p:sp>
+        </mc:Choice>
+        <mc:Fallback xmlns="">
+          <p:sp>
+            <p:nvSpPr>
+              <p:cNvPr id="9" name="TextBox 8"/>
+              <p:cNvSpPr txBox="1">
+                <a:spLocks noRot="1" noChangeAspect="1" noMove="1" noResize="1" noEditPoints="1" noAdjustHandles="1" noChangeArrowheads="1" noChangeShapeType="1" noTextEdit="1"/>
+              </p:cNvSpPr>
+              <p:nvPr/>
+            </p:nvSpPr>
+            <p:spPr>
+              <a:xfrm>
+                <a:off x="4616069" y="1838500"/>
+                <a:ext cx="1568871" cy="300852"/>
+              </a:xfrm>
+              <a:prstGeom prst="rect">
+                <a:avLst/>
+              </a:prstGeom>
+              <a:blipFill rotWithShape="0">
+                <a:blip r:embed="rId4"/>
+                <a:stretch>
+                  <a:fillRect/>
+                </a:stretch>
+              </a:blipFill>
+              <a:effectLst>
+                <a:glow rad="228600">
+                  <a:schemeClr val="accent1">
+                    <a:satMod val="175000"/>
+                    <a:alpha val="40000"/>
+                  </a:schemeClr>
+                </a:glow>
+                <a:softEdge rad="0"/>
+              </a:effectLst>
+            </p:spPr>
+            <p:txBody>
+              <a:bodyPr/>
+              <a:lstStyle/>
+              <a:p>
+                <a:r>
+                  <a:rPr lang="en-AU">
+                    <a:noFill/>
+                  </a:rPr>
+                  <a:t> </a:t>
+                </a:r>
+              </a:p>
+            </p:txBody>
+          </p:sp>
+        </mc:Fallback>
+      </mc:AlternateContent>
+      <p:sp>
+        <p:nvSpPr>
+          <p:cNvPr id="10" name="Rounded Rectangle 9"/>
           <p:cNvSpPr/>
           <p:nvPr/>
         </p:nvSpPr>
         <p:spPr>
           <a:xfrm>
-            <a:off x="6770344" y="492885"/>
-            <a:ext cx="1840556" cy="738666"/>
+            <a:off x="6594603" y="320828"/>
+            <a:ext cx="1568871" cy="265046"/>
           </a:xfrm>
           <a:prstGeom prst="roundRect">
             <a:avLst/>
@@ -4574,11 +5193,12 @@
           <a:ln w="28575"/>
           <a:effectLst>
             <a:glow rad="228600">
-              <a:schemeClr val="accent6">
+              <a:schemeClr val="accent1">
                 <a:satMod val="175000"/>
                 <a:alpha val="40000"/>
               </a:schemeClr>
             </a:glow>
+            <a:softEdge rad="0"/>
           </a:effectLst>
         </p:spPr>
         <p:style>
@@ -4596,7 +5216,7 @@
           </a:fontRef>
         </p:style>
         <p:txBody>
-          <a:bodyPr rot="0" spcFirstLastPara="0" vertOverflow="overflow" horzOverflow="overflow" vert="horz" wrap="square" lIns="91440" tIns="45720" rIns="91440" bIns="45720" numCol="1" spcCol="0" rtlCol="0" fromWordArt="0" anchor="ctr" anchorCtr="0" forceAA="0" compatLnSpc="1">
+          <a:bodyPr rot="0" spcFirstLastPara="0" vertOverflow="overflow" horzOverflow="overflow" vert="horz" wrap="square" lIns="77421" tIns="38710" rIns="77421" bIns="38710" numCol="1" spcCol="0" rtlCol="0" fromWordArt="0" anchor="ctr" anchorCtr="0" forceAA="0" compatLnSpc="1">
             <a:prstTxWarp prst="textNoShape">
               <a:avLst/>
             </a:prstTxWarp>
@@ -4605,61 +5225,125 @@
           <a:lstStyle/>
           <a:p>
             <a:pPr algn="ctr"/>
-            <a:endParaRPr lang="en-AU"/>
-          </a:p>
-        </p:txBody>
-      </p:sp>
-      <p:sp>
-        <p:nvSpPr>
-          <p:cNvPr id="9" name="TextBox 8"/>
-          <p:cNvSpPr txBox="1"/>
-          <p:nvPr/>
-        </p:nvSpPr>
-        <p:spPr>
-          <a:xfrm>
-            <a:off x="6770344" y="492887"/>
-            <a:ext cx="1840556" cy="738664"/>
-          </a:xfrm>
-          <a:prstGeom prst="rect">
-            <a:avLst/>
-          </a:prstGeom>
-          <a:noFill/>
-        </p:spPr>
-        <p:txBody>
-          <a:bodyPr wrap="square" rtlCol="0">
-            <a:spAutoFit/>
-          </a:bodyPr>
-          <a:lstStyle/>
-          <a:p>
-            <a:pPr algn="ctr"/>
-            <a:r>
-              <a:rPr lang="en-AU" sz="1400" i="1" dirty="0" smtClean="0">
-                <a:latin typeface="Helvetica" panose="020B0604020202020204" pitchFamily="34" charset="0"/>
-                <a:cs typeface="Helvetica" panose="020B0604020202020204" pitchFamily="34" charset="0"/>
-              </a:rPr>
-              <a:t>Take one step </a:t>
-            </a:r>
-            <a:r>
-              <a:rPr lang="en-AU" sz="1400" i="1" dirty="0" smtClean="0">
-                <a:latin typeface="Helvetica" panose="020B0604020202020204" pitchFamily="34" charset="0"/>
-                <a:cs typeface="Helvetica" panose="020B0604020202020204" pitchFamily="34" charset="0"/>
-              </a:rPr>
-              <a:t>into optimal path and take observation</a:t>
-            </a:r>
-            <a:endParaRPr lang="en-AU" sz="1400" b="1" dirty="0"/>
-          </a:p>
-        </p:txBody>
-      </p:sp>
-      <p:sp>
-        <p:nvSpPr>
-          <p:cNvPr id="10" name="Rounded Rectangle 9"/>
+            <a:endParaRPr lang="en-AU" sz="1185"/>
+          </a:p>
+        </p:txBody>
+      </p:sp>
+      <mc:AlternateContent xmlns:mc="http://schemas.openxmlformats.org/markup-compatibility/2006" xmlns:a14="http://schemas.microsoft.com/office/drawing/2010/main">
+        <mc:Choice Requires="a14">
+          <p:sp>
+            <p:nvSpPr>
+              <p:cNvPr id="11" name="TextBox 10"/>
+              <p:cNvSpPr txBox="1"/>
+              <p:nvPr/>
+            </p:nvSpPr>
+            <p:spPr>
+              <a:xfrm>
+                <a:off x="6594603" y="320829"/>
+                <a:ext cx="1568871" cy="300852"/>
+              </a:xfrm>
+              <a:prstGeom prst="rect">
+                <a:avLst/>
+              </a:prstGeom>
+              <a:noFill/>
+              <a:effectLst>
+                <a:glow rad="228600">
+                  <a:schemeClr val="accent1">
+                    <a:satMod val="175000"/>
+                    <a:alpha val="40000"/>
+                  </a:schemeClr>
+                </a:glow>
+                <a:softEdge rad="0"/>
+              </a:effectLst>
+            </p:spPr>
+            <p:txBody>
+              <a:bodyPr wrap="square" rtlCol="0">
+                <a:spAutoFit/>
+              </a:bodyPr>
+              <a:lstStyle/>
+              <a:p>
+                <a:pPr algn="ctr"/>
+                <a:r>
+                  <a:rPr lang="en-AU" sz="1185" i="1" dirty="0">
+                    <a:latin typeface="Helvetica" panose="020B0604020202020204" pitchFamily="34" charset="0"/>
+                    <a:cs typeface="Helvetica" panose="020B0604020202020204" pitchFamily="34" charset="0"/>
+                  </a:rPr>
+                  <a:t>Training Labels  </a:t>
+                </a:r>
+                <a14:m>
+                  <m:oMath xmlns:m="http://schemas.openxmlformats.org/officeDocument/2006/math">
+                    <m:r>
+                      <a:rPr lang="en-AU" sz="1355" b="1">
+                        <a:latin typeface="Cambria Math" panose="02040503050406030204" pitchFamily="18" charset="0"/>
+                        <a:cs typeface="Helvetica" panose="020B0604020202020204" pitchFamily="34" charset="0"/>
+                      </a:rPr>
+                      <m:t>𝐲</m:t>
+                    </m:r>
+                  </m:oMath>
+                </a14:m>
+                <a:endParaRPr lang="en-AU" sz="1355" b="1" dirty="0"/>
+              </a:p>
+            </p:txBody>
+          </p:sp>
+        </mc:Choice>
+        <mc:Fallback xmlns="">
+          <p:sp>
+            <p:nvSpPr>
+              <p:cNvPr id="11" name="TextBox 10"/>
+              <p:cNvSpPr txBox="1">
+                <a:spLocks noRot="1" noChangeAspect="1" noMove="1" noResize="1" noEditPoints="1" noAdjustHandles="1" noChangeArrowheads="1" noChangeShapeType="1" noTextEdit="1"/>
+              </p:cNvSpPr>
+              <p:nvPr/>
+            </p:nvSpPr>
+            <p:spPr>
+              <a:xfrm>
+                <a:off x="6594603" y="320829"/>
+                <a:ext cx="1568871" cy="300852"/>
+              </a:xfrm>
+              <a:prstGeom prst="rect">
+                <a:avLst/>
+              </a:prstGeom>
+              <a:blipFill rotWithShape="0">
+                <a:blip r:embed="rId5"/>
+                <a:stretch>
+                  <a:fillRect/>
+                </a:stretch>
+              </a:blipFill>
+              <a:effectLst>
+                <a:glow rad="228600">
+                  <a:schemeClr val="accent1">
+                    <a:satMod val="175000"/>
+                    <a:alpha val="40000"/>
+                  </a:schemeClr>
+                </a:glow>
+                <a:softEdge rad="0"/>
+              </a:effectLst>
+            </p:spPr>
+            <p:txBody>
+              <a:bodyPr/>
+              <a:lstStyle/>
+              <a:p>
+                <a:r>
+                  <a:rPr lang="en-AU">
+                    <a:noFill/>
+                  </a:rPr>
+                  <a:t> </a:t>
+                </a:r>
+              </a:p>
+            </p:txBody>
+          </p:sp>
+        </mc:Fallback>
+      </mc:AlternateContent>
+      <p:sp>
+        <p:nvSpPr>
+          <p:cNvPr id="12" name="Rounded Rectangle 11"/>
           <p:cNvSpPr/>
           <p:nvPr/>
         </p:nvSpPr>
         <p:spPr>
           <a:xfrm>
-            <a:off x="6770344" y="1902585"/>
-            <a:ext cx="1840556" cy="473080"/>
+            <a:off x="1218151" y="320828"/>
+            <a:ext cx="1568871" cy="265044"/>
           </a:xfrm>
           <a:prstGeom prst="roundRect">
             <a:avLst/>
@@ -4667,11 +5351,12 @@
           <a:ln w="28575"/>
           <a:effectLst>
             <a:glow rad="228600">
-              <a:schemeClr val="accent6">
+              <a:schemeClr val="accent1">
                 <a:satMod val="175000"/>
                 <a:alpha val="40000"/>
               </a:schemeClr>
             </a:glow>
+            <a:softEdge rad="0"/>
           </a:effectLst>
         </p:spPr>
         <p:style>
@@ -4689,7 +5374,7 @@
           </a:fontRef>
         </p:style>
         <p:txBody>
-          <a:bodyPr rot="0" spcFirstLastPara="0" vertOverflow="overflow" horzOverflow="overflow" vert="horz" wrap="square" lIns="91440" tIns="45720" rIns="91440" bIns="45720" numCol="1" spcCol="0" rtlCol="0" fromWordArt="0" anchor="ctr" anchorCtr="0" forceAA="0" compatLnSpc="1">
+          <a:bodyPr rot="0" spcFirstLastPara="0" vertOverflow="overflow" horzOverflow="overflow" vert="horz" wrap="square" lIns="77421" tIns="38710" rIns="77421" bIns="38710" numCol="1" spcCol="0" rtlCol="0" fromWordArt="0" anchor="ctr" anchorCtr="0" forceAA="0" compatLnSpc="1">
             <a:prstTxWarp prst="textNoShape">
               <a:avLst/>
             </a:prstTxWarp>
@@ -4698,25 +5383,641 @@
           <a:lstStyle/>
           <a:p>
             <a:pPr algn="ctr"/>
-            <a:endParaRPr lang="en-AU"/>
-          </a:p>
-        </p:txBody>
-      </p:sp>
-      <p:sp>
-        <p:nvSpPr>
-          <p:cNvPr id="11" name="TextBox 10"/>
+            <a:endParaRPr lang="en-AU" sz="1185"/>
+          </a:p>
+        </p:txBody>
+      </p:sp>
+      <mc:AlternateContent xmlns:mc="http://schemas.openxmlformats.org/markup-compatibility/2006" xmlns:a14="http://schemas.microsoft.com/office/drawing/2010/main">
+        <mc:Choice Requires="a14">
+          <p:sp>
+            <p:nvSpPr>
+              <p:cNvPr id="13" name="TextBox 12"/>
+              <p:cNvSpPr txBox="1"/>
+              <p:nvPr/>
+            </p:nvSpPr>
+            <p:spPr>
+              <a:xfrm>
+                <a:off x="1218151" y="320829"/>
+                <a:ext cx="1568871" cy="300852"/>
+              </a:xfrm>
+              <a:prstGeom prst="rect">
+                <a:avLst/>
+              </a:prstGeom>
+              <a:noFill/>
+              <a:effectLst>
+                <a:glow rad="228600">
+                  <a:schemeClr val="accent1">
+                    <a:satMod val="175000"/>
+                    <a:alpha val="40000"/>
+                  </a:schemeClr>
+                </a:glow>
+                <a:softEdge rad="0"/>
+              </a:effectLst>
+            </p:spPr>
+            <p:txBody>
+              <a:bodyPr wrap="square" rtlCol="0">
+                <a:spAutoFit/>
+              </a:bodyPr>
+              <a:lstStyle/>
+              <a:p>
+                <a:pPr algn="ctr"/>
+                <a:r>
+                  <a:rPr lang="en-AU" sz="1185" i="1" dirty="0">
+                    <a:latin typeface="Helvetica" panose="020B0604020202020204" pitchFamily="34" charset="0"/>
+                    <a:cs typeface="Helvetica" panose="020B0604020202020204" pitchFamily="34" charset="0"/>
+                  </a:rPr>
+                  <a:t>Query Locations </a:t>
+                </a:r>
+                <a14:m>
+                  <m:oMath xmlns:m="http://schemas.openxmlformats.org/officeDocument/2006/math">
+                    <m:r>
+                      <a:rPr lang="en-AU" sz="1355" i="1" dirty="0">
+                        <a:latin typeface="Cambria Math" panose="02040503050406030204" pitchFamily="18" charset="0"/>
+                        <a:cs typeface="Helvetica" panose="020B0604020202020204" pitchFamily="34" charset="0"/>
+                      </a:rPr>
+                      <m:t> </m:t>
+                    </m:r>
+                    <m:sSup>
+                      <m:sSupPr>
+                        <m:ctrlPr>
+                          <a:rPr lang="en-AU" sz="1355" i="1" dirty="0">
+                            <a:latin typeface="Cambria Math" panose="02040503050406030204" pitchFamily="18" charset="0"/>
+                            <a:cs typeface="Helvetica" panose="020B0604020202020204" pitchFamily="34" charset="0"/>
+                          </a:rPr>
+                        </m:ctrlPr>
+                      </m:sSupPr>
+                      <m:e>
+                        <m:r>
+                          <a:rPr lang="en-AU" sz="1355" i="1" dirty="0">
+                            <a:latin typeface="Cambria Math" panose="02040503050406030204" pitchFamily="18" charset="0"/>
+                            <a:cs typeface="Helvetica" panose="020B0604020202020204" pitchFamily="34" charset="0"/>
+                          </a:rPr>
+                          <m:t>𝑃</m:t>
+                        </m:r>
+                      </m:e>
+                      <m:sup>
+                        <m:r>
+                          <a:rPr lang="en-AU" sz="1355" i="1" dirty="0">
+                            <a:latin typeface="Cambria Math" panose="02040503050406030204" pitchFamily="18" charset="0"/>
+                            <a:ea typeface="Cambria Math" panose="02040503050406030204" pitchFamily="18" charset="0"/>
+                            <a:cs typeface="Helvetica" panose="020B0604020202020204" pitchFamily="34" charset="0"/>
+                          </a:rPr>
+                          <m:t>∗</m:t>
+                        </m:r>
+                      </m:sup>
+                    </m:sSup>
+                  </m:oMath>
+                </a14:m>
+                <a:endParaRPr lang="en-AU" sz="1355" b="1" dirty="0"/>
+              </a:p>
+            </p:txBody>
+          </p:sp>
+        </mc:Choice>
+        <mc:Fallback xmlns="">
+          <p:sp>
+            <p:nvSpPr>
+              <p:cNvPr id="13" name="TextBox 12"/>
+              <p:cNvSpPr txBox="1">
+                <a:spLocks noRot="1" noChangeAspect="1" noMove="1" noResize="1" noEditPoints="1" noAdjustHandles="1" noChangeArrowheads="1" noChangeShapeType="1" noTextEdit="1"/>
+              </p:cNvSpPr>
+              <p:nvPr/>
+            </p:nvSpPr>
+            <p:spPr>
+              <a:xfrm>
+                <a:off x="1218151" y="320829"/>
+                <a:ext cx="1568871" cy="300852"/>
+              </a:xfrm>
+              <a:prstGeom prst="rect">
+                <a:avLst/>
+              </a:prstGeom>
+              <a:blipFill rotWithShape="0">
+                <a:blip r:embed="rId6"/>
+                <a:stretch>
+                  <a:fillRect/>
+                </a:stretch>
+              </a:blipFill>
+              <a:effectLst>
+                <a:glow rad="228600">
+                  <a:schemeClr val="accent1">
+                    <a:satMod val="175000"/>
+                    <a:alpha val="40000"/>
+                  </a:schemeClr>
+                </a:glow>
+                <a:softEdge rad="0"/>
+              </a:effectLst>
+            </p:spPr>
+            <p:txBody>
+              <a:bodyPr/>
+              <a:lstStyle/>
+              <a:p>
+                <a:r>
+                  <a:rPr lang="en-AU">
+                    <a:noFill/>
+                  </a:rPr>
+                  <a:t> </a:t>
+                </a:r>
+              </a:p>
+            </p:txBody>
+          </p:sp>
+        </mc:Fallback>
+      </mc:AlternateContent>
+      <p:sp>
+        <p:nvSpPr>
+          <p:cNvPr id="14" name="Rounded Rectangle 13"/>
+          <p:cNvSpPr/>
+          <p:nvPr/>
+        </p:nvSpPr>
+        <p:spPr>
+          <a:xfrm>
+            <a:off x="4581122" y="320826"/>
+            <a:ext cx="1638759" cy="265046"/>
+          </a:xfrm>
+          <a:prstGeom prst="roundRect">
+            <a:avLst/>
+          </a:prstGeom>
+          <a:ln w="28575"/>
+          <a:effectLst>
+            <a:glow rad="228600">
+              <a:schemeClr val="accent1">
+                <a:satMod val="175000"/>
+                <a:alpha val="40000"/>
+              </a:schemeClr>
+            </a:glow>
+            <a:softEdge rad="0"/>
+          </a:effectLst>
+        </p:spPr>
+        <p:style>
+          <a:lnRef idx="2">
+            <a:schemeClr val="accent5"/>
+          </a:lnRef>
+          <a:fillRef idx="1">
+            <a:schemeClr val="lt1"/>
+          </a:fillRef>
+          <a:effectRef idx="0">
+            <a:schemeClr val="accent5"/>
+          </a:effectRef>
+          <a:fontRef idx="minor">
+            <a:schemeClr val="dk1"/>
+          </a:fontRef>
+        </p:style>
+        <p:txBody>
+          <a:bodyPr rot="0" spcFirstLastPara="0" vertOverflow="overflow" horzOverflow="overflow" vert="horz" wrap="square" lIns="77421" tIns="38710" rIns="77421" bIns="38710" numCol="1" spcCol="0" rtlCol="0" fromWordArt="0" anchor="ctr" anchorCtr="0" forceAA="0" compatLnSpc="1">
+            <a:prstTxWarp prst="textNoShape">
+              <a:avLst/>
+            </a:prstTxWarp>
+            <a:noAutofit/>
+          </a:bodyPr>
+          <a:lstStyle/>
+          <a:p>
+            <a:pPr algn="ctr"/>
+            <a:endParaRPr lang="en-AU" sz="1185"/>
+          </a:p>
+        </p:txBody>
+      </p:sp>
+      <mc:AlternateContent xmlns:mc="http://schemas.openxmlformats.org/markup-compatibility/2006" xmlns:a14="http://schemas.microsoft.com/office/drawing/2010/main">
+        <mc:Choice Requires="a14">
+          <p:sp>
+            <p:nvSpPr>
+              <p:cNvPr id="15" name="TextBox 14"/>
+              <p:cNvSpPr txBox="1"/>
+              <p:nvPr/>
+            </p:nvSpPr>
+            <p:spPr>
+              <a:xfrm>
+                <a:off x="4581122" y="320829"/>
+                <a:ext cx="1638759" cy="300852"/>
+              </a:xfrm>
+              <a:prstGeom prst="rect">
+                <a:avLst/>
+              </a:prstGeom>
+              <a:noFill/>
+              <a:effectLst>
+                <a:glow rad="228600">
+                  <a:schemeClr val="accent1">
+                    <a:satMod val="175000"/>
+                    <a:alpha val="40000"/>
+                  </a:schemeClr>
+                </a:glow>
+                <a:softEdge rad="0"/>
+              </a:effectLst>
+            </p:spPr>
+            <p:txBody>
+              <a:bodyPr wrap="square" rtlCol="0">
+                <a:spAutoFit/>
+              </a:bodyPr>
+              <a:lstStyle/>
+              <a:p>
+                <a:pPr algn="ctr"/>
+                <a:r>
+                  <a:rPr lang="en-AU" sz="1185" i="1" dirty="0">
+                    <a:latin typeface="Helvetica" panose="020B0604020202020204" pitchFamily="34" charset="0"/>
+                    <a:cs typeface="Helvetica" panose="020B0604020202020204" pitchFamily="34" charset="0"/>
+                  </a:rPr>
+                  <a:t>Training Locations  </a:t>
+                </a:r>
+                <a14:m>
+                  <m:oMath xmlns:m="http://schemas.openxmlformats.org/officeDocument/2006/math">
+                    <m:r>
+                      <a:rPr lang="en-AU" sz="1355" i="1">
+                        <a:latin typeface="Cambria Math" panose="02040503050406030204" pitchFamily="18" charset="0"/>
+                        <a:cs typeface="Helvetica" panose="020B0604020202020204" pitchFamily="34" charset="0"/>
+                      </a:rPr>
+                      <m:t>𝑃</m:t>
+                    </m:r>
+                  </m:oMath>
+                </a14:m>
+                <a:endParaRPr lang="en-AU" sz="1355" b="1" dirty="0"/>
+              </a:p>
+            </p:txBody>
+          </p:sp>
+        </mc:Choice>
+        <mc:Fallback xmlns="">
+          <p:sp>
+            <p:nvSpPr>
+              <p:cNvPr id="15" name="TextBox 14"/>
+              <p:cNvSpPr txBox="1">
+                <a:spLocks noRot="1" noChangeAspect="1" noMove="1" noResize="1" noEditPoints="1" noAdjustHandles="1" noChangeArrowheads="1" noChangeShapeType="1" noTextEdit="1"/>
+              </p:cNvSpPr>
+              <p:nvPr/>
+            </p:nvSpPr>
+            <p:spPr>
+              <a:xfrm>
+                <a:off x="4581122" y="320829"/>
+                <a:ext cx="1638759" cy="300852"/>
+              </a:xfrm>
+              <a:prstGeom prst="rect">
+                <a:avLst/>
+              </a:prstGeom>
+              <a:blipFill rotWithShape="0">
+                <a:blip r:embed="rId7"/>
+                <a:stretch>
+                  <a:fillRect/>
+                </a:stretch>
+              </a:blipFill>
+              <a:effectLst>
+                <a:glow rad="228600">
+                  <a:schemeClr val="accent1">
+                    <a:satMod val="175000"/>
+                    <a:alpha val="40000"/>
+                  </a:schemeClr>
+                </a:glow>
+                <a:softEdge rad="0"/>
+              </a:effectLst>
+            </p:spPr>
+            <p:txBody>
+              <a:bodyPr/>
+              <a:lstStyle/>
+              <a:p>
+                <a:r>
+                  <a:rPr lang="en-AU">
+                    <a:noFill/>
+                  </a:rPr>
+                  <a:t> </a:t>
+                </a:r>
+              </a:p>
+            </p:txBody>
+          </p:sp>
+        </mc:Fallback>
+      </mc:AlternateContent>
+      <p:sp>
+        <p:nvSpPr>
+          <p:cNvPr id="16" name="Rounded Rectangle 15"/>
+          <p:cNvSpPr/>
+          <p:nvPr/>
+        </p:nvSpPr>
+        <p:spPr>
+          <a:xfrm>
+            <a:off x="4546170" y="996965"/>
+            <a:ext cx="1708658" cy="442511"/>
+          </a:xfrm>
+          <a:prstGeom prst="roundRect">
+            <a:avLst/>
+          </a:prstGeom>
+          <a:ln w="28575"/>
+          <a:effectLst>
+            <a:glow rad="228600">
+              <a:schemeClr val="accent6">
+                <a:satMod val="175000"/>
+                <a:alpha val="40000"/>
+              </a:schemeClr>
+            </a:glow>
+          </a:effectLst>
+        </p:spPr>
+        <p:style>
+          <a:lnRef idx="2">
+            <a:schemeClr val="accent5"/>
+          </a:lnRef>
+          <a:fillRef idx="1">
+            <a:schemeClr val="lt1"/>
+          </a:fillRef>
+          <a:effectRef idx="0">
+            <a:schemeClr val="accent5"/>
+          </a:effectRef>
+          <a:fontRef idx="minor">
+            <a:schemeClr val="dk1"/>
+          </a:fontRef>
+        </p:style>
+        <p:txBody>
+          <a:bodyPr rot="0" spcFirstLastPara="0" vertOverflow="overflow" horzOverflow="overflow" vert="horz" wrap="square" lIns="77421" tIns="38710" rIns="77421" bIns="38710" numCol="1" spcCol="0" rtlCol="0" fromWordArt="0" anchor="ctr" anchorCtr="0" forceAA="0" compatLnSpc="1">
+            <a:prstTxWarp prst="textNoShape">
+              <a:avLst/>
+            </a:prstTxWarp>
+            <a:noAutofit/>
+          </a:bodyPr>
+          <a:lstStyle/>
+          <a:p>
+            <a:pPr algn="ctr"/>
+            <a:endParaRPr lang="en-AU" sz="1185"/>
+          </a:p>
+        </p:txBody>
+      </p:sp>
+      <p:sp>
+        <p:nvSpPr>
+          <p:cNvPr id="31" name="Rounded Rectangle 30"/>
+          <p:cNvSpPr/>
+          <p:nvPr/>
+        </p:nvSpPr>
+        <p:spPr>
+          <a:xfrm>
+            <a:off x="3108287" y="982379"/>
+            <a:ext cx="1205913" cy="454460"/>
+          </a:xfrm>
+          <a:prstGeom prst="roundRect">
+            <a:avLst/>
+          </a:prstGeom>
+          <a:ln w="28575"/>
+          <a:effectLst>
+            <a:glow rad="228600">
+              <a:schemeClr val="accent1">
+                <a:satMod val="175000"/>
+                <a:alpha val="40000"/>
+              </a:schemeClr>
+            </a:glow>
+            <a:softEdge rad="0"/>
+          </a:effectLst>
+        </p:spPr>
+        <p:style>
+          <a:lnRef idx="2">
+            <a:schemeClr val="accent5"/>
+          </a:lnRef>
+          <a:fillRef idx="1">
+            <a:schemeClr val="lt1"/>
+          </a:fillRef>
+          <a:effectRef idx="0">
+            <a:schemeClr val="accent5"/>
+          </a:effectRef>
+          <a:fontRef idx="minor">
+            <a:schemeClr val="dk1"/>
+          </a:fontRef>
+        </p:style>
+        <p:txBody>
+          <a:bodyPr rot="0" spcFirstLastPara="0" vertOverflow="overflow" horzOverflow="overflow" vert="horz" wrap="square" lIns="77421" tIns="38710" rIns="77421" bIns="38710" numCol="1" spcCol="0" rtlCol="0" fromWordArt="0" anchor="ctr" anchorCtr="0" forceAA="0" compatLnSpc="1">
+            <a:prstTxWarp prst="textNoShape">
+              <a:avLst/>
+            </a:prstTxWarp>
+            <a:noAutofit/>
+          </a:bodyPr>
+          <a:lstStyle/>
+          <a:p>
+            <a:pPr algn="ctr"/>
+            <a:endParaRPr lang="en-AU" sz="1185"/>
+          </a:p>
+        </p:txBody>
+      </p:sp>
+      <mc:AlternateContent xmlns:mc="http://schemas.openxmlformats.org/markup-compatibility/2006" xmlns:a14="http://schemas.microsoft.com/office/drawing/2010/main">
+        <mc:Choice Requires="a14">
+          <p:sp>
+            <p:nvSpPr>
+              <p:cNvPr id="32" name="TextBox 31"/>
+              <p:cNvSpPr txBox="1"/>
+              <p:nvPr/>
+            </p:nvSpPr>
+            <p:spPr>
+              <a:xfrm>
+                <a:off x="3108287" y="986698"/>
+                <a:ext cx="1205913" cy="483209"/>
+              </a:xfrm>
+              <a:prstGeom prst="rect">
+                <a:avLst/>
+              </a:prstGeom>
+              <a:noFill/>
+              <a:effectLst>
+                <a:glow rad="228600">
+                  <a:schemeClr val="accent1">
+                    <a:satMod val="175000"/>
+                    <a:alpha val="40000"/>
+                  </a:schemeClr>
+                </a:glow>
+                <a:softEdge rad="0"/>
+              </a:effectLst>
+            </p:spPr>
+            <p:txBody>
+              <a:bodyPr wrap="square" rtlCol="0">
+                <a:spAutoFit/>
+              </a:bodyPr>
+              <a:lstStyle/>
+              <a:p>
+                <a:pPr algn="ctr"/>
+                <a:r>
+                  <a:rPr lang="en-AU" sz="1185" i="1" dirty="0">
+                    <a:latin typeface="Helvetica" panose="020B0604020202020204" pitchFamily="34" charset="0"/>
+                    <a:cs typeface="Helvetica" panose="020B0604020202020204" pitchFamily="34" charset="0"/>
+                  </a:rPr>
+                  <a:t>Whiten Parameters  </a:t>
+                </a:r>
+                <a14:m>
+                  <m:oMath xmlns:m="http://schemas.openxmlformats.org/officeDocument/2006/math">
+                    <m:r>
+                      <a:rPr lang="en-AU" sz="1355" i="1">
+                        <a:latin typeface="Cambria Math" panose="02040503050406030204" pitchFamily="18" charset="0"/>
+                        <a:cs typeface="Helvetica" panose="020B0604020202020204" pitchFamily="34" charset="0"/>
+                      </a:rPr>
+                      <m:t>𝑤</m:t>
+                    </m:r>
+                  </m:oMath>
+                </a14:m>
+                <a:endParaRPr lang="en-AU" sz="1355" b="1" dirty="0"/>
+              </a:p>
+            </p:txBody>
+          </p:sp>
+        </mc:Choice>
+        <mc:Fallback xmlns="">
+          <p:sp>
+            <p:nvSpPr>
+              <p:cNvPr id="32" name="TextBox 31"/>
+              <p:cNvSpPr txBox="1">
+                <a:spLocks noRot="1" noChangeAspect="1" noMove="1" noResize="1" noEditPoints="1" noAdjustHandles="1" noChangeArrowheads="1" noChangeShapeType="1" noTextEdit="1"/>
+              </p:cNvSpPr>
+              <p:nvPr/>
+            </p:nvSpPr>
+            <p:spPr>
+              <a:xfrm>
+                <a:off x="3108287" y="986698"/>
+                <a:ext cx="1205913" cy="483209"/>
+              </a:xfrm>
+              <a:prstGeom prst="rect">
+                <a:avLst/>
+              </a:prstGeom>
+              <a:blipFill rotWithShape="0">
+                <a:blip r:embed="rId8"/>
+                <a:stretch>
+                  <a:fillRect/>
+                </a:stretch>
+              </a:blipFill>
+              <a:effectLst>
+                <a:glow rad="228600">
+                  <a:schemeClr val="accent1">
+                    <a:satMod val="175000"/>
+                    <a:alpha val="40000"/>
+                  </a:schemeClr>
+                </a:glow>
+                <a:softEdge rad="0"/>
+              </a:effectLst>
+            </p:spPr>
+            <p:txBody>
+              <a:bodyPr/>
+              <a:lstStyle/>
+              <a:p>
+                <a:r>
+                  <a:rPr lang="en-AU">
+                    <a:noFill/>
+                  </a:rPr>
+                  <a:t> </a:t>
+                </a:r>
+              </a:p>
+            </p:txBody>
+          </p:sp>
+        </mc:Fallback>
+      </mc:AlternateContent>
+      <p:sp>
+        <p:nvSpPr>
+          <p:cNvPr id="50" name="Rounded Rectangle 49"/>
+          <p:cNvSpPr/>
+          <p:nvPr/>
+        </p:nvSpPr>
+        <p:spPr>
+          <a:xfrm>
+            <a:off x="1149339" y="996961"/>
+            <a:ext cx="1708658" cy="455108"/>
+          </a:xfrm>
+          <a:prstGeom prst="roundRect">
+            <a:avLst/>
+          </a:prstGeom>
+          <a:ln w="28575"/>
+          <a:effectLst>
+            <a:glow rad="228600">
+              <a:schemeClr val="accent6">
+                <a:satMod val="175000"/>
+                <a:alpha val="40000"/>
+              </a:schemeClr>
+            </a:glow>
+          </a:effectLst>
+        </p:spPr>
+        <p:style>
+          <a:lnRef idx="2">
+            <a:schemeClr val="accent5"/>
+          </a:lnRef>
+          <a:fillRef idx="1">
+            <a:schemeClr val="lt1"/>
+          </a:fillRef>
+          <a:effectRef idx="0">
+            <a:schemeClr val="accent5"/>
+          </a:effectRef>
+          <a:fontRef idx="minor">
+            <a:schemeClr val="dk1"/>
+          </a:fontRef>
+        </p:style>
+        <p:txBody>
+          <a:bodyPr rot="0" spcFirstLastPara="0" vertOverflow="overflow" horzOverflow="overflow" vert="horz" wrap="square" lIns="77421" tIns="38710" rIns="77421" bIns="38710" numCol="1" spcCol="0" rtlCol="0" fromWordArt="0" anchor="ctr" anchorCtr="0" forceAA="0" compatLnSpc="1">
+            <a:prstTxWarp prst="textNoShape">
+              <a:avLst/>
+            </a:prstTxWarp>
+            <a:noAutofit/>
+          </a:bodyPr>
+          <a:lstStyle/>
+          <a:p>
+            <a:pPr algn="ctr"/>
+            <a:endParaRPr lang="en-AU" sz="1185"/>
+          </a:p>
+        </p:txBody>
+      </p:sp>
+      <p:sp>
+        <p:nvSpPr>
+          <p:cNvPr id="52" name="Rounded Rectangle 51"/>
+          <p:cNvSpPr/>
+          <p:nvPr/>
+        </p:nvSpPr>
+        <p:spPr>
+          <a:xfrm>
+            <a:off x="4712352" y="2690551"/>
+            <a:ext cx="3578874" cy="2285295"/>
+          </a:xfrm>
+          <a:prstGeom prst="roundRect">
+            <a:avLst/>
+          </a:prstGeom>
+          <a:ln w="28575"/>
+          <a:effectLst>
+            <a:glow rad="228600">
+              <a:schemeClr val="accent1">
+                <a:satMod val="175000"/>
+                <a:alpha val="40000"/>
+              </a:schemeClr>
+            </a:glow>
+            <a:softEdge rad="0"/>
+          </a:effectLst>
+        </p:spPr>
+        <p:style>
+          <a:lnRef idx="2">
+            <a:schemeClr val="accent5"/>
+          </a:lnRef>
+          <a:fillRef idx="1">
+            <a:schemeClr val="lt1"/>
+          </a:fillRef>
+          <a:effectRef idx="0">
+            <a:schemeClr val="accent5"/>
+          </a:effectRef>
+          <a:fontRef idx="minor">
+            <a:schemeClr val="dk1"/>
+          </a:fontRef>
+        </p:style>
+        <p:txBody>
+          <a:bodyPr rot="0" spcFirstLastPara="0" vertOverflow="overflow" horzOverflow="overflow" vert="horz" wrap="square" lIns="77421" tIns="38710" rIns="77421" bIns="38710" numCol="1" spcCol="0" rtlCol="0" fromWordArt="0" anchor="ctr" anchorCtr="0" forceAA="0" compatLnSpc="1">
+            <a:prstTxWarp prst="textNoShape">
+              <a:avLst/>
+            </a:prstTxWarp>
+            <a:noAutofit/>
+          </a:bodyPr>
+          <a:lstStyle/>
+          <a:p>
+            <a:pPr algn="ctr"/>
+            <a:endParaRPr lang="en-AU" sz="1185"/>
+          </a:p>
+        </p:txBody>
+      </p:sp>
+      <p:sp>
+        <p:nvSpPr>
+          <p:cNvPr id="53" name="TextBox 52"/>
           <p:cNvSpPr txBox="1"/>
           <p:nvPr/>
         </p:nvSpPr>
         <p:spPr>
           <a:xfrm>
-            <a:off x="6770344" y="1902587"/>
-            <a:ext cx="1840556" cy="523220"/>
+            <a:off x="4712356" y="2647585"/>
+            <a:ext cx="3578873" cy="274691"/>
           </a:xfrm>
           <a:prstGeom prst="rect">
             <a:avLst/>
           </a:prstGeom>
           <a:noFill/>
+          <a:effectLst>
+            <a:glow rad="228600">
+              <a:schemeClr val="accent1">
+                <a:satMod val="175000"/>
+                <a:alpha val="40000"/>
+              </a:schemeClr>
+            </a:glow>
+            <a:softEdge rad="0"/>
+          </a:effectLst>
         </p:spPr>
         <p:txBody>
           <a:bodyPr wrap="square" rtlCol="0">
@@ -4726,46 +6027,4022 @@
           <a:p>
             <a:pPr algn="ctr"/>
             <a:r>
-              <a:rPr lang="en-AU" sz="1400" i="1" dirty="0" smtClean="0">
+              <a:rPr lang="en-AU" sz="1185" b="1" i="1" dirty="0">
                 <a:latin typeface="Helvetica" panose="020B0604020202020204" pitchFamily="34" charset="0"/>
                 <a:cs typeface="Helvetica" panose="020B0604020202020204" pitchFamily="34" charset="0"/>
               </a:rPr>
-              <a:t>Re-learn GP model with new data</a:t>
+              <a:t>Learner Cache</a:t>
             </a:r>
-            <a:endParaRPr lang="en-AU" sz="1400" b="1" dirty="0"/>
-          </a:p>
-        </p:txBody>
-      </p:sp>
+            <a:endParaRPr lang="en-AU" sz="1185" b="1" dirty="0"/>
+          </a:p>
+        </p:txBody>
+      </p:sp>
+      <p:sp>
+        <p:nvSpPr>
+          <p:cNvPr id="54" name="Rounded Rectangle 53"/>
+          <p:cNvSpPr/>
+          <p:nvPr/>
+        </p:nvSpPr>
+        <p:spPr>
+          <a:xfrm>
+            <a:off x="4934676" y="2995831"/>
+            <a:ext cx="1567115" cy="294932"/>
+          </a:xfrm>
+          <a:prstGeom prst="roundRect">
+            <a:avLst/>
+          </a:prstGeom>
+          <a:ln w="28575"/>
+          <a:effectLst>
+            <a:glow rad="228600">
+              <a:srgbClr val="7030A0">
+                <a:alpha val="40000"/>
+              </a:srgbClr>
+            </a:glow>
+          </a:effectLst>
+        </p:spPr>
+        <p:style>
+          <a:lnRef idx="2">
+            <a:schemeClr val="accent5"/>
+          </a:lnRef>
+          <a:fillRef idx="1">
+            <a:schemeClr val="lt1"/>
+          </a:fillRef>
+          <a:effectRef idx="0">
+            <a:schemeClr val="accent5"/>
+          </a:effectRef>
+          <a:fontRef idx="minor">
+            <a:schemeClr val="dk1"/>
+          </a:fontRef>
+        </p:style>
+        <p:txBody>
+          <a:bodyPr rot="0" spcFirstLastPara="0" vertOverflow="overflow" horzOverflow="overflow" vert="horz" wrap="square" lIns="77421" tIns="38710" rIns="77421" bIns="38710" numCol="1" spcCol="0" rtlCol="0" fromWordArt="0" anchor="ctr" anchorCtr="0" forceAA="0" compatLnSpc="1">
+            <a:prstTxWarp prst="textNoShape">
+              <a:avLst/>
+            </a:prstTxWarp>
+            <a:noAutofit/>
+          </a:bodyPr>
+          <a:lstStyle/>
+          <a:p>
+            <a:pPr algn="ctr"/>
+            <a:endParaRPr lang="en-AU" sz="1185"/>
+          </a:p>
+        </p:txBody>
+      </p:sp>
+      <mc:AlternateContent xmlns:mc="http://schemas.openxmlformats.org/markup-compatibility/2006" xmlns:a14="http://schemas.microsoft.com/office/drawing/2010/main">
+        <mc:Choice Requires="a14">
+          <p:sp>
+            <p:nvSpPr>
+              <p:cNvPr id="55" name="TextBox 54"/>
+              <p:cNvSpPr txBox="1"/>
+              <p:nvPr/>
+            </p:nvSpPr>
+            <p:spPr>
+              <a:xfrm>
+                <a:off x="4934676" y="2995829"/>
+                <a:ext cx="1567115" cy="300852"/>
+              </a:xfrm>
+              <a:prstGeom prst="rect">
+                <a:avLst/>
+              </a:prstGeom>
+              <a:noFill/>
+            </p:spPr>
+            <p:txBody>
+              <a:bodyPr wrap="square" rtlCol="0">
+                <a:spAutoFit/>
+              </a:bodyPr>
+              <a:lstStyle/>
+              <a:p>
+                <a:r>
+                  <a:rPr lang="en-AU" sz="1185" i="1" dirty="0">
+                    <a:latin typeface="Helvetica" panose="020B0604020202020204" pitchFamily="34" charset="0"/>
+                    <a:cs typeface="Helvetica" panose="020B0604020202020204" pitchFamily="34" charset="0"/>
+                  </a:rPr>
+                  <a:t>Hyperparameters  </a:t>
+                </a:r>
+                <a14:m>
+                  <m:oMath xmlns:m="http://schemas.openxmlformats.org/officeDocument/2006/math">
+                    <m:r>
+                      <a:rPr lang="en-AU" sz="1355" i="1">
+                        <a:latin typeface="Cambria Math" panose="02040503050406030204" pitchFamily="18" charset="0"/>
+                        <a:ea typeface="Cambria Math" panose="02040503050406030204" pitchFamily="18" charset="0"/>
+                        <a:cs typeface="Helvetica" panose="020B0604020202020204" pitchFamily="34" charset="0"/>
+                      </a:rPr>
+                      <m:t>𝜃</m:t>
+                    </m:r>
+                  </m:oMath>
+                </a14:m>
+                <a:endParaRPr lang="en-AU" sz="1355" b="1" dirty="0"/>
+              </a:p>
+            </p:txBody>
+          </p:sp>
+        </mc:Choice>
+        <mc:Fallback xmlns="">
+          <p:sp>
+            <p:nvSpPr>
+              <p:cNvPr id="55" name="TextBox 54"/>
+              <p:cNvSpPr txBox="1">
+                <a:spLocks noRot="1" noChangeAspect="1" noMove="1" noResize="1" noEditPoints="1" noAdjustHandles="1" noChangeArrowheads="1" noChangeShapeType="1" noTextEdit="1"/>
+              </p:cNvSpPr>
+              <p:nvPr/>
+            </p:nvSpPr>
+            <p:spPr>
+              <a:xfrm>
+                <a:off x="4934676" y="2995829"/>
+                <a:ext cx="1567115" cy="300852"/>
+              </a:xfrm>
+              <a:prstGeom prst="rect">
+                <a:avLst/>
+              </a:prstGeom>
+              <a:blipFill rotWithShape="0">
+                <a:blip r:embed="rId9"/>
+                <a:stretch>
+                  <a:fillRect b="-10000"/>
+                </a:stretch>
+              </a:blipFill>
+            </p:spPr>
+            <p:txBody>
+              <a:bodyPr/>
+              <a:lstStyle/>
+              <a:p>
+                <a:r>
+                  <a:rPr lang="en-AU">
+                    <a:noFill/>
+                  </a:rPr>
+                  <a:t> </a:t>
+                </a:r>
+              </a:p>
+            </p:txBody>
+          </p:sp>
+        </mc:Fallback>
+      </mc:AlternateContent>
+      <p:sp>
+        <p:nvSpPr>
+          <p:cNvPr id="57" name="Rounded Rectangle 56"/>
+          <p:cNvSpPr/>
+          <p:nvPr/>
+        </p:nvSpPr>
+        <p:spPr>
+          <a:xfrm>
+            <a:off x="4934672" y="3412023"/>
+            <a:ext cx="2033878" cy="286928"/>
+          </a:xfrm>
+          <a:prstGeom prst="roundRect">
+            <a:avLst/>
+          </a:prstGeom>
+          <a:ln w="28575"/>
+          <a:effectLst>
+            <a:glow rad="228600">
+              <a:srgbClr val="7030A0">
+                <a:alpha val="40000"/>
+              </a:srgbClr>
+            </a:glow>
+          </a:effectLst>
+        </p:spPr>
+        <p:style>
+          <a:lnRef idx="2">
+            <a:schemeClr val="accent5"/>
+          </a:lnRef>
+          <a:fillRef idx="1">
+            <a:schemeClr val="lt1"/>
+          </a:fillRef>
+          <a:effectRef idx="0">
+            <a:schemeClr val="accent5"/>
+          </a:effectRef>
+          <a:fontRef idx="minor">
+            <a:schemeClr val="dk1"/>
+          </a:fontRef>
+        </p:style>
+        <p:txBody>
+          <a:bodyPr rot="0" spcFirstLastPara="0" vertOverflow="overflow" horzOverflow="overflow" vert="horz" wrap="square" lIns="77421" tIns="38710" rIns="77421" bIns="38710" numCol="1" spcCol="0" rtlCol="0" fromWordArt="0" anchor="ctr" anchorCtr="0" forceAA="0" compatLnSpc="1">
+            <a:prstTxWarp prst="textNoShape">
+              <a:avLst/>
+            </a:prstTxWarp>
+            <a:noAutofit/>
+          </a:bodyPr>
+          <a:lstStyle/>
+          <a:p>
+            <a:pPr algn="ctr"/>
+            <a:endParaRPr lang="en-AU" sz="1185"/>
+          </a:p>
+        </p:txBody>
+      </p:sp>
+      <mc:AlternateContent xmlns:mc="http://schemas.openxmlformats.org/markup-compatibility/2006" xmlns:a14="http://schemas.microsoft.com/office/drawing/2010/main">
+        <mc:Choice Requires="a14">
+          <p:sp>
+            <p:nvSpPr>
+              <p:cNvPr id="58" name="TextBox 57"/>
+              <p:cNvSpPr txBox="1"/>
+              <p:nvPr/>
+            </p:nvSpPr>
+            <p:spPr>
+              <a:xfrm>
+                <a:off x="4923919" y="3412023"/>
+                <a:ext cx="2033878" cy="300852"/>
+              </a:xfrm>
+              <a:prstGeom prst="rect">
+                <a:avLst/>
+              </a:prstGeom>
+              <a:noFill/>
+            </p:spPr>
+            <p:txBody>
+              <a:bodyPr wrap="square" rtlCol="0">
+                <a:spAutoFit/>
+              </a:bodyPr>
+              <a:lstStyle/>
+              <a:p>
+                <a:r>
+                  <a:rPr lang="en-AU" sz="1185" i="1" dirty="0">
+                    <a:latin typeface="Helvetica" panose="020B0604020202020204" pitchFamily="34" charset="0"/>
+                    <a:cs typeface="Helvetica" panose="020B0604020202020204" pitchFamily="34" charset="0"/>
+                  </a:rPr>
+                  <a:t>Cholesky Decomposition  </a:t>
+                </a:r>
+                <a14:m>
+                  <m:oMath xmlns:m="http://schemas.openxmlformats.org/officeDocument/2006/math">
+                    <m:r>
+                      <a:rPr lang="en-AU" sz="1355" i="1">
+                        <a:latin typeface="Cambria Math" panose="02040503050406030204" pitchFamily="18" charset="0"/>
+                        <a:cs typeface="Helvetica" panose="020B0604020202020204" pitchFamily="34" charset="0"/>
+                      </a:rPr>
+                      <m:t>𝐿</m:t>
+                    </m:r>
+                  </m:oMath>
+                </a14:m>
+                <a:endParaRPr lang="en-AU" sz="1355" b="1" dirty="0"/>
+              </a:p>
+            </p:txBody>
+          </p:sp>
+        </mc:Choice>
+        <mc:Fallback xmlns="">
+          <p:sp>
+            <p:nvSpPr>
+              <p:cNvPr id="58" name="TextBox 57"/>
+              <p:cNvSpPr txBox="1">
+                <a:spLocks noRot="1" noChangeAspect="1" noMove="1" noResize="1" noEditPoints="1" noAdjustHandles="1" noChangeArrowheads="1" noChangeShapeType="1" noTextEdit="1"/>
+              </p:cNvSpPr>
+              <p:nvPr/>
+            </p:nvSpPr>
+            <p:spPr>
+              <a:xfrm>
+                <a:off x="4923919" y="3412023"/>
+                <a:ext cx="2033878" cy="300852"/>
+              </a:xfrm>
+              <a:prstGeom prst="rect">
+                <a:avLst/>
+              </a:prstGeom>
+              <a:blipFill rotWithShape="0">
+                <a:blip r:embed="rId10"/>
+                <a:stretch>
+                  <a:fillRect l="-300" b="-12245"/>
+                </a:stretch>
+              </a:blipFill>
+            </p:spPr>
+            <p:txBody>
+              <a:bodyPr/>
+              <a:lstStyle/>
+              <a:p>
+                <a:r>
+                  <a:rPr lang="en-AU">
+                    <a:noFill/>
+                  </a:rPr>
+                  <a:t> </a:t>
+                </a:r>
+              </a:p>
+            </p:txBody>
+          </p:sp>
+        </mc:Fallback>
+      </mc:AlternateContent>
+      <p:sp>
+        <p:nvSpPr>
+          <p:cNvPr id="60" name="Rounded Rectangle 59"/>
+          <p:cNvSpPr/>
+          <p:nvPr/>
+        </p:nvSpPr>
+        <p:spPr>
+          <a:xfrm>
+            <a:off x="4934676" y="4293744"/>
+            <a:ext cx="3105105" cy="394944"/>
+          </a:xfrm>
+          <a:prstGeom prst="roundRect">
+            <a:avLst/>
+          </a:prstGeom>
+          <a:ln w="28575"/>
+          <a:effectLst>
+            <a:glow rad="228600">
+              <a:srgbClr val="7030A0">
+                <a:alpha val="40000"/>
+              </a:srgbClr>
+            </a:glow>
+          </a:effectLst>
+        </p:spPr>
+        <p:style>
+          <a:lnRef idx="2">
+            <a:schemeClr val="accent5"/>
+          </a:lnRef>
+          <a:fillRef idx="1">
+            <a:schemeClr val="lt1"/>
+          </a:fillRef>
+          <a:effectRef idx="0">
+            <a:schemeClr val="accent5"/>
+          </a:effectRef>
+          <a:fontRef idx="minor">
+            <a:schemeClr val="dk1"/>
+          </a:fontRef>
+        </p:style>
+        <p:txBody>
+          <a:bodyPr rot="0" spcFirstLastPara="0" vertOverflow="overflow" horzOverflow="overflow" vert="horz" wrap="square" lIns="77421" tIns="38710" rIns="77421" bIns="38710" numCol="1" spcCol="0" rtlCol="0" fromWordArt="0" anchor="ctr" anchorCtr="0" forceAA="0" compatLnSpc="1">
+            <a:prstTxWarp prst="textNoShape">
+              <a:avLst/>
+            </a:prstTxWarp>
+            <a:noAutofit/>
+          </a:bodyPr>
+          <a:lstStyle/>
+          <a:p>
+            <a:pPr algn="ctr"/>
+            <a:endParaRPr lang="en-AU" sz="1185"/>
+          </a:p>
+        </p:txBody>
+      </p:sp>
+      <mc:AlternateContent xmlns:mc="http://schemas.openxmlformats.org/markup-compatibility/2006" xmlns:a14="http://schemas.microsoft.com/office/drawing/2010/main">
+        <mc:Choice Requires="a14">
+          <p:sp>
+            <p:nvSpPr>
+              <p:cNvPr id="61" name="TextBox 60"/>
+              <p:cNvSpPr txBox="1"/>
+              <p:nvPr/>
+            </p:nvSpPr>
+            <p:spPr>
+              <a:xfrm>
+                <a:off x="4934676" y="4293741"/>
+                <a:ext cx="3105105" cy="417358"/>
+              </a:xfrm>
+              <a:prstGeom prst="rect">
+                <a:avLst/>
+              </a:prstGeom>
+              <a:noFill/>
+            </p:spPr>
+            <p:txBody>
+              <a:bodyPr wrap="square" rtlCol="0">
+                <a:spAutoFit/>
+              </a:bodyPr>
+              <a:lstStyle/>
+              <a:p>
+                <a:r>
+                  <a:rPr lang="en-AU" sz="1185" i="1" dirty="0">
+                    <a:latin typeface="Helvetica" panose="020B0604020202020204" pitchFamily="34" charset="0"/>
+                    <a:cs typeface="Helvetica" panose="020B0604020202020204" pitchFamily="34" charset="0"/>
+                  </a:rPr>
+                  <a:t>Log Likelihood Hessian  </a:t>
+                </a:r>
+                <a14:m>
+                  <m:oMath xmlns:m="http://schemas.openxmlformats.org/officeDocument/2006/math">
+                    <m:f>
+                      <m:fPr>
+                        <m:ctrlPr>
+                          <a:rPr lang="en-AU" sz="1355" i="1">
+                            <a:latin typeface="Cambria Math" panose="02040503050406030204" pitchFamily="18" charset="0"/>
+                            <a:cs typeface="Helvetica" panose="020B0604020202020204" pitchFamily="34" charset="0"/>
+                          </a:rPr>
+                        </m:ctrlPr>
+                      </m:fPr>
+                      <m:num>
+                        <m:sSup>
+                          <m:sSupPr>
+                            <m:ctrlPr>
+                              <a:rPr lang="en-AU" sz="1355" i="1">
+                                <a:latin typeface="Cambria Math" panose="02040503050406030204" pitchFamily="18" charset="0"/>
+                                <a:cs typeface="Helvetica" panose="020B0604020202020204" pitchFamily="34" charset="0"/>
+                              </a:rPr>
+                            </m:ctrlPr>
+                          </m:sSupPr>
+                          <m:e>
+                            <m:r>
+                              <a:rPr lang="en-AU" sz="1355" i="1">
+                                <a:latin typeface="Cambria Math" panose="02040503050406030204" pitchFamily="18" charset="0"/>
+                                <a:cs typeface="Helvetica" panose="020B0604020202020204" pitchFamily="34" charset="0"/>
+                              </a:rPr>
+                              <m:t>𝜕</m:t>
+                            </m:r>
+                          </m:e>
+                          <m:sup>
+                            <m:r>
+                              <a:rPr lang="en-AU" sz="1355" i="1">
+                                <a:latin typeface="Cambria Math" panose="02040503050406030204" pitchFamily="18" charset="0"/>
+                                <a:cs typeface="Helvetica" panose="020B0604020202020204" pitchFamily="34" charset="0"/>
+                              </a:rPr>
+                              <m:t>2</m:t>
+                            </m:r>
+                          </m:sup>
+                        </m:sSup>
+                      </m:num>
+                      <m:den>
+                        <m:sSup>
+                          <m:sSupPr>
+                            <m:ctrlPr>
+                              <a:rPr lang="en-AU" sz="1355" i="1">
+                                <a:latin typeface="Cambria Math" panose="02040503050406030204" pitchFamily="18" charset="0"/>
+                                <a:cs typeface="Helvetica" panose="020B0604020202020204" pitchFamily="34" charset="0"/>
+                              </a:rPr>
+                            </m:ctrlPr>
+                          </m:sSupPr>
+                          <m:e>
+                            <m:r>
+                              <a:rPr lang="en-AU" sz="1355" i="1">
+                                <a:latin typeface="Cambria Math" panose="02040503050406030204" pitchFamily="18" charset="0"/>
+                                <a:cs typeface="Helvetica" panose="020B0604020202020204" pitchFamily="34" charset="0"/>
+                              </a:rPr>
+                              <m:t>𝜕</m:t>
+                            </m:r>
+                            <m:r>
+                              <a:rPr lang="en-AU" sz="1355" b="1">
+                                <a:latin typeface="Cambria Math" panose="02040503050406030204" pitchFamily="18" charset="0"/>
+                                <a:cs typeface="Helvetica" panose="020B0604020202020204" pitchFamily="34" charset="0"/>
+                              </a:rPr>
+                              <m:t>𝐟</m:t>
+                            </m:r>
+                          </m:e>
+                          <m:sup>
+                            <m:r>
+                              <a:rPr lang="en-AU" sz="1355" i="1">
+                                <a:latin typeface="Cambria Math" panose="02040503050406030204" pitchFamily="18" charset="0"/>
+                                <a:cs typeface="Helvetica" panose="020B0604020202020204" pitchFamily="34" charset="0"/>
+                              </a:rPr>
+                              <m:t>2</m:t>
+                            </m:r>
+                          </m:sup>
+                        </m:sSup>
+                      </m:den>
+                    </m:f>
+                    <m:r>
+                      <m:rPr>
+                        <m:sty m:val="p"/>
+                      </m:rPr>
+                      <a:rPr lang="en-AU" sz="1355">
+                        <a:latin typeface="Cambria Math" panose="02040503050406030204" pitchFamily="18" charset="0"/>
+                        <a:cs typeface="Helvetica" panose="020B0604020202020204" pitchFamily="34" charset="0"/>
+                      </a:rPr>
+                      <m:t>log</m:t>
+                    </m:r>
+                    <m:r>
+                      <a:rPr lang="en-AU" sz="1355" i="1">
+                        <a:latin typeface="Cambria Math" panose="02040503050406030204" pitchFamily="18" charset="0"/>
+                        <a:cs typeface="Helvetica" panose="020B0604020202020204" pitchFamily="34" charset="0"/>
+                      </a:rPr>
+                      <m:t>⁡(</m:t>
+                    </m:r>
+                    <m:r>
+                      <a:rPr lang="en-AU" sz="1355" i="1">
+                        <a:latin typeface="Cambria Math" panose="02040503050406030204" pitchFamily="18" charset="0"/>
+                        <a:cs typeface="Helvetica" panose="020B0604020202020204" pitchFamily="34" charset="0"/>
+                      </a:rPr>
+                      <m:t>𝑝</m:t>
+                    </m:r>
+                    <m:d>
+                      <m:dPr>
+                        <m:endChr m:val="|"/>
+                        <m:ctrlPr>
+                          <a:rPr lang="en-AU" sz="1355" i="1">
+                            <a:latin typeface="Cambria Math" panose="02040503050406030204" pitchFamily="18" charset="0"/>
+                            <a:cs typeface="Helvetica" panose="020B0604020202020204" pitchFamily="34" charset="0"/>
+                          </a:rPr>
+                        </m:ctrlPr>
+                      </m:dPr>
+                      <m:e>
+                        <m:r>
+                          <a:rPr lang="en-AU" sz="1355" b="1">
+                            <a:latin typeface="Cambria Math" panose="02040503050406030204" pitchFamily="18" charset="0"/>
+                            <a:cs typeface="Helvetica" panose="020B0604020202020204" pitchFamily="34" charset="0"/>
+                          </a:rPr>
+                          <m:t>𝐲</m:t>
+                        </m:r>
+                        <m:r>
+                          <a:rPr lang="en-AU" sz="1355" i="1">
+                            <a:latin typeface="Cambria Math" panose="02040503050406030204" pitchFamily="18" charset="0"/>
+                            <a:cs typeface="Helvetica" panose="020B0604020202020204" pitchFamily="34" charset="0"/>
+                          </a:rPr>
+                          <m:t> </m:t>
+                        </m:r>
+                      </m:e>
+                    </m:d>
+                    <m:r>
+                      <a:rPr lang="en-AU" sz="1355" i="1">
+                        <a:latin typeface="Cambria Math" panose="02040503050406030204" pitchFamily="18" charset="0"/>
+                        <a:cs typeface="Helvetica" panose="020B0604020202020204" pitchFamily="34" charset="0"/>
+                      </a:rPr>
+                      <m:t> </m:t>
+                    </m:r>
+                    <m:r>
+                      <a:rPr lang="en-AU" sz="1355" b="1">
+                        <a:latin typeface="Cambria Math" panose="02040503050406030204" pitchFamily="18" charset="0"/>
+                        <a:cs typeface="Helvetica" panose="020B0604020202020204" pitchFamily="34" charset="0"/>
+                      </a:rPr>
+                      <m:t>𝐟</m:t>
+                    </m:r>
+                    <m:r>
+                      <a:rPr lang="en-AU" sz="1355" b="1">
+                        <a:latin typeface="Cambria Math" panose="02040503050406030204" pitchFamily="18" charset="0"/>
+                        <a:cs typeface="Helvetica" panose="020B0604020202020204" pitchFamily="34" charset="0"/>
+                      </a:rPr>
+                      <m:t>))</m:t>
+                    </m:r>
+                  </m:oMath>
+                </a14:m>
+                <a:endParaRPr lang="en-AU" sz="1355" b="1" dirty="0"/>
+              </a:p>
+            </p:txBody>
+          </p:sp>
+        </mc:Choice>
+        <mc:Fallback xmlns="">
+          <p:sp>
+            <p:nvSpPr>
+              <p:cNvPr id="61" name="TextBox 60"/>
+              <p:cNvSpPr txBox="1">
+                <a:spLocks noRot="1" noChangeAspect="1" noMove="1" noResize="1" noEditPoints="1" noAdjustHandles="1" noChangeArrowheads="1" noChangeShapeType="1" noTextEdit="1"/>
+              </p:cNvSpPr>
+              <p:nvPr/>
+            </p:nvSpPr>
+            <p:spPr>
+              <a:xfrm>
+                <a:off x="4934676" y="4293741"/>
+                <a:ext cx="3105105" cy="417358"/>
+              </a:xfrm>
+              <a:prstGeom prst="rect">
+                <a:avLst/>
+              </a:prstGeom>
+              <a:blipFill rotWithShape="0">
+                <a:blip r:embed="rId11"/>
+                <a:stretch>
+                  <a:fillRect/>
+                </a:stretch>
+              </a:blipFill>
+            </p:spPr>
+            <p:txBody>
+              <a:bodyPr/>
+              <a:lstStyle/>
+              <a:p>
+                <a:r>
+                  <a:rPr lang="en-AU">
+                    <a:noFill/>
+                  </a:rPr>
+                  <a:t> </a:t>
+                </a:r>
+              </a:p>
+            </p:txBody>
+          </p:sp>
+        </mc:Fallback>
+      </mc:AlternateContent>
+      <p:sp>
+        <p:nvSpPr>
+          <p:cNvPr id="62" name="Rounded Rectangle 61"/>
+          <p:cNvSpPr/>
+          <p:nvPr/>
+        </p:nvSpPr>
+        <p:spPr>
+          <a:xfrm>
+            <a:off x="1218154" y="2860016"/>
+            <a:ext cx="2055489" cy="1216651"/>
+          </a:xfrm>
+          <a:prstGeom prst="roundRect">
+            <a:avLst/>
+          </a:prstGeom>
+          <a:ln w="28575"/>
+          <a:effectLst>
+            <a:glow rad="228600">
+              <a:schemeClr val="accent1">
+                <a:satMod val="175000"/>
+                <a:alpha val="40000"/>
+              </a:schemeClr>
+            </a:glow>
+            <a:softEdge rad="0"/>
+          </a:effectLst>
+        </p:spPr>
+        <p:style>
+          <a:lnRef idx="2">
+            <a:schemeClr val="accent5"/>
+          </a:lnRef>
+          <a:fillRef idx="1">
+            <a:schemeClr val="lt1"/>
+          </a:fillRef>
+          <a:effectRef idx="0">
+            <a:schemeClr val="accent5"/>
+          </a:effectRef>
+          <a:fontRef idx="minor">
+            <a:schemeClr val="dk1"/>
+          </a:fontRef>
+        </p:style>
+        <p:txBody>
+          <a:bodyPr rot="0" spcFirstLastPara="0" vertOverflow="overflow" horzOverflow="overflow" vert="horz" wrap="square" lIns="77421" tIns="38710" rIns="77421" bIns="38710" numCol="1" spcCol="0" rtlCol="0" fromWordArt="0" anchor="ctr" anchorCtr="0" forceAA="0" compatLnSpc="1">
+            <a:prstTxWarp prst="textNoShape">
+              <a:avLst/>
+            </a:prstTxWarp>
+            <a:noAutofit/>
+          </a:bodyPr>
+          <a:lstStyle/>
+          <a:p>
+            <a:pPr algn="ctr"/>
+            <a:endParaRPr lang="en-AU" sz="1185"/>
+          </a:p>
+        </p:txBody>
+      </p:sp>
+      <p:sp>
+        <p:nvSpPr>
+          <p:cNvPr id="63" name="TextBox 62"/>
+          <p:cNvSpPr txBox="1"/>
+          <p:nvPr/>
+        </p:nvSpPr>
+        <p:spPr>
+          <a:xfrm>
+            <a:off x="1218148" y="2824718"/>
+            <a:ext cx="2055488" cy="274691"/>
+          </a:xfrm>
+          <a:prstGeom prst="rect">
+            <a:avLst/>
+          </a:prstGeom>
+          <a:noFill/>
+          <a:effectLst>
+            <a:glow rad="228600">
+              <a:schemeClr val="accent1">
+                <a:satMod val="175000"/>
+                <a:alpha val="40000"/>
+              </a:schemeClr>
+            </a:glow>
+            <a:softEdge rad="0"/>
+          </a:effectLst>
+        </p:spPr>
+        <p:txBody>
+          <a:bodyPr wrap="square" rtlCol="0">
+            <a:spAutoFit/>
+          </a:bodyPr>
+          <a:lstStyle/>
+          <a:p>
+            <a:pPr algn="ctr"/>
+            <a:r>
+              <a:rPr lang="en-AU" sz="1185" b="1" i="1" dirty="0">
+                <a:latin typeface="Helvetica" panose="020B0604020202020204" pitchFamily="34" charset="0"/>
+                <a:cs typeface="Helvetica" panose="020B0604020202020204" pitchFamily="34" charset="0"/>
+              </a:rPr>
+              <a:t>Predictor Cache</a:t>
+            </a:r>
+            <a:endParaRPr lang="en-AU" sz="1185" b="1" dirty="0"/>
+          </a:p>
+        </p:txBody>
+      </p:sp>
+      <p:sp>
+        <p:nvSpPr>
+          <p:cNvPr id="64" name="Rounded Rectangle 63"/>
+          <p:cNvSpPr/>
+          <p:nvPr/>
+        </p:nvSpPr>
+        <p:spPr>
+          <a:xfrm>
+            <a:off x="1433908" y="3172965"/>
+            <a:ext cx="1469875" cy="294932"/>
+          </a:xfrm>
+          <a:prstGeom prst="roundRect">
+            <a:avLst/>
+          </a:prstGeom>
+          <a:ln w="28575"/>
+          <a:effectLst>
+            <a:glow rad="228600">
+              <a:srgbClr val="7030A0">
+                <a:alpha val="40000"/>
+              </a:srgbClr>
+            </a:glow>
+          </a:effectLst>
+        </p:spPr>
+        <p:style>
+          <a:lnRef idx="2">
+            <a:schemeClr val="accent5"/>
+          </a:lnRef>
+          <a:fillRef idx="1">
+            <a:schemeClr val="lt1"/>
+          </a:fillRef>
+          <a:effectRef idx="0">
+            <a:schemeClr val="accent5"/>
+          </a:effectRef>
+          <a:fontRef idx="minor">
+            <a:schemeClr val="dk1"/>
+          </a:fontRef>
+        </p:style>
+        <p:txBody>
+          <a:bodyPr rot="0" spcFirstLastPara="0" vertOverflow="overflow" horzOverflow="overflow" vert="horz" wrap="square" lIns="77421" tIns="38710" rIns="77421" bIns="38710" numCol="1" spcCol="0" rtlCol="0" fromWordArt="0" anchor="ctr" anchorCtr="0" forceAA="0" compatLnSpc="1">
+            <a:prstTxWarp prst="textNoShape">
+              <a:avLst/>
+            </a:prstTxWarp>
+            <a:noAutofit/>
+          </a:bodyPr>
+          <a:lstStyle/>
+          <a:p>
+            <a:pPr algn="ctr"/>
+            <a:endParaRPr lang="en-AU" sz="1185"/>
+          </a:p>
+        </p:txBody>
+      </p:sp>
+      <mc:AlternateContent xmlns:mc="http://schemas.openxmlformats.org/markup-compatibility/2006" xmlns:a14="http://schemas.microsoft.com/office/drawing/2010/main">
+        <mc:Choice Requires="a14">
+          <p:sp>
+            <p:nvSpPr>
+              <p:cNvPr id="65" name="TextBox 64"/>
+              <p:cNvSpPr txBox="1"/>
+              <p:nvPr/>
+            </p:nvSpPr>
+            <p:spPr>
+              <a:xfrm>
+                <a:off x="1433908" y="3172965"/>
+                <a:ext cx="1578448" cy="300852"/>
+              </a:xfrm>
+              <a:prstGeom prst="rect">
+                <a:avLst/>
+              </a:prstGeom>
+              <a:noFill/>
+            </p:spPr>
+            <p:txBody>
+              <a:bodyPr wrap="square" rtlCol="0">
+                <a:spAutoFit/>
+              </a:bodyPr>
+              <a:lstStyle/>
+              <a:p>
+                <a:r>
+                  <a:rPr lang="en-AU" sz="1185" i="1" dirty="0">
+                    <a:latin typeface="Helvetica" panose="020B0604020202020204" pitchFamily="34" charset="0"/>
+                    <a:cs typeface="Helvetica" panose="020B0604020202020204" pitchFamily="34" charset="0"/>
+                  </a:rPr>
+                  <a:t>Query Features  </a:t>
+                </a:r>
+                <a14:m>
+                  <m:oMath xmlns:m="http://schemas.openxmlformats.org/officeDocument/2006/math">
+                    <m:sSup>
+                      <m:sSupPr>
+                        <m:ctrlPr>
+                          <a:rPr lang="en-AU" sz="1355" i="1" dirty="0">
+                            <a:latin typeface="Cambria Math" panose="02040503050406030204" pitchFamily="18" charset="0"/>
+                            <a:cs typeface="Helvetica" panose="020B0604020202020204" pitchFamily="34" charset="0"/>
+                          </a:rPr>
+                        </m:ctrlPr>
+                      </m:sSupPr>
+                      <m:e>
+                        <m:r>
+                          <a:rPr lang="en-AU" sz="1355" i="1" dirty="0">
+                            <a:latin typeface="Cambria Math" panose="02040503050406030204" pitchFamily="18" charset="0"/>
+                            <a:cs typeface="Helvetica" panose="020B0604020202020204" pitchFamily="34" charset="0"/>
+                          </a:rPr>
+                          <m:t>𝑋</m:t>
+                        </m:r>
+                      </m:e>
+                      <m:sup>
+                        <m:r>
+                          <a:rPr lang="en-AU" sz="1355" i="1" dirty="0">
+                            <a:latin typeface="Cambria Math" panose="02040503050406030204" pitchFamily="18" charset="0"/>
+                            <a:ea typeface="Cambria Math" panose="02040503050406030204" pitchFamily="18" charset="0"/>
+                            <a:cs typeface="Helvetica" panose="020B0604020202020204" pitchFamily="34" charset="0"/>
+                          </a:rPr>
+                          <m:t>∗</m:t>
+                        </m:r>
+                      </m:sup>
+                    </m:sSup>
+                  </m:oMath>
+                </a14:m>
+                <a:endParaRPr lang="en-AU" sz="1355" b="1" dirty="0"/>
+              </a:p>
+            </p:txBody>
+          </p:sp>
+        </mc:Choice>
+        <mc:Fallback xmlns="">
+          <p:sp>
+            <p:nvSpPr>
+              <p:cNvPr id="65" name="TextBox 64"/>
+              <p:cNvSpPr txBox="1">
+                <a:spLocks noRot="1" noChangeAspect="1" noMove="1" noResize="1" noEditPoints="1" noAdjustHandles="1" noChangeArrowheads="1" noChangeShapeType="1" noTextEdit="1"/>
+              </p:cNvSpPr>
+              <p:nvPr/>
+            </p:nvSpPr>
+            <p:spPr>
+              <a:xfrm>
+                <a:off x="1433908" y="3172965"/>
+                <a:ext cx="1578448" cy="300852"/>
+              </a:xfrm>
+              <a:prstGeom prst="rect">
+                <a:avLst/>
+              </a:prstGeom>
+              <a:blipFill rotWithShape="0">
+                <a:blip r:embed="rId12"/>
+                <a:stretch>
+                  <a:fillRect b="-10000"/>
+                </a:stretch>
+              </a:blipFill>
+            </p:spPr>
+            <p:txBody>
+              <a:bodyPr/>
+              <a:lstStyle/>
+              <a:p>
+                <a:r>
+                  <a:rPr lang="en-AU">
+                    <a:noFill/>
+                  </a:rPr>
+                  <a:t> </a:t>
+                </a:r>
+              </a:p>
+            </p:txBody>
+          </p:sp>
+        </mc:Fallback>
+      </mc:AlternateContent>
+      <p:sp>
+        <p:nvSpPr>
+          <p:cNvPr id="66" name="Rounded Rectangle 65"/>
+          <p:cNvSpPr/>
+          <p:nvPr/>
+        </p:nvSpPr>
+        <p:spPr>
+          <a:xfrm>
+            <a:off x="1433907" y="3549872"/>
+            <a:ext cx="1658287" cy="286928"/>
+          </a:xfrm>
+          <a:prstGeom prst="roundRect">
+            <a:avLst/>
+          </a:prstGeom>
+          <a:ln w="28575"/>
+          <a:effectLst>
+            <a:glow rad="228600">
+              <a:srgbClr val="7030A0">
+                <a:alpha val="40000"/>
+              </a:srgbClr>
+            </a:glow>
+          </a:effectLst>
+        </p:spPr>
+        <p:style>
+          <a:lnRef idx="2">
+            <a:schemeClr val="accent5"/>
+          </a:lnRef>
+          <a:fillRef idx="1">
+            <a:schemeClr val="lt1"/>
+          </a:fillRef>
+          <a:effectRef idx="0">
+            <a:schemeClr val="accent5"/>
+          </a:effectRef>
+          <a:fontRef idx="minor">
+            <a:schemeClr val="dk1"/>
+          </a:fontRef>
+        </p:style>
+        <p:txBody>
+          <a:bodyPr rot="0" spcFirstLastPara="0" vertOverflow="overflow" horzOverflow="overflow" vert="horz" wrap="square" lIns="77421" tIns="38710" rIns="77421" bIns="38710" numCol="1" spcCol="0" rtlCol="0" fromWordArt="0" anchor="ctr" anchorCtr="0" forceAA="0" compatLnSpc="1">
+            <a:prstTxWarp prst="textNoShape">
+              <a:avLst/>
+            </a:prstTxWarp>
+            <a:noAutofit/>
+          </a:bodyPr>
+          <a:lstStyle/>
+          <a:p>
+            <a:pPr algn="ctr"/>
+            <a:endParaRPr lang="en-AU" sz="1185"/>
+          </a:p>
+        </p:txBody>
+      </p:sp>
+      <mc:AlternateContent xmlns:mc="http://schemas.openxmlformats.org/markup-compatibility/2006" xmlns:a14="http://schemas.microsoft.com/office/drawing/2010/main">
+        <mc:Choice Requires="a14">
+          <p:sp>
+            <p:nvSpPr>
+              <p:cNvPr id="67" name="TextBox 66"/>
+              <p:cNvSpPr txBox="1"/>
+              <p:nvPr/>
+            </p:nvSpPr>
+            <p:spPr>
+              <a:xfrm>
+                <a:off x="1433907" y="3549875"/>
+                <a:ext cx="1658287" cy="300852"/>
+              </a:xfrm>
+              <a:prstGeom prst="rect">
+                <a:avLst/>
+              </a:prstGeom>
+              <a:noFill/>
+            </p:spPr>
+            <p:txBody>
+              <a:bodyPr wrap="square" rtlCol="0">
+                <a:spAutoFit/>
+              </a:bodyPr>
+              <a:lstStyle/>
+              <a:p>
+                <a:r>
+                  <a:rPr lang="en-AU" sz="1185" i="1" dirty="0">
+                    <a:latin typeface="Helvetica" panose="020B0604020202020204" pitchFamily="34" charset="0"/>
+                    <a:cs typeface="Helvetica" panose="020B0604020202020204" pitchFamily="34" charset="0"/>
+                  </a:rPr>
+                  <a:t>Inference Kernel  </a:t>
+                </a:r>
+                <a14:m>
+                  <m:oMath xmlns:m="http://schemas.openxmlformats.org/officeDocument/2006/math">
+                    <m:sSup>
+                      <m:sSupPr>
+                        <m:ctrlPr>
+                          <a:rPr lang="en-AU" sz="1355" i="1" dirty="0">
+                            <a:latin typeface="Cambria Math" panose="02040503050406030204" pitchFamily="18" charset="0"/>
+                            <a:cs typeface="Helvetica" panose="020B0604020202020204" pitchFamily="34" charset="0"/>
+                          </a:rPr>
+                        </m:ctrlPr>
+                      </m:sSupPr>
+                      <m:e>
+                        <m:r>
+                          <a:rPr lang="en-AU" sz="1355" i="1" dirty="0">
+                            <a:latin typeface="Cambria Math" panose="02040503050406030204" pitchFamily="18" charset="0"/>
+                            <a:cs typeface="Helvetica" panose="020B0604020202020204" pitchFamily="34" charset="0"/>
+                          </a:rPr>
+                          <m:t>𝐾</m:t>
+                        </m:r>
+                      </m:e>
+                      <m:sup>
+                        <m:r>
+                          <a:rPr lang="en-AU" sz="1355" i="1" dirty="0">
+                            <a:latin typeface="Cambria Math" panose="02040503050406030204" pitchFamily="18" charset="0"/>
+                            <a:ea typeface="Cambria Math" panose="02040503050406030204" pitchFamily="18" charset="0"/>
+                            <a:cs typeface="Helvetica" panose="020B0604020202020204" pitchFamily="34" charset="0"/>
+                          </a:rPr>
+                          <m:t>∗</m:t>
+                        </m:r>
+                      </m:sup>
+                    </m:sSup>
+                  </m:oMath>
+                </a14:m>
+                <a:endParaRPr lang="en-AU" sz="1355" b="1" dirty="0"/>
+              </a:p>
+            </p:txBody>
+          </p:sp>
+        </mc:Choice>
+        <mc:Fallback xmlns="">
+          <p:sp>
+            <p:nvSpPr>
+              <p:cNvPr id="67" name="TextBox 66"/>
+              <p:cNvSpPr txBox="1">
+                <a:spLocks noRot="1" noChangeAspect="1" noMove="1" noResize="1" noEditPoints="1" noAdjustHandles="1" noChangeArrowheads="1" noChangeShapeType="1" noTextEdit="1"/>
+              </p:cNvSpPr>
+              <p:nvPr/>
+            </p:nvSpPr>
+            <p:spPr>
+              <a:xfrm>
+                <a:off x="1433907" y="3549875"/>
+                <a:ext cx="1658287" cy="300852"/>
+              </a:xfrm>
+              <a:prstGeom prst="rect">
+                <a:avLst/>
+              </a:prstGeom>
+              <a:blipFill rotWithShape="0">
+                <a:blip r:embed="rId13"/>
+                <a:stretch>
+                  <a:fillRect b="-10000"/>
+                </a:stretch>
+              </a:blipFill>
+            </p:spPr>
+            <p:txBody>
+              <a:bodyPr/>
+              <a:lstStyle/>
+              <a:p>
+                <a:r>
+                  <a:rPr lang="en-AU">
+                    <a:noFill/>
+                  </a:rPr>
+                  <a:t> </a:t>
+                </a:r>
+              </a:p>
+            </p:txBody>
+          </p:sp>
+        </mc:Fallback>
+      </mc:AlternateContent>
+      <p:sp>
+        <p:nvSpPr>
+          <p:cNvPr id="70" name="Rounded Rectangle 69"/>
+          <p:cNvSpPr/>
+          <p:nvPr/>
+        </p:nvSpPr>
+        <p:spPr>
+          <a:xfrm>
+            <a:off x="4934670" y="3824835"/>
+            <a:ext cx="2958696" cy="394944"/>
+          </a:xfrm>
+          <a:prstGeom prst="roundRect">
+            <a:avLst/>
+          </a:prstGeom>
+          <a:ln w="28575"/>
+          <a:effectLst>
+            <a:glow rad="228600">
+              <a:srgbClr val="7030A0">
+                <a:alpha val="40000"/>
+              </a:srgbClr>
+            </a:glow>
+          </a:effectLst>
+        </p:spPr>
+        <p:style>
+          <a:lnRef idx="2">
+            <a:schemeClr val="accent5"/>
+          </a:lnRef>
+          <a:fillRef idx="1">
+            <a:schemeClr val="lt1"/>
+          </a:fillRef>
+          <a:effectRef idx="0">
+            <a:schemeClr val="accent5"/>
+          </a:effectRef>
+          <a:fontRef idx="minor">
+            <a:schemeClr val="dk1"/>
+          </a:fontRef>
+        </p:style>
+        <p:txBody>
+          <a:bodyPr rot="0" spcFirstLastPara="0" vertOverflow="overflow" horzOverflow="overflow" vert="horz" wrap="square" lIns="77421" tIns="38710" rIns="77421" bIns="38710" numCol="1" spcCol="0" rtlCol="0" fromWordArt="0" anchor="ctr" anchorCtr="0" forceAA="0" compatLnSpc="1">
+            <a:prstTxWarp prst="textNoShape">
+              <a:avLst/>
+            </a:prstTxWarp>
+            <a:noAutofit/>
+          </a:bodyPr>
+          <a:lstStyle/>
+          <a:p>
+            <a:pPr algn="ctr"/>
+            <a:endParaRPr lang="en-AU" sz="1185"/>
+          </a:p>
+        </p:txBody>
+      </p:sp>
+      <mc:AlternateContent xmlns:mc="http://schemas.openxmlformats.org/markup-compatibility/2006" xmlns:a14="http://schemas.microsoft.com/office/drawing/2010/main">
+        <mc:Choice Requires="a14">
+          <p:sp>
+            <p:nvSpPr>
+              <p:cNvPr id="71" name="TextBox 70"/>
+              <p:cNvSpPr txBox="1"/>
+              <p:nvPr/>
+            </p:nvSpPr>
+            <p:spPr>
+              <a:xfrm>
+                <a:off x="4934670" y="3824837"/>
+                <a:ext cx="2958696" cy="398892"/>
+              </a:xfrm>
+              <a:prstGeom prst="rect">
+                <a:avLst/>
+              </a:prstGeom>
+              <a:noFill/>
+            </p:spPr>
+            <p:txBody>
+              <a:bodyPr wrap="square" rtlCol="0">
+                <a:spAutoFit/>
+              </a:bodyPr>
+              <a:lstStyle/>
+              <a:p>
+                <a:r>
+                  <a:rPr lang="en-AU" sz="1185" i="1" dirty="0">
+                    <a:latin typeface="Helvetica" panose="020B0604020202020204" pitchFamily="34" charset="0"/>
+                    <a:cs typeface="Helvetica" panose="020B0604020202020204" pitchFamily="34" charset="0"/>
+                  </a:rPr>
+                  <a:t>Log Likelihood Gradient  </a:t>
+                </a:r>
+                <a14:m>
+                  <m:oMath xmlns:m="http://schemas.openxmlformats.org/officeDocument/2006/math">
+                    <m:f>
+                      <m:fPr>
+                        <m:ctrlPr>
+                          <a:rPr lang="en-AU" sz="1355" i="1">
+                            <a:latin typeface="Cambria Math" panose="02040503050406030204" pitchFamily="18" charset="0"/>
+                            <a:cs typeface="Helvetica" panose="020B0604020202020204" pitchFamily="34" charset="0"/>
+                          </a:rPr>
+                        </m:ctrlPr>
+                      </m:fPr>
+                      <m:num>
+                        <m:r>
+                          <a:rPr lang="en-AU" sz="1355" i="1">
+                            <a:latin typeface="Cambria Math" panose="02040503050406030204" pitchFamily="18" charset="0"/>
+                            <a:cs typeface="Helvetica" panose="020B0604020202020204" pitchFamily="34" charset="0"/>
+                          </a:rPr>
+                          <m:t>𝜕</m:t>
+                        </m:r>
+                      </m:num>
+                      <m:den>
+                        <m:r>
+                          <a:rPr lang="en-AU" sz="1355" i="1">
+                            <a:latin typeface="Cambria Math" panose="02040503050406030204" pitchFamily="18" charset="0"/>
+                            <a:cs typeface="Helvetica" panose="020B0604020202020204" pitchFamily="34" charset="0"/>
+                          </a:rPr>
+                          <m:t>𝜕</m:t>
+                        </m:r>
+                        <m:r>
+                          <a:rPr lang="en-AU" sz="1355" b="1">
+                            <a:latin typeface="Cambria Math" panose="02040503050406030204" pitchFamily="18" charset="0"/>
+                            <a:cs typeface="Helvetica" panose="020B0604020202020204" pitchFamily="34" charset="0"/>
+                          </a:rPr>
+                          <m:t>𝐟</m:t>
+                        </m:r>
+                      </m:den>
+                    </m:f>
+                    <m:r>
+                      <m:rPr>
+                        <m:sty m:val="p"/>
+                      </m:rPr>
+                      <a:rPr lang="en-AU" sz="1355">
+                        <a:latin typeface="Cambria Math" panose="02040503050406030204" pitchFamily="18" charset="0"/>
+                        <a:cs typeface="Helvetica" panose="020B0604020202020204" pitchFamily="34" charset="0"/>
+                      </a:rPr>
+                      <m:t>log</m:t>
+                    </m:r>
+                    <m:r>
+                      <a:rPr lang="en-AU" sz="1355" i="1">
+                        <a:latin typeface="Cambria Math" panose="02040503050406030204" pitchFamily="18" charset="0"/>
+                        <a:cs typeface="Helvetica" panose="020B0604020202020204" pitchFamily="34" charset="0"/>
+                      </a:rPr>
+                      <m:t>⁡(</m:t>
+                    </m:r>
+                    <m:r>
+                      <a:rPr lang="en-AU" sz="1355" i="1">
+                        <a:latin typeface="Cambria Math" panose="02040503050406030204" pitchFamily="18" charset="0"/>
+                        <a:cs typeface="Helvetica" panose="020B0604020202020204" pitchFamily="34" charset="0"/>
+                      </a:rPr>
+                      <m:t>𝑝</m:t>
+                    </m:r>
+                    <m:d>
+                      <m:dPr>
+                        <m:endChr m:val="|"/>
+                        <m:ctrlPr>
+                          <a:rPr lang="en-AU" sz="1355" i="1">
+                            <a:latin typeface="Cambria Math" panose="02040503050406030204" pitchFamily="18" charset="0"/>
+                            <a:cs typeface="Helvetica" panose="020B0604020202020204" pitchFamily="34" charset="0"/>
+                          </a:rPr>
+                        </m:ctrlPr>
+                      </m:dPr>
+                      <m:e>
+                        <m:r>
+                          <a:rPr lang="en-AU" sz="1355" b="1">
+                            <a:latin typeface="Cambria Math" panose="02040503050406030204" pitchFamily="18" charset="0"/>
+                            <a:cs typeface="Helvetica" panose="020B0604020202020204" pitchFamily="34" charset="0"/>
+                          </a:rPr>
+                          <m:t>𝐲</m:t>
+                        </m:r>
+                        <m:r>
+                          <a:rPr lang="en-AU" sz="1355" i="1">
+                            <a:latin typeface="Cambria Math" panose="02040503050406030204" pitchFamily="18" charset="0"/>
+                            <a:cs typeface="Helvetica" panose="020B0604020202020204" pitchFamily="34" charset="0"/>
+                          </a:rPr>
+                          <m:t> </m:t>
+                        </m:r>
+                      </m:e>
+                    </m:d>
+                    <m:r>
+                      <a:rPr lang="en-AU" sz="1355" i="1">
+                        <a:latin typeface="Cambria Math" panose="02040503050406030204" pitchFamily="18" charset="0"/>
+                        <a:cs typeface="Helvetica" panose="020B0604020202020204" pitchFamily="34" charset="0"/>
+                      </a:rPr>
+                      <m:t> </m:t>
+                    </m:r>
+                    <m:r>
+                      <a:rPr lang="en-AU" sz="1355" b="1">
+                        <a:latin typeface="Cambria Math" panose="02040503050406030204" pitchFamily="18" charset="0"/>
+                        <a:cs typeface="Helvetica" panose="020B0604020202020204" pitchFamily="34" charset="0"/>
+                      </a:rPr>
+                      <m:t>𝐟</m:t>
+                    </m:r>
+                    <m:r>
+                      <a:rPr lang="en-AU" sz="1355" i="1">
+                        <a:latin typeface="Cambria Math" panose="02040503050406030204" pitchFamily="18" charset="0"/>
+                        <a:cs typeface="Helvetica" panose="020B0604020202020204" pitchFamily="34" charset="0"/>
+                      </a:rPr>
+                      <m:t>))</m:t>
+                    </m:r>
+                  </m:oMath>
+                </a14:m>
+                <a:endParaRPr lang="en-AU" sz="1355" b="1" dirty="0"/>
+              </a:p>
+            </p:txBody>
+          </p:sp>
+        </mc:Choice>
+        <mc:Fallback xmlns="">
+          <p:sp>
+            <p:nvSpPr>
+              <p:cNvPr id="71" name="TextBox 70"/>
+              <p:cNvSpPr txBox="1">
+                <a:spLocks noRot="1" noChangeAspect="1" noMove="1" noResize="1" noEditPoints="1" noAdjustHandles="1" noChangeArrowheads="1" noChangeShapeType="1" noTextEdit="1"/>
+              </p:cNvSpPr>
+              <p:nvPr/>
+            </p:nvSpPr>
+            <p:spPr>
+              <a:xfrm>
+                <a:off x="4934670" y="3824837"/>
+                <a:ext cx="2958696" cy="398892"/>
+              </a:xfrm>
+              <a:prstGeom prst="rect">
+                <a:avLst/>
+              </a:prstGeom>
+              <a:blipFill rotWithShape="0">
+                <a:blip r:embed="rId14"/>
+                <a:stretch>
+                  <a:fillRect/>
+                </a:stretch>
+              </a:blipFill>
+            </p:spPr>
+            <p:txBody>
+              <a:bodyPr/>
+              <a:lstStyle/>
+              <a:p>
+                <a:r>
+                  <a:rPr lang="en-AU">
+                    <a:noFill/>
+                  </a:rPr>
+                  <a:t> </a:t>
+                </a:r>
+              </a:p>
+            </p:txBody>
+          </p:sp>
+        </mc:Fallback>
+      </mc:AlternateContent>
+      <p:sp>
+        <p:nvSpPr>
+          <p:cNvPr id="72" name="Rounded Rectangle 71"/>
+          <p:cNvSpPr/>
+          <p:nvPr/>
+        </p:nvSpPr>
+        <p:spPr>
+          <a:xfrm>
+            <a:off x="1293583" y="5625878"/>
+            <a:ext cx="1940562" cy="325971"/>
+          </a:xfrm>
+          <a:prstGeom prst="roundRect">
+            <a:avLst/>
+          </a:prstGeom>
+          <a:ln w="28575"/>
+          <a:effectLst>
+            <a:glow rad="228600">
+              <a:schemeClr val="accent1">
+                <a:satMod val="175000"/>
+                <a:alpha val="40000"/>
+              </a:schemeClr>
+            </a:glow>
+            <a:softEdge rad="0"/>
+          </a:effectLst>
+        </p:spPr>
+        <p:style>
+          <a:lnRef idx="2">
+            <a:schemeClr val="accent5"/>
+          </a:lnRef>
+          <a:fillRef idx="1">
+            <a:schemeClr val="lt1"/>
+          </a:fillRef>
+          <a:effectRef idx="0">
+            <a:schemeClr val="accent5"/>
+          </a:effectRef>
+          <a:fontRef idx="minor">
+            <a:schemeClr val="dk1"/>
+          </a:fontRef>
+        </p:style>
+        <p:txBody>
+          <a:bodyPr rot="0" spcFirstLastPara="0" vertOverflow="overflow" horzOverflow="overflow" vert="horz" wrap="square" lIns="77421" tIns="38710" rIns="77421" bIns="38710" numCol="1" spcCol="0" rtlCol="0" fromWordArt="0" anchor="ctr" anchorCtr="0" forceAA="0" compatLnSpc="1">
+            <a:prstTxWarp prst="textNoShape">
+              <a:avLst/>
+            </a:prstTxWarp>
+            <a:noAutofit/>
+          </a:bodyPr>
+          <a:lstStyle/>
+          <a:p>
+            <a:pPr algn="ctr"/>
+            <a:endParaRPr lang="en-AU" sz="1185"/>
+          </a:p>
+        </p:txBody>
+      </p:sp>
+      <mc:AlternateContent xmlns:mc="http://schemas.openxmlformats.org/markup-compatibility/2006">
+        <mc:Choice xmlns:a14="http://schemas.microsoft.com/office/drawing/2010/main" Requires="a14">
+          <p:sp>
+            <p:nvSpPr>
+              <p:cNvPr id="73" name="TextBox 72"/>
+              <p:cNvSpPr txBox="1"/>
+              <p:nvPr/>
+            </p:nvSpPr>
+            <p:spPr>
+              <a:xfrm>
+                <a:off x="1293583" y="5625872"/>
+                <a:ext cx="1940562" cy="300852"/>
+              </a:xfrm>
+              <a:prstGeom prst="rect">
+                <a:avLst/>
+              </a:prstGeom>
+              <a:noFill/>
+              <a:effectLst>
+                <a:glow rad="228600">
+                  <a:schemeClr val="accent1">
+                    <a:satMod val="175000"/>
+                    <a:alpha val="40000"/>
+                  </a:schemeClr>
+                </a:glow>
+                <a:softEdge rad="0"/>
+              </a:effectLst>
+            </p:spPr>
+            <p:txBody>
+              <a:bodyPr wrap="square" rtlCol="0">
+                <a:spAutoFit/>
+              </a:bodyPr>
+              <a:lstStyle/>
+              <a:p>
+                <a:pPr algn="ctr"/>
+                <a:r>
+                  <a:rPr lang="en-AU" sz="1185" i="1" dirty="0" smtClean="0">
+                    <a:latin typeface="Helvetica" panose="020B0604020202020204" pitchFamily="34" charset="0"/>
+                    <a:cs typeface="Helvetica" panose="020B0604020202020204" pitchFamily="34" charset="0"/>
+                  </a:rPr>
+                  <a:t>Latent Expectance  </a:t>
+                </a:r>
+                <a14:m>
+                  <m:oMath xmlns:m="http://schemas.openxmlformats.org/officeDocument/2006/math">
+                    <m:r>
+                      <a:rPr lang="en-AU" sz="1355" i="1" dirty="0">
+                        <a:latin typeface="Cambria Math" panose="02040503050406030204" pitchFamily="18" charset="0"/>
+                        <a:ea typeface="Cambria Math" panose="02040503050406030204" pitchFamily="18" charset="0"/>
+                        <a:cs typeface="Helvetica" panose="020B0604020202020204" pitchFamily="34" charset="0"/>
+                      </a:rPr>
+                      <m:t>𝔼</m:t>
+                    </m:r>
+                    <m:r>
+                      <a:rPr lang="en-AU" sz="1355" b="0" i="1" dirty="0" smtClean="0">
+                        <a:latin typeface="Cambria Math" panose="02040503050406030204" pitchFamily="18" charset="0"/>
+                        <a:ea typeface="Cambria Math" panose="02040503050406030204" pitchFamily="18" charset="0"/>
+                        <a:cs typeface="Helvetica" panose="020B0604020202020204" pitchFamily="34" charset="0"/>
+                      </a:rPr>
+                      <m:t>[</m:t>
+                    </m:r>
+                    <m:sSup>
+                      <m:sSupPr>
+                        <m:ctrlPr>
+                          <a:rPr lang="en-AU" sz="1355" i="1" dirty="0">
+                            <a:latin typeface="Cambria Math" panose="02040503050406030204" pitchFamily="18" charset="0"/>
+                            <a:cs typeface="Helvetica" panose="020B0604020202020204" pitchFamily="34" charset="0"/>
+                          </a:rPr>
+                        </m:ctrlPr>
+                      </m:sSupPr>
+                      <m:e>
+                        <m:r>
+                          <a:rPr lang="en-AU" sz="1355" b="1" dirty="0">
+                            <a:latin typeface="Cambria Math" panose="02040503050406030204" pitchFamily="18" charset="0"/>
+                            <a:cs typeface="Helvetica" panose="020B0604020202020204" pitchFamily="34" charset="0"/>
+                          </a:rPr>
+                          <m:t>𝐟</m:t>
+                        </m:r>
+                      </m:e>
+                      <m:sup>
+                        <m:r>
+                          <a:rPr lang="en-AU" sz="1355" i="1" dirty="0">
+                            <a:latin typeface="Cambria Math" panose="02040503050406030204" pitchFamily="18" charset="0"/>
+                            <a:ea typeface="Cambria Math" panose="02040503050406030204" pitchFamily="18" charset="0"/>
+                            <a:cs typeface="Helvetica" panose="020B0604020202020204" pitchFamily="34" charset="0"/>
+                          </a:rPr>
+                          <m:t>∗</m:t>
+                        </m:r>
+                      </m:sup>
+                    </m:sSup>
+                    <m:r>
+                      <a:rPr lang="en-AU" sz="1355" i="1" dirty="0">
+                        <a:latin typeface="Cambria Math" panose="02040503050406030204" pitchFamily="18" charset="0"/>
+                        <a:cs typeface="Helvetica" panose="020B0604020202020204" pitchFamily="34" charset="0"/>
+                      </a:rPr>
+                      <m:t>]</m:t>
+                    </m:r>
+                  </m:oMath>
+                </a14:m>
+                <a:endParaRPr lang="en-AU" sz="1355" b="1" dirty="0"/>
+              </a:p>
+            </p:txBody>
+          </p:sp>
+        </mc:Choice>
+        <mc:Fallback>
+          <p:sp>
+            <p:nvSpPr>
+              <p:cNvPr id="73" name="TextBox 72"/>
+              <p:cNvSpPr txBox="1">
+                <a:spLocks noRot="1" noChangeAspect="1" noMove="1" noResize="1" noEditPoints="1" noAdjustHandles="1" noChangeArrowheads="1" noChangeShapeType="1" noTextEdit="1"/>
+              </p:cNvSpPr>
+              <p:nvPr/>
+            </p:nvSpPr>
+            <p:spPr>
+              <a:xfrm>
+                <a:off x="1293583" y="5625872"/>
+                <a:ext cx="1940562" cy="300852"/>
+              </a:xfrm>
+              <a:prstGeom prst="rect">
+                <a:avLst/>
+              </a:prstGeom>
+              <a:blipFill rotWithShape="0">
+                <a:blip r:embed="rId15"/>
+                <a:stretch>
+                  <a:fillRect/>
+                </a:stretch>
+              </a:blipFill>
+              <a:effectLst>
+                <a:glow rad="228600">
+                  <a:schemeClr val="accent1">
+                    <a:satMod val="175000"/>
+                    <a:alpha val="40000"/>
+                  </a:schemeClr>
+                </a:glow>
+                <a:softEdge rad="0"/>
+              </a:effectLst>
+            </p:spPr>
+            <p:txBody>
+              <a:bodyPr/>
+              <a:lstStyle/>
+              <a:p>
+                <a:r>
+                  <a:rPr lang="en-AU">
+                    <a:noFill/>
+                  </a:rPr>
+                  <a:t> </a:t>
+                </a:r>
+              </a:p>
+            </p:txBody>
+          </p:sp>
+        </mc:Fallback>
+      </mc:AlternateContent>
+      <p:sp>
+        <p:nvSpPr>
+          <p:cNvPr id="74" name="Rounded Rectangle 73"/>
+          <p:cNvSpPr/>
+          <p:nvPr/>
+        </p:nvSpPr>
+        <p:spPr>
+          <a:xfrm>
+            <a:off x="3571209" y="5959010"/>
+            <a:ext cx="1940562" cy="325971"/>
+          </a:xfrm>
+          <a:prstGeom prst="roundRect">
+            <a:avLst/>
+          </a:prstGeom>
+          <a:ln w="28575"/>
+          <a:effectLst>
+            <a:glow rad="228600">
+              <a:schemeClr val="accent1">
+                <a:satMod val="175000"/>
+                <a:alpha val="40000"/>
+              </a:schemeClr>
+            </a:glow>
+            <a:softEdge rad="0"/>
+          </a:effectLst>
+        </p:spPr>
+        <p:style>
+          <a:lnRef idx="2">
+            <a:schemeClr val="accent5"/>
+          </a:lnRef>
+          <a:fillRef idx="1">
+            <a:schemeClr val="lt1"/>
+          </a:fillRef>
+          <a:effectRef idx="0">
+            <a:schemeClr val="accent5"/>
+          </a:effectRef>
+          <a:fontRef idx="minor">
+            <a:schemeClr val="dk1"/>
+          </a:fontRef>
+        </p:style>
+        <p:txBody>
+          <a:bodyPr rot="0" spcFirstLastPara="0" vertOverflow="overflow" horzOverflow="overflow" vert="horz" wrap="square" lIns="77421" tIns="38710" rIns="77421" bIns="38710" numCol="1" spcCol="0" rtlCol="0" fromWordArt="0" anchor="ctr" anchorCtr="0" forceAA="0" compatLnSpc="1">
+            <a:prstTxWarp prst="textNoShape">
+              <a:avLst/>
+            </a:prstTxWarp>
+            <a:noAutofit/>
+          </a:bodyPr>
+          <a:lstStyle/>
+          <a:p>
+            <a:pPr algn="ctr"/>
+            <a:endParaRPr lang="en-AU" sz="1185"/>
+          </a:p>
+        </p:txBody>
+      </p:sp>
+      <mc:AlternateContent xmlns:mc="http://schemas.openxmlformats.org/markup-compatibility/2006">
+        <mc:Choice xmlns:a14="http://schemas.microsoft.com/office/drawing/2010/main" Requires="a14">
+          <p:sp>
+            <p:nvSpPr>
+              <p:cNvPr id="75" name="TextBox 74"/>
+              <p:cNvSpPr txBox="1"/>
+              <p:nvPr/>
+            </p:nvSpPr>
+            <p:spPr>
+              <a:xfrm>
+                <a:off x="3571209" y="5959004"/>
+                <a:ext cx="1940562" cy="300852"/>
+              </a:xfrm>
+              <a:prstGeom prst="rect">
+                <a:avLst/>
+              </a:prstGeom>
+              <a:noFill/>
+              <a:effectLst>
+                <a:glow rad="228600">
+                  <a:schemeClr val="accent1">
+                    <a:satMod val="175000"/>
+                    <a:alpha val="40000"/>
+                  </a:schemeClr>
+                </a:glow>
+                <a:softEdge rad="0"/>
+              </a:effectLst>
+            </p:spPr>
+            <p:txBody>
+              <a:bodyPr wrap="square" rtlCol="0">
+                <a:spAutoFit/>
+              </a:bodyPr>
+              <a:lstStyle/>
+              <a:p>
+                <a:pPr algn="ctr"/>
+                <a:r>
+                  <a:rPr lang="en-AU" sz="1185" i="1" dirty="0">
+                    <a:latin typeface="Helvetica" panose="020B0604020202020204" pitchFamily="34" charset="0"/>
+                    <a:cs typeface="Helvetica" panose="020B0604020202020204" pitchFamily="34" charset="0"/>
+                  </a:rPr>
+                  <a:t>Latent Covariance  </a:t>
+                </a:r>
+                <a14:m>
+                  <m:oMath xmlns:m="http://schemas.openxmlformats.org/officeDocument/2006/math">
+                    <m:r>
+                      <a:rPr lang="en-AU" sz="1355" i="1" dirty="0">
+                        <a:latin typeface="Cambria Math" panose="02040503050406030204" pitchFamily="18" charset="0"/>
+                        <a:ea typeface="Cambria Math" panose="02040503050406030204" pitchFamily="18" charset="0"/>
+                        <a:cs typeface="Helvetica" panose="020B0604020202020204" pitchFamily="34" charset="0"/>
+                      </a:rPr>
+                      <m:t>𝕍</m:t>
+                    </m:r>
+                    <m:r>
+                      <a:rPr lang="en-AU" sz="1355" i="1" dirty="0">
+                        <a:latin typeface="Cambria Math" panose="02040503050406030204" pitchFamily="18" charset="0"/>
+                        <a:ea typeface="Cambria Math" panose="02040503050406030204" pitchFamily="18" charset="0"/>
+                        <a:cs typeface="Helvetica" panose="020B0604020202020204" pitchFamily="34" charset="0"/>
+                      </a:rPr>
+                      <m:t>[</m:t>
+                    </m:r>
+                    <m:sSup>
+                      <m:sSupPr>
+                        <m:ctrlPr>
+                          <a:rPr lang="en-AU" sz="1355" i="1" dirty="0">
+                            <a:latin typeface="Cambria Math" panose="02040503050406030204" pitchFamily="18" charset="0"/>
+                            <a:cs typeface="Helvetica" panose="020B0604020202020204" pitchFamily="34" charset="0"/>
+                          </a:rPr>
+                        </m:ctrlPr>
+                      </m:sSupPr>
+                      <m:e>
+                        <m:r>
+                          <a:rPr lang="en-AU" sz="1355" b="1" dirty="0">
+                            <a:latin typeface="Cambria Math" panose="02040503050406030204" pitchFamily="18" charset="0"/>
+                            <a:cs typeface="Helvetica" panose="020B0604020202020204" pitchFamily="34" charset="0"/>
+                          </a:rPr>
+                          <m:t>𝐟</m:t>
+                        </m:r>
+                      </m:e>
+                      <m:sup>
+                        <m:r>
+                          <a:rPr lang="en-AU" sz="1355" i="1" dirty="0">
+                            <a:latin typeface="Cambria Math" panose="02040503050406030204" pitchFamily="18" charset="0"/>
+                            <a:ea typeface="Cambria Math" panose="02040503050406030204" pitchFamily="18" charset="0"/>
+                            <a:cs typeface="Helvetica" panose="020B0604020202020204" pitchFamily="34" charset="0"/>
+                          </a:rPr>
+                          <m:t>∗</m:t>
+                        </m:r>
+                      </m:sup>
+                    </m:sSup>
+                    <m:r>
+                      <a:rPr lang="en-AU" sz="1355" i="1" dirty="0">
+                        <a:latin typeface="Cambria Math" panose="02040503050406030204" pitchFamily="18" charset="0"/>
+                        <a:cs typeface="Helvetica" panose="020B0604020202020204" pitchFamily="34" charset="0"/>
+                      </a:rPr>
+                      <m:t>]</m:t>
+                    </m:r>
+                  </m:oMath>
+                </a14:m>
+                <a:endParaRPr lang="en-AU" sz="1355" b="1" dirty="0"/>
+              </a:p>
+            </p:txBody>
+          </p:sp>
+        </mc:Choice>
+        <mc:Fallback>
+          <p:sp>
+            <p:nvSpPr>
+              <p:cNvPr id="75" name="TextBox 74"/>
+              <p:cNvSpPr txBox="1">
+                <a:spLocks noRot="1" noChangeAspect="1" noMove="1" noResize="1" noEditPoints="1" noAdjustHandles="1" noChangeArrowheads="1" noChangeShapeType="1" noTextEdit="1"/>
+              </p:cNvSpPr>
+              <p:nvPr/>
+            </p:nvSpPr>
+            <p:spPr>
+              <a:xfrm>
+                <a:off x="3571209" y="5959004"/>
+                <a:ext cx="1940562" cy="300852"/>
+              </a:xfrm>
+              <a:prstGeom prst="rect">
+                <a:avLst/>
+              </a:prstGeom>
+              <a:blipFill rotWithShape="0">
+                <a:blip r:embed="rId16"/>
+                <a:stretch>
+                  <a:fillRect/>
+                </a:stretch>
+              </a:blipFill>
+              <a:effectLst>
+                <a:glow rad="228600">
+                  <a:schemeClr val="accent1">
+                    <a:satMod val="175000"/>
+                    <a:alpha val="40000"/>
+                  </a:schemeClr>
+                </a:glow>
+                <a:softEdge rad="0"/>
+              </a:effectLst>
+            </p:spPr>
+            <p:txBody>
+              <a:bodyPr/>
+              <a:lstStyle/>
+              <a:p>
+                <a:r>
+                  <a:rPr lang="en-AU">
+                    <a:noFill/>
+                  </a:rPr>
+                  <a:t> </a:t>
+                </a:r>
+              </a:p>
+            </p:txBody>
+          </p:sp>
+        </mc:Fallback>
+      </mc:AlternateContent>
+      <p:sp>
+        <p:nvSpPr>
+          <p:cNvPr id="76" name="Rounded Rectangle 75"/>
+          <p:cNvSpPr/>
+          <p:nvPr/>
+        </p:nvSpPr>
+        <p:spPr>
+          <a:xfrm>
+            <a:off x="6732927" y="5841800"/>
+            <a:ext cx="1292222" cy="551562"/>
+          </a:xfrm>
+          <a:prstGeom prst="roundRect">
+            <a:avLst/>
+          </a:prstGeom>
+          <a:ln w="28575"/>
+          <a:effectLst>
+            <a:glow rad="228600">
+              <a:schemeClr val="accent1">
+                <a:satMod val="175000"/>
+                <a:alpha val="40000"/>
+              </a:schemeClr>
+            </a:glow>
+            <a:softEdge rad="0"/>
+          </a:effectLst>
+        </p:spPr>
+        <p:style>
+          <a:lnRef idx="2">
+            <a:schemeClr val="accent5"/>
+          </a:lnRef>
+          <a:fillRef idx="1">
+            <a:schemeClr val="lt1"/>
+          </a:fillRef>
+          <a:effectRef idx="0">
+            <a:schemeClr val="accent5"/>
+          </a:effectRef>
+          <a:fontRef idx="minor">
+            <a:schemeClr val="dk1"/>
+          </a:fontRef>
+        </p:style>
+        <p:txBody>
+          <a:bodyPr rot="0" spcFirstLastPara="0" vertOverflow="overflow" horzOverflow="overflow" vert="horz" wrap="square" lIns="77421" tIns="38710" rIns="77421" bIns="38710" numCol="1" spcCol="0" rtlCol="0" fromWordArt="0" anchor="ctr" anchorCtr="0" forceAA="0" compatLnSpc="1">
+            <a:prstTxWarp prst="textNoShape">
+              <a:avLst/>
+            </a:prstTxWarp>
+            <a:noAutofit/>
+          </a:bodyPr>
+          <a:lstStyle/>
+          <a:p>
+            <a:pPr algn="ctr"/>
+            <a:endParaRPr lang="en-AU" sz="1185"/>
+          </a:p>
+        </p:txBody>
+      </p:sp>
+      <mc:AlternateContent xmlns:mc="http://schemas.openxmlformats.org/markup-compatibility/2006" xmlns:a14="http://schemas.microsoft.com/office/drawing/2010/main">
+        <mc:Choice Requires="a14">
+          <p:sp>
+            <p:nvSpPr>
+              <p:cNvPr id="77" name="TextBox 76"/>
+              <p:cNvSpPr txBox="1"/>
+              <p:nvPr/>
+            </p:nvSpPr>
+            <p:spPr>
+              <a:xfrm>
+                <a:off x="6732927" y="5841801"/>
+                <a:ext cx="1292222" cy="516552"/>
+              </a:xfrm>
+              <a:prstGeom prst="rect">
+                <a:avLst/>
+              </a:prstGeom>
+              <a:noFill/>
+              <a:effectLst>
+                <a:glow rad="228600">
+                  <a:schemeClr val="accent1">
+                    <a:satMod val="175000"/>
+                    <a:alpha val="40000"/>
+                  </a:schemeClr>
+                </a:glow>
+                <a:softEdge rad="0"/>
+              </a:effectLst>
+            </p:spPr>
+            <p:txBody>
+              <a:bodyPr wrap="square" rtlCol="0">
+                <a:spAutoFit/>
+              </a:bodyPr>
+              <a:lstStyle/>
+              <a:p>
+                <a:pPr algn="ctr"/>
+                <a:r>
+                  <a:rPr lang="en-AU" sz="1185" i="1" dirty="0">
+                    <a:latin typeface="Helvetica" panose="020B0604020202020204" pitchFamily="34" charset="0"/>
+                    <a:cs typeface="Helvetica" panose="020B0604020202020204" pitchFamily="34" charset="0"/>
+                  </a:rPr>
+                  <a:t>Latent Variance  </a:t>
+                </a:r>
+                <a14:m>
+                  <m:oMath xmlns:m="http://schemas.openxmlformats.org/officeDocument/2006/math">
+                    <m:sSub>
+                      <m:sSubPr>
+                        <m:ctrlPr>
+                          <a:rPr lang="en-AU" sz="1355" i="1">
+                            <a:latin typeface="Cambria Math" panose="02040503050406030204" pitchFamily="18" charset="0"/>
+                            <a:cs typeface="Helvetica" panose="020B0604020202020204" pitchFamily="34" charset="0"/>
+                          </a:rPr>
+                        </m:ctrlPr>
+                      </m:sSubPr>
+                      <m:e>
+                        <m:r>
+                          <a:rPr lang="en-AU" sz="1355" i="1" dirty="0">
+                            <a:latin typeface="Cambria Math" panose="02040503050406030204" pitchFamily="18" charset="0"/>
+                            <a:ea typeface="Cambria Math" panose="02040503050406030204" pitchFamily="18" charset="0"/>
+                            <a:cs typeface="Helvetica" panose="020B0604020202020204" pitchFamily="34" charset="0"/>
+                          </a:rPr>
+                          <m:t>{</m:t>
+                        </m:r>
+                        <m:r>
+                          <a:rPr lang="en-AU" sz="1355" i="1" dirty="0">
+                            <a:latin typeface="Cambria Math" panose="02040503050406030204" pitchFamily="18" charset="0"/>
+                            <a:ea typeface="Cambria Math" panose="02040503050406030204" pitchFamily="18" charset="0"/>
+                            <a:cs typeface="Helvetica" panose="020B0604020202020204" pitchFamily="34" charset="0"/>
+                          </a:rPr>
+                          <m:t>𝕍</m:t>
+                        </m:r>
+                        <m:d>
+                          <m:dPr>
+                            <m:begChr m:val="["/>
+                            <m:endChr m:val="]"/>
+                            <m:ctrlPr>
+                              <a:rPr lang="en-AU" sz="1355" i="1" dirty="0">
+                                <a:latin typeface="Cambria Math" panose="02040503050406030204" pitchFamily="18" charset="0"/>
+                                <a:ea typeface="Cambria Math" panose="02040503050406030204" pitchFamily="18" charset="0"/>
+                                <a:cs typeface="Helvetica" panose="020B0604020202020204" pitchFamily="34" charset="0"/>
+                              </a:rPr>
+                            </m:ctrlPr>
+                          </m:dPr>
+                          <m:e>
+                            <m:sSubSup>
+                              <m:sSubSupPr>
+                                <m:ctrlPr>
+                                  <a:rPr lang="en-AU" sz="1355" i="1" dirty="0">
+                                    <a:latin typeface="Cambria Math" panose="02040503050406030204" pitchFamily="18" charset="0"/>
+                                    <a:ea typeface="Cambria Math" panose="02040503050406030204" pitchFamily="18" charset="0"/>
+                                    <a:cs typeface="Helvetica" panose="020B0604020202020204" pitchFamily="34" charset="0"/>
+                                  </a:rPr>
+                                </m:ctrlPr>
+                              </m:sSubSupPr>
+                              <m:e>
+                                <m:r>
+                                  <a:rPr lang="en-AU" sz="1355" i="1" dirty="0">
+                                    <a:latin typeface="Cambria Math" panose="02040503050406030204" pitchFamily="18" charset="0"/>
+                                    <a:ea typeface="Cambria Math" panose="02040503050406030204" pitchFamily="18" charset="0"/>
+                                    <a:cs typeface="Helvetica" panose="020B0604020202020204" pitchFamily="34" charset="0"/>
+                                  </a:rPr>
+                                  <m:t>𝑓</m:t>
+                                </m:r>
+                              </m:e>
+                              <m:sub>
+                                <m:r>
+                                  <a:rPr lang="en-AU" sz="1355" i="1" dirty="0">
+                                    <a:latin typeface="Cambria Math" panose="02040503050406030204" pitchFamily="18" charset="0"/>
+                                    <a:ea typeface="Cambria Math" panose="02040503050406030204" pitchFamily="18" charset="0"/>
+                                    <a:cs typeface="Helvetica" panose="020B0604020202020204" pitchFamily="34" charset="0"/>
+                                  </a:rPr>
+                                  <m:t>𝑖</m:t>
+                                </m:r>
+                              </m:sub>
+                              <m:sup>
+                                <m:r>
+                                  <a:rPr lang="en-AU" sz="1355" i="1" dirty="0">
+                                    <a:latin typeface="Cambria Math" panose="02040503050406030204" pitchFamily="18" charset="0"/>
+                                    <a:ea typeface="Cambria Math" panose="02040503050406030204" pitchFamily="18" charset="0"/>
+                                    <a:cs typeface="Helvetica" panose="020B0604020202020204" pitchFamily="34" charset="0"/>
+                                  </a:rPr>
+                                  <m:t>∗</m:t>
+                                </m:r>
+                              </m:sup>
+                            </m:sSubSup>
+                          </m:e>
+                        </m:d>
+                        <m:r>
+                          <a:rPr lang="en-AU" sz="1355" i="1" dirty="0">
+                            <a:latin typeface="Cambria Math" panose="02040503050406030204" pitchFamily="18" charset="0"/>
+                            <a:cs typeface="Helvetica" panose="020B0604020202020204" pitchFamily="34" charset="0"/>
+                          </a:rPr>
+                          <m:t>}</m:t>
+                        </m:r>
+                      </m:e>
+                      <m:sub>
+                        <m:r>
+                          <a:rPr lang="en-AU" sz="1355" i="1">
+                            <a:latin typeface="Cambria Math" panose="02040503050406030204" pitchFamily="18" charset="0"/>
+                            <a:cs typeface="Helvetica" panose="020B0604020202020204" pitchFamily="34" charset="0"/>
+                          </a:rPr>
+                          <m:t>𝑖</m:t>
+                        </m:r>
+                        <m:r>
+                          <a:rPr lang="en-AU" sz="1355" i="1">
+                            <a:latin typeface="Cambria Math" panose="02040503050406030204" pitchFamily="18" charset="0"/>
+                            <a:cs typeface="Helvetica" panose="020B0604020202020204" pitchFamily="34" charset="0"/>
+                          </a:rPr>
+                          <m:t> ∈ </m:t>
+                        </m:r>
+                        <m:sSub>
+                          <m:sSubPr>
+                            <m:ctrlPr>
+                              <a:rPr lang="en-AU" sz="1355" i="1">
+                                <a:latin typeface="Cambria Math" panose="02040503050406030204" pitchFamily="18" charset="0"/>
+                                <a:ea typeface="Cambria Math" panose="02040503050406030204" pitchFamily="18" charset="0"/>
+                                <a:cs typeface="Helvetica" panose="020B0604020202020204" pitchFamily="34" charset="0"/>
+                              </a:rPr>
+                            </m:ctrlPr>
+                          </m:sSubPr>
+                          <m:e>
+                            <m:r>
+                              <a:rPr lang="en-AU" sz="1355" i="1">
+                                <a:latin typeface="Cambria Math" panose="02040503050406030204" pitchFamily="18" charset="0"/>
+                                <a:ea typeface="Cambria Math" panose="02040503050406030204" pitchFamily="18" charset="0"/>
+                                <a:cs typeface="Helvetica" panose="020B0604020202020204" pitchFamily="34" charset="0"/>
+                              </a:rPr>
+                              <m:t>𝐼</m:t>
+                            </m:r>
+                          </m:e>
+                          <m:sub>
+                            <m:sSup>
+                              <m:sSupPr>
+                                <m:ctrlPr>
+                                  <a:rPr lang="en-AU" sz="1355" i="1">
+                                    <a:latin typeface="Cambria Math" panose="02040503050406030204" pitchFamily="18" charset="0"/>
+                                    <a:ea typeface="Cambria Math" panose="02040503050406030204" pitchFamily="18" charset="0"/>
+                                    <a:cs typeface="Helvetica" panose="020B0604020202020204" pitchFamily="34" charset="0"/>
+                                  </a:rPr>
+                                </m:ctrlPr>
+                              </m:sSupPr>
+                              <m:e>
+                                <m:r>
+                                  <a:rPr lang="en-AU" sz="1355" i="1">
+                                    <a:latin typeface="Cambria Math" panose="02040503050406030204" pitchFamily="18" charset="0"/>
+                                    <a:ea typeface="Cambria Math" panose="02040503050406030204" pitchFamily="18" charset="0"/>
+                                    <a:cs typeface="Helvetica" panose="020B0604020202020204" pitchFamily="34" charset="0"/>
+                                  </a:rPr>
+                                  <m:t>𝑛</m:t>
+                                </m:r>
+                              </m:e>
+                              <m:sup>
+                                <m:r>
+                                  <a:rPr lang="en-AU" sz="1355" i="1">
+                                    <a:latin typeface="Cambria Math" panose="02040503050406030204" pitchFamily="18" charset="0"/>
+                                    <a:ea typeface="Cambria Math" panose="02040503050406030204" pitchFamily="18" charset="0"/>
+                                    <a:cs typeface="Helvetica" panose="020B0604020202020204" pitchFamily="34" charset="0"/>
+                                  </a:rPr>
+                                  <m:t>∗</m:t>
+                                </m:r>
+                              </m:sup>
+                            </m:sSup>
+                          </m:sub>
+                        </m:sSub>
+                      </m:sub>
+                    </m:sSub>
+                  </m:oMath>
+                </a14:m>
+                <a:endParaRPr lang="en-AU" sz="1355" b="1" dirty="0"/>
+              </a:p>
+            </p:txBody>
+          </p:sp>
+        </mc:Choice>
+        <mc:Fallback xmlns="">
+          <p:sp>
+            <p:nvSpPr>
+              <p:cNvPr id="77" name="TextBox 76"/>
+              <p:cNvSpPr txBox="1">
+                <a:spLocks noRot="1" noChangeAspect="1" noMove="1" noResize="1" noEditPoints="1" noAdjustHandles="1" noChangeArrowheads="1" noChangeShapeType="1" noTextEdit="1"/>
+              </p:cNvSpPr>
+              <p:nvPr/>
+            </p:nvSpPr>
+            <p:spPr>
+              <a:xfrm>
+                <a:off x="6732927" y="5841801"/>
+                <a:ext cx="1292222" cy="516552"/>
+              </a:xfrm>
+              <a:prstGeom prst="rect">
+                <a:avLst/>
+              </a:prstGeom>
+              <a:blipFill rotWithShape="0">
+                <a:blip r:embed="rId17"/>
+                <a:stretch>
+                  <a:fillRect/>
+                </a:stretch>
+              </a:blipFill>
+              <a:effectLst>
+                <a:glow rad="228600">
+                  <a:schemeClr val="accent1">
+                    <a:satMod val="175000"/>
+                    <a:alpha val="40000"/>
+                  </a:schemeClr>
+                </a:glow>
+                <a:softEdge rad="0"/>
+              </a:effectLst>
+            </p:spPr>
+            <p:txBody>
+              <a:bodyPr/>
+              <a:lstStyle/>
+              <a:p>
+                <a:r>
+                  <a:rPr lang="en-AU">
+                    <a:noFill/>
+                  </a:rPr>
+                  <a:t> </a:t>
+                </a:r>
+              </a:p>
+            </p:txBody>
+          </p:sp>
+        </mc:Fallback>
+      </mc:AlternateContent>
+      <p:sp>
+        <p:nvSpPr>
+          <p:cNvPr id="78" name="Rounded Rectangle 77"/>
+          <p:cNvSpPr/>
+          <p:nvPr/>
+        </p:nvSpPr>
+        <p:spPr>
+          <a:xfrm>
+            <a:off x="6520780" y="7102323"/>
+            <a:ext cx="1728171" cy="549673"/>
+          </a:xfrm>
+          <a:prstGeom prst="roundRect">
+            <a:avLst/>
+          </a:prstGeom>
+          <a:ln w="28575"/>
+          <a:effectLst>
+            <a:glow rad="228600">
+              <a:schemeClr val="accent1">
+                <a:satMod val="175000"/>
+                <a:alpha val="40000"/>
+              </a:schemeClr>
+            </a:glow>
+            <a:softEdge rad="0"/>
+          </a:effectLst>
+        </p:spPr>
+        <p:style>
+          <a:lnRef idx="2">
+            <a:schemeClr val="accent5"/>
+          </a:lnRef>
+          <a:fillRef idx="1">
+            <a:schemeClr val="lt1"/>
+          </a:fillRef>
+          <a:effectRef idx="0">
+            <a:schemeClr val="accent5"/>
+          </a:effectRef>
+          <a:fontRef idx="minor">
+            <a:schemeClr val="dk1"/>
+          </a:fontRef>
+        </p:style>
+        <p:txBody>
+          <a:bodyPr rot="0" spcFirstLastPara="0" vertOverflow="overflow" horzOverflow="overflow" vert="horz" wrap="square" lIns="77421" tIns="38710" rIns="77421" bIns="38710" numCol="1" spcCol="0" rtlCol="0" fromWordArt="0" anchor="ctr" anchorCtr="0" forceAA="0" compatLnSpc="1">
+            <a:prstTxWarp prst="textNoShape">
+              <a:avLst/>
+            </a:prstTxWarp>
+            <a:noAutofit/>
+          </a:bodyPr>
+          <a:lstStyle/>
+          <a:p>
+            <a:pPr algn="ctr"/>
+            <a:endParaRPr lang="en-AU" sz="1185"/>
+          </a:p>
+        </p:txBody>
+      </p:sp>
+      <mc:AlternateContent xmlns:mc="http://schemas.openxmlformats.org/markup-compatibility/2006">
+        <mc:Choice xmlns:a14="http://schemas.microsoft.com/office/drawing/2010/main" Requires="a14">
+          <p:sp>
+            <p:nvSpPr>
+              <p:cNvPr id="79" name="TextBox 78"/>
+              <p:cNvSpPr txBox="1"/>
+              <p:nvPr/>
+            </p:nvSpPr>
+            <p:spPr>
+              <a:xfrm>
+                <a:off x="6520780" y="7102320"/>
+                <a:ext cx="1728171" cy="516552"/>
+              </a:xfrm>
+              <a:prstGeom prst="rect">
+                <a:avLst/>
+              </a:prstGeom>
+              <a:noFill/>
+              <a:effectLst>
+                <a:glow rad="228600">
+                  <a:schemeClr val="accent1">
+                    <a:satMod val="175000"/>
+                    <a:alpha val="40000"/>
+                  </a:schemeClr>
+                </a:glow>
+                <a:softEdge rad="0"/>
+              </a:effectLst>
+            </p:spPr>
+            <p:txBody>
+              <a:bodyPr wrap="square" rtlCol="0">
+                <a:spAutoFit/>
+              </a:bodyPr>
+              <a:lstStyle/>
+              <a:p>
+                <a:pPr algn="ctr"/>
+                <a:r>
+                  <a:rPr lang="en-AU" sz="1185" i="1" dirty="0" smtClean="0">
+                    <a:latin typeface="Helvetica" panose="020B0604020202020204" pitchFamily="34" charset="0"/>
+                    <a:cs typeface="Helvetica" panose="020B0604020202020204" pitchFamily="34" charset="0"/>
+                  </a:rPr>
+                  <a:t>Prediction Probabilities </a:t>
+                </a:r>
+                <a14:m>
+                  <m:oMath xmlns:m="http://schemas.openxmlformats.org/officeDocument/2006/math">
+                    <m:sSub>
+                      <m:sSubPr>
+                        <m:ctrlPr>
+                          <a:rPr lang="en-AU" sz="1355" i="1">
+                            <a:latin typeface="Cambria Math" panose="02040503050406030204" pitchFamily="18" charset="0"/>
+                            <a:cs typeface="Helvetica" panose="020B0604020202020204" pitchFamily="34" charset="0"/>
+                          </a:rPr>
+                        </m:ctrlPr>
+                      </m:sSubPr>
+                      <m:e>
+                        <m:r>
+                          <a:rPr lang="en-AU" sz="1355" i="1" dirty="0">
+                            <a:latin typeface="Cambria Math" panose="02040503050406030204" pitchFamily="18" charset="0"/>
+                            <a:ea typeface="Cambria Math" panose="02040503050406030204" pitchFamily="18" charset="0"/>
+                            <a:cs typeface="Helvetica" panose="020B0604020202020204" pitchFamily="34" charset="0"/>
+                          </a:rPr>
+                          <m:t>{</m:t>
+                        </m:r>
+                        <m:sSubSup>
+                          <m:sSubSupPr>
+                            <m:ctrlPr>
+                              <a:rPr lang="en-AU" sz="1355" i="1" dirty="0" smtClean="0">
+                                <a:latin typeface="Cambria Math" panose="02040503050406030204" pitchFamily="18" charset="0"/>
+                                <a:ea typeface="Cambria Math" panose="02040503050406030204" pitchFamily="18" charset="0"/>
+                                <a:cs typeface="Helvetica" panose="020B0604020202020204" pitchFamily="34" charset="0"/>
+                              </a:rPr>
+                            </m:ctrlPr>
+                          </m:sSubSupPr>
+                          <m:e>
+                            <m:r>
+                              <a:rPr lang="en-AU" sz="1355" b="1" dirty="0">
+                                <a:latin typeface="Cambria Math" panose="02040503050406030204" pitchFamily="18" charset="0"/>
+                                <a:ea typeface="Cambria Math" panose="02040503050406030204" pitchFamily="18" charset="0"/>
+                                <a:cs typeface="Helvetica" panose="020B0604020202020204" pitchFamily="34" charset="0"/>
+                              </a:rPr>
+                              <m:t>𝛑</m:t>
+                            </m:r>
+                          </m:e>
+                          <m:sub>
+                            <m:r>
+                              <a:rPr lang="en-AU" sz="1355" b="0" i="1" dirty="0" smtClean="0">
+                                <a:latin typeface="Cambria Math" panose="02040503050406030204" pitchFamily="18" charset="0"/>
+                                <a:ea typeface="Cambria Math" panose="02040503050406030204" pitchFamily="18" charset="0"/>
+                                <a:cs typeface="Helvetica" panose="020B0604020202020204" pitchFamily="34" charset="0"/>
+                              </a:rPr>
+                              <m:t>𝑖</m:t>
+                            </m:r>
+                          </m:sub>
+                          <m:sup>
+                            <m:r>
+                              <a:rPr lang="en-AU" sz="1355" i="1" dirty="0" smtClean="0">
+                                <a:latin typeface="Cambria Math" panose="02040503050406030204" pitchFamily="18" charset="0"/>
+                                <a:ea typeface="Cambria Math" panose="02040503050406030204" pitchFamily="18" charset="0"/>
+                                <a:cs typeface="Helvetica" panose="020B0604020202020204" pitchFamily="34" charset="0"/>
+                              </a:rPr>
+                              <m:t>∗</m:t>
+                            </m:r>
+                          </m:sup>
+                        </m:sSubSup>
+                        <m:r>
+                          <a:rPr lang="en-AU" sz="1355" i="1" dirty="0">
+                            <a:latin typeface="Cambria Math" panose="02040503050406030204" pitchFamily="18" charset="0"/>
+                            <a:cs typeface="Helvetica" panose="020B0604020202020204" pitchFamily="34" charset="0"/>
+                          </a:rPr>
+                          <m:t>}</m:t>
+                        </m:r>
+                      </m:e>
+                      <m:sub>
+                        <m:r>
+                          <a:rPr lang="en-AU" sz="1355" i="1">
+                            <a:latin typeface="Cambria Math" panose="02040503050406030204" pitchFamily="18" charset="0"/>
+                            <a:cs typeface="Helvetica" panose="020B0604020202020204" pitchFamily="34" charset="0"/>
+                          </a:rPr>
+                          <m:t>𝑖</m:t>
+                        </m:r>
+                        <m:r>
+                          <a:rPr lang="en-AU" sz="1355" i="1">
+                            <a:latin typeface="Cambria Math" panose="02040503050406030204" pitchFamily="18" charset="0"/>
+                            <a:cs typeface="Helvetica" panose="020B0604020202020204" pitchFamily="34" charset="0"/>
+                          </a:rPr>
+                          <m:t> ∈ </m:t>
+                        </m:r>
+                        <m:sSub>
+                          <m:sSubPr>
+                            <m:ctrlPr>
+                              <a:rPr lang="en-AU" sz="1355" i="1">
+                                <a:latin typeface="Cambria Math" panose="02040503050406030204" pitchFamily="18" charset="0"/>
+                                <a:ea typeface="Cambria Math" panose="02040503050406030204" pitchFamily="18" charset="0"/>
+                                <a:cs typeface="Helvetica" panose="020B0604020202020204" pitchFamily="34" charset="0"/>
+                              </a:rPr>
+                            </m:ctrlPr>
+                          </m:sSubPr>
+                          <m:e>
+                            <m:r>
+                              <a:rPr lang="en-AU" sz="1355" i="1">
+                                <a:latin typeface="Cambria Math" panose="02040503050406030204" pitchFamily="18" charset="0"/>
+                                <a:ea typeface="Cambria Math" panose="02040503050406030204" pitchFamily="18" charset="0"/>
+                                <a:cs typeface="Helvetica" panose="020B0604020202020204" pitchFamily="34" charset="0"/>
+                              </a:rPr>
+                              <m:t>𝐼</m:t>
+                            </m:r>
+                          </m:e>
+                          <m:sub>
+                            <m:sSup>
+                              <m:sSupPr>
+                                <m:ctrlPr>
+                                  <a:rPr lang="en-AU" sz="1355" i="1">
+                                    <a:latin typeface="Cambria Math" panose="02040503050406030204" pitchFamily="18" charset="0"/>
+                                    <a:ea typeface="Cambria Math" panose="02040503050406030204" pitchFamily="18" charset="0"/>
+                                    <a:cs typeface="Helvetica" panose="020B0604020202020204" pitchFamily="34" charset="0"/>
+                                  </a:rPr>
+                                </m:ctrlPr>
+                              </m:sSupPr>
+                              <m:e>
+                                <m:r>
+                                  <a:rPr lang="en-AU" sz="1355" i="1">
+                                    <a:latin typeface="Cambria Math" panose="02040503050406030204" pitchFamily="18" charset="0"/>
+                                    <a:ea typeface="Cambria Math" panose="02040503050406030204" pitchFamily="18" charset="0"/>
+                                    <a:cs typeface="Helvetica" panose="020B0604020202020204" pitchFamily="34" charset="0"/>
+                                  </a:rPr>
+                                  <m:t>𝑛</m:t>
+                                </m:r>
+                              </m:e>
+                              <m:sup>
+                                <m:r>
+                                  <a:rPr lang="en-AU" sz="1355" i="1">
+                                    <a:latin typeface="Cambria Math" panose="02040503050406030204" pitchFamily="18" charset="0"/>
+                                    <a:ea typeface="Cambria Math" panose="02040503050406030204" pitchFamily="18" charset="0"/>
+                                    <a:cs typeface="Helvetica" panose="020B0604020202020204" pitchFamily="34" charset="0"/>
+                                  </a:rPr>
+                                  <m:t>∗</m:t>
+                                </m:r>
+                              </m:sup>
+                            </m:sSup>
+                          </m:sub>
+                        </m:sSub>
+                      </m:sub>
+                    </m:sSub>
+                  </m:oMath>
+                </a14:m>
+                <a:endParaRPr lang="en-AU" sz="1355" b="1" dirty="0"/>
+              </a:p>
+            </p:txBody>
+          </p:sp>
+        </mc:Choice>
+        <mc:Fallback>
+          <p:sp>
+            <p:nvSpPr>
+              <p:cNvPr id="79" name="TextBox 78"/>
+              <p:cNvSpPr txBox="1">
+                <a:spLocks noRot="1" noChangeAspect="1" noMove="1" noResize="1" noEditPoints="1" noAdjustHandles="1" noChangeArrowheads="1" noChangeShapeType="1" noTextEdit="1"/>
+              </p:cNvSpPr>
+              <p:nvPr/>
+            </p:nvSpPr>
+            <p:spPr>
+              <a:xfrm>
+                <a:off x="6520780" y="7102320"/>
+                <a:ext cx="1728171" cy="516552"/>
+              </a:xfrm>
+              <a:prstGeom prst="rect">
+                <a:avLst/>
+              </a:prstGeom>
+              <a:blipFill rotWithShape="0">
+                <a:blip r:embed="rId18"/>
+                <a:stretch>
+                  <a:fillRect/>
+                </a:stretch>
+              </a:blipFill>
+              <a:effectLst>
+                <a:glow rad="228600">
+                  <a:schemeClr val="accent1">
+                    <a:satMod val="175000"/>
+                    <a:alpha val="40000"/>
+                  </a:schemeClr>
+                </a:glow>
+                <a:softEdge rad="0"/>
+              </a:effectLst>
+            </p:spPr>
+            <p:txBody>
+              <a:bodyPr/>
+              <a:lstStyle/>
+              <a:p>
+                <a:r>
+                  <a:rPr lang="en-AU">
+                    <a:noFill/>
+                  </a:rPr>
+                  <a:t> </a:t>
+                </a:r>
+              </a:p>
+            </p:txBody>
+          </p:sp>
+        </mc:Fallback>
+      </mc:AlternateContent>
+      <p:sp>
+        <p:nvSpPr>
+          <p:cNvPr id="80" name="Rounded Rectangle 79"/>
+          <p:cNvSpPr/>
+          <p:nvPr/>
+        </p:nvSpPr>
+        <p:spPr>
+          <a:xfrm>
+            <a:off x="6478316" y="8481655"/>
+            <a:ext cx="1821566" cy="483866"/>
+          </a:xfrm>
+          <a:prstGeom prst="roundRect">
+            <a:avLst/>
+          </a:prstGeom>
+          <a:ln w="28575"/>
+          <a:effectLst>
+            <a:glow rad="228600">
+              <a:schemeClr val="accent1">
+                <a:satMod val="175000"/>
+                <a:alpha val="40000"/>
+              </a:schemeClr>
+            </a:glow>
+            <a:softEdge rad="0"/>
+          </a:effectLst>
+        </p:spPr>
+        <p:style>
+          <a:lnRef idx="2">
+            <a:schemeClr val="accent5"/>
+          </a:lnRef>
+          <a:fillRef idx="1">
+            <a:schemeClr val="lt1"/>
+          </a:fillRef>
+          <a:effectRef idx="0">
+            <a:schemeClr val="accent5"/>
+          </a:effectRef>
+          <a:fontRef idx="minor">
+            <a:schemeClr val="dk1"/>
+          </a:fontRef>
+        </p:style>
+        <p:txBody>
+          <a:bodyPr rot="0" spcFirstLastPara="0" vertOverflow="overflow" horzOverflow="overflow" vert="horz" wrap="square" lIns="77421" tIns="38710" rIns="77421" bIns="38710" numCol="1" spcCol="0" rtlCol="0" fromWordArt="0" anchor="ctr" anchorCtr="0" forceAA="0" compatLnSpc="1">
+            <a:prstTxWarp prst="textNoShape">
+              <a:avLst/>
+            </a:prstTxWarp>
+            <a:noAutofit/>
+          </a:bodyPr>
+          <a:lstStyle/>
+          <a:p>
+            <a:pPr algn="ctr"/>
+            <a:endParaRPr lang="en-AU" sz="1185"/>
+          </a:p>
+        </p:txBody>
+      </p:sp>
+      <mc:AlternateContent xmlns:mc="http://schemas.openxmlformats.org/markup-compatibility/2006">
+        <mc:Choice xmlns:a14="http://schemas.microsoft.com/office/drawing/2010/main" Requires="a14">
+          <p:sp>
+            <p:nvSpPr>
+              <p:cNvPr id="81" name="TextBox 80"/>
+              <p:cNvSpPr txBox="1"/>
+              <p:nvPr/>
+            </p:nvSpPr>
+            <p:spPr>
+              <a:xfrm>
+                <a:off x="6478316" y="8481653"/>
+                <a:ext cx="1821566" cy="510140"/>
+              </a:xfrm>
+              <a:prstGeom prst="rect">
+                <a:avLst/>
+              </a:prstGeom>
+              <a:noFill/>
+              <a:effectLst>
+                <a:glow rad="228600">
+                  <a:schemeClr val="accent1">
+                    <a:satMod val="175000"/>
+                    <a:alpha val="40000"/>
+                  </a:schemeClr>
+                </a:glow>
+                <a:softEdge rad="0"/>
+              </a:effectLst>
+            </p:spPr>
+            <p:txBody>
+              <a:bodyPr wrap="square" rtlCol="0">
+                <a:spAutoFit/>
+              </a:bodyPr>
+              <a:lstStyle/>
+              <a:p>
+                <a:pPr algn="ctr"/>
+                <a:r>
+                  <a:rPr lang="en-AU" sz="1185" i="1" dirty="0" smtClean="0">
+                    <a:latin typeface="Helvetica" panose="020B0604020202020204" pitchFamily="34" charset="0"/>
+                    <a:cs typeface="Helvetica" panose="020B0604020202020204" pitchFamily="34" charset="0"/>
+                  </a:rPr>
+                  <a:t>Predicted Query Labels</a:t>
+                </a:r>
+                <a:r>
+                  <a:rPr lang="en-AU" sz="1355" b="1" dirty="0"/>
+                  <a:t> </a:t>
+                </a:r>
+                <a:r>
+                  <a:rPr lang="en-AU" sz="1355" b="1" dirty="0" smtClean="0"/>
+                  <a:t> </a:t>
+                </a:r>
+                <a14:m>
+                  <m:oMath xmlns:m="http://schemas.openxmlformats.org/officeDocument/2006/math">
+                    <m:r>
+                      <a:rPr lang="en-AU" sz="1360" i="1" dirty="0">
+                        <a:latin typeface="Cambria Math" panose="02040503050406030204" pitchFamily="18" charset="0"/>
+                        <a:ea typeface="Cambria Math" panose="02040503050406030204" pitchFamily="18" charset="0"/>
+                        <a:cs typeface="Helvetica" panose="020B0604020202020204" pitchFamily="34" charset="0"/>
+                      </a:rPr>
+                      <m:t>𝔼</m:t>
+                    </m:r>
+                    <m:r>
+                      <a:rPr lang="en-AU" sz="1360" i="1" dirty="0">
+                        <a:latin typeface="Cambria Math" panose="02040503050406030204" pitchFamily="18" charset="0"/>
+                        <a:ea typeface="Cambria Math" panose="02040503050406030204" pitchFamily="18" charset="0"/>
+                        <a:cs typeface="Helvetica" panose="020B0604020202020204" pitchFamily="34" charset="0"/>
+                      </a:rPr>
+                      <m:t>[</m:t>
+                    </m:r>
+                    <m:sSup>
+                      <m:sSupPr>
+                        <m:ctrlPr>
+                          <a:rPr lang="en-AU" sz="1360" i="1" dirty="0">
+                            <a:latin typeface="Cambria Math" panose="02040503050406030204" pitchFamily="18" charset="0"/>
+                            <a:ea typeface="Cambria Math" panose="02040503050406030204" pitchFamily="18" charset="0"/>
+                            <a:cs typeface="Helvetica" panose="020B0604020202020204" pitchFamily="34" charset="0"/>
+                          </a:rPr>
+                        </m:ctrlPr>
+                      </m:sSupPr>
+                      <m:e>
+                        <m:r>
+                          <a:rPr lang="en-AU" sz="1360" b="1">
+                            <a:latin typeface="Cambria Math" panose="02040503050406030204" pitchFamily="18" charset="0"/>
+                            <a:cs typeface="Helvetica" panose="020B0604020202020204" pitchFamily="34" charset="0"/>
+                          </a:rPr>
+                          <m:t>𝐲</m:t>
+                        </m:r>
+                      </m:e>
+                      <m:sup>
+                        <m:r>
+                          <a:rPr lang="en-AU" sz="1360" i="1" dirty="0">
+                            <a:latin typeface="Cambria Math" panose="02040503050406030204" pitchFamily="18" charset="0"/>
+                            <a:ea typeface="Cambria Math" panose="02040503050406030204" pitchFamily="18" charset="0"/>
+                            <a:cs typeface="Helvetica" panose="020B0604020202020204" pitchFamily="34" charset="0"/>
+                          </a:rPr>
+                          <m:t>∗</m:t>
+                        </m:r>
+                      </m:sup>
+                    </m:sSup>
+                    <m:r>
+                      <a:rPr lang="en-AU" sz="1360" i="1" dirty="0">
+                        <a:latin typeface="Cambria Math" panose="02040503050406030204" pitchFamily="18" charset="0"/>
+                        <a:ea typeface="Cambria Math" panose="02040503050406030204" pitchFamily="18" charset="0"/>
+                        <a:cs typeface="Helvetica" panose="020B0604020202020204" pitchFamily="34" charset="0"/>
+                      </a:rPr>
+                      <m:t>]</m:t>
+                    </m:r>
+                  </m:oMath>
+                </a14:m>
+                <a:endParaRPr lang="en-AU" sz="1360" i="1" dirty="0" smtClean="0">
+                  <a:latin typeface="Helvetica" panose="020B0604020202020204" pitchFamily="34" charset="0"/>
+                  <a:cs typeface="Helvetica" panose="020B0604020202020204" pitchFamily="34" charset="0"/>
+                </a:endParaRPr>
+              </a:p>
+            </p:txBody>
+          </p:sp>
+        </mc:Choice>
+        <mc:Fallback>
+          <p:sp>
+            <p:nvSpPr>
+              <p:cNvPr id="81" name="TextBox 80"/>
+              <p:cNvSpPr txBox="1">
+                <a:spLocks noRot="1" noChangeAspect="1" noMove="1" noResize="1" noEditPoints="1" noAdjustHandles="1" noChangeArrowheads="1" noChangeShapeType="1" noTextEdit="1"/>
+              </p:cNvSpPr>
+              <p:nvPr/>
+            </p:nvSpPr>
+            <p:spPr>
+              <a:xfrm>
+                <a:off x="6478316" y="8481653"/>
+                <a:ext cx="1821566" cy="510140"/>
+              </a:xfrm>
+              <a:prstGeom prst="rect">
+                <a:avLst/>
+              </a:prstGeom>
+              <a:blipFill rotWithShape="0">
+                <a:blip r:embed="rId19"/>
+                <a:stretch>
+                  <a:fillRect/>
+                </a:stretch>
+              </a:blipFill>
+              <a:effectLst>
+                <a:glow rad="228600">
+                  <a:schemeClr val="accent1">
+                    <a:satMod val="175000"/>
+                    <a:alpha val="40000"/>
+                  </a:schemeClr>
+                </a:glow>
+                <a:softEdge rad="0"/>
+              </a:effectLst>
+            </p:spPr>
+            <p:txBody>
+              <a:bodyPr/>
+              <a:lstStyle/>
+              <a:p>
+                <a:r>
+                  <a:rPr lang="en-AU">
+                    <a:noFill/>
+                  </a:rPr>
+                  <a:t> </a:t>
+                </a:r>
+              </a:p>
+            </p:txBody>
+          </p:sp>
+        </mc:Fallback>
+      </mc:AlternateContent>
+      <p:sp>
+        <p:nvSpPr>
+          <p:cNvPr id="82" name="Rounded Rectangle 81"/>
+          <p:cNvSpPr/>
+          <p:nvPr/>
+        </p:nvSpPr>
+        <p:spPr>
+          <a:xfrm>
+            <a:off x="3498763" y="8511823"/>
+            <a:ext cx="2610904" cy="466460"/>
+          </a:xfrm>
+          <a:prstGeom prst="roundRect">
+            <a:avLst/>
+          </a:prstGeom>
+          <a:ln w="28575"/>
+          <a:effectLst>
+            <a:glow rad="228600">
+              <a:schemeClr val="accent1">
+                <a:satMod val="175000"/>
+                <a:alpha val="40000"/>
+              </a:schemeClr>
+            </a:glow>
+            <a:softEdge rad="0"/>
+          </a:effectLst>
+        </p:spPr>
+        <p:style>
+          <a:lnRef idx="2">
+            <a:schemeClr val="accent5"/>
+          </a:lnRef>
+          <a:fillRef idx="1">
+            <a:schemeClr val="lt1"/>
+          </a:fillRef>
+          <a:effectRef idx="0">
+            <a:schemeClr val="accent5"/>
+          </a:effectRef>
+          <a:fontRef idx="minor">
+            <a:schemeClr val="dk1"/>
+          </a:fontRef>
+        </p:style>
+        <p:txBody>
+          <a:bodyPr rot="0" spcFirstLastPara="0" vertOverflow="overflow" horzOverflow="overflow" vert="horz" wrap="square" lIns="77421" tIns="38710" rIns="77421" bIns="38710" numCol="1" spcCol="0" rtlCol="0" fromWordArt="0" anchor="ctr" anchorCtr="0" forceAA="0" compatLnSpc="1">
+            <a:prstTxWarp prst="textNoShape">
+              <a:avLst/>
+            </a:prstTxWarp>
+            <a:noAutofit/>
+          </a:bodyPr>
+          <a:lstStyle/>
+          <a:p>
+            <a:pPr algn="ctr"/>
+            <a:endParaRPr lang="en-AU" sz="1185"/>
+          </a:p>
+        </p:txBody>
+      </p:sp>
+      <mc:AlternateContent xmlns:mc="http://schemas.openxmlformats.org/markup-compatibility/2006" xmlns:a14="http://schemas.microsoft.com/office/drawing/2010/main">
+        <mc:Choice Requires="a14">
+          <p:sp>
+            <p:nvSpPr>
+              <p:cNvPr id="83" name="TextBox 82"/>
+              <p:cNvSpPr txBox="1"/>
+              <p:nvPr/>
+            </p:nvSpPr>
+            <p:spPr>
+              <a:xfrm>
+                <a:off x="3498763" y="8511828"/>
+                <a:ext cx="2610904" cy="483209"/>
+              </a:xfrm>
+              <a:prstGeom prst="rect">
+                <a:avLst/>
+              </a:prstGeom>
+              <a:noFill/>
+              <a:effectLst>
+                <a:glow rad="228600">
+                  <a:schemeClr val="accent1">
+                    <a:satMod val="175000"/>
+                    <a:alpha val="40000"/>
+                  </a:schemeClr>
+                </a:glow>
+                <a:softEdge rad="0"/>
+              </a:effectLst>
+            </p:spPr>
+            <p:txBody>
+              <a:bodyPr wrap="square" rtlCol="0">
+                <a:spAutoFit/>
+              </a:bodyPr>
+              <a:lstStyle/>
+              <a:p>
+                <a:pPr algn="ctr"/>
+                <a:r>
+                  <a:rPr lang="en-AU" sz="1185" i="1" dirty="0">
+                    <a:latin typeface="Helvetica" panose="020B0604020202020204" pitchFamily="34" charset="0"/>
+                    <a:cs typeface="Helvetica" panose="020B0604020202020204" pitchFamily="34" charset="0"/>
+                  </a:rPr>
+                  <a:t>Prediction Information Entropy </a:t>
+                </a:r>
+                <a14:m>
+                  <m:oMath xmlns:m="http://schemas.openxmlformats.org/officeDocument/2006/math">
+                    <m:r>
+                      <a:rPr lang="en-AU" sz="1355" i="1">
+                        <a:latin typeface="Cambria Math" panose="02040503050406030204" pitchFamily="18" charset="0"/>
+                        <a:cs typeface="Helvetica" panose="020B0604020202020204" pitchFamily="34" charset="0"/>
+                      </a:rPr>
+                      <m:t> </m:t>
+                    </m:r>
+                    <m:sSub>
+                      <m:sSubPr>
+                        <m:ctrlPr>
+                          <a:rPr lang="en-AU" sz="1355" i="1">
+                            <a:latin typeface="Cambria Math" panose="02040503050406030204" pitchFamily="18" charset="0"/>
+                            <a:cs typeface="Helvetica" panose="020B0604020202020204" pitchFamily="34" charset="0"/>
+                          </a:rPr>
+                        </m:ctrlPr>
+                      </m:sSubPr>
+                      <m:e>
+                        <m:r>
+                          <a:rPr lang="en-AU" sz="1355" i="1">
+                            <a:latin typeface="Cambria Math" panose="02040503050406030204" pitchFamily="18" charset="0"/>
+                            <a:cs typeface="Helvetica" panose="020B0604020202020204" pitchFamily="34" charset="0"/>
+                          </a:rPr>
+                          <m:t>𝐻</m:t>
+                        </m:r>
+                      </m:e>
+                      <m:sub>
+                        <m:r>
+                          <m:rPr>
+                            <m:sty m:val="p"/>
+                          </m:rPr>
+                          <a:rPr lang="en-AU" sz="1355">
+                            <a:latin typeface="Cambria Math" panose="02040503050406030204" pitchFamily="18" charset="0"/>
+                            <a:cs typeface="Helvetica" panose="020B0604020202020204" pitchFamily="34" charset="0"/>
+                          </a:rPr>
+                          <m:t>PIE</m:t>
+                        </m:r>
+                      </m:sub>
+                    </m:sSub>
+                  </m:oMath>
+                </a14:m>
+                <a:endParaRPr lang="en-AU" sz="1355" b="1" dirty="0"/>
+              </a:p>
+            </p:txBody>
+          </p:sp>
+        </mc:Choice>
+        <mc:Fallback xmlns="">
+          <p:sp>
+            <p:nvSpPr>
+              <p:cNvPr id="83" name="TextBox 82"/>
+              <p:cNvSpPr txBox="1">
+                <a:spLocks noRot="1" noChangeAspect="1" noMove="1" noResize="1" noEditPoints="1" noAdjustHandles="1" noChangeArrowheads="1" noChangeShapeType="1" noTextEdit="1"/>
+              </p:cNvSpPr>
+              <p:nvPr/>
+            </p:nvSpPr>
+            <p:spPr>
+              <a:xfrm>
+                <a:off x="3498763" y="8511828"/>
+                <a:ext cx="2610904" cy="483209"/>
+              </a:xfrm>
+              <a:prstGeom prst="rect">
+                <a:avLst/>
+              </a:prstGeom>
+              <a:blipFill rotWithShape="0">
+                <a:blip r:embed="rId20"/>
+                <a:stretch>
+                  <a:fillRect/>
+                </a:stretch>
+              </a:blipFill>
+              <a:effectLst>
+                <a:glow rad="228600">
+                  <a:schemeClr val="accent1">
+                    <a:satMod val="175000"/>
+                    <a:alpha val="40000"/>
+                  </a:schemeClr>
+                </a:glow>
+                <a:softEdge rad="0"/>
+              </a:effectLst>
+            </p:spPr>
+            <p:txBody>
+              <a:bodyPr/>
+              <a:lstStyle/>
+              <a:p>
+                <a:r>
+                  <a:rPr lang="en-AU">
+                    <a:noFill/>
+                  </a:rPr>
+                  <a:t> </a:t>
+                </a:r>
+              </a:p>
+            </p:txBody>
+          </p:sp>
+        </mc:Fallback>
+      </mc:AlternateContent>
+      <p:sp>
+        <p:nvSpPr>
+          <p:cNvPr id="84" name="Rounded Rectangle 83"/>
+          <p:cNvSpPr/>
+          <p:nvPr/>
+        </p:nvSpPr>
+        <p:spPr>
+          <a:xfrm>
+            <a:off x="4712357" y="7233613"/>
+            <a:ext cx="1522087" cy="660134"/>
+          </a:xfrm>
+          <a:prstGeom prst="roundRect">
+            <a:avLst/>
+          </a:prstGeom>
+          <a:ln w="28575"/>
+          <a:effectLst>
+            <a:glow rad="228600">
+              <a:schemeClr val="accent1">
+                <a:satMod val="175000"/>
+                <a:alpha val="40000"/>
+              </a:schemeClr>
+            </a:glow>
+            <a:softEdge rad="0"/>
+          </a:effectLst>
+        </p:spPr>
+        <p:style>
+          <a:lnRef idx="2">
+            <a:schemeClr val="accent5"/>
+          </a:lnRef>
+          <a:fillRef idx="1">
+            <a:schemeClr val="lt1"/>
+          </a:fillRef>
+          <a:effectRef idx="0">
+            <a:schemeClr val="accent5"/>
+          </a:effectRef>
+          <a:fontRef idx="minor">
+            <a:schemeClr val="dk1"/>
+          </a:fontRef>
+        </p:style>
+        <p:txBody>
+          <a:bodyPr rot="0" spcFirstLastPara="0" vertOverflow="overflow" horzOverflow="overflow" vert="horz" wrap="square" lIns="77421" tIns="38710" rIns="77421" bIns="38710" numCol="1" spcCol="0" rtlCol="0" fromWordArt="0" anchor="ctr" anchorCtr="0" forceAA="0" compatLnSpc="1">
+            <a:prstTxWarp prst="textNoShape">
+              <a:avLst/>
+            </a:prstTxWarp>
+            <a:noAutofit/>
+          </a:bodyPr>
+          <a:lstStyle/>
+          <a:p>
+            <a:pPr algn="ctr"/>
+            <a:endParaRPr lang="en-AU" sz="1185"/>
+          </a:p>
+        </p:txBody>
+      </p:sp>
+      <mc:AlternateContent xmlns:mc="http://schemas.openxmlformats.org/markup-compatibility/2006" xmlns:a14="http://schemas.microsoft.com/office/drawing/2010/main">
+        <mc:Choice Requires="a14">
+          <p:sp>
+            <p:nvSpPr>
+              <p:cNvPr id="85" name="TextBox 84"/>
+              <p:cNvSpPr txBox="1"/>
+              <p:nvPr/>
+            </p:nvSpPr>
+            <p:spPr>
+              <a:xfrm>
+                <a:off x="4712357" y="7233620"/>
+                <a:ext cx="1522087" cy="665567"/>
+              </a:xfrm>
+              <a:prstGeom prst="rect">
+                <a:avLst/>
+              </a:prstGeom>
+              <a:noFill/>
+              <a:effectLst>
+                <a:glow rad="228600">
+                  <a:schemeClr val="accent1">
+                    <a:satMod val="175000"/>
+                    <a:alpha val="40000"/>
+                  </a:schemeClr>
+                </a:glow>
+                <a:softEdge rad="0"/>
+              </a:effectLst>
+            </p:spPr>
+            <p:txBody>
+              <a:bodyPr wrap="square" rtlCol="0">
+                <a:spAutoFit/>
+              </a:bodyPr>
+              <a:lstStyle/>
+              <a:p>
+                <a:pPr algn="ctr"/>
+                <a:r>
+                  <a:rPr lang="en-AU" sz="1185" i="1" dirty="0">
+                    <a:latin typeface="Helvetica" panose="020B0604020202020204" pitchFamily="34" charset="0"/>
+                    <a:cs typeface="Helvetica" panose="020B0604020202020204" pitchFamily="34" charset="0"/>
+                  </a:rPr>
+                  <a:t>Linearised Model Differential Entropy </a:t>
+                </a:r>
+                <a14:m>
+                  <m:oMath xmlns:m="http://schemas.openxmlformats.org/officeDocument/2006/math">
+                    <m:sSub>
+                      <m:sSubPr>
+                        <m:ctrlPr>
+                          <a:rPr lang="en-AU" sz="1355" i="1">
+                            <a:latin typeface="Cambria Math" panose="02040503050406030204" pitchFamily="18" charset="0"/>
+                            <a:cs typeface="Helvetica" panose="020B0604020202020204" pitchFamily="34" charset="0"/>
+                          </a:rPr>
+                        </m:ctrlPr>
+                      </m:sSubPr>
+                      <m:e>
+                        <m:r>
+                          <a:rPr lang="en-AU" sz="1355" i="1">
+                            <a:latin typeface="Cambria Math" panose="02040503050406030204" pitchFamily="18" charset="0"/>
+                            <a:cs typeface="Helvetica" panose="020B0604020202020204" pitchFamily="34" charset="0"/>
+                          </a:rPr>
+                          <m:t>𝐻</m:t>
+                        </m:r>
+                      </m:e>
+                      <m:sub>
+                        <m:r>
+                          <m:rPr>
+                            <m:sty m:val="p"/>
+                          </m:rPr>
+                          <a:rPr lang="en-AU" sz="1355">
+                            <a:latin typeface="Cambria Math" panose="02040503050406030204" pitchFamily="18" charset="0"/>
+                            <a:cs typeface="Helvetica" panose="020B0604020202020204" pitchFamily="34" charset="0"/>
+                          </a:rPr>
+                          <m:t>LMDE</m:t>
+                        </m:r>
+                      </m:sub>
+                    </m:sSub>
+                  </m:oMath>
+                </a14:m>
+                <a:endParaRPr lang="en-AU" sz="1355" b="1" dirty="0"/>
+              </a:p>
+            </p:txBody>
+          </p:sp>
+        </mc:Choice>
+        <mc:Fallback xmlns="">
+          <p:sp>
+            <p:nvSpPr>
+              <p:cNvPr id="85" name="TextBox 84"/>
+              <p:cNvSpPr txBox="1">
+                <a:spLocks noRot="1" noChangeAspect="1" noMove="1" noResize="1" noEditPoints="1" noAdjustHandles="1" noChangeArrowheads="1" noChangeShapeType="1" noTextEdit="1"/>
+              </p:cNvSpPr>
+              <p:nvPr/>
+            </p:nvSpPr>
+            <p:spPr>
+              <a:xfrm>
+                <a:off x="4712357" y="7233620"/>
+                <a:ext cx="1522087" cy="665567"/>
+              </a:xfrm>
+              <a:prstGeom prst="rect">
+                <a:avLst/>
+              </a:prstGeom>
+              <a:blipFill rotWithShape="0">
+                <a:blip r:embed="rId21"/>
+                <a:stretch>
+                  <a:fillRect/>
+                </a:stretch>
+              </a:blipFill>
+              <a:effectLst>
+                <a:glow rad="228600">
+                  <a:schemeClr val="accent1">
+                    <a:satMod val="175000"/>
+                    <a:alpha val="40000"/>
+                  </a:schemeClr>
+                </a:glow>
+                <a:softEdge rad="0"/>
+              </a:effectLst>
+            </p:spPr>
+            <p:txBody>
+              <a:bodyPr/>
+              <a:lstStyle/>
+              <a:p>
+                <a:r>
+                  <a:rPr lang="en-AU">
+                    <a:noFill/>
+                  </a:rPr>
+                  <a:t> </a:t>
+                </a:r>
+              </a:p>
+            </p:txBody>
+          </p:sp>
+        </mc:Fallback>
+      </mc:AlternateContent>
+      <p:sp>
+        <p:nvSpPr>
+          <p:cNvPr id="86" name="Rounded Rectangle 85"/>
+          <p:cNvSpPr/>
+          <p:nvPr/>
+        </p:nvSpPr>
+        <p:spPr>
+          <a:xfrm>
+            <a:off x="1394657" y="8332626"/>
+            <a:ext cx="1697534" cy="672756"/>
+          </a:xfrm>
+          <a:prstGeom prst="roundRect">
+            <a:avLst/>
+          </a:prstGeom>
+          <a:ln w="28575"/>
+          <a:effectLst>
+            <a:glow rad="228600">
+              <a:schemeClr val="accent1">
+                <a:satMod val="175000"/>
+                <a:alpha val="40000"/>
+              </a:schemeClr>
+            </a:glow>
+            <a:softEdge rad="0"/>
+          </a:effectLst>
+        </p:spPr>
+        <p:style>
+          <a:lnRef idx="2">
+            <a:schemeClr val="accent5"/>
+          </a:lnRef>
+          <a:fillRef idx="1">
+            <a:schemeClr val="lt1"/>
+          </a:fillRef>
+          <a:effectRef idx="0">
+            <a:schemeClr val="accent5"/>
+          </a:effectRef>
+          <a:fontRef idx="minor">
+            <a:schemeClr val="dk1"/>
+          </a:fontRef>
+        </p:style>
+        <p:txBody>
+          <a:bodyPr rot="0" spcFirstLastPara="0" vertOverflow="overflow" horzOverflow="overflow" vert="horz" wrap="square" lIns="77421" tIns="38710" rIns="77421" bIns="38710" numCol="1" spcCol="0" rtlCol="0" fromWordArt="0" anchor="ctr" anchorCtr="0" forceAA="0" compatLnSpc="1">
+            <a:prstTxWarp prst="textNoShape">
+              <a:avLst/>
+            </a:prstTxWarp>
+            <a:noAutofit/>
+          </a:bodyPr>
+          <a:lstStyle/>
+          <a:p>
+            <a:pPr algn="ctr"/>
+            <a:endParaRPr lang="en-AU" sz="1185"/>
+          </a:p>
+        </p:txBody>
+      </p:sp>
+      <mc:AlternateContent xmlns:mc="http://schemas.openxmlformats.org/markup-compatibility/2006" xmlns:a14="http://schemas.microsoft.com/office/drawing/2010/main">
+        <mc:Choice Requires="a14">
+          <p:sp>
+            <p:nvSpPr>
+              <p:cNvPr id="87" name="TextBox 86"/>
+              <p:cNvSpPr txBox="1"/>
+              <p:nvPr/>
+            </p:nvSpPr>
+            <p:spPr>
+              <a:xfrm>
+                <a:off x="1394657" y="8332635"/>
+                <a:ext cx="1697534" cy="665567"/>
+              </a:xfrm>
+              <a:prstGeom prst="rect">
+                <a:avLst/>
+              </a:prstGeom>
+              <a:noFill/>
+              <a:effectLst>
+                <a:glow rad="228600">
+                  <a:schemeClr val="accent1">
+                    <a:satMod val="175000"/>
+                    <a:alpha val="40000"/>
+                  </a:schemeClr>
+                </a:glow>
+                <a:softEdge rad="0"/>
+              </a:effectLst>
+            </p:spPr>
+            <p:txBody>
+              <a:bodyPr wrap="square" rtlCol="0">
+                <a:spAutoFit/>
+              </a:bodyPr>
+              <a:lstStyle/>
+              <a:p>
+                <a:pPr algn="ctr"/>
+                <a:r>
+                  <a:rPr lang="en-AU" sz="1185" i="1" dirty="0">
+                    <a:latin typeface="Helvetica" panose="020B0604020202020204" pitchFamily="34" charset="0"/>
+                    <a:cs typeface="Helvetica" panose="020B0604020202020204" pitchFamily="34" charset="0"/>
+                  </a:rPr>
+                  <a:t>Monte Carlo Prediction Information Entropy </a:t>
+                </a:r>
+                <a14:m>
+                  <m:oMath xmlns:m="http://schemas.openxmlformats.org/officeDocument/2006/math">
+                    <m:sSub>
+                      <m:sSubPr>
+                        <m:ctrlPr>
+                          <a:rPr lang="en-AU" sz="1355" i="1">
+                            <a:latin typeface="Cambria Math" panose="02040503050406030204" pitchFamily="18" charset="0"/>
+                            <a:cs typeface="Helvetica" panose="020B0604020202020204" pitchFamily="34" charset="0"/>
+                          </a:rPr>
+                        </m:ctrlPr>
+                      </m:sSubPr>
+                      <m:e>
+                        <m:r>
+                          <a:rPr lang="en-AU" sz="1355" i="1">
+                            <a:latin typeface="Cambria Math" panose="02040503050406030204" pitchFamily="18" charset="0"/>
+                            <a:cs typeface="Helvetica" panose="020B0604020202020204" pitchFamily="34" charset="0"/>
+                          </a:rPr>
+                          <m:t>𝐻</m:t>
+                        </m:r>
+                      </m:e>
+                      <m:sub>
+                        <m:r>
+                          <m:rPr>
+                            <m:sty m:val="p"/>
+                          </m:rPr>
+                          <a:rPr lang="en-AU" sz="1355">
+                            <a:latin typeface="Cambria Math" panose="02040503050406030204" pitchFamily="18" charset="0"/>
+                            <a:cs typeface="Helvetica" panose="020B0604020202020204" pitchFamily="34" charset="0"/>
+                          </a:rPr>
+                          <m:t>MCPIE</m:t>
+                        </m:r>
+                      </m:sub>
+                    </m:sSub>
+                  </m:oMath>
+                </a14:m>
+                <a:endParaRPr lang="en-AU" sz="1355" b="1" dirty="0"/>
+              </a:p>
+            </p:txBody>
+          </p:sp>
+        </mc:Choice>
+        <mc:Fallback xmlns="">
+          <p:sp>
+            <p:nvSpPr>
+              <p:cNvPr id="87" name="TextBox 86"/>
+              <p:cNvSpPr txBox="1">
+                <a:spLocks noRot="1" noChangeAspect="1" noMove="1" noResize="1" noEditPoints="1" noAdjustHandles="1" noChangeArrowheads="1" noChangeShapeType="1" noTextEdit="1"/>
+              </p:cNvSpPr>
+              <p:nvPr/>
+            </p:nvSpPr>
+            <p:spPr>
+              <a:xfrm>
+                <a:off x="1394657" y="8332635"/>
+                <a:ext cx="1697534" cy="665567"/>
+              </a:xfrm>
+              <a:prstGeom prst="rect">
+                <a:avLst/>
+              </a:prstGeom>
+              <a:blipFill rotWithShape="0">
+                <a:blip r:embed="rId22"/>
+                <a:stretch>
+                  <a:fillRect/>
+                </a:stretch>
+              </a:blipFill>
+              <a:effectLst>
+                <a:glow rad="228600">
+                  <a:schemeClr val="accent1">
+                    <a:satMod val="175000"/>
+                    <a:alpha val="40000"/>
+                  </a:schemeClr>
+                </a:glow>
+                <a:softEdge rad="0"/>
+              </a:effectLst>
+            </p:spPr>
+            <p:txBody>
+              <a:bodyPr/>
+              <a:lstStyle/>
+              <a:p>
+                <a:r>
+                  <a:rPr lang="en-AU">
+                    <a:noFill/>
+                  </a:rPr>
+                  <a:t> </a:t>
+                </a:r>
+              </a:p>
+            </p:txBody>
+          </p:sp>
+        </mc:Fallback>
+      </mc:AlternateContent>
+      <p:sp>
+        <p:nvSpPr>
+          <p:cNvPr id="88" name="Rounded Rectangle 87"/>
+          <p:cNvSpPr/>
+          <p:nvPr/>
+        </p:nvSpPr>
+        <p:spPr>
+          <a:xfrm>
+            <a:off x="6534770" y="1549862"/>
+            <a:ext cx="1708658" cy="857771"/>
+          </a:xfrm>
+          <a:prstGeom prst="roundRect">
+            <a:avLst/>
+          </a:prstGeom>
+          <a:ln w="28575"/>
+          <a:effectLst>
+            <a:glow rad="228600">
+              <a:schemeClr val="accent6">
+                <a:satMod val="175000"/>
+                <a:alpha val="40000"/>
+              </a:schemeClr>
+            </a:glow>
+          </a:effectLst>
+        </p:spPr>
+        <p:style>
+          <a:lnRef idx="2">
+            <a:schemeClr val="accent5"/>
+          </a:lnRef>
+          <a:fillRef idx="1">
+            <a:schemeClr val="lt1"/>
+          </a:fillRef>
+          <a:effectRef idx="0">
+            <a:schemeClr val="accent5"/>
+          </a:effectRef>
+          <a:fontRef idx="minor">
+            <a:schemeClr val="dk1"/>
+          </a:fontRef>
+        </p:style>
+        <p:txBody>
+          <a:bodyPr rot="0" spcFirstLastPara="0" vertOverflow="overflow" horzOverflow="overflow" vert="horz" wrap="square" lIns="77421" tIns="38710" rIns="77421" bIns="38710" numCol="1" spcCol="0" rtlCol="0" fromWordArt="0" anchor="ctr" anchorCtr="0" forceAA="0" compatLnSpc="1">
+            <a:prstTxWarp prst="textNoShape">
+              <a:avLst/>
+            </a:prstTxWarp>
+            <a:noAutofit/>
+          </a:bodyPr>
+          <a:lstStyle/>
+          <a:p>
+            <a:pPr algn="ctr"/>
+            <a:endParaRPr lang="en-AU" sz="1185"/>
+          </a:p>
+        </p:txBody>
+      </p:sp>
+      <mc:AlternateContent xmlns:mc="http://schemas.openxmlformats.org/markup-compatibility/2006" xmlns:a14="http://schemas.microsoft.com/office/drawing/2010/main">
+        <mc:Choice Requires="a14">
+          <p:sp>
+            <p:nvSpPr>
+              <p:cNvPr id="89" name="TextBox 88"/>
+              <p:cNvSpPr txBox="1"/>
+              <p:nvPr/>
+            </p:nvSpPr>
+            <p:spPr>
+              <a:xfrm>
+                <a:off x="6534770" y="1549864"/>
+                <a:ext cx="1708658" cy="847924"/>
+              </a:xfrm>
+              <a:prstGeom prst="rect">
+                <a:avLst/>
+              </a:prstGeom>
+              <a:noFill/>
+            </p:spPr>
+            <p:txBody>
+              <a:bodyPr wrap="square" rtlCol="0">
+                <a:spAutoFit/>
+              </a:bodyPr>
+              <a:lstStyle/>
+              <a:p>
+                <a:pPr algn="ctr"/>
+                <a:r>
+                  <a:rPr lang="en-AU" sz="1185" i="1" dirty="0">
+                    <a:latin typeface="Helvetica" panose="020B0604020202020204" pitchFamily="34" charset="0"/>
+                    <a:cs typeface="Helvetica" panose="020B0604020202020204" pitchFamily="34" charset="0"/>
+                  </a:rPr>
+                  <a:t>Classifier Training through Maximised Log Marginal Likelihood  </a:t>
+                </a:r>
+                <a14:m>
+                  <m:oMath xmlns:m="http://schemas.openxmlformats.org/officeDocument/2006/math">
+                    <m:r>
+                      <m:rPr>
+                        <m:sty m:val="p"/>
+                      </m:rPr>
+                      <a:rPr lang="en-AU" sz="1355">
+                        <a:latin typeface="Cambria Math" panose="02040503050406030204" pitchFamily="18" charset="0"/>
+                        <a:cs typeface="Helvetica" panose="020B0604020202020204" pitchFamily="34" charset="0"/>
+                      </a:rPr>
+                      <m:t>log</m:t>
+                    </m:r>
+                    <m:r>
+                      <a:rPr lang="en-AU" sz="1355" i="1">
+                        <a:latin typeface="Cambria Math" panose="02040503050406030204" pitchFamily="18" charset="0"/>
+                        <a:cs typeface="Helvetica" panose="020B0604020202020204" pitchFamily="34" charset="0"/>
+                      </a:rPr>
+                      <m:t>⁡(</m:t>
+                    </m:r>
+                    <m:r>
+                      <a:rPr lang="en-AU" sz="1355" i="1">
+                        <a:latin typeface="Cambria Math" panose="02040503050406030204" pitchFamily="18" charset="0"/>
+                        <a:cs typeface="Helvetica" panose="020B0604020202020204" pitchFamily="34" charset="0"/>
+                      </a:rPr>
+                      <m:t>𝑝</m:t>
+                    </m:r>
+                    <m:d>
+                      <m:dPr>
+                        <m:ctrlPr>
+                          <a:rPr lang="en-AU" sz="1355" i="1">
+                            <a:latin typeface="Cambria Math" panose="02040503050406030204" pitchFamily="18" charset="0"/>
+                            <a:cs typeface="Helvetica" panose="020B0604020202020204" pitchFamily="34" charset="0"/>
+                          </a:rPr>
+                        </m:ctrlPr>
+                      </m:dPr>
+                      <m:e>
+                        <m:r>
+                          <a:rPr lang="en-AU" sz="1355" b="1">
+                            <a:latin typeface="Cambria Math" panose="02040503050406030204" pitchFamily="18" charset="0"/>
+                            <a:cs typeface="Helvetica" panose="020B0604020202020204" pitchFamily="34" charset="0"/>
+                          </a:rPr>
+                          <m:t>𝐲</m:t>
+                        </m:r>
+                      </m:e>
+                    </m:d>
+                    <m:r>
+                      <a:rPr lang="en-AU" sz="1355" i="1">
+                        <a:latin typeface="Cambria Math" panose="02040503050406030204" pitchFamily="18" charset="0"/>
+                        <a:cs typeface="Helvetica" panose="020B0604020202020204" pitchFamily="34" charset="0"/>
+                      </a:rPr>
+                      <m:t>)</m:t>
+                    </m:r>
+                  </m:oMath>
+                </a14:m>
+                <a:endParaRPr lang="en-AU" sz="1355" b="1" dirty="0"/>
+              </a:p>
+            </p:txBody>
+          </p:sp>
+        </mc:Choice>
+        <mc:Fallback xmlns="">
+          <p:sp>
+            <p:nvSpPr>
+              <p:cNvPr id="89" name="TextBox 88"/>
+              <p:cNvSpPr txBox="1">
+                <a:spLocks noRot="1" noChangeAspect="1" noMove="1" noResize="1" noEditPoints="1" noAdjustHandles="1" noChangeArrowheads="1" noChangeShapeType="1" noTextEdit="1"/>
+              </p:cNvSpPr>
+              <p:nvPr/>
+            </p:nvSpPr>
+            <p:spPr>
+              <a:xfrm>
+                <a:off x="6534770" y="1549864"/>
+                <a:ext cx="1708658" cy="847924"/>
+              </a:xfrm>
+              <a:prstGeom prst="rect">
+                <a:avLst/>
+              </a:prstGeom>
+              <a:blipFill rotWithShape="0">
+                <a:blip r:embed="rId23"/>
+                <a:stretch>
+                  <a:fillRect t="-719" b="-2878"/>
+                </a:stretch>
+              </a:blipFill>
+            </p:spPr>
+            <p:txBody>
+              <a:bodyPr/>
+              <a:lstStyle/>
+              <a:p>
+                <a:r>
+                  <a:rPr lang="en-AU">
+                    <a:noFill/>
+                  </a:rPr>
+                  <a:t> </a:t>
+                </a:r>
+              </a:p>
+            </p:txBody>
+          </p:sp>
+        </mc:Fallback>
+      </mc:AlternateContent>
+      <p:sp>
+        <p:nvSpPr>
+          <p:cNvPr id="90" name="Rounded Rectangle 89"/>
+          <p:cNvSpPr/>
+          <p:nvPr/>
+        </p:nvSpPr>
+        <p:spPr>
+          <a:xfrm>
+            <a:off x="3487342" y="7258919"/>
+            <a:ext cx="926123" cy="1008930"/>
+          </a:xfrm>
+          <a:prstGeom prst="roundRect">
+            <a:avLst/>
+          </a:prstGeom>
+          <a:ln w="28575"/>
+          <a:effectLst>
+            <a:glow rad="228600">
+              <a:schemeClr val="accent1">
+                <a:satMod val="175000"/>
+                <a:alpha val="40000"/>
+              </a:schemeClr>
+            </a:glow>
+            <a:softEdge rad="0"/>
+          </a:effectLst>
+        </p:spPr>
+        <p:style>
+          <a:lnRef idx="2">
+            <a:schemeClr val="accent5"/>
+          </a:lnRef>
+          <a:fillRef idx="1">
+            <a:schemeClr val="lt1"/>
+          </a:fillRef>
+          <a:effectRef idx="0">
+            <a:schemeClr val="accent5"/>
+          </a:effectRef>
+          <a:fontRef idx="minor">
+            <a:schemeClr val="dk1"/>
+          </a:fontRef>
+        </p:style>
+        <p:txBody>
+          <a:bodyPr rot="0" spcFirstLastPara="0" vertOverflow="overflow" horzOverflow="overflow" vert="horz" wrap="square" lIns="77421" tIns="38710" rIns="77421" bIns="38710" numCol="1" spcCol="0" rtlCol="0" fromWordArt="0" anchor="ctr" anchorCtr="0" forceAA="0" compatLnSpc="1">
+            <a:prstTxWarp prst="textNoShape">
+              <a:avLst/>
+            </a:prstTxWarp>
+            <a:noAutofit/>
+          </a:bodyPr>
+          <a:lstStyle/>
+          <a:p>
+            <a:pPr algn="ctr"/>
+            <a:endParaRPr lang="en-AU" sz="1185"/>
+          </a:p>
+        </p:txBody>
+      </p:sp>
+      <mc:AlternateContent xmlns:mc="http://schemas.openxmlformats.org/markup-compatibility/2006" xmlns:a14="http://schemas.microsoft.com/office/drawing/2010/main">
+        <mc:Choice Requires="a14">
+          <p:sp>
+            <p:nvSpPr>
+              <p:cNvPr id="91" name="TextBox 90"/>
+              <p:cNvSpPr txBox="1"/>
+              <p:nvPr/>
+            </p:nvSpPr>
+            <p:spPr>
+              <a:xfrm>
+                <a:off x="3487342" y="7258919"/>
+                <a:ext cx="926123" cy="1030282"/>
+              </a:xfrm>
+              <a:prstGeom prst="rect">
+                <a:avLst/>
+              </a:prstGeom>
+              <a:noFill/>
+              <a:effectLst>
+                <a:glow rad="228600">
+                  <a:schemeClr val="accent1">
+                    <a:satMod val="175000"/>
+                    <a:alpha val="40000"/>
+                  </a:schemeClr>
+                </a:glow>
+                <a:softEdge rad="0"/>
+              </a:effectLst>
+            </p:spPr>
+            <p:txBody>
+              <a:bodyPr wrap="square" rtlCol="0">
+                <a:spAutoFit/>
+              </a:bodyPr>
+              <a:lstStyle/>
+              <a:p>
+                <a:pPr algn="ctr"/>
+                <a:r>
+                  <a:rPr lang="en-AU" sz="1185" i="1" dirty="0">
+                    <a:latin typeface="Helvetica" panose="020B0604020202020204" pitchFamily="34" charset="0"/>
+                    <a:cs typeface="Helvetica" panose="020B0604020202020204" pitchFamily="34" charset="0"/>
+                  </a:rPr>
+                  <a:t>Latent Function Differential Entropy</a:t>
+                </a:r>
+                <a14:m>
+                  <m:oMath xmlns:m="http://schemas.openxmlformats.org/officeDocument/2006/math">
+                    <m:r>
+                      <a:rPr lang="en-AU" sz="1355" i="1">
+                        <a:latin typeface="Cambria Math" panose="02040503050406030204" pitchFamily="18" charset="0"/>
+                        <a:cs typeface="Helvetica" panose="020B0604020202020204" pitchFamily="34" charset="0"/>
+                      </a:rPr>
+                      <m:t> </m:t>
+                    </m:r>
+                    <m:sSub>
+                      <m:sSubPr>
+                        <m:ctrlPr>
+                          <a:rPr lang="en-AU" sz="1355" i="1">
+                            <a:latin typeface="Cambria Math" panose="02040503050406030204" pitchFamily="18" charset="0"/>
+                            <a:cs typeface="Helvetica" panose="020B0604020202020204" pitchFamily="34" charset="0"/>
+                          </a:rPr>
+                        </m:ctrlPr>
+                      </m:sSubPr>
+                      <m:e>
+                        <m:r>
+                          <a:rPr lang="en-AU" sz="1355" i="1">
+                            <a:latin typeface="Cambria Math" panose="02040503050406030204" pitchFamily="18" charset="0"/>
+                            <a:cs typeface="Helvetica" panose="020B0604020202020204" pitchFamily="34" charset="0"/>
+                          </a:rPr>
+                          <m:t>𝐻</m:t>
+                        </m:r>
+                      </m:e>
+                      <m:sub>
+                        <m:r>
+                          <m:rPr>
+                            <m:sty m:val="p"/>
+                          </m:rPr>
+                          <a:rPr lang="en-AU" sz="1355">
+                            <a:latin typeface="Cambria Math" panose="02040503050406030204" pitchFamily="18" charset="0"/>
+                            <a:cs typeface="Helvetica" panose="020B0604020202020204" pitchFamily="34" charset="0"/>
+                          </a:rPr>
+                          <m:t>LFDE</m:t>
+                        </m:r>
+                      </m:sub>
+                    </m:sSub>
+                  </m:oMath>
+                </a14:m>
+                <a:endParaRPr lang="en-AU" sz="1355" b="1" dirty="0"/>
+              </a:p>
+            </p:txBody>
+          </p:sp>
+        </mc:Choice>
+        <mc:Fallback xmlns="">
+          <p:sp>
+            <p:nvSpPr>
+              <p:cNvPr id="91" name="TextBox 90"/>
+              <p:cNvSpPr txBox="1">
+                <a:spLocks noRot="1" noChangeAspect="1" noMove="1" noResize="1" noEditPoints="1" noAdjustHandles="1" noChangeArrowheads="1" noChangeShapeType="1" noTextEdit="1"/>
+              </p:cNvSpPr>
+              <p:nvPr/>
+            </p:nvSpPr>
+            <p:spPr>
+              <a:xfrm>
+                <a:off x="3487342" y="7258919"/>
+                <a:ext cx="926123" cy="1030282"/>
+              </a:xfrm>
+              <a:prstGeom prst="rect">
+                <a:avLst/>
+              </a:prstGeom>
+              <a:blipFill rotWithShape="0">
+                <a:blip r:embed="rId24"/>
+                <a:stretch>
+                  <a:fillRect/>
+                </a:stretch>
+              </a:blipFill>
+              <a:effectLst>
+                <a:glow rad="228600">
+                  <a:schemeClr val="accent1">
+                    <a:satMod val="175000"/>
+                    <a:alpha val="40000"/>
+                  </a:schemeClr>
+                </a:glow>
+                <a:softEdge rad="0"/>
+              </a:effectLst>
+            </p:spPr>
+            <p:txBody>
+              <a:bodyPr/>
+              <a:lstStyle/>
+              <a:p>
+                <a:r>
+                  <a:rPr lang="en-AU">
+                    <a:noFill/>
+                  </a:rPr>
+                  <a:t> </a:t>
+                </a:r>
+              </a:p>
+            </p:txBody>
+          </p:sp>
+        </mc:Fallback>
+      </mc:AlternateContent>
+      <p:sp>
+        <p:nvSpPr>
+          <p:cNvPr id="92" name="Rounded Rectangle 91"/>
+          <p:cNvSpPr/>
+          <p:nvPr/>
+        </p:nvSpPr>
+        <p:spPr>
+          <a:xfrm>
+            <a:off x="1257112" y="6965453"/>
+            <a:ext cx="1977034" cy="305488"/>
+          </a:xfrm>
+          <a:prstGeom prst="roundRect">
+            <a:avLst/>
+          </a:prstGeom>
+          <a:ln w="28575"/>
+          <a:effectLst>
+            <a:glow rad="228600">
+              <a:schemeClr val="accent1">
+                <a:satMod val="175000"/>
+                <a:alpha val="40000"/>
+              </a:schemeClr>
+            </a:glow>
+            <a:softEdge rad="0"/>
+          </a:effectLst>
+        </p:spPr>
+        <p:style>
+          <a:lnRef idx="2">
+            <a:schemeClr val="accent5"/>
+          </a:lnRef>
+          <a:fillRef idx="1">
+            <a:schemeClr val="lt1"/>
+          </a:fillRef>
+          <a:effectRef idx="0">
+            <a:schemeClr val="accent5"/>
+          </a:effectRef>
+          <a:fontRef idx="minor">
+            <a:schemeClr val="dk1"/>
+          </a:fontRef>
+        </p:style>
+        <p:txBody>
+          <a:bodyPr rot="0" spcFirstLastPara="0" vertOverflow="overflow" horzOverflow="overflow" vert="horz" wrap="square" lIns="77421" tIns="38710" rIns="77421" bIns="38710" numCol="1" spcCol="0" rtlCol="0" fromWordArt="0" anchor="ctr" anchorCtr="0" forceAA="0" compatLnSpc="1">
+            <a:prstTxWarp prst="textNoShape">
+              <a:avLst/>
+            </a:prstTxWarp>
+            <a:noAutofit/>
+          </a:bodyPr>
+          <a:lstStyle/>
+          <a:p>
+            <a:pPr algn="ctr"/>
+            <a:endParaRPr lang="en-AU" sz="1185"/>
+          </a:p>
+        </p:txBody>
+      </p:sp>
+      <mc:AlternateContent xmlns:mc="http://schemas.openxmlformats.org/markup-compatibility/2006">
+        <mc:Choice xmlns:a14="http://schemas.microsoft.com/office/drawing/2010/main" Requires="a14">
+          <p:sp>
+            <p:nvSpPr>
+              <p:cNvPr id="93" name="TextBox 92"/>
+              <p:cNvSpPr txBox="1"/>
+              <p:nvPr/>
+            </p:nvSpPr>
+            <p:spPr>
+              <a:xfrm>
+                <a:off x="1257112" y="6965450"/>
+                <a:ext cx="1977034" cy="352276"/>
+              </a:xfrm>
+              <a:prstGeom prst="rect">
+                <a:avLst/>
+              </a:prstGeom>
+              <a:noFill/>
+              <a:effectLst>
+                <a:glow rad="228600">
+                  <a:schemeClr val="accent1">
+                    <a:satMod val="175000"/>
+                    <a:alpha val="40000"/>
+                  </a:schemeClr>
+                </a:glow>
+                <a:softEdge rad="0"/>
+              </a:effectLst>
+            </p:spPr>
+            <p:txBody>
+              <a:bodyPr wrap="square" rtlCol="0">
+                <a:spAutoFit/>
+              </a:bodyPr>
+              <a:lstStyle/>
+              <a:p>
+                <a:pPr algn="ctr"/>
+                <a:r>
+                  <a:rPr lang="en-AU" sz="1185" i="1" dirty="0">
+                    <a:latin typeface="Helvetica" panose="020B0604020202020204" pitchFamily="34" charset="0"/>
+                    <a:cs typeface="Helvetica" panose="020B0604020202020204" pitchFamily="34" charset="0"/>
+                  </a:rPr>
+                  <a:t>Latent Draws  </a:t>
+                </a:r>
+                <a14:m>
+                  <m:oMath xmlns:m="http://schemas.openxmlformats.org/officeDocument/2006/math">
+                    <m:sSub>
+                      <m:sSubPr>
+                        <m:ctrlPr>
+                          <a:rPr lang="en-AU" sz="1355" i="1">
+                            <a:latin typeface="Cambria Math" panose="02040503050406030204" pitchFamily="18" charset="0"/>
+                            <a:cs typeface="Helvetica" panose="020B0604020202020204" pitchFamily="34" charset="0"/>
+                          </a:rPr>
+                        </m:ctrlPr>
+                      </m:sSubPr>
+                      <m:e>
+                        <m:r>
+                          <a:rPr lang="en-AU" sz="1355" i="1">
+                            <a:latin typeface="Cambria Math" panose="02040503050406030204" pitchFamily="18" charset="0"/>
+                            <a:cs typeface="Helvetica" panose="020B0604020202020204" pitchFamily="34" charset="0"/>
+                          </a:rPr>
+                          <m:t>{</m:t>
+                        </m:r>
+                        <m:sPre>
+                          <m:sPrePr>
+                            <m:ctrlPr>
+                              <a:rPr lang="en-AU" sz="1355" i="1">
+                                <a:latin typeface="Cambria Math" panose="02040503050406030204" pitchFamily="18" charset="0"/>
+                                <a:cs typeface="Helvetica" panose="020B0604020202020204" pitchFamily="34" charset="0"/>
+                              </a:rPr>
+                            </m:ctrlPr>
+                          </m:sPrePr>
+                          <m:sub>
+                            <m:r>
+                              <a:rPr lang="en-AU" sz="1355" i="1">
+                                <a:latin typeface="Cambria Math" panose="02040503050406030204" pitchFamily="18" charset="0"/>
+                                <a:cs typeface="Helvetica" panose="020B0604020202020204" pitchFamily="34" charset="0"/>
+                              </a:rPr>
+                              <m:t> </m:t>
+                            </m:r>
+                          </m:sub>
+                          <m:sup>
+                            <m:r>
+                              <a:rPr lang="en-AU" sz="1355" i="1">
+                                <a:latin typeface="Cambria Math" panose="02040503050406030204" pitchFamily="18" charset="0"/>
+                              </a:rPr>
+                              <m:t>𝑠</m:t>
+                            </m:r>
+                          </m:sup>
+                          <m:e>
+                            <m:sSup>
+                              <m:sSupPr>
+                                <m:ctrlPr>
+                                  <a:rPr lang="en-AU" sz="1355" i="1" dirty="0">
+                                    <a:latin typeface="Cambria Math" panose="02040503050406030204" pitchFamily="18" charset="0"/>
+                                    <a:cs typeface="Helvetica" panose="020B0604020202020204" pitchFamily="34" charset="0"/>
+                                  </a:rPr>
+                                </m:ctrlPr>
+                              </m:sSupPr>
+                              <m:e>
+                                <m:r>
+                                  <a:rPr lang="en-AU" sz="1355" b="1" dirty="0">
+                                    <a:latin typeface="Cambria Math" panose="02040503050406030204" pitchFamily="18" charset="0"/>
+                                    <a:cs typeface="Helvetica" panose="020B0604020202020204" pitchFamily="34" charset="0"/>
+                                  </a:rPr>
+                                  <m:t>𝐟</m:t>
+                                </m:r>
+                              </m:e>
+                              <m:sup>
+                                <m:r>
+                                  <a:rPr lang="en-AU" sz="1355" i="1" dirty="0">
+                                    <a:latin typeface="Cambria Math" panose="02040503050406030204" pitchFamily="18" charset="0"/>
+                                    <a:ea typeface="Cambria Math" panose="02040503050406030204" pitchFamily="18" charset="0"/>
+                                    <a:cs typeface="Helvetica" panose="020B0604020202020204" pitchFamily="34" charset="0"/>
+                                  </a:rPr>
+                                  <m:t>∗</m:t>
+                                </m:r>
+                              </m:sup>
+                            </m:sSup>
+                          </m:e>
+                        </m:sPre>
+                        <m:r>
+                          <a:rPr lang="en-AU" sz="1355" i="1">
+                            <a:latin typeface="Cambria Math" panose="02040503050406030204" pitchFamily="18" charset="0"/>
+                          </a:rPr>
+                          <m:t>}</m:t>
+                        </m:r>
+                      </m:e>
+                      <m:sub>
+                        <m:r>
+                          <a:rPr lang="en-AU" sz="1355" i="1">
+                            <a:latin typeface="Cambria Math" panose="02040503050406030204" pitchFamily="18" charset="0"/>
+                            <a:cs typeface="Helvetica" panose="020B0604020202020204" pitchFamily="34" charset="0"/>
+                          </a:rPr>
+                          <m:t>𝑠</m:t>
+                        </m:r>
+                        <m:r>
+                          <a:rPr lang="en-AU" sz="1355" i="1">
+                            <a:latin typeface="Cambria Math" panose="02040503050406030204" pitchFamily="18" charset="0"/>
+                            <a:cs typeface="Helvetica" panose="020B0604020202020204" pitchFamily="34" charset="0"/>
+                          </a:rPr>
+                          <m:t> ∈ </m:t>
+                        </m:r>
+                        <m:sSub>
+                          <m:sSubPr>
+                            <m:ctrlPr>
+                              <a:rPr lang="en-AU" sz="1355" i="1">
+                                <a:latin typeface="Cambria Math" panose="02040503050406030204" pitchFamily="18" charset="0"/>
+                                <a:ea typeface="Cambria Math" panose="02040503050406030204" pitchFamily="18" charset="0"/>
+                                <a:cs typeface="Helvetica" panose="020B0604020202020204" pitchFamily="34" charset="0"/>
+                              </a:rPr>
+                            </m:ctrlPr>
+                          </m:sSubPr>
+                          <m:e>
+                            <m:r>
+                              <a:rPr lang="en-AU" sz="1355" i="1">
+                                <a:latin typeface="Cambria Math" panose="02040503050406030204" pitchFamily="18" charset="0"/>
+                                <a:ea typeface="Cambria Math" panose="02040503050406030204" pitchFamily="18" charset="0"/>
+                                <a:cs typeface="Helvetica" panose="020B0604020202020204" pitchFamily="34" charset="0"/>
+                              </a:rPr>
+                              <m:t>𝐼</m:t>
+                            </m:r>
+                          </m:e>
+                          <m:sub>
+                            <m:sSub>
+                              <m:sSubPr>
+                                <m:ctrlPr>
+                                  <a:rPr lang="en-AU" sz="1355" i="1">
+                                    <a:latin typeface="Cambria Math" panose="02040503050406030204" pitchFamily="18" charset="0"/>
+                                    <a:ea typeface="Cambria Math" panose="02040503050406030204" pitchFamily="18" charset="0"/>
+                                    <a:cs typeface="Helvetica" panose="020B0604020202020204" pitchFamily="34" charset="0"/>
+                                  </a:rPr>
+                                </m:ctrlPr>
+                              </m:sSubPr>
+                              <m:e>
+                                <m:r>
+                                  <a:rPr lang="en-AU" sz="1355" i="1">
+                                    <a:latin typeface="Cambria Math" panose="02040503050406030204" pitchFamily="18" charset="0"/>
+                                    <a:ea typeface="Cambria Math" panose="02040503050406030204" pitchFamily="18" charset="0"/>
+                                    <a:cs typeface="Helvetica" panose="020B0604020202020204" pitchFamily="34" charset="0"/>
+                                  </a:rPr>
+                                  <m:t>𝑛</m:t>
+                                </m:r>
+                              </m:e>
+                              <m:sub>
+                                <m:r>
+                                  <a:rPr lang="en-AU" sz="1355" i="1">
+                                    <a:latin typeface="Cambria Math" panose="02040503050406030204" pitchFamily="18" charset="0"/>
+                                    <a:ea typeface="Cambria Math" panose="02040503050406030204" pitchFamily="18" charset="0"/>
+                                    <a:cs typeface="Helvetica" panose="020B0604020202020204" pitchFamily="34" charset="0"/>
+                                  </a:rPr>
+                                  <m:t>𝑆</m:t>
+                                </m:r>
+                              </m:sub>
+                            </m:sSub>
+                          </m:sub>
+                        </m:sSub>
+                        <m:r>
+                          <a:rPr lang="en-AU" sz="1355" i="1">
+                            <a:latin typeface="Cambria Math" panose="02040503050406030204" pitchFamily="18" charset="0"/>
+                            <a:ea typeface="Cambria Math" panose="02040503050406030204" pitchFamily="18" charset="0"/>
+                            <a:cs typeface="Helvetica" panose="020B0604020202020204" pitchFamily="34" charset="0"/>
+                          </a:rPr>
+                          <m:t> </m:t>
+                        </m:r>
+                      </m:sub>
+                    </m:sSub>
+                  </m:oMath>
+                </a14:m>
+                <a:endParaRPr lang="en-AU" sz="1355" b="1" dirty="0"/>
+              </a:p>
+            </p:txBody>
+          </p:sp>
+        </mc:Choice>
+        <mc:Fallback>
+          <p:sp>
+            <p:nvSpPr>
+              <p:cNvPr id="93" name="TextBox 92"/>
+              <p:cNvSpPr txBox="1">
+                <a:spLocks noRot="1" noChangeAspect="1" noMove="1" noResize="1" noEditPoints="1" noAdjustHandles="1" noChangeArrowheads="1" noChangeShapeType="1" noTextEdit="1"/>
+              </p:cNvSpPr>
+              <p:nvPr/>
+            </p:nvSpPr>
+            <p:spPr>
+              <a:xfrm>
+                <a:off x="1257112" y="6965450"/>
+                <a:ext cx="1977034" cy="352276"/>
+              </a:xfrm>
+              <a:prstGeom prst="rect">
+                <a:avLst/>
+              </a:prstGeom>
+              <a:blipFill rotWithShape="0">
+                <a:blip r:embed="rId25"/>
+                <a:stretch>
+                  <a:fillRect/>
+                </a:stretch>
+              </a:blipFill>
+              <a:effectLst>
+                <a:glow rad="228600">
+                  <a:schemeClr val="accent1">
+                    <a:satMod val="175000"/>
+                    <a:alpha val="40000"/>
+                  </a:schemeClr>
+                </a:glow>
+                <a:softEdge rad="0"/>
+              </a:effectLst>
+            </p:spPr>
+            <p:txBody>
+              <a:bodyPr/>
+              <a:lstStyle/>
+              <a:p>
+                <a:r>
+                  <a:rPr lang="en-AU">
+                    <a:noFill/>
+                  </a:rPr>
+                  <a:t> </a:t>
+                </a:r>
+              </a:p>
+            </p:txBody>
+          </p:sp>
+        </mc:Fallback>
+      </mc:AlternateContent>
+      <p:sp>
+        <p:nvSpPr>
+          <p:cNvPr id="94" name="Rounded Rectangle 93"/>
+          <p:cNvSpPr/>
+          <p:nvPr/>
+        </p:nvSpPr>
+        <p:spPr>
+          <a:xfrm>
+            <a:off x="1290251" y="7651996"/>
+            <a:ext cx="1910755" cy="305488"/>
+          </a:xfrm>
+          <a:prstGeom prst="roundRect">
+            <a:avLst/>
+          </a:prstGeom>
+          <a:ln w="28575"/>
+          <a:effectLst>
+            <a:glow rad="228600">
+              <a:schemeClr val="accent1">
+                <a:satMod val="175000"/>
+                <a:alpha val="40000"/>
+              </a:schemeClr>
+            </a:glow>
+            <a:softEdge rad="0"/>
+          </a:effectLst>
+        </p:spPr>
+        <p:style>
+          <a:lnRef idx="2">
+            <a:schemeClr val="accent5"/>
+          </a:lnRef>
+          <a:fillRef idx="1">
+            <a:schemeClr val="lt1"/>
+          </a:fillRef>
+          <a:effectRef idx="0">
+            <a:schemeClr val="accent5"/>
+          </a:effectRef>
+          <a:fontRef idx="minor">
+            <a:schemeClr val="dk1"/>
+          </a:fontRef>
+        </p:style>
+        <p:txBody>
+          <a:bodyPr rot="0" spcFirstLastPara="0" vertOverflow="overflow" horzOverflow="overflow" vert="horz" wrap="square" lIns="77421" tIns="38710" rIns="77421" bIns="38710" numCol="1" spcCol="0" rtlCol="0" fromWordArt="0" anchor="ctr" anchorCtr="0" forceAA="0" compatLnSpc="1">
+            <a:prstTxWarp prst="textNoShape">
+              <a:avLst/>
+            </a:prstTxWarp>
+            <a:noAutofit/>
+          </a:bodyPr>
+          <a:lstStyle/>
+          <a:p>
+            <a:pPr algn="ctr"/>
+            <a:endParaRPr lang="en-AU" sz="1185"/>
+          </a:p>
+        </p:txBody>
+      </p:sp>
+      <mc:AlternateContent xmlns:mc="http://schemas.openxmlformats.org/markup-compatibility/2006">
+        <mc:Choice xmlns:a14="http://schemas.microsoft.com/office/drawing/2010/main" Requires="a14">
+          <p:sp>
+            <p:nvSpPr>
+              <p:cNvPr id="95" name="TextBox 94"/>
+              <p:cNvSpPr txBox="1"/>
+              <p:nvPr/>
+            </p:nvSpPr>
+            <p:spPr>
+              <a:xfrm>
+                <a:off x="1290251" y="7651992"/>
+                <a:ext cx="1910755" cy="352276"/>
+              </a:xfrm>
+              <a:prstGeom prst="rect">
+                <a:avLst/>
+              </a:prstGeom>
+              <a:noFill/>
+              <a:effectLst>
+                <a:glow rad="228600">
+                  <a:schemeClr val="accent1">
+                    <a:satMod val="175000"/>
+                    <a:alpha val="40000"/>
+                  </a:schemeClr>
+                </a:glow>
+                <a:softEdge rad="0"/>
+              </a:effectLst>
+            </p:spPr>
+            <p:txBody>
+              <a:bodyPr wrap="square" rtlCol="0">
+                <a:spAutoFit/>
+              </a:bodyPr>
+              <a:lstStyle/>
+              <a:p>
+                <a:pPr algn="ctr"/>
+                <a:r>
+                  <a:rPr lang="en-AU" sz="1185" i="1" dirty="0" smtClean="0">
+                    <a:latin typeface="Helvetica" panose="020B0604020202020204" pitchFamily="34" charset="0"/>
+                    <a:cs typeface="Helvetica" panose="020B0604020202020204" pitchFamily="34" charset="0"/>
+                  </a:rPr>
+                  <a:t>Label Draws  </a:t>
+                </a:r>
+                <a14:m>
+                  <m:oMath xmlns:m="http://schemas.openxmlformats.org/officeDocument/2006/math">
+                    <m:sSub>
+                      <m:sSubPr>
+                        <m:ctrlPr>
+                          <a:rPr lang="en-AU" sz="1355" i="1">
+                            <a:latin typeface="Cambria Math" panose="02040503050406030204" pitchFamily="18" charset="0"/>
+                            <a:cs typeface="Helvetica" panose="020B0604020202020204" pitchFamily="34" charset="0"/>
+                          </a:rPr>
+                        </m:ctrlPr>
+                      </m:sSubPr>
+                      <m:e>
+                        <m:r>
+                          <a:rPr lang="en-AU" sz="1355" i="1">
+                            <a:latin typeface="Cambria Math" panose="02040503050406030204" pitchFamily="18" charset="0"/>
+                            <a:cs typeface="Helvetica" panose="020B0604020202020204" pitchFamily="34" charset="0"/>
+                          </a:rPr>
+                          <m:t>{</m:t>
+                        </m:r>
+                        <m:sPre>
+                          <m:sPrePr>
+                            <m:ctrlPr>
+                              <a:rPr lang="en-AU" sz="1355" i="1">
+                                <a:latin typeface="Cambria Math" panose="02040503050406030204" pitchFamily="18" charset="0"/>
+                                <a:cs typeface="Helvetica" panose="020B0604020202020204" pitchFamily="34" charset="0"/>
+                              </a:rPr>
+                            </m:ctrlPr>
+                          </m:sPrePr>
+                          <m:sub>
+                            <m:r>
+                              <a:rPr lang="en-AU" sz="1355" i="1">
+                                <a:latin typeface="Cambria Math" panose="02040503050406030204" pitchFamily="18" charset="0"/>
+                                <a:cs typeface="Helvetica" panose="020B0604020202020204" pitchFamily="34" charset="0"/>
+                              </a:rPr>
+                              <m:t> </m:t>
+                            </m:r>
+                          </m:sub>
+                          <m:sup>
+                            <m:r>
+                              <a:rPr lang="en-AU" sz="1355" i="1">
+                                <a:latin typeface="Cambria Math" panose="02040503050406030204" pitchFamily="18" charset="0"/>
+                              </a:rPr>
+                              <m:t>𝑠</m:t>
+                            </m:r>
+                          </m:sup>
+                          <m:e>
+                            <m:sSup>
+                              <m:sSupPr>
+                                <m:ctrlPr>
+                                  <a:rPr lang="en-AU" sz="1355" i="1" dirty="0">
+                                    <a:latin typeface="Cambria Math" panose="02040503050406030204" pitchFamily="18" charset="0"/>
+                                    <a:cs typeface="Helvetica" panose="020B0604020202020204" pitchFamily="34" charset="0"/>
+                                  </a:rPr>
+                                </m:ctrlPr>
+                              </m:sSupPr>
+                              <m:e>
+                                <m:r>
+                                  <a:rPr lang="en-AU" sz="1355" b="1" i="1" dirty="0" smtClean="0">
+                                    <a:latin typeface="Cambria Math" panose="02040503050406030204" pitchFamily="18" charset="0"/>
+                                    <a:cs typeface="Helvetica" panose="020B0604020202020204" pitchFamily="34" charset="0"/>
+                                  </a:rPr>
+                                  <m:t>𝒚</m:t>
+                                </m:r>
+                              </m:e>
+                              <m:sup>
+                                <m:r>
+                                  <a:rPr lang="en-AU" sz="1355" i="1" dirty="0">
+                                    <a:latin typeface="Cambria Math" panose="02040503050406030204" pitchFamily="18" charset="0"/>
+                                    <a:ea typeface="Cambria Math" panose="02040503050406030204" pitchFamily="18" charset="0"/>
+                                    <a:cs typeface="Helvetica" panose="020B0604020202020204" pitchFamily="34" charset="0"/>
+                                  </a:rPr>
+                                  <m:t>∗</m:t>
+                                </m:r>
+                              </m:sup>
+                            </m:sSup>
+                          </m:e>
+                        </m:sPre>
+                        <m:r>
+                          <a:rPr lang="en-AU" sz="1355" i="1">
+                            <a:latin typeface="Cambria Math" panose="02040503050406030204" pitchFamily="18" charset="0"/>
+                          </a:rPr>
+                          <m:t>}</m:t>
+                        </m:r>
+                      </m:e>
+                      <m:sub>
+                        <m:r>
+                          <a:rPr lang="en-AU" sz="1355" i="1">
+                            <a:latin typeface="Cambria Math" panose="02040503050406030204" pitchFamily="18" charset="0"/>
+                            <a:cs typeface="Helvetica" panose="020B0604020202020204" pitchFamily="34" charset="0"/>
+                          </a:rPr>
+                          <m:t>𝑠</m:t>
+                        </m:r>
+                        <m:r>
+                          <a:rPr lang="en-AU" sz="1355" i="1">
+                            <a:latin typeface="Cambria Math" panose="02040503050406030204" pitchFamily="18" charset="0"/>
+                            <a:cs typeface="Helvetica" panose="020B0604020202020204" pitchFamily="34" charset="0"/>
+                          </a:rPr>
+                          <m:t> ∈ </m:t>
+                        </m:r>
+                        <m:sSub>
+                          <m:sSubPr>
+                            <m:ctrlPr>
+                              <a:rPr lang="en-AU" sz="1355" i="1">
+                                <a:latin typeface="Cambria Math" panose="02040503050406030204" pitchFamily="18" charset="0"/>
+                                <a:ea typeface="Cambria Math" panose="02040503050406030204" pitchFamily="18" charset="0"/>
+                                <a:cs typeface="Helvetica" panose="020B0604020202020204" pitchFamily="34" charset="0"/>
+                              </a:rPr>
+                            </m:ctrlPr>
+                          </m:sSubPr>
+                          <m:e>
+                            <m:r>
+                              <a:rPr lang="en-AU" sz="1355" i="1">
+                                <a:latin typeface="Cambria Math" panose="02040503050406030204" pitchFamily="18" charset="0"/>
+                                <a:ea typeface="Cambria Math" panose="02040503050406030204" pitchFamily="18" charset="0"/>
+                                <a:cs typeface="Helvetica" panose="020B0604020202020204" pitchFamily="34" charset="0"/>
+                              </a:rPr>
+                              <m:t>𝐼</m:t>
+                            </m:r>
+                          </m:e>
+                          <m:sub>
+                            <m:sSub>
+                              <m:sSubPr>
+                                <m:ctrlPr>
+                                  <a:rPr lang="en-AU" sz="1355" i="1">
+                                    <a:latin typeface="Cambria Math" panose="02040503050406030204" pitchFamily="18" charset="0"/>
+                                    <a:ea typeface="Cambria Math" panose="02040503050406030204" pitchFamily="18" charset="0"/>
+                                    <a:cs typeface="Helvetica" panose="020B0604020202020204" pitchFamily="34" charset="0"/>
+                                  </a:rPr>
+                                </m:ctrlPr>
+                              </m:sSubPr>
+                              <m:e>
+                                <m:r>
+                                  <a:rPr lang="en-AU" sz="1355" i="1">
+                                    <a:latin typeface="Cambria Math" panose="02040503050406030204" pitchFamily="18" charset="0"/>
+                                    <a:ea typeface="Cambria Math" panose="02040503050406030204" pitchFamily="18" charset="0"/>
+                                    <a:cs typeface="Helvetica" panose="020B0604020202020204" pitchFamily="34" charset="0"/>
+                                  </a:rPr>
+                                  <m:t>𝑛</m:t>
+                                </m:r>
+                              </m:e>
+                              <m:sub>
+                                <m:r>
+                                  <a:rPr lang="en-AU" sz="1355" i="1">
+                                    <a:latin typeface="Cambria Math" panose="02040503050406030204" pitchFamily="18" charset="0"/>
+                                    <a:ea typeface="Cambria Math" panose="02040503050406030204" pitchFamily="18" charset="0"/>
+                                    <a:cs typeface="Helvetica" panose="020B0604020202020204" pitchFamily="34" charset="0"/>
+                                  </a:rPr>
+                                  <m:t>𝑆</m:t>
+                                </m:r>
+                              </m:sub>
+                            </m:sSub>
+                          </m:sub>
+                        </m:sSub>
+                        <m:r>
+                          <a:rPr lang="en-AU" sz="1355" i="1">
+                            <a:latin typeface="Cambria Math" panose="02040503050406030204" pitchFamily="18" charset="0"/>
+                            <a:ea typeface="Cambria Math" panose="02040503050406030204" pitchFamily="18" charset="0"/>
+                            <a:cs typeface="Helvetica" panose="020B0604020202020204" pitchFamily="34" charset="0"/>
+                          </a:rPr>
+                          <m:t> </m:t>
+                        </m:r>
+                      </m:sub>
+                    </m:sSub>
+                  </m:oMath>
+                </a14:m>
+                <a:endParaRPr lang="en-AU" sz="1355" b="1" dirty="0"/>
+              </a:p>
+            </p:txBody>
+          </p:sp>
+        </mc:Choice>
+        <mc:Fallback>
+          <p:sp>
+            <p:nvSpPr>
+              <p:cNvPr id="95" name="TextBox 94"/>
+              <p:cNvSpPr txBox="1">
+                <a:spLocks noRot="1" noChangeAspect="1" noMove="1" noResize="1" noEditPoints="1" noAdjustHandles="1" noChangeArrowheads="1" noChangeShapeType="1" noTextEdit="1"/>
+              </p:cNvSpPr>
+              <p:nvPr/>
+            </p:nvSpPr>
+            <p:spPr>
+              <a:xfrm>
+                <a:off x="1290251" y="7651992"/>
+                <a:ext cx="1910755" cy="352276"/>
+              </a:xfrm>
+              <a:prstGeom prst="rect">
+                <a:avLst/>
+              </a:prstGeom>
+              <a:blipFill rotWithShape="0">
+                <a:blip r:embed="rId26"/>
+                <a:stretch>
+                  <a:fillRect/>
+                </a:stretch>
+              </a:blipFill>
+              <a:effectLst>
+                <a:glow rad="228600">
+                  <a:schemeClr val="accent1">
+                    <a:satMod val="175000"/>
+                    <a:alpha val="40000"/>
+                  </a:schemeClr>
+                </a:glow>
+                <a:softEdge rad="0"/>
+              </a:effectLst>
+            </p:spPr>
+            <p:txBody>
+              <a:bodyPr/>
+              <a:lstStyle/>
+              <a:p>
+                <a:r>
+                  <a:rPr lang="en-AU">
+                    <a:noFill/>
+                  </a:rPr>
+                  <a:t> </a:t>
+                </a:r>
+              </a:p>
+            </p:txBody>
+          </p:sp>
+        </mc:Fallback>
+      </mc:AlternateContent>
       <p:cxnSp>
         <p:nvCxnSpPr>
-          <p:cNvPr id="15" name="Straight Arrow Connector 14"/>
+          <p:cNvPr id="111" name="Curved Connector 110"/>
           <p:cNvCxnSpPr>
-            <a:stCxn id="4" idx="3"/>
-            <a:endCxn id="6" idx="1"/>
+            <a:stCxn id="14" idx="2"/>
+            <a:endCxn id="16" idx="0"/>
           </p:cNvCxnSpPr>
           <p:nvPr/>
         </p:nvCxnSpPr>
         <p:spPr>
-          <a:xfrm flipV="1">
-            <a:off x="2312644" y="854596"/>
-            <a:ext cx="1042408" cy="7622"/>
+          <a:xfrm flipH="1">
+            <a:off x="5400499" y="585872"/>
+            <a:ext cx="3" cy="411093"/>
           </a:xfrm>
           <a:prstGeom prst="straightConnector1">
             <a:avLst/>
           </a:prstGeom>
           <a:ln>
-            <a:tailEnd type="triangle"/>
+            <a:tailEnd type="triangle" w="lg" len="lg"/>
           </a:ln>
         </p:spPr>
         <p:style>
-          <a:lnRef idx="1">
-            <a:schemeClr val="accent1"/>
+          <a:lnRef idx="3">
+            <a:schemeClr val="accent3"/>
           </a:lnRef>
           <a:fillRef idx="0">
-            <a:schemeClr val="accent1"/>
+            <a:schemeClr val="accent3"/>
           </a:fillRef>
-          <a:effectRef idx="0">
-            <a:schemeClr val="accent1"/>
+          <a:effectRef idx="2">
+            <a:schemeClr val="accent3"/>
           </a:effectRef>
           <a:fontRef idx="minor">
             <a:schemeClr val="tx1"/>
@@ -4774,34 +10051,34 @@
       </p:cxnSp>
       <p:cxnSp>
         <p:nvCxnSpPr>
-          <p:cNvPr id="17" name="Straight Arrow Connector 16"/>
+          <p:cNvPr id="113" name="Curved Connector 112"/>
           <p:cNvCxnSpPr>
-            <a:stCxn id="7" idx="3"/>
-            <a:endCxn id="8" idx="1"/>
+            <a:stCxn id="16" idx="2"/>
+            <a:endCxn id="9" idx="0"/>
           </p:cNvCxnSpPr>
           <p:nvPr/>
         </p:nvCxnSpPr>
         <p:spPr>
-          <a:xfrm flipV="1">
-            <a:off x="5727936" y="862218"/>
-            <a:ext cx="1042408" cy="10614"/>
+          <a:xfrm>
+            <a:off x="5400499" y="1439476"/>
+            <a:ext cx="6" cy="399024"/>
           </a:xfrm>
           <a:prstGeom prst="straightConnector1">
             <a:avLst/>
           </a:prstGeom>
           <a:ln>
-            <a:tailEnd type="triangle"/>
+            <a:tailEnd type="triangle" w="lg" len="lg"/>
           </a:ln>
         </p:spPr>
         <p:style>
-          <a:lnRef idx="1">
-            <a:schemeClr val="accent1"/>
+          <a:lnRef idx="3">
+            <a:schemeClr val="accent3"/>
           </a:lnRef>
           <a:fillRef idx="0">
-            <a:schemeClr val="accent1"/>
+            <a:schemeClr val="accent3"/>
           </a:fillRef>
-          <a:effectRef idx="0">
-            <a:schemeClr val="accent1"/>
+          <a:effectRef idx="2">
+            <a:schemeClr val="accent3"/>
           </a:effectRef>
           <a:fontRef idx="minor">
             <a:schemeClr val="tx1"/>
@@ -4810,34 +10087,34 @@
       </p:cxnSp>
       <p:cxnSp>
         <p:nvCxnSpPr>
-          <p:cNvPr id="19" name="Straight Arrow Connector 18"/>
+          <p:cNvPr id="115" name="Curved Connector 114"/>
           <p:cNvCxnSpPr>
-            <a:stCxn id="8" idx="2"/>
-            <a:endCxn id="10" idx="0"/>
+            <a:stCxn id="107" idx="1"/>
+            <a:endCxn id="32" idx="3"/>
           </p:cNvCxnSpPr>
           <p:nvPr/>
         </p:nvCxnSpPr>
         <p:spPr>
-          <a:xfrm>
-            <a:off x="7690622" y="1231551"/>
-            <a:ext cx="0" cy="671034"/>
+          <a:xfrm flipH="1">
+            <a:off x="4314200" y="1225487"/>
+            <a:ext cx="231970" cy="2816"/>
           </a:xfrm>
           <a:prstGeom prst="straightConnector1">
             <a:avLst/>
           </a:prstGeom>
           <a:ln>
-            <a:tailEnd type="triangle"/>
+            <a:tailEnd type="triangle" w="lg" len="lg"/>
           </a:ln>
         </p:spPr>
         <p:style>
-          <a:lnRef idx="1">
-            <a:schemeClr val="accent1"/>
+          <a:lnRef idx="3">
+            <a:schemeClr val="accent3"/>
           </a:lnRef>
           <a:fillRef idx="0">
-            <a:schemeClr val="accent1"/>
+            <a:schemeClr val="accent3"/>
           </a:fillRef>
-          <a:effectRef idx="0">
-            <a:schemeClr val="accent1"/>
+          <a:effectRef idx="2">
+            <a:schemeClr val="accent3"/>
           </a:effectRef>
           <a:fontRef idx="minor">
             <a:schemeClr val="tx1"/>
@@ -4846,50 +10123,1002 @@
       </p:cxnSp>
       <p:cxnSp>
         <p:nvCxnSpPr>
-          <p:cNvPr id="21" name="Curved Connector 20"/>
+          <p:cNvPr id="117" name="Curved Connector 116"/>
           <p:cNvCxnSpPr>
-            <a:stCxn id="11" idx="1"/>
-            <a:endCxn id="6" idx="2"/>
+            <a:stCxn id="32" idx="1"/>
+            <a:endCxn id="106" idx="3"/>
           </p:cNvCxnSpPr>
           <p:nvPr/>
         </p:nvCxnSpPr>
         <p:spPr>
-          <a:xfrm rot="10800000">
-            <a:off x="4541494" y="1457607"/>
-            <a:ext cx="2228850" cy="706590"/>
-          </a:xfrm>
-          <a:prstGeom prst="curvedConnector2">
+          <a:xfrm flipH="1" flipV="1">
+            <a:off x="2857997" y="1225487"/>
+            <a:ext cx="250290" cy="2816"/>
+          </a:xfrm>
+          <a:prstGeom prst="straightConnector1">
             <a:avLst/>
           </a:prstGeom>
           <a:ln>
-            <a:tailEnd type="triangle"/>
+            <a:tailEnd type="triangle" w="lg" len="lg"/>
           </a:ln>
         </p:spPr>
         <p:style>
-          <a:lnRef idx="1">
-            <a:schemeClr val="accent1"/>
+          <a:lnRef idx="3">
+            <a:schemeClr val="accent3"/>
           </a:lnRef>
           <a:fillRef idx="0">
-            <a:schemeClr val="accent1"/>
+            <a:schemeClr val="accent3"/>
           </a:fillRef>
-          <a:effectRef idx="0">
-            <a:schemeClr val="accent1"/>
+          <a:effectRef idx="2">
+            <a:schemeClr val="accent3"/>
           </a:effectRef>
           <a:fontRef idx="minor">
             <a:schemeClr val="tx1"/>
           </a:fontRef>
         </p:style>
       </p:cxnSp>
-      <p:sp>
-        <p:nvSpPr>
-          <p:cNvPr id="31" name="TextBox 30"/>
+      <p:cxnSp>
+        <p:nvCxnSpPr>
+          <p:cNvPr id="119" name="Curved Connector 118"/>
+          <p:cNvCxnSpPr>
+            <a:stCxn id="12" idx="2"/>
+            <a:endCxn id="50" idx="0"/>
+          </p:cNvCxnSpPr>
+          <p:nvPr/>
+        </p:nvCxnSpPr>
+        <p:spPr>
+          <a:xfrm>
+            <a:off x="2002587" y="585872"/>
+            <a:ext cx="1081" cy="411089"/>
+          </a:xfrm>
+          <a:prstGeom prst="straightConnector1">
+            <a:avLst/>
+          </a:prstGeom>
+          <a:ln>
+            <a:tailEnd type="triangle" w="lg" len="lg"/>
+          </a:ln>
+        </p:spPr>
+        <p:style>
+          <a:lnRef idx="3">
+            <a:schemeClr val="accent3"/>
+          </a:lnRef>
+          <a:fillRef idx="0">
+            <a:schemeClr val="accent3"/>
+          </a:fillRef>
+          <a:effectRef idx="2">
+            <a:schemeClr val="accent3"/>
+          </a:effectRef>
+          <a:fontRef idx="minor">
+            <a:schemeClr val="tx1"/>
+          </a:fontRef>
+        </p:style>
+      </p:cxnSp>
+      <p:cxnSp>
+        <p:nvCxnSpPr>
+          <p:cNvPr id="121" name="Curved Connector 120"/>
+          <p:cNvCxnSpPr>
+            <a:stCxn id="50" idx="2"/>
+            <a:endCxn id="4" idx="0"/>
+          </p:cNvCxnSpPr>
+          <p:nvPr/>
+        </p:nvCxnSpPr>
+        <p:spPr>
+          <a:xfrm flipH="1">
+            <a:off x="2002586" y="1452069"/>
+            <a:ext cx="1082" cy="404824"/>
+          </a:xfrm>
+          <a:prstGeom prst="straightConnector1">
+            <a:avLst/>
+          </a:prstGeom>
+          <a:ln>
+            <a:tailEnd type="triangle" w="lg" len="lg"/>
+          </a:ln>
+        </p:spPr>
+        <p:style>
+          <a:lnRef idx="3">
+            <a:schemeClr val="accent3"/>
+          </a:lnRef>
+          <a:fillRef idx="0">
+            <a:schemeClr val="accent3"/>
+          </a:fillRef>
+          <a:effectRef idx="2">
+            <a:schemeClr val="accent3"/>
+          </a:effectRef>
+          <a:fontRef idx="minor">
+            <a:schemeClr val="tx1"/>
+          </a:fontRef>
+        </p:style>
+      </p:cxnSp>
+      <p:cxnSp>
+        <p:nvCxnSpPr>
+          <p:cNvPr id="126" name="Curved Connector 125"/>
+          <p:cNvCxnSpPr>
+            <a:stCxn id="7" idx="2"/>
+            <a:endCxn id="62" idx="1"/>
+          </p:cNvCxnSpPr>
+          <p:nvPr/>
+        </p:nvCxnSpPr>
+        <p:spPr>
+          <a:xfrm rot="5400000">
+            <a:off x="955071" y="2420827"/>
+            <a:ext cx="1310592" cy="784432"/>
+          </a:xfrm>
+          <a:prstGeom prst="curvedConnector4">
+            <a:avLst>
+              <a:gd name="adj1" fmla="val 26792"/>
+              <a:gd name="adj2" fmla="val 129142"/>
+            </a:avLst>
+          </a:prstGeom>
+          <a:ln>
+            <a:tailEnd type="triangle" w="lg" len="lg"/>
+          </a:ln>
+        </p:spPr>
+        <p:style>
+          <a:lnRef idx="3">
+            <a:schemeClr val="accent3"/>
+          </a:lnRef>
+          <a:fillRef idx="0">
+            <a:schemeClr val="accent3"/>
+          </a:fillRef>
+          <a:effectRef idx="2">
+            <a:schemeClr val="accent3"/>
+          </a:effectRef>
+          <a:fontRef idx="minor">
+            <a:schemeClr val="tx1"/>
+          </a:fontRef>
+        </p:style>
+      </p:cxnSp>
+      <p:cxnSp>
+        <p:nvCxnSpPr>
+          <p:cNvPr id="128" name="Curved Connector 127"/>
+          <p:cNvCxnSpPr>
+            <a:stCxn id="8" idx="2"/>
+            <a:endCxn id="62" idx="0"/>
+          </p:cNvCxnSpPr>
+          <p:nvPr/>
+        </p:nvCxnSpPr>
+        <p:spPr>
+          <a:xfrm rot="5400000">
+            <a:off x="3444963" y="904479"/>
+            <a:ext cx="756468" cy="3154609"/>
+          </a:xfrm>
+          <a:prstGeom prst="curvedConnector3">
+            <a:avLst/>
+          </a:prstGeom>
+          <a:ln>
+            <a:tailEnd type="triangle" w="lg" len="lg"/>
+          </a:ln>
+        </p:spPr>
+        <p:style>
+          <a:lnRef idx="3">
+            <a:schemeClr val="accent3"/>
+          </a:lnRef>
+          <a:fillRef idx="0">
+            <a:schemeClr val="accent3"/>
+          </a:fillRef>
+          <a:effectRef idx="2">
+            <a:schemeClr val="accent3"/>
+          </a:effectRef>
+          <a:fontRef idx="minor">
+            <a:schemeClr val="tx1"/>
+          </a:fontRef>
+        </p:style>
+      </p:cxnSp>
+      <p:cxnSp>
+        <p:nvCxnSpPr>
+          <p:cNvPr id="131" name="Curved Connector 130"/>
+          <p:cNvCxnSpPr>
+            <a:stCxn id="10" idx="2"/>
+            <a:endCxn id="89" idx="0"/>
+          </p:cNvCxnSpPr>
+          <p:nvPr/>
+        </p:nvCxnSpPr>
+        <p:spPr>
+          <a:xfrm>
+            <a:off x="7379039" y="585874"/>
+            <a:ext cx="10060" cy="963990"/>
+          </a:xfrm>
+          <a:prstGeom prst="straightConnector1">
+            <a:avLst/>
+          </a:prstGeom>
+          <a:ln>
+            <a:tailEnd type="triangle" w="lg" len="lg"/>
+          </a:ln>
+        </p:spPr>
+        <p:style>
+          <a:lnRef idx="3">
+            <a:schemeClr val="accent3"/>
+          </a:lnRef>
+          <a:fillRef idx="0">
+            <a:schemeClr val="accent3"/>
+          </a:fillRef>
+          <a:effectRef idx="2">
+            <a:schemeClr val="accent3"/>
+          </a:effectRef>
+          <a:fontRef idx="minor">
+            <a:schemeClr val="tx1"/>
+          </a:fontRef>
+        </p:style>
+      </p:cxnSp>
+      <p:cxnSp>
+        <p:nvCxnSpPr>
+          <p:cNvPr id="139" name="Curved Connector 138"/>
+          <p:cNvCxnSpPr>
+            <a:stCxn id="8" idx="3"/>
+            <a:endCxn id="89" idx="1"/>
+          </p:cNvCxnSpPr>
+          <p:nvPr/>
+        </p:nvCxnSpPr>
+        <p:spPr>
+          <a:xfrm>
+            <a:off x="6184940" y="1971021"/>
+            <a:ext cx="349830" cy="2805"/>
+          </a:xfrm>
+          <a:prstGeom prst="straightConnector1">
+            <a:avLst/>
+          </a:prstGeom>
+          <a:ln>
+            <a:tailEnd type="triangle" w="lg" len="lg"/>
+          </a:ln>
+        </p:spPr>
+        <p:style>
+          <a:lnRef idx="3">
+            <a:schemeClr val="accent3"/>
+          </a:lnRef>
+          <a:fillRef idx="0">
+            <a:schemeClr val="accent3"/>
+          </a:fillRef>
+          <a:effectRef idx="2">
+            <a:schemeClr val="accent3"/>
+          </a:effectRef>
+          <a:fontRef idx="minor">
+            <a:schemeClr val="tx1"/>
+          </a:fontRef>
+        </p:style>
+      </p:cxnSp>
+      <p:cxnSp>
+        <p:nvCxnSpPr>
+          <p:cNvPr id="141" name="Curved Connector 140"/>
+          <p:cNvCxnSpPr>
+            <a:stCxn id="88" idx="2"/>
+            <a:endCxn id="52" idx="0"/>
+          </p:cNvCxnSpPr>
+          <p:nvPr/>
+        </p:nvCxnSpPr>
+        <p:spPr>
+          <a:xfrm rot="5400000">
+            <a:off x="6803985" y="2105437"/>
+            <a:ext cx="282918" cy="887310"/>
+          </a:xfrm>
+          <a:prstGeom prst="curvedConnector3">
+            <a:avLst/>
+          </a:prstGeom>
+          <a:ln>
+            <a:tailEnd type="triangle" w="lg" len="lg"/>
+          </a:ln>
+        </p:spPr>
+        <p:style>
+          <a:lnRef idx="3">
+            <a:schemeClr val="accent3"/>
+          </a:lnRef>
+          <a:fillRef idx="0">
+            <a:schemeClr val="accent3"/>
+          </a:fillRef>
+          <a:effectRef idx="2">
+            <a:schemeClr val="accent3"/>
+          </a:effectRef>
+          <a:fontRef idx="minor">
+            <a:schemeClr val="tx1"/>
+          </a:fontRef>
+        </p:style>
+      </p:cxnSp>
+      <p:cxnSp>
+        <p:nvCxnSpPr>
+          <p:cNvPr id="146" name="Curved Connector 145"/>
+          <p:cNvCxnSpPr>
+            <a:stCxn id="62" idx="2"/>
+            <a:endCxn id="73" idx="0"/>
+          </p:cNvCxnSpPr>
+          <p:nvPr/>
+        </p:nvCxnSpPr>
+        <p:spPr>
+          <a:xfrm>
+            <a:off x="2245896" y="4076664"/>
+            <a:ext cx="17968" cy="1549208"/>
+          </a:xfrm>
+          <a:prstGeom prst="straightConnector1">
+            <a:avLst/>
+          </a:prstGeom>
+          <a:ln>
+            <a:tailEnd type="triangle" w="lg" len="lg"/>
+          </a:ln>
+        </p:spPr>
+        <p:style>
+          <a:lnRef idx="3">
+            <a:schemeClr val="accent3"/>
+          </a:lnRef>
+          <a:fillRef idx="0">
+            <a:schemeClr val="accent3"/>
+          </a:fillRef>
+          <a:effectRef idx="2">
+            <a:schemeClr val="accent3"/>
+          </a:effectRef>
+          <a:fontRef idx="minor">
+            <a:schemeClr val="tx1"/>
+          </a:fontRef>
+        </p:style>
+      </p:cxnSp>
+      <p:cxnSp>
+        <p:nvCxnSpPr>
+          <p:cNvPr id="148" name="Curved Connector 147"/>
+          <p:cNvCxnSpPr>
+            <a:stCxn id="52" idx="1"/>
+            <a:endCxn id="73" idx="3"/>
+          </p:cNvCxnSpPr>
+          <p:nvPr/>
+        </p:nvCxnSpPr>
+        <p:spPr>
+          <a:xfrm rot="10800000" flipV="1">
+            <a:off x="3234149" y="3833196"/>
+            <a:ext cx="1478207" cy="1943102"/>
+          </a:xfrm>
+          <a:prstGeom prst="curvedConnector3">
+            <a:avLst>
+              <a:gd name="adj1" fmla="val 50000"/>
+            </a:avLst>
+          </a:prstGeom>
+          <a:ln>
+            <a:tailEnd type="triangle" w="lg" len="lg"/>
+          </a:ln>
+        </p:spPr>
+        <p:style>
+          <a:lnRef idx="3">
+            <a:schemeClr val="accent3"/>
+          </a:lnRef>
+          <a:fillRef idx="0">
+            <a:schemeClr val="accent3"/>
+          </a:fillRef>
+          <a:effectRef idx="2">
+            <a:schemeClr val="accent3"/>
+          </a:effectRef>
+          <a:fontRef idx="minor">
+            <a:schemeClr val="tx1"/>
+          </a:fontRef>
+        </p:style>
+      </p:cxnSp>
+      <p:cxnSp>
+        <p:nvCxnSpPr>
+          <p:cNvPr id="154" name="Curved Connector 153"/>
+          <p:cNvCxnSpPr>
+            <a:stCxn id="52" idx="2"/>
+            <a:endCxn id="74" idx="0"/>
+          </p:cNvCxnSpPr>
+          <p:nvPr/>
+        </p:nvCxnSpPr>
+        <p:spPr>
+          <a:xfrm rot="5400000">
+            <a:off x="5030059" y="4487272"/>
+            <a:ext cx="983162" cy="1960298"/>
+          </a:xfrm>
+          <a:prstGeom prst="curvedConnector3">
+            <a:avLst/>
+          </a:prstGeom>
+          <a:ln>
+            <a:tailEnd type="triangle" w="lg" len="lg"/>
+          </a:ln>
+        </p:spPr>
+        <p:style>
+          <a:lnRef idx="3">
+            <a:schemeClr val="accent3"/>
+          </a:lnRef>
+          <a:fillRef idx="0">
+            <a:schemeClr val="accent3"/>
+          </a:fillRef>
+          <a:effectRef idx="2">
+            <a:schemeClr val="accent3"/>
+          </a:effectRef>
+          <a:fontRef idx="minor">
+            <a:schemeClr val="tx1"/>
+          </a:fontRef>
+        </p:style>
+      </p:cxnSp>
+      <p:cxnSp>
+        <p:nvCxnSpPr>
+          <p:cNvPr id="156" name="Curved Connector 155"/>
+          <p:cNvCxnSpPr>
+            <a:stCxn id="62" idx="2"/>
+            <a:endCxn id="74" idx="0"/>
+          </p:cNvCxnSpPr>
+          <p:nvPr/>
+        </p:nvCxnSpPr>
+        <p:spPr>
+          <a:xfrm rot="16200000" flipH="1">
+            <a:off x="2452528" y="3870041"/>
+            <a:ext cx="1882341" cy="2295597"/>
+          </a:xfrm>
+          <a:prstGeom prst="curvedConnector3">
+            <a:avLst>
+              <a:gd name="adj1" fmla="val 50000"/>
+            </a:avLst>
+          </a:prstGeom>
+          <a:ln>
+            <a:tailEnd type="triangle" w="lg" len="lg"/>
+          </a:ln>
+        </p:spPr>
+        <p:style>
+          <a:lnRef idx="3">
+            <a:schemeClr val="accent3"/>
+          </a:lnRef>
+          <a:fillRef idx="0">
+            <a:schemeClr val="accent3"/>
+          </a:fillRef>
+          <a:effectRef idx="2">
+            <a:schemeClr val="accent3"/>
+          </a:effectRef>
+          <a:fontRef idx="minor">
+            <a:schemeClr val="tx1"/>
+          </a:fontRef>
+        </p:style>
+      </p:cxnSp>
+      <p:cxnSp>
+        <p:nvCxnSpPr>
+          <p:cNvPr id="158" name="Curved Connector 157"/>
+          <p:cNvCxnSpPr>
+            <a:stCxn id="52" idx="2"/>
+            <a:endCxn id="77" idx="0"/>
+          </p:cNvCxnSpPr>
+          <p:nvPr/>
+        </p:nvCxnSpPr>
+        <p:spPr>
+          <a:xfrm rot="16200000" flipH="1">
+            <a:off x="6507434" y="4970200"/>
+            <a:ext cx="865958" cy="877249"/>
+          </a:xfrm>
+          <a:prstGeom prst="curvedConnector3">
+            <a:avLst/>
+          </a:prstGeom>
+          <a:ln>
+            <a:solidFill>
+              <a:srgbClr val="00B050"/>
+            </a:solidFill>
+            <a:tailEnd type="triangle" w="lg" len="lg"/>
+          </a:ln>
+        </p:spPr>
+        <p:style>
+          <a:lnRef idx="3">
+            <a:schemeClr val="accent3"/>
+          </a:lnRef>
+          <a:fillRef idx="0">
+            <a:schemeClr val="accent3"/>
+          </a:fillRef>
+          <a:effectRef idx="2">
+            <a:schemeClr val="accent3"/>
+          </a:effectRef>
+          <a:fontRef idx="minor">
+            <a:schemeClr val="tx1"/>
+          </a:fontRef>
+        </p:style>
+      </p:cxnSp>
+      <p:cxnSp>
+        <p:nvCxnSpPr>
+          <p:cNvPr id="160" name="Curved Connector 159"/>
+          <p:cNvCxnSpPr>
+            <a:stCxn id="62" idx="3"/>
+            <a:endCxn id="76" idx="1"/>
+          </p:cNvCxnSpPr>
+          <p:nvPr/>
+        </p:nvCxnSpPr>
+        <p:spPr>
+          <a:xfrm>
+            <a:off x="3273643" y="3468338"/>
+            <a:ext cx="3459287" cy="2649244"/>
+          </a:xfrm>
+          <a:prstGeom prst="curvedConnector3">
+            <a:avLst>
+              <a:gd name="adj1" fmla="val 38810"/>
+            </a:avLst>
+          </a:prstGeom>
+          <a:ln>
+            <a:tailEnd type="triangle" w="lg" len="lg"/>
+          </a:ln>
+        </p:spPr>
+        <p:style>
+          <a:lnRef idx="3">
+            <a:schemeClr val="accent3"/>
+          </a:lnRef>
+          <a:fillRef idx="0">
+            <a:schemeClr val="accent3"/>
+          </a:fillRef>
+          <a:effectRef idx="2">
+            <a:schemeClr val="accent3"/>
+          </a:effectRef>
+          <a:fontRef idx="minor">
+            <a:schemeClr val="tx1"/>
+          </a:fontRef>
+        </p:style>
+      </p:cxnSp>
+      <p:cxnSp>
+        <p:nvCxnSpPr>
+          <p:cNvPr id="162" name="Curved Connector 161"/>
+          <p:cNvCxnSpPr>
+            <a:stCxn id="72" idx="2"/>
+            <a:endCxn id="93" idx="0"/>
+          </p:cNvCxnSpPr>
+          <p:nvPr/>
+        </p:nvCxnSpPr>
+        <p:spPr>
+          <a:xfrm flipH="1">
+            <a:off x="2245629" y="5951849"/>
+            <a:ext cx="18235" cy="1013601"/>
+          </a:xfrm>
+          <a:prstGeom prst="straightConnector1">
+            <a:avLst/>
+          </a:prstGeom>
+          <a:ln>
+            <a:solidFill>
+              <a:srgbClr val="FFC000"/>
+            </a:solidFill>
+            <a:tailEnd type="triangle" w="lg" len="lg"/>
+          </a:ln>
+        </p:spPr>
+        <p:style>
+          <a:lnRef idx="3">
+            <a:schemeClr val="accent3"/>
+          </a:lnRef>
+          <a:fillRef idx="0">
+            <a:schemeClr val="accent3"/>
+          </a:fillRef>
+          <a:effectRef idx="2">
+            <a:schemeClr val="accent3"/>
+          </a:effectRef>
+          <a:fontRef idx="minor">
+            <a:schemeClr val="tx1"/>
+          </a:fontRef>
+        </p:style>
+      </p:cxnSp>
+      <p:cxnSp>
+        <p:nvCxnSpPr>
+          <p:cNvPr id="164" name="Curved Connector 163"/>
+          <p:cNvCxnSpPr>
+            <a:stCxn id="74" idx="1"/>
+            <a:endCxn id="93" idx="0"/>
+          </p:cNvCxnSpPr>
+          <p:nvPr/>
+        </p:nvCxnSpPr>
+        <p:spPr>
+          <a:xfrm rot="10800000" flipV="1">
+            <a:off x="2245629" y="6121996"/>
+            <a:ext cx="1325580" cy="843454"/>
+          </a:xfrm>
+          <a:prstGeom prst="curvedConnector2">
+            <a:avLst/>
+          </a:prstGeom>
+          <a:ln>
+            <a:solidFill>
+              <a:srgbClr val="FFC000"/>
+            </a:solidFill>
+            <a:tailEnd type="triangle" w="lg" len="lg"/>
+          </a:ln>
+        </p:spPr>
+        <p:style>
+          <a:lnRef idx="3">
+            <a:schemeClr val="accent3"/>
+          </a:lnRef>
+          <a:fillRef idx="0">
+            <a:schemeClr val="accent3"/>
+          </a:fillRef>
+          <a:effectRef idx="2">
+            <a:schemeClr val="accent3"/>
+          </a:effectRef>
+          <a:fontRef idx="minor">
+            <a:schemeClr val="tx1"/>
+          </a:fontRef>
+        </p:style>
+      </p:cxnSp>
+      <p:cxnSp>
+        <p:nvCxnSpPr>
+          <p:cNvPr id="166" name="Curved Connector 165"/>
+          <p:cNvCxnSpPr>
+            <a:stCxn id="93" idx="2"/>
+            <a:endCxn id="95" idx="0"/>
+          </p:cNvCxnSpPr>
+          <p:nvPr/>
+        </p:nvCxnSpPr>
+        <p:spPr>
+          <a:xfrm>
+            <a:off x="2245629" y="7317726"/>
+            <a:ext cx="0" cy="334266"/>
+          </a:xfrm>
+          <a:prstGeom prst="straightConnector1">
+            <a:avLst/>
+          </a:prstGeom>
+          <a:ln>
+            <a:solidFill>
+              <a:srgbClr val="FFC000"/>
+            </a:solidFill>
+            <a:tailEnd type="triangle" w="lg" len="lg"/>
+          </a:ln>
+        </p:spPr>
+        <p:style>
+          <a:lnRef idx="3">
+            <a:schemeClr val="accent3"/>
+          </a:lnRef>
+          <a:fillRef idx="0">
+            <a:schemeClr val="accent3"/>
+          </a:fillRef>
+          <a:effectRef idx="2">
+            <a:schemeClr val="accent3"/>
+          </a:effectRef>
+          <a:fontRef idx="minor">
+            <a:schemeClr val="tx1"/>
+          </a:fontRef>
+        </p:style>
+      </p:cxnSp>
+      <p:cxnSp>
+        <p:nvCxnSpPr>
+          <p:cNvPr id="168" name="Curved Connector 167"/>
+          <p:cNvCxnSpPr>
+            <a:stCxn id="94" idx="2"/>
+            <a:endCxn id="87" idx="0"/>
+          </p:cNvCxnSpPr>
+          <p:nvPr/>
+        </p:nvCxnSpPr>
+        <p:spPr>
+          <a:xfrm flipH="1">
+            <a:off x="2243424" y="7957484"/>
+            <a:ext cx="2202" cy="375148"/>
+          </a:xfrm>
+          <a:prstGeom prst="straightConnector1">
+            <a:avLst/>
+          </a:prstGeom>
+          <a:ln>
+            <a:solidFill>
+              <a:srgbClr val="FFC000"/>
+            </a:solidFill>
+            <a:tailEnd type="triangle" w="lg" len="lg"/>
+          </a:ln>
+        </p:spPr>
+        <p:style>
+          <a:lnRef idx="3">
+            <a:schemeClr val="accent3"/>
+          </a:lnRef>
+          <a:fillRef idx="0">
+            <a:schemeClr val="accent3"/>
+          </a:fillRef>
+          <a:effectRef idx="2">
+            <a:schemeClr val="accent3"/>
+          </a:effectRef>
+          <a:fontRef idx="minor">
+            <a:schemeClr val="tx1"/>
+          </a:fontRef>
+        </p:style>
+      </p:cxnSp>
+      <p:cxnSp>
+        <p:nvCxnSpPr>
+          <p:cNvPr id="170" name="Curved Connector 169"/>
+          <p:cNvCxnSpPr>
+            <a:stCxn id="72" idx="2"/>
+            <a:endCxn id="90" idx="0"/>
+          </p:cNvCxnSpPr>
+          <p:nvPr/>
+        </p:nvCxnSpPr>
+        <p:spPr>
+          <a:xfrm rot="16200000" flipH="1">
+            <a:off x="2453599" y="5762114"/>
+            <a:ext cx="1307070" cy="1686540"/>
+          </a:xfrm>
+          <a:prstGeom prst="curvedConnector3">
+            <a:avLst/>
+          </a:prstGeom>
+          <a:ln>
+            <a:solidFill>
+              <a:srgbClr val="F1650F"/>
+            </a:solidFill>
+            <a:tailEnd type="triangle" w="lg" len="lg"/>
+          </a:ln>
+        </p:spPr>
+        <p:style>
+          <a:lnRef idx="3">
+            <a:schemeClr val="accent3"/>
+          </a:lnRef>
+          <a:fillRef idx="0">
+            <a:schemeClr val="accent3"/>
+          </a:fillRef>
+          <a:effectRef idx="2">
+            <a:schemeClr val="accent3"/>
+          </a:effectRef>
+          <a:fontRef idx="minor">
+            <a:schemeClr val="tx1"/>
+          </a:fontRef>
+        </p:style>
+      </p:cxnSp>
+      <p:cxnSp>
+        <p:nvCxnSpPr>
+          <p:cNvPr id="172" name="Curved Connector 171"/>
+          <p:cNvCxnSpPr>
+            <a:stCxn id="74" idx="2"/>
+            <a:endCxn id="90" idx="3"/>
+          </p:cNvCxnSpPr>
+          <p:nvPr/>
+        </p:nvCxnSpPr>
+        <p:spPr>
+          <a:xfrm rot="5400000">
+            <a:off x="3738277" y="6960170"/>
+            <a:ext cx="1478403" cy="128025"/>
+          </a:xfrm>
+          <a:prstGeom prst="curvedConnector2">
+            <a:avLst/>
+          </a:prstGeom>
+          <a:ln>
+            <a:solidFill>
+              <a:srgbClr val="F1650F"/>
+            </a:solidFill>
+            <a:tailEnd type="triangle" w="lg" len="lg"/>
+          </a:ln>
+        </p:spPr>
+        <p:style>
+          <a:lnRef idx="3">
+            <a:schemeClr val="accent3"/>
+          </a:lnRef>
+          <a:fillRef idx="0">
+            <a:schemeClr val="accent3"/>
+          </a:fillRef>
+          <a:effectRef idx="2">
+            <a:schemeClr val="accent3"/>
+          </a:effectRef>
+          <a:fontRef idx="minor">
+            <a:schemeClr val="tx1"/>
+          </a:fontRef>
+        </p:style>
+      </p:cxnSp>
+      <p:cxnSp>
+        <p:nvCxnSpPr>
+          <p:cNvPr id="174" name="Curved Connector 173"/>
+          <p:cNvCxnSpPr>
+            <a:stCxn id="72" idx="2"/>
+            <a:endCxn id="84" idx="0"/>
+          </p:cNvCxnSpPr>
+          <p:nvPr/>
+        </p:nvCxnSpPr>
+        <p:spPr>
+          <a:xfrm rot="16200000" flipH="1">
+            <a:off x="3227749" y="4987970"/>
+            <a:ext cx="1281771" cy="3209529"/>
+          </a:xfrm>
+          <a:prstGeom prst="curvedConnector3">
+            <a:avLst>
+              <a:gd name="adj1" fmla="val 50000"/>
+            </a:avLst>
+          </a:prstGeom>
+          <a:ln>
+            <a:solidFill>
+              <a:srgbClr val="00B0F0"/>
+            </a:solidFill>
+            <a:tailEnd type="triangle" w="lg" len="lg"/>
+          </a:ln>
+        </p:spPr>
+        <p:style>
+          <a:lnRef idx="3">
+            <a:schemeClr val="accent3"/>
+          </a:lnRef>
+          <a:fillRef idx="0">
+            <a:schemeClr val="accent3"/>
+          </a:fillRef>
+          <a:effectRef idx="2">
+            <a:schemeClr val="accent3"/>
+          </a:effectRef>
+          <a:fontRef idx="minor">
+            <a:schemeClr val="tx1"/>
+          </a:fontRef>
+        </p:style>
+      </p:cxnSp>
+      <p:cxnSp>
+        <p:nvCxnSpPr>
+          <p:cNvPr id="176" name="Curved Connector 175"/>
+          <p:cNvCxnSpPr>
+            <a:stCxn id="75" idx="3"/>
+            <a:endCxn id="84" idx="3"/>
+          </p:cNvCxnSpPr>
+          <p:nvPr/>
+        </p:nvCxnSpPr>
+        <p:spPr>
+          <a:xfrm>
+            <a:off x="5511771" y="6109430"/>
+            <a:ext cx="722670" cy="1454250"/>
+          </a:xfrm>
+          <a:prstGeom prst="curvedConnector3">
+            <a:avLst>
+              <a:gd name="adj1" fmla="val 131633"/>
+            </a:avLst>
+          </a:prstGeom>
+          <a:ln>
+            <a:solidFill>
+              <a:srgbClr val="00B0F0"/>
+            </a:solidFill>
+            <a:tailEnd type="triangle" w="lg" len="lg"/>
+          </a:ln>
+        </p:spPr>
+        <p:style>
+          <a:lnRef idx="3">
+            <a:schemeClr val="accent3"/>
+          </a:lnRef>
+          <a:fillRef idx="0">
+            <a:schemeClr val="accent3"/>
+          </a:fillRef>
+          <a:effectRef idx="2">
+            <a:schemeClr val="accent3"/>
+          </a:effectRef>
+          <a:fontRef idx="minor">
+            <a:schemeClr val="tx1"/>
+          </a:fontRef>
+        </p:style>
+      </p:cxnSp>
+      <p:cxnSp>
+        <p:nvCxnSpPr>
+          <p:cNvPr id="178" name="Curved Connector 177"/>
+          <p:cNvCxnSpPr>
+            <a:stCxn id="73" idx="2"/>
+            <a:endCxn id="79" idx="0"/>
+          </p:cNvCxnSpPr>
+          <p:nvPr/>
+        </p:nvCxnSpPr>
+        <p:spPr>
+          <a:xfrm rot="16200000" flipH="1">
+            <a:off x="4236567" y="3954021"/>
+            <a:ext cx="1175596" cy="5121002"/>
+          </a:xfrm>
+          <a:prstGeom prst="curvedConnector3">
+            <a:avLst/>
+          </a:prstGeom>
+          <a:ln>
+            <a:solidFill>
+              <a:srgbClr val="00B050"/>
+            </a:solidFill>
+            <a:tailEnd type="triangle" w="lg" len="lg"/>
+          </a:ln>
+        </p:spPr>
+        <p:style>
+          <a:lnRef idx="3">
+            <a:schemeClr val="accent3"/>
+          </a:lnRef>
+          <a:fillRef idx="0">
+            <a:schemeClr val="accent3"/>
+          </a:fillRef>
+          <a:effectRef idx="2">
+            <a:schemeClr val="accent3"/>
+          </a:effectRef>
+          <a:fontRef idx="minor">
+            <a:schemeClr val="tx1"/>
+          </a:fontRef>
+        </p:style>
+      </p:cxnSp>
+      <p:cxnSp>
+        <p:nvCxnSpPr>
+          <p:cNvPr id="180" name="Curved Connector 179"/>
+          <p:cNvCxnSpPr>
+            <a:stCxn id="76" idx="2"/>
+            <a:endCxn id="79" idx="0"/>
+          </p:cNvCxnSpPr>
+          <p:nvPr/>
+        </p:nvCxnSpPr>
+        <p:spPr>
+          <a:xfrm>
+            <a:off x="7379038" y="6393362"/>
+            <a:ext cx="5828" cy="708958"/>
+          </a:xfrm>
+          <a:prstGeom prst="straightConnector1">
+            <a:avLst/>
+          </a:prstGeom>
+          <a:ln>
+            <a:solidFill>
+              <a:srgbClr val="00B050"/>
+            </a:solidFill>
+            <a:tailEnd type="triangle" w="lg" len="lg"/>
+          </a:ln>
+        </p:spPr>
+        <p:style>
+          <a:lnRef idx="3">
+            <a:schemeClr val="accent3"/>
+          </a:lnRef>
+          <a:fillRef idx="0">
+            <a:schemeClr val="accent3"/>
+          </a:fillRef>
+          <a:effectRef idx="2">
+            <a:schemeClr val="accent3"/>
+          </a:effectRef>
+          <a:fontRef idx="minor">
+            <a:schemeClr val="tx1"/>
+          </a:fontRef>
+        </p:style>
+      </p:cxnSp>
+      <p:cxnSp>
+        <p:nvCxnSpPr>
+          <p:cNvPr id="182" name="Curved Connector 181"/>
+          <p:cNvCxnSpPr>
+            <a:stCxn id="78" idx="2"/>
+            <a:endCxn id="80" idx="0"/>
+          </p:cNvCxnSpPr>
+          <p:nvPr/>
+        </p:nvCxnSpPr>
+        <p:spPr>
+          <a:xfrm>
+            <a:off x="7384866" y="7651996"/>
+            <a:ext cx="4233" cy="829659"/>
+          </a:xfrm>
+          <a:prstGeom prst="straightConnector1">
+            <a:avLst/>
+          </a:prstGeom>
+          <a:ln>
+            <a:solidFill>
+              <a:srgbClr val="00B050"/>
+            </a:solidFill>
+            <a:tailEnd type="triangle" w="lg" len="lg"/>
+          </a:ln>
+        </p:spPr>
+        <p:style>
+          <a:lnRef idx="3">
+            <a:schemeClr val="accent3"/>
+          </a:lnRef>
+          <a:fillRef idx="0">
+            <a:schemeClr val="accent3"/>
+          </a:fillRef>
+          <a:effectRef idx="2">
+            <a:schemeClr val="accent3"/>
+          </a:effectRef>
+          <a:fontRef idx="minor">
+            <a:schemeClr val="tx1"/>
+          </a:fontRef>
+        </p:style>
+      </p:cxnSp>
+      <p:cxnSp>
+        <p:nvCxnSpPr>
+          <p:cNvPr id="184" name="Curved Connector 183"/>
+          <p:cNvCxnSpPr>
+            <a:stCxn id="78" idx="2"/>
+            <a:endCxn id="83" idx="0"/>
+          </p:cNvCxnSpPr>
+          <p:nvPr/>
+        </p:nvCxnSpPr>
+        <p:spPr>
+          <a:xfrm rot="5400000">
+            <a:off x="5664625" y="6791587"/>
+            <a:ext cx="859832" cy="2580651"/>
+          </a:xfrm>
+          <a:prstGeom prst="curvedConnector3">
+            <a:avLst/>
+          </a:prstGeom>
+          <a:ln>
+            <a:solidFill>
+              <a:srgbClr val="00B050"/>
+            </a:solidFill>
+            <a:tailEnd type="triangle" w="lg" len="lg"/>
+          </a:ln>
+        </p:spPr>
+        <p:style>
+          <a:lnRef idx="3">
+            <a:schemeClr val="accent3"/>
+          </a:lnRef>
+          <a:fillRef idx="0">
+            <a:schemeClr val="accent3"/>
+          </a:fillRef>
+          <a:effectRef idx="2">
+            <a:schemeClr val="accent3"/>
+          </a:effectRef>
+          <a:fontRef idx="minor">
+            <a:schemeClr val="tx1"/>
+          </a:fontRef>
+        </p:style>
+      </p:cxnSp>
+      <p:sp>
+        <p:nvSpPr>
+          <p:cNvPr id="106" name="TextBox 105"/>
           <p:cNvSpPr txBox="1"/>
           <p:nvPr/>
         </p:nvSpPr>
         <p:spPr>
           <a:xfrm>
-            <a:off x="472088" y="1964142"/>
-            <a:ext cx="5346700" cy="461665"/>
+            <a:off x="1149339" y="996963"/>
+            <a:ext cx="1708658" cy="457048"/>
           </a:xfrm>
           <a:prstGeom prst="rect">
             <a:avLst/>
@@ -4902,26 +11131,93 @@
           </a:bodyPr>
           <a:lstStyle/>
           <a:p>
+            <a:pPr algn="ctr"/>
             <a:r>
-              <a:rPr lang="en-AU" sz="2400" b="1" dirty="0" smtClean="0">
-                <a:solidFill>
-                  <a:srgbClr val="0070C0"/>
-                </a:solidFill>
+              <a:rPr lang="en-AU" sz="1185" i="1" dirty="0">
+                <a:latin typeface="Helvetica" panose="020B0604020202020204" pitchFamily="34" charset="0"/>
+                <a:cs typeface="Helvetica" panose="020B0604020202020204" pitchFamily="34" charset="0"/>
               </a:rPr>
-              <a:t>Basic Receding Horizon Approach</a:t>
+              <a:t>Query Feature Extraction &amp; Whitening</a:t>
             </a:r>
-            <a:endParaRPr lang="en-AU" sz="2400" b="1" dirty="0">
-              <a:solidFill>
-                <a:srgbClr val="0070C0"/>
-              </a:solidFill>
-            </a:endParaRPr>
-          </a:p>
-        </p:txBody>
-      </p:sp>
+            <a:endParaRPr lang="en-AU" sz="1185" b="1" dirty="0"/>
+          </a:p>
+        </p:txBody>
+      </p:sp>
+      <p:sp>
+        <p:nvSpPr>
+          <p:cNvPr id="107" name="TextBox 106"/>
+          <p:cNvSpPr txBox="1"/>
+          <p:nvPr/>
+        </p:nvSpPr>
+        <p:spPr>
+          <a:xfrm>
+            <a:off x="4546170" y="996963"/>
+            <a:ext cx="1708658" cy="457048"/>
+          </a:xfrm>
+          <a:prstGeom prst="rect">
+            <a:avLst/>
+          </a:prstGeom>
+          <a:noFill/>
+        </p:spPr>
+        <p:txBody>
+          <a:bodyPr wrap="square" rtlCol="0">
+            <a:spAutoFit/>
+          </a:bodyPr>
+          <a:lstStyle/>
+          <a:p>
+            <a:pPr algn="ctr"/>
+            <a:r>
+              <a:rPr lang="en-AU" sz="1185" i="1" dirty="0">
+                <a:latin typeface="Helvetica" panose="020B0604020202020204" pitchFamily="34" charset="0"/>
+                <a:cs typeface="Helvetica" panose="020B0604020202020204" pitchFamily="34" charset="0"/>
+              </a:rPr>
+              <a:t>Training Feature Extraction &amp; Whitening</a:t>
+            </a:r>
+            <a:endParaRPr lang="en-AU" sz="1185" b="1" dirty="0"/>
+          </a:p>
+        </p:txBody>
+      </p:sp>
+      <p:cxnSp>
+        <p:nvCxnSpPr>
+          <p:cNvPr id="186" name="Curved Connector 185"/>
+          <p:cNvCxnSpPr>
+            <a:stCxn id="75" idx="3"/>
+            <a:endCxn id="76" idx="1"/>
+          </p:cNvCxnSpPr>
+          <p:nvPr/>
+        </p:nvCxnSpPr>
+        <p:spPr>
+          <a:xfrm>
+            <a:off x="5511771" y="6109433"/>
+            <a:ext cx="1221156" cy="8151"/>
+          </a:xfrm>
+          <a:prstGeom prst="straightConnector1">
+            <a:avLst/>
+          </a:prstGeom>
+          <a:ln>
+            <a:prstDash val="sysDot"/>
+            <a:tailEnd type="triangle" w="lg" len="lg"/>
+          </a:ln>
+        </p:spPr>
+        <p:style>
+          <a:lnRef idx="3">
+            <a:schemeClr val="accent3"/>
+          </a:lnRef>
+          <a:fillRef idx="0">
+            <a:schemeClr val="accent3"/>
+          </a:fillRef>
+          <a:effectRef idx="2">
+            <a:schemeClr val="accent3"/>
+          </a:effectRef>
+          <a:fontRef idx="minor">
+            <a:schemeClr val="tx1"/>
+          </a:fontRef>
+        </p:style>
+      </p:cxnSp>
     </p:spTree>
     <p:extLst>
       <p:ext uri="{BB962C8B-B14F-4D97-AF65-F5344CB8AC3E}">
-        <p14:creationId xmlns:p14="http://schemas.microsoft.com/office/powerpoint/2010/main" val="3985221863"/>
+        <p14:creationId xmlns:p14="http://schemas.microsoft.com/office/powerpoint/2010/main" val="2767403472"/>
       </p:ext>
     </p:extLst>
   </p:cSld>
@@ -5197,4 +11493,265 @@
     </a:ext>
   </a:extLst>
 </a:theme>
+</file>
+
+<file path=ppt/theme/theme2.xml><?xml version="1.0" encoding="utf-8"?>
+<a:theme xmlns:a="http://schemas.openxmlformats.org/drawingml/2006/main" name="Office Theme">
+  <a:themeElements>
+    <a:clrScheme name="Office">
+      <a:dk1>
+        <a:sysClr val="windowText" lastClr="000000"/>
+      </a:dk1>
+      <a:lt1>
+        <a:sysClr val="window" lastClr="FFFFFF"/>
+      </a:lt1>
+      <a:dk2>
+        <a:srgbClr val="44546A"/>
+      </a:dk2>
+      <a:lt2>
+        <a:srgbClr val="E7E6E6"/>
+      </a:lt2>
+      <a:accent1>
+        <a:srgbClr val="5B9BD5"/>
+      </a:accent1>
+      <a:accent2>
+        <a:srgbClr val="ED7D31"/>
+      </a:accent2>
+      <a:accent3>
+        <a:srgbClr val="A5A5A5"/>
+      </a:accent3>
+      <a:accent4>
+        <a:srgbClr val="FFC000"/>
+      </a:accent4>
+      <a:accent5>
+        <a:srgbClr val="4472C4"/>
+      </a:accent5>
+      <a:accent6>
+        <a:srgbClr val="70AD47"/>
+      </a:accent6>
+      <a:hlink>
+        <a:srgbClr val="0563C1"/>
+      </a:hlink>
+      <a:folHlink>
+        <a:srgbClr val="954F72"/>
+      </a:folHlink>
+    </a:clrScheme>
+    <a:fontScheme name="Office">
+      <a:majorFont>
+        <a:latin typeface="Calibri Light" panose="020F0302020204030204"/>
+        <a:ea typeface=""/>
+        <a:cs typeface=""/>
+        <a:font script="Jpan" typeface="ＭＳ Ｐゴシック"/>
+        <a:font script="Hang" typeface="맑은 고딕"/>
+        <a:font script="Hans" typeface="宋体"/>
+        <a:font script="Hant" typeface="新細明體"/>
+        <a:font script="Arab" typeface="Times New Roman"/>
+        <a:font script="Hebr" typeface="Times New Roman"/>
+        <a:font script="Thai" typeface="Angsana New"/>
+        <a:font script="Ethi" typeface="Nyala"/>
+        <a:font script="Beng" typeface="Vrinda"/>
+        <a:font script="Gujr" typeface="Shruti"/>
+        <a:font script="Khmr" typeface="MoolBoran"/>
+        <a:font script="Knda" typeface="Tunga"/>
+        <a:font script="Guru" typeface="Raavi"/>
+        <a:font script="Cans" typeface="Euphemia"/>
+        <a:font script="Cher" typeface="Plantagenet Cherokee"/>
+        <a:font script="Yiii" typeface="Microsoft Yi Baiti"/>
+        <a:font script="Tibt" typeface="Microsoft Himalaya"/>
+        <a:font script="Thaa" typeface="MV Boli"/>
+        <a:font script="Deva" typeface="Mangal"/>
+        <a:font script="Telu" typeface="Gautami"/>
+        <a:font script="Taml" typeface="Latha"/>
+        <a:font script="Syrc" typeface="Estrangelo Edessa"/>
+        <a:font script="Orya" typeface="Kalinga"/>
+        <a:font script="Mlym" typeface="Kartika"/>
+        <a:font script="Laoo" typeface="DokChampa"/>
+        <a:font script="Sinh" typeface="Iskoola Pota"/>
+        <a:font script="Mong" typeface="Mongolian Baiti"/>
+        <a:font script="Viet" typeface="Times New Roman"/>
+        <a:font script="Uigh" typeface="Microsoft Uighur"/>
+        <a:font script="Geor" typeface="Sylfaen"/>
+      </a:majorFont>
+      <a:minorFont>
+        <a:latin typeface="Calibri" panose="020F0502020204030204"/>
+        <a:ea typeface=""/>
+        <a:cs typeface=""/>
+        <a:font script="Jpan" typeface="ＭＳ Ｐゴシック"/>
+        <a:font script="Hang" typeface="맑은 고딕"/>
+        <a:font script="Hans" typeface="宋体"/>
+        <a:font script="Hant" typeface="新細明體"/>
+        <a:font script="Arab" typeface="Arial"/>
+        <a:font script="Hebr" typeface="Arial"/>
+        <a:font script="Thai" typeface="Cordia New"/>
+        <a:font script="Ethi" typeface="Nyala"/>
+        <a:font script="Beng" typeface="Vrinda"/>
+        <a:font script="Gujr" typeface="Shruti"/>
+        <a:font script="Khmr" typeface="DaunPenh"/>
+        <a:font script="Knda" typeface="Tunga"/>
+        <a:font script="Guru" typeface="Raavi"/>
+        <a:font script="Cans" typeface="Euphemia"/>
+        <a:font script="Cher" typeface="Plantagenet Cherokee"/>
+        <a:font script="Yiii" typeface="Microsoft Yi Baiti"/>
+        <a:font script="Tibt" typeface="Microsoft Himalaya"/>
+        <a:font script="Thaa" typeface="MV Boli"/>
+        <a:font script="Deva" typeface="Mangal"/>
+        <a:font script="Telu" typeface="Gautami"/>
+        <a:font script="Taml" typeface="Latha"/>
+        <a:font script="Syrc" typeface="Estrangelo Edessa"/>
+        <a:font script="Orya" typeface="Kalinga"/>
+        <a:font script="Mlym" typeface="Kartika"/>
+        <a:font script="Laoo" typeface="DokChampa"/>
+        <a:font script="Sinh" typeface="Iskoola Pota"/>
+        <a:font script="Mong" typeface="Mongolian Baiti"/>
+        <a:font script="Viet" typeface="Arial"/>
+        <a:font script="Uigh" typeface="Microsoft Uighur"/>
+        <a:font script="Geor" typeface="Sylfaen"/>
+      </a:minorFont>
+    </a:fontScheme>
+    <a:fmtScheme name="Office">
+      <a:fillStyleLst>
+        <a:solidFill>
+          <a:schemeClr val="phClr"/>
+        </a:solidFill>
+        <a:gradFill rotWithShape="1">
+          <a:gsLst>
+            <a:gs pos="0">
+              <a:schemeClr val="phClr">
+                <a:lumMod val="110000"/>
+                <a:satMod val="105000"/>
+                <a:tint val="67000"/>
+              </a:schemeClr>
+            </a:gs>
+            <a:gs pos="50000">
+              <a:schemeClr val="phClr">
+                <a:lumMod val="105000"/>
+                <a:satMod val="103000"/>
+                <a:tint val="73000"/>
+              </a:schemeClr>
+            </a:gs>
+            <a:gs pos="100000">
+              <a:schemeClr val="phClr">
+                <a:lumMod val="105000"/>
+                <a:satMod val="109000"/>
+                <a:tint val="81000"/>
+              </a:schemeClr>
+            </a:gs>
+          </a:gsLst>
+          <a:lin ang="5400000" scaled="0"/>
+        </a:gradFill>
+        <a:gradFill rotWithShape="1">
+          <a:gsLst>
+            <a:gs pos="0">
+              <a:schemeClr val="phClr">
+                <a:satMod val="103000"/>
+                <a:lumMod val="102000"/>
+                <a:tint val="94000"/>
+              </a:schemeClr>
+            </a:gs>
+            <a:gs pos="50000">
+              <a:schemeClr val="phClr">
+                <a:satMod val="110000"/>
+                <a:lumMod val="100000"/>
+                <a:shade val="100000"/>
+              </a:schemeClr>
+            </a:gs>
+            <a:gs pos="100000">
+              <a:schemeClr val="phClr">
+                <a:lumMod val="99000"/>
+                <a:satMod val="120000"/>
+                <a:shade val="78000"/>
+              </a:schemeClr>
+            </a:gs>
+          </a:gsLst>
+          <a:lin ang="5400000" scaled="0"/>
+        </a:gradFill>
+      </a:fillStyleLst>
+      <a:lnStyleLst>
+        <a:ln w="6350" cap="flat" cmpd="sng" algn="ctr">
+          <a:solidFill>
+            <a:schemeClr val="phClr"/>
+          </a:solidFill>
+          <a:prstDash val="solid"/>
+          <a:miter lim="800000"/>
+        </a:ln>
+        <a:ln w="12700" cap="flat" cmpd="sng" algn="ctr">
+          <a:solidFill>
+            <a:schemeClr val="phClr"/>
+          </a:solidFill>
+          <a:prstDash val="solid"/>
+          <a:miter lim="800000"/>
+        </a:ln>
+        <a:ln w="19050" cap="flat" cmpd="sng" algn="ctr">
+          <a:solidFill>
+            <a:schemeClr val="phClr"/>
+          </a:solidFill>
+          <a:prstDash val="solid"/>
+          <a:miter lim="800000"/>
+        </a:ln>
+      </a:lnStyleLst>
+      <a:effectStyleLst>
+        <a:effectStyle>
+          <a:effectLst/>
+        </a:effectStyle>
+        <a:effectStyle>
+          <a:effectLst/>
+        </a:effectStyle>
+        <a:effectStyle>
+          <a:effectLst>
+            <a:outerShdw blurRad="57150" dist="19050" dir="5400000" algn="ctr" rotWithShape="0">
+              <a:srgbClr val="000000">
+                <a:alpha val="63000"/>
+              </a:srgbClr>
+            </a:outerShdw>
+          </a:effectLst>
+        </a:effectStyle>
+      </a:effectStyleLst>
+      <a:bgFillStyleLst>
+        <a:solidFill>
+          <a:schemeClr val="phClr"/>
+        </a:solidFill>
+        <a:solidFill>
+          <a:schemeClr val="phClr">
+            <a:tint val="95000"/>
+            <a:satMod val="170000"/>
+          </a:schemeClr>
+        </a:solidFill>
+        <a:gradFill rotWithShape="1">
+          <a:gsLst>
+            <a:gs pos="0">
+              <a:schemeClr val="phClr">
+                <a:tint val="93000"/>
+                <a:satMod val="150000"/>
+                <a:shade val="98000"/>
+                <a:lumMod val="102000"/>
+              </a:schemeClr>
+            </a:gs>
+            <a:gs pos="50000">
+              <a:schemeClr val="phClr">
+                <a:tint val="98000"/>
+                <a:satMod val="130000"/>
+                <a:shade val="90000"/>
+                <a:lumMod val="103000"/>
+              </a:schemeClr>
+            </a:gs>
+            <a:gs pos="100000">
+              <a:schemeClr val="phClr">
+                <a:shade val="63000"/>
+                <a:satMod val="120000"/>
+              </a:schemeClr>
+            </a:gs>
+          </a:gsLst>
+          <a:lin ang="5400000" scaled="0"/>
+        </a:gradFill>
+      </a:bgFillStyleLst>
+    </a:fmtScheme>
+  </a:themeElements>
+  <a:objectDefaults/>
+  <a:extraClrSchemeLst/>
+  <a:extLst>
+    <a:ext uri="{05A4C25C-085E-4340-85A3-A5531E510DB2}">
+      <thm15:themeFamily xmlns:thm15="http://schemas.microsoft.com/office/thememl/2012/main" name="Office Theme" id="{62F939B6-93AF-4DB8-9C6B-D6C7DFDC589F}" vid="{4A3C46E8-61CC-4603-A589-7422A47A8E4A}"/>
+    </a:ext>
+  </a:extLst>
+</a:theme>
 </file>
--- a/thesis-paper/Figures/diagrams.pptx
+++ b/thesis-paper/Figures/diagrams.pptx
@@ -198,7 +198,7 @@
           <a:p>
             <a:fld id="{86F821BD-8487-424C-BBE1-C33FA9EE49D2}" type="datetimeFigureOut">
               <a:rPr lang="en-AU" smtClean="0"/>
-              <a:t>14/09/2015</a:t>
+              <a:t>15/09/2015</a:t>
             </a:fld>
             <a:endParaRPr lang="en-AU"/>
           </a:p>
@@ -686,7 +686,7 @@
           <a:p>
             <a:fld id="{CBEC48C1-88EF-40BB-A6F8-168F32703100}" type="datetimeFigureOut">
               <a:rPr lang="en-AU" smtClean="0"/>
-              <a:t>14/09/2015</a:t>
+              <a:t>15/09/2015</a:t>
             </a:fld>
             <a:endParaRPr lang="en-AU"/>
           </a:p>
@@ -856,7 +856,7 @@
           <a:p>
             <a:fld id="{CBEC48C1-88EF-40BB-A6F8-168F32703100}" type="datetimeFigureOut">
               <a:rPr lang="en-AU" smtClean="0"/>
-              <a:t>14/09/2015</a:t>
+              <a:t>15/09/2015</a:t>
             </a:fld>
             <a:endParaRPr lang="en-AU"/>
           </a:p>
@@ -1036,7 +1036,7 @@
           <a:p>
             <a:fld id="{CBEC48C1-88EF-40BB-A6F8-168F32703100}" type="datetimeFigureOut">
               <a:rPr lang="en-AU" smtClean="0"/>
-              <a:t>14/09/2015</a:t>
+              <a:t>15/09/2015</a:t>
             </a:fld>
             <a:endParaRPr lang="en-AU"/>
           </a:p>
@@ -1206,7 +1206,7 @@
           <a:p>
             <a:fld id="{CBEC48C1-88EF-40BB-A6F8-168F32703100}" type="datetimeFigureOut">
               <a:rPr lang="en-AU" smtClean="0"/>
-              <a:t>14/09/2015</a:t>
+              <a:t>15/09/2015</a:t>
             </a:fld>
             <a:endParaRPr lang="en-AU"/>
           </a:p>
@@ -1450,7 +1450,7 @@
           <a:p>
             <a:fld id="{CBEC48C1-88EF-40BB-A6F8-168F32703100}" type="datetimeFigureOut">
               <a:rPr lang="en-AU" smtClean="0"/>
-              <a:t>14/09/2015</a:t>
+              <a:t>15/09/2015</a:t>
             </a:fld>
             <a:endParaRPr lang="en-AU"/>
           </a:p>
@@ -1682,7 +1682,7 @@
           <a:p>
             <a:fld id="{CBEC48C1-88EF-40BB-A6F8-168F32703100}" type="datetimeFigureOut">
               <a:rPr lang="en-AU" smtClean="0"/>
-              <a:t>14/09/2015</a:t>
+              <a:t>15/09/2015</a:t>
             </a:fld>
             <a:endParaRPr lang="en-AU"/>
           </a:p>
@@ -2049,7 +2049,7 @@
           <a:p>
             <a:fld id="{CBEC48C1-88EF-40BB-A6F8-168F32703100}" type="datetimeFigureOut">
               <a:rPr lang="en-AU" smtClean="0"/>
-              <a:t>14/09/2015</a:t>
+              <a:t>15/09/2015</a:t>
             </a:fld>
             <a:endParaRPr lang="en-AU"/>
           </a:p>
@@ -2167,7 +2167,7 @@
           <a:p>
             <a:fld id="{CBEC48C1-88EF-40BB-A6F8-168F32703100}" type="datetimeFigureOut">
               <a:rPr lang="en-AU" smtClean="0"/>
-              <a:t>14/09/2015</a:t>
+              <a:t>15/09/2015</a:t>
             </a:fld>
             <a:endParaRPr lang="en-AU"/>
           </a:p>
@@ -2262,7 +2262,7 @@
           <a:p>
             <a:fld id="{CBEC48C1-88EF-40BB-A6F8-168F32703100}" type="datetimeFigureOut">
               <a:rPr lang="en-AU" smtClean="0"/>
-              <a:t>14/09/2015</a:t>
+              <a:t>15/09/2015</a:t>
             </a:fld>
             <a:endParaRPr lang="en-AU"/>
           </a:p>
@@ -2539,7 +2539,7 @@
           <a:p>
             <a:fld id="{CBEC48C1-88EF-40BB-A6F8-168F32703100}" type="datetimeFigureOut">
               <a:rPr lang="en-AU" smtClean="0"/>
-              <a:t>14/09/2015</a:t>
+              <a:t>15/09/2015</a:t>
             </a:fld>
             <a:endParaRPr lang="en-AU"/>
           </a:p>
@@ -2796,7 +2796,7 @@
           <a:p>
             <a:fld id="{CBEC48C1-88EF-40BB-A6F8-168F32703100}" type="datetimeFigureOut">
               <a:rPr lang="en-AU" smtClean="0"/>
-              <a:t>14/09/2015</a:t>
+              <a:t>15/09/2015</a:t>
             </a:fld>
             <a:endParaRPr lang="en-AU"/>
           </a:p>
@@ -3009,7 +3009,7 @@
           <a:p>
             <a:fld id="{CBEC48C1-88EF-40BB-A6F8-168F32703100}" type="datetimeFigureOut">
               <a:rPr lang="en-AU" smtClean="0"/>
-              <a:t>14/09/2015</a:t>
+              <a:t>15/09/2015</a:t>
             </a:fld>
             <a:endParaRPr lang="en-AU"/>
           </a:p>
@@ -4809,13 +4809,47 @@
               </a:path>
             </a:pathLst>
           </a:custGeom>
+          <a:gradFill>
+            <a:gsLst>
+              <a:gs pos="0">
+                <a:schemeClr val="accent1">
+                  <a:lumMod val="5000"/>
+                  <a:lumOff val="95000"/>
+                </a:schemeClr>
+              </a:gs>
+              <a:gs pos="74000">
+                <a:schemeClr val="accent1">
+                  <a:lumMod val="45000"/>
+                  <a:lumOff val="55000"/>
+                </a:schemeClr>
+              </a:gs>
+              <a:gs pos="83000">
+                <a:schemeClr val="accent1">
+                  <a:lumMod val="45000"/>
+                  <a:lumOff val="55000"/>
+                </a:schemeClr>
+              </a:gs>
+              <a:gs pos="100000">
+                <a:schemeClr val="accent1">
+                  <a:lumMod val="30000"/>
+                  <a:lumOff val="70000"/>
+                </a:schemeClr>
+              </a:gs>
+            </a:gsLst>
+            <a:lin ang="5400000" scaled="1"/>
+          </a:gradFill>
+          <a:ln>
+            <a:solidFill>
+              <a:srgbClr val="00B0F0"/>
+            </a:solidFill>
+          </a:ln>
         </p:spPr>
         <p:style>
           <a:lnRef idx="2">
             <a:schemeClr val="accent2"/>
           </a:lnRef>
-          <a:fillRef idx="1">
-            <a:schemeClr val="lt1"/>
+          <a:fillRef idx="1003">
+            <a:schemeClr val="lt2"/>
           </a:fillRef>
           <a:effectRef idx="0">
             <a:schemeClr val="accent2"/>
@@ -5693,7 +5727,12 @@
           <a:prstGeom prst="roundRect">
             <a:avLst/>
           </a:prstGeom>
-          <a:ln w="28575"/>
+          <a:ln w="28575">
+            <a:solidFill>
+              <a:srgbClr val="00B050"/>
+            </a:solidFill>
+            <a:prstDash val="sysDot"/>
+          </a:ln>
           <a:effectLst>
             <a:glow rad="228600">
               <a:schemeClr val="accent6">
@@ -5903,7 +5942,12 @@
           <a:prstGeom prst="roundRect">
             <a:avLst/>
           </a:prstGeom>
-          <a:ln w="28575"/>
+          <a:ln w="28575">
+            <a:solidFill>
+              <a:srgbClr val="00B050"/>
+            </a:solidFill>
+            <a:prstDash val="sysDot"/>
+          </a:ln>
           <a:effectLst>
             <a:glow rad="228600">
               <a:schemeClr val="accent6">
@@ -7295,8 +7339,8 @@
           </a:p>
         </p:txBody>
       </p:sp>
-      <mc:AlternateContent xmlns:mc="http://schemas.openxmlformats.org/markup-compatibility/2006">
-        <mc:Choice xmlns:a14="http://schemas.microsoft.com/office/drawing/2010/main" Requires="a14">
+      <mc:AlternateContent xmlns:mc="http://schemas.openxmlformats.org/markup-compatibility/2006" xmlns:a14="http://schemas.microsoft.com/office/drawing/2010/main">
+        <mc:Choice Requires="a14">
           <p:sp>
             <p:nvSpPr>
               <p:cNvPr id="73" name="TextBox 72"/>
@@ -7397,7 +7441,7 @@
             </p:txBody>
           </p:sp>
         </mc:Choice>
-        <mc:Fallback>
+        <mc:Fallback xmlns="">
           <p:sp>
             <p:nvSpPr>
               <p:cNvPr id="73" name="TextBox 72"/>
@@ -7498,8 +7542,8 @@
           </a:p>
         </p:txBody>
       </p:sp>
-      <mc:AlternateContent xmlns:mc="http://schemas.openxmlformats.org/markup-compatibility/2006">
-        <mc:Choice xmlns:a14="http://schemas.microsoft.com/office/drawing/2010/main" Requires="a14">
+      <mc:AlternateContent xmlns:mc="http://schemas.openxmlformats.org/markup-compatibility/2006" xmlns:a14="http://schemas.microsoft.com/office/drawing/2010/main">
+        <mc:Choice Requires="a14">
           <p:sp>
             <p:nvSpPr>
               <p:cNvPr id="75" name="TextBox 74"/>
@@ -7600,7 +7644,7 @@
             </p:txBody>
           </p:sp>
         </mc:Choice>
-        <mc:Fallback>
+        <mc:Fallback xmlns="">
           <p:sp>
             <p:nvSpPr>
               <p:cNvPr id="75" name="TextBox 74"/>
@@ -8013,8 +8057,8 @@
           </a:p>
         </p:txBody>
       </p:sp>
-      <mc:AlternateContent xmlns:mc="http://schemas.openxmlformats.org/markup-compatibility/2006">
-        <mc:Choice xmlns:a14="http://schemas.microsoft.com/office/drawing/2010/main" Requires="a14">
+      <mc:AlternateContent xmlns:mc="http://schemas.openxmlformats.org/markup-compatibility/2006" xmlns:a14="http://schemas.microsoft.com/office/drawing/2010/main">
+        <mc:Choice Requires="a14">
           <p:sp>
             <p:nvSpPr>
               <p:cNvPr id="79" name="TextBox 78"/>
@@ -8201,7 +8245,7 @@
             </p:txBody>
           </p:sp>
         </mc:Choice>
-        <mc:Fallback>
+        <mc:Fallback xmlns="">
           <p:sp>
             <p:nvSpPr>
               <p:cNvPr id="79" name="TextBox 78"/>
@@ -8302,8 +8346,8 @@
           </a:p>
         </p:txBody>
       </p:sp>
-      <mc:AlternateContent xmlns:mc="http://schemas.openxmlformats.org/markup-compatibility/2006">
-        <mc:Choice xmlns:a14="http://schemas.microsoft.com/office/drawing/2010/main" Requires="a14">
+      <mc:AlternateContent xmlns:mc="http://schemas.openxmlformats.org/markup-compatibility/2006" xmlns:a14="http://schemas.microsoft.com/office/drawing/2010/main">
+        <mc:Choice Requires="a14">
           <p:sp>
             <p:nvSpPr>
               <p:cNvPr id="81" name="TextBox 80"/>
@@ -8417,7 +8461,7 @@
             </p:txBody>
           </p:sp>
         </mc:Choice>
-        <mc:Fallback>
+        <mc:Fallback xmlns="">
           <p:sp>
             <p:nvSpPr>
               <p:cNvPr id="81" name="TextBox 80"/>
@@ -9032,7 +9076,12 @@
           <a:prstGeom prst="roundRect">
             <a:avLst/>
           </a:prstGeom>
-          <a:ln w="28575"/>
+          <a:ln w="28575">
+            <a:solidFill>
+              <a:srgbClr val="00B050"/>
+            </a:solidFill>
+            <a:prstDash val="sysDot"/>
+          </a:ln>
           <a:effectLst>
             <a:glow rad="228600">
               <a:schemeClr val="accent6">
@@ -9442,8 +9491,8 @@
           </a:p>
         </p:txBody>
       </p:sp>
-      <mc:AlternateContent xmlns:mc="http://schemas.openxmlformats.org/markup-compatibility/2006">
-        <mc:Choice xmlns:a14="http://schemas.microsoft.com/office/drawing/2010/main" Requires="a14">
+      <mc:AlternateContent xmlns:mc="http://schemas.openxmlformats.org/markup-compatibility/2006" xmlns:a14="http://schemas.microsoft.com/office/drawing/2010/main">
+        <mc:Choice Requires="a14">
           <p:sp>
             <p:nvSpPr>
               <p:cNvPr id="93" name="TextBox 92"/>
@@ -9653,7 +9702,7 @@
             </p:txBody>
           </p:sp>
         </mc:Choice>
-        <mc:Fallback>
+        <mc:Fallback xmlns="">
           <p:sp>
             <p:nvSpPr>
               <p:cNvPr id="93" name="TextBox 92"/>
@@ -9754,8 +9803,8 @@
           </a:p>
         </p:txBody>
       </p:sp>
-      <mc:AlternateContent xmlns:mc="http://schemas.openxmlformats.org/markup-compatibility/2006">
-        <mc:Choice xmlns:a14="http://schemas.microsoft.com/office/drawing/2010/main" Requires="a14">
+      <mc:AlternateContent xmlns:mc="http://schemas.openxmlformats.org/markup-compatibility/2006" xmlns:a14="http://schemas.microsoft.com/office/drawing/2010/main">
+        <mc:Choice Requires="a14">
           <p:sp>
             <p:nvSpPr>
               <p:cNvPr id="95" name="TextBox 94"/>
@@ -9965,7 +10014,7 @@
             </p:txBody>
           </p:sp>
         </mc:Choice>
-        <mc:Fallback>
+        <mc:Fallback xmlns="">
           <p:sp>
             <p:nvSpPr>
               <p:cNvPr id="95" name="TextBox 94"/>
@@ -10096,8 +10145,8 @@
         </p:nvCxnSpPr>
         <p:spPr>
           <a:xfrm flipH="1">
-            <a:off x="4314200" y="1225487"/>
-            <a:ext cx="231970" cy="2816"/>
+            <a:off x="4314200" y="1217270"/>
+            <a:ext cx="218166" cy="11033"/>
           </a:xfrm>
           <a:prstGeom prst="straightConnector1">
             <a:avLst/>
@@ -10132,8 +10181,8 @@
         </p:nvCxnSpPr>
         <p:spPr>
           <a:xfrm flipH="1" flipV="1">
-            <a:off x="2857997" y="1225487"/>
-            <a:ext cx="250290" cy="2816"/>
+            <a:off x="2845400" y="1215529"/>
+            <a:ext cx="262887" cy="12774"/>
           </a:xfrm>
           <a:prstGeom prst="straightConnector1">
             <a:avLst/>
@@ -11117,7 +11166,7 @@
         </p:nvSpPr>
         <p:spPr>
           <a:xfrm>
-            <a:off x="1149339" y="996963"/>
+            <a:off x="1136742" y="987005"/>
             <a:ext cx="1708658" cy="457048"/>
           </a:xfrm>
           <a:prstGeom prst="rect">
@@ -11151,7 +11200,7 @@
         </p:nvSpPr>
         <p:spPr>
           <a:xfrm>
-            <a:off x="4546170" y="996963"/>
+            <a:off x="4532366" y="988746"/>
             <a:ext cx="1708658" cy="457048"/>
           </a:xfrm>
           <a:prstGeom prst="rect">

--- a/thesis-paper/Figures/diagrams.pptx
+++ b/thesis-paper/Figures/diagrams.pptx
@@ -198,7 +198,7 @@
           <a:p>
             <a:fld id="{86F821BD-8487-424C-BBE1-C33FA9EE49D2}" type="datetimeFigureOut">
               <a:rPr lang="en-AU" smtClean="0"/>
-              <a:t>15/09/2015</a:t>
+              <a:t>20/09/2015</a:t>
             </a:fld>
             <a:endParaRPr lang="en-AU"/>
           </a:p>
@@ -686,7 +686,7 @@
           <a:p>
             <a:fld id="{CBEC48C1-88EF-40BB-A6F8-168F32703100}" type="datetimeFigureOut">
               <a:rPr lang="en-AU" smtClean="0"/>
-              <a:t>15/09/2015</a:t>
+              <a:t>20/09/2015</a:t>
             </a:fld>
             <a:endParaRPr lang="en-AU"/>
           </a:p>
@@ -856,7 +856,7 @@
           <a:p>
             <a:fld id="{CBEC48C1-88EF-40BB-A6F8-168F32703100}" type="datetimeFigureOut">
               <a:rPr lang="en-AU" smtClean="0"/>
-              <a:t>15/09/2015</a:t>
+              <a:t>20/09/2015</a:t>
             </a:fld>
             <a:endParaRPr lang="en-AU"/>
           </a:p>
@@ -1036,7 +1036,7 @@
           <a:p>
             <a:fld id="{CBEC48C1-88EF-40BB-A6F8-168F32703100}" type="datetimeFigureOut">
               <a:rPr lang="en-AU" smtClean="0"/>
-              <a:t>15/09/2015</a:t>
+              <a:t>20/09/2015</a:t>
             </a:fld>
             <a:endParaRPr lang="en-AU"/>
           </a:p>
@@ -1206,7 +1206,7 @@
           <a:p>
             <a:fld id="{CBEC48C1-88EF-40BB-A6F8-168F32703100}" type="datetimeFigureOut">
               <a:rPr lang="en-AU" smtClean="0"/>
-              <a:t>15/09/2015</a:t>
+              <a:t>20/09/2015</a:t>
             </a:fld>
             <a:endParaRPr lang="en-AU"/>
           </a:p>
@@ -1450,7 +1450,7 @@
           <a:p>
             <a:fld id="{CBEC48C1-88EF-40BB-A6F8-168F32703100}" type="datetimeFigureOut">
               <a:rPr lang="en-AU" smtClean="0"/>
-              <a:t>15/09/2015</a:t>
+              <a:t>20/09/2015</a:t>
             </a:fld>
             <a:endParaRPr lang="en-AU"/>
           </a:p>
@@ -1682,7 +1682,7 @@
           <a:p>
             <a:fld id="{CBEC48C1-88EF-40BB-A6F8-168F32703100}" type="datetimeFigureOut">
               <a:rPr lang="en-AU" smtClean="0"/>
-              <a:t>15/09/2015</a:t>
+              <a:t>20/09/2015</a:t>
             </a:fld>
             <a:endParaRPr lang="en-AU"/>
           </a:p>
@@ -2049,7 +2049,7 @@
           <a:p>
             <a:fld id="{CBEC48C1-88EF-40BB-A6F8-168F32703100}" type="datetimeFigureOut">
               <a:rPr lang="en-AU" smtClean="0"/>
-              <a:t>15/09/2015</a:t>
+              <a:t>20/09/2015</a:t>
             </a:fld>
             <a:endParaRPr lang="en-AU"/>
           </a:p>
@@ -2167,7 +2167,7 @@
           <a:p>
             <a:fld id="{CBEC48C1-88EF-40BB-A6F8-168F32703100}" type="datetimeFigureOut">
               <a:rPr lang="en-AU" smtClean="0"/>
-              <a:t>15/09/2015</a:t>
+              <a:t>20/09/2015</a:t>
             </a:fld>
             <a:endParaRPr lang="en-AU"/>
           </a:p>
@@ -2262,7 +2262,7 @@
           <a:p>
             <a:fld id="{CBEC48C1-88EF-40BB-A6F8-168F32703100}" type="datetimeFigureOut">
               <a:rPr lang="en-AU" smtClean="0"/>
-              <a:t>15/09/2015</a:t>
+              <a:t>20/09/2015</a:t>
             </a:fld>
             <a:endParaRPr lang="en-AU"/>
           </a:p>
@@ -2539,7 +2539,7 @@
           <a:p>
             <a:fld id="{CBEC48C1-88EF-40BB-A6F8-168F32703100}" type="datetimeFigureOut">
               <a:rPr lang="en-AU" smtClean="0"/>
-              <a:t>15/09/2015</a:t>
+              <a:t>20/09/2015</a:t>
             </a:fld>
             <a:endParaRPr lang="en-AU"/>
           </a:p>
@@ -2796,7 +2796,7 @@
           <a:p>
             <a:fld id="{CBEC48C1-88EF-40BB-A6F8-168F32703100}" type="datetimeFigureOut">
               <a:rPr lang="en-AU" smtClean="0"/>
-              <a:t>15/09/2015</a:t>
+              <a:t>20/09/2015</a:t>
             </a:fld>
             <a:endParaRPr lang="en-AU"/>
           </a:p>
@@ -3009,7 +3009,7 @@
           <a:p>
             <a:fld id="{CBEC48C1-88EF-40BB-A6F8-168F32703100}" type="datetimeFigureOut">
               <a:rPr lang="en-AU" smtClean="0"/>
-              <a:t>15/09/2015</a:t>
+              <a:t>20/09/2015</a:t>
             </a:fld>
             <a:endParaRPr lang="en-AU"/>
           </a:p>
@@ -5218,7 +5218,7 @@
         </p:nvSpPr>
         <p:spPr>
           <a:xfrm>
-            <a:off x="6594603" y="320828"/>
+            <a:off x="6795346" y="320828"/>
             <a:ext cx="1568871" cy="265046"/>
           </a:xfrm>
           <a:prstGeom prst="roundRect">
@@ -5263,8 +5263,8 @@
           </a:p>
         </p:txBody>
       </p:sp>
-      <mc:AlternateContent xmlns:mc="http://schemas.openxmlformats.org/markup-compatibility/2006" xmlns:a14="http://schemas.microsoft.com/office/drawing/2010/main">
-        <mc:Choice Requires="a14">
+      <mc:AlternateContent xmlns:mc="http://schemas.openxmlformats.org/markup-compatibility/2006">
+        <mc:Choice xmlns:a14="http://schemas.microsoft.com/office/drawing/2010/main" Requires="a14">
           <p:sp>
             <p:nvSpPr>
               <p:cNvPr id="11" name="TextBox 10"/>
@@ -5273,7 +5273,7 @@
             </p:nvSpPr>
             <p:spPr>
               <a:xfrm>
-                <a:off x="6594603" y="320829"/>
+                <a:off x="6795346" y="320829"/>
                 <a:ext cx="1568871" cy="300852"/>
               </a:xfrm>
               <a:prstGeom prst="rect">
@@ -5320,7 +5320,7 @@
             </p:txBody>
           </p:sp>
         </mc:Choice>
-        <mc:Fallback xmlns="">
+        <mc:Fallback>
           <p:sp>
             <p:nvSpPr>
               <p:cNvPr id="11" name="TextBox 10"/>
@@ -5331,7 +5331,7 @@
             </p:nvSpPr>
             <p:spPr>
               <a:xfrm>
-                <a:off x="6594603" y="320829"/>
+                <a:off x="6795346" y="320829"/>
                 <a:ext cx="1568871" cy="300852"/>
               </a:xfrm>
               <a:prstGeom prst="rect">
@@ -6002,10 +6002,9 @@
           <a:ln w="28575"/>
           <a:effectLst>
             <a:glow rad="228600">
-              <a:schemeClr val="accent1">
-                <a:satMod val="175000"/>
+              <a:srgbClr val="9966FF">
                 <a:alpha val="40000"/>
-              </a:schemeClr>
+              </a:srgbClr>
             </a:glow>
             <a:softEdge rad="0"/>
           </a:effectLst>
@@ -6098,9 +6097,10 @@
           <a:ln w="28575"/>
           <a:effectLst>
             <a:glow rad="228600">
-              <a:srgbClr val="7030A0">
+              <a:schemeClr val="accent1">
+                <a:satMod val="175000"/>
                 <a:alpha val="40000"/>
-              </a:srgbClr>
+              </a:schemeClr>
             </a:glow>
           </a:effectLst>
         </p:spPr>
@@ -6132,8 +6132,8 @@
           </a:p>
         </p:txBody>
       </p:sp>
-      <mc:AlternateContent xmlns:mc="http://schemas.openxmlformats.org/markup-compatibility/2006" xmlns:a14="http://schemas.microsoft.com/office/drawing/2010/main">
-        <mc:Choice Requires="a14">
+      <mc:AlternateContent xmlns:mc="http://schemas.openxmlformats.org/markup-compatibility/2006">
+        <mc:Choice xmlns:a14="http://schemas.microsoft.com/office/drawing/2010/main" Requires="a14">
           <p:sp>
             <p:nvSpPr>
               <p:cNvPr id="55" name="TextBox 54"/>
@@ -6142,7 +6142,7 @@
             </p:nvSpPr>
             <p:spPr>
               <a:xfrm>
-                <a:off x="4934676" y="2995829"/>
+                <a:off x="4934675" y="2994220"/>
                 <a:ext cx="1567115" cy="300852"/>
               </a:xfrm>
               <a:prstGeom prst="rect">
@@ -6180,7 +6180,7 @@
             </p:txBody>
           </p:sp>
         </mc:Choice>
-        <mc:Fallback xmlns="">
+        <mc:Fallback>
           <p:sp>
             <p:nvSpPr>
               <p:cNvPr id="55" name="TextBox 54"/>
@@ -6191,7 +6191,7 @@
             </p:nvSpPr>
             <p:spPr>
               <a:xfrm>
-                <a:off x="4934676" y="2995829"/>
+                <a:off x="4934675" y="2994220"/>
                 <a:ext cx="1567115" cy="300852"/>
               </a:xfrm>
               <a:prstGeom prst="rect">
@@ -6236,9 +6236,10 @@
           <a:ln w="28575"/>
           <a:effectLst>
             <a:glow rad="228600">
-              <a:srgbClr val="7030A0">
+              <a:schemeClr val="accent1">
+                <a:satMod val="175000"/>
                 <a:alpha val="40000"/>
-              </a:srgbClr>
+              </a:schemeClr>
             </a:glow>
           </a:effectLst>
         </p:spPr>
@@ -6270,8 +6271,8 @@
           </a:p>
         </p:txBody>
       </p:sp>
-      <mc:AlternateContent xmlns:mc="http://schemas.openxmlformats.org/markup-compatibility/2006" xmlns:a14="http://schemas.microsoft.com/office/drawing/2010/main">
-        <mc:Choice Requires="a14">
+      <mc:AlternateContent xmlns:mc="http://schemas.openxmlformats.org/markup-compatibility/2006">
+        <mc:Choice xmlns:a14="http://schemas.microsoft.com/office/drawing/2010/main" Requires="a14">
           <p:sp>
             <p:nvSpPr>
               <p:cNvPr id="58" name="TextBox 57"/>
@@ -6280,7 +6281,7 @@
             </p:nvSpPr>
             <p:spPr>
               <a:xfrm>
-                <a:off x="4923919" y="3412023"/>
+                <a:off x="4934669" y="3399808"/>
                 <a:ext cx="2033878" cy="300852"/>
               </a:xfrm>
               <a:prstGeom prst="rect">
@@ -6317,7 +6318,7 @@
             </p:txBody>
           </p:sp>
         </mc:Choice>
-        <mc:Fallback xmlns="">
+        <mc:Fallback>
           <p:sp>
             <p:nvSpPr>
               <p:cNvPr id="58" name="TextBox 57"/>
@@ -6328,7 +6329,7 @@
             </p:nvSpPr>
             <p:spPr>
               <a:xfrm>
-                <a:off x="4923919" y="3412023"/>
+                <a:off x="4934669" y="3399808"/>
                 <a:ext cx="2033878" cy="300852"/>
               </a:xfrm>
               <a:prstGeom prst="rect">
@@ -6337,7 +6338,7 @@
               <a:blipFill rotWithShape="0">
                 <a:blip r:embed="rId10"/>
                 <a:stretch>
-                  <a:fillRect l="-300" b="-12245"/>
+                  <a:fillRect b="-12245"/>
                 </a:stretch>
               </a:blipFill>
             </p:spPr>
@@ -6373,9 +6374,10 @@
           <a:ln w="28575"/>
           <a:effectLst>
             <a:glow rad="228600">
-              <a:srgbClr val="7030A0">
+              <a:schemeClr val="accent1">
+                <a:satMod val="175000"/>
                 <a:alpha val="40000"/>
-              </a:srgbClr>
+              </a:schemeClr>
             </a:glow>
           </a:effectLst>
         </p:spPr>
@@ -6407,8 +6409,8 @@
           </a:p>
         </p:txBody>
       </p:sp>
-      <mc:AlternateContent xmlns:mc="http://schemas.openxmlformats.org/markup-compatibility/2006" xmlns:a14="http://schemas.microsoft.com/office/drawing/2010/main">
-        <mc:Choice Requires="a14">
+      <mc:AlternateContent xmlns:mc="http://schemas.openxmlformats.org/markup-compatibility/2006">
+        <mc:Choice xmlns:a14="http://schemas.microsoft.com/office/drawing/2010/main" Requires="a14">
           <p:sp>
             <p:nvSpPr>
               <p:cNvPr id="61" name="TextBox 60"/>
@@ -6417,7 +6419,7 @@
             </p:nvSpPr>
             <p:spPr>
               <a:xfrm>
-                <a:off x="4934676" y="4293741"/>
+                <a:off x="4934676" y="4280410"/>
                 <a:ext cx="3105105" cy="417358"/>
               </a:xfrm>
               <a:prstGeom prst="rect">
@@ -6596,7 +6598,7 @@
             </p:txBody>
           </p:sp>
         </mc:Choice>
-        <mc:Fallback xmlns="">
+        <mc:Fallback>
           <p:sp>
             <p:nvSpPr>
               <p:cNvPr id="61" name="TextBox 60"/>
@@ -6607,7 +6609,7 @@
             </p:nvSpPr>
             <p:spPr>
               <a:xfrm>
-                <a:off x="4934676" y="4293741"/>
+                <a:off x="4934676" y="4280410"/>
                 <a:ext cx="3105105" cy="417358"/>
               </a:xfrm>
               <a:prstGeom prst="rect">
@@ -6652,10 +6654,9 @@
           <a:ln w="28575"/>
           <a:effectLst>
             <a:glow rad="228600">
-              <a:schemeClr val="accent1">
-                <a:satMod val="175000"/>
+              <a:srgbClr val="9966FF">
                 <a:alpha val="40000"/>
-              </a:schemeClr>
+              </a:srgbClr>
             </a:glow>
             <a:softEdge rad="0"/>
           </a:effectLst>
@@ -6740,7 +6741,7 @@
         <p:spPr>
           <a:xfrm>
             <a:off x="1433908" y="3172965"/>
-            <a:ext cx="1469875" cy="294932"/>
+            <a:ext cx="1578447" cy="294932"/>
           </a:xfrm>
           <a:prstGeom prst="roundRect">
             <a:avLst/>
@@ -6748,9 +6749,10 @@
           <a:ln w="28575"/>
           <a:effectLst>
             <a:glow rad="228600">
-              <a:srgbClr val="7030A0">
+              <a:schemeClr val="accent1">
+                <a:satMod val="175000"/>
                 <a:alpha val="40000"/>
-              </a:srgbClr>
+              </a:schemeClr>
             </a:glow>
           </a:effectLst>
         </p:spPr>
@@ -6782,8 +6784,8 @@
           </a:p>
         </p:txBody>
       </p:sp>
-      <mc:AlternateContent xmlns:mc="http://schemas.openxmlformats.org/markup-compatibility/2006" xmlns:a14="http://schemas.microsoft.com/office/drawing/2010/main">
-        <mc:Choice Requires="a14">
+      <mc:AlternateContent xmlns:mc="http://schemas.openxmlformats.org/markup-compatibility/2006">
+        <mc:Choice xmlns:a14="http://schemas.microsoft.com/office/drawing/2010/main" Requires="a14">
           <p:sp>
             <p:nvSpPr>
               <p:cNvPr id="65" name="TextBox 64"/>
@@ -6792,7 +6794,7 @@
             </p:nvSpPr>
             <p:spPr>
               <a:xfrm>
-                <a:off x="1433908" y="3172965"/>
+                <a:off x="1454200" y="3175130"/>
                 <a:ext cx="1578448" cy="300852"/>
               </a:xfrm>
               <a:prstGeom prst="rect">
@@ -6851,7 +6853,7 @@
             </p:txBody>
           </p:sp>
         </mc:Choice>
-        <mc:Fallback xmlns="">
+        <mc:Fallback>
           <p:sp>
             <p:nvSpPr>
               <p:cNvPr id="65" name="TextBox 64"/>
@@ -6862,7 +6864,7 @@
             </p:nvSpPr>
             <p:spPr>
               <a:xfrm>
-                <a:off x="1433908" y="3172965"/>
+                <a:off x="1454200" y="3175130"/>
                 <a:ext cx="1578448" cy="300852"/>
               </a:xfrm>
               <a:prstGeom prst="rect">
@@ -6871,7 +6873,7 @@
               <a:blipFill rotWithShape="0">
                 <a:blip r:embed="rId12"/>
                 <a:stretch>
-                  <a:fillRect b="-10000"/>
+                  <a:fillRect l="-388" b="-12245"/>
                 </a:stretch>
               </a:blipFill>
             </p:spPr>
@@ -6907,9 +6909,10 @@
           <a:ln w="28575"/>
           <a:effectLst>
             <a:glow rad="228600">
-              <a:srgbClr val="7030A0">
+              <a:schemeClr val="accent1">
+                <a:satMod val="175000"/>
                 <a:alpha val="40000"/>
-              </a:srgbClr>
+              </a:schemeClr>
             </a:glow>
           </a:effectLst>
         </p:spPr>
@@ -6941,8 +6944,8 @@
           </a:p>
         </p:txBody>
       </p:sp>
-      <mc:AlternateContent xmlns:mc="http://schemas.openxmlformats.org/markup-compatibility/2006" xmlns:a14="http://schemas.microsoft.com/office/drawing/2010/main">
-        <mc:Choice Requires="a14">
+      <mc:AlternateContent xmlns:mc="http://schemas.openxmlformats.org/markup-compatibility/2006">
+        <mc:Choice xmlns:a14="http://schemas.microsoft.com/office/drawing/2010/main" Requires="a14">
           <p:sp>
             <p:nvSpPr>
               <p:cNvPr id="67" name="TextBox 66"/>
@@ -6951,12 +6954,81 @@
             </p:nvSpPr>
             <p:spPr>
               <a:xfrm>
-                <a:off x="1433907" y="3549875"/>
+                <a:off x="1433905" y="3548223"/>
                 <a:ext cx="1658287" cy="300852"/>
               </a:xfrm>
-              <a:prstGeom prst="rect">
+              <a:custGeom>
                 <a:avLst/>
-              </a:prstGeom>
+                <a:gdLst>
+                  <a:gd name="connsiteX0" fmla="*/ 0 w 1658287"/>
+                  <a:gd name="connsiteY0" fmla="*/ 0 h 300852"/>
+                  <a:gd name="connsiteX1" fmla="*/ 1658287 w 1658287"/>
+                  <a:gd name="connsiteY1" fmla="*/ 0 h 300852"/>
+                  <a:gd name="connsiteX2" fmla="*/ 1658287 w 1658287"/>
+                  <a:gd name="connsiteY2" fmla="*/ 300852 h 300852"/>
+                  <a:gd name="connsiteX3" fmla="*/ 0 w 1658287"/>
+                  <a:gd name="connsiteY3" fmla="*/ 300852 h 300852"/>
+                  <a:gd name="connsiteX4" fmla="*/ 0 w 1658287"/>
+                  <a:gd name="connsiteY4" fmla="*/ 0 h 300852"/>
+                  <a:gd name="connsiteX0" fmla="*/ 0 w 1658287"/>
+                  <a:gd name="connsiteY0" fmla="*/ 0 h 300852"/>
+                  <a:gd name="connsiteX1" fmla="*/ 1658287 w 1658287"/>
+                  <a:gd name="connsiteY1" fmla="*/ 0 h 300852"/>
+                  <a:gd name="connsiteX2" fmla="*/ 1643830 w 1658287"/>
+                  <a:gd name="connsiteY2" fmla="*/ 196935 h 300852"/>
+                  <a:gd name="connsiteX3" fmla="*/ 1658287 w 1658287"/>
+                  <a:gd name="connsiteY3" fmla="*/ 300852 h 300852"/>
+                  <a:gd name="connsiteX4" fmla="*/ 0 w 1658287"/>
+                  <a:gd name="connsiteY4" fmla="*/ 300852 h 300852"/>
+                  <a:gd name="connsiteX5" fmla="*/ 0 w 1658287"/>
+                  <a:gd name="connsiteY5" fmla="*/ 0 h 300852"/>
+                </a:gdLst>
+                <a:ahLst/>
+                <a:cxnLst>
+                  <a:cxn ang="0">
+                    <a:pos x="connsiteX0" y="connsiteY0"/>
+                  </a:cxn>
+                  <a:cxn ang="0">
+                    <a:pos x="connsiteX1" y="connsiteY1"/>
+                  </a:cxn>
+                  <a:cxn ang="0">
+                    <a:pos x="connsiteX2" y="connsiteY2"/>
+                  </a:cxn>
+                  <a:cxn ang="0">
+                    <a:pos x="connsiteX3" y="connsiteY3"/>
+                  </a:cxn>
+                  <a:cxn ang="0">
+                    <a:pos x="connsiteX4" y="connsiteY4"/>
+                  </a:cxn>
+                  <a:cxn ang="0">
+                    <a:pos x="connsiteX5" y="connsiteY5"/>
+                  </a:cxn>
+                </a:cxnLst>
+                <a:rect l="l" t="t" r="r" b="b"/>
+                <a:pathLst>
+                  <a:path w="1658287" h="300852">
+                    <a:moveTo>
+                      <a:pt x="0" y="0"/>
+                    </a:moveTo>
+                    <a:lnTo>
+                      <a:pt x="1658287" y="0"/>
+                    </a:lnTo>
+                    <a:lnTo>
+                      <a:pt x="1643830" y="196935"/>
+                    </a:lnTo>
+                    <a:lnTo>
+                      <a:pt x="1658287" y="300852"/>
+                    </a:lnTo>
+                    <a:lnTo>
+                      <a:pt x="0" y="300852"/>
+                    </a:lnTo>
+                    <a:lnTo>
+                      <a:pt x="0" y="0"/>
+                    </a:lnTo>
+                    <a:close/>
+                  </a:path>
+                </a:pathLst>
+              </a:custGeom>
               <a:noFill/>
             </p:spPr>
             <p:txBody>
@@ -7010,7 +7082,7 @@
             </p:txBody>
           </p:sp>
         </mc:Choice>
-        <mc:Fallback xmlns="">
+        <mc:Fallback>
           <p:sp>
             <p:nvSpPr>
               <p:cNvPr id="67" name="TextBox 66"/>
@@ -7021,16 +7093,85 @@
             </p:nvSpPr>
             <p:spPr>
               <a:xfrm>
-                <a:off x="1433907" y="3549875"/>
+                <a:off x="1433905" y="3548223"/>
                 <a:ext cx="1658287" cy="300852"/>
               </a:xfrm>
-              <a:prstGeom prst="rect">
+              <a:custGeom>
                 <a:avLst/>
-              </a:prstGeom>
+                <a:gdLst>
+                  <a:gd name="connsiteX0" fmla="*/ 0 w 1658287"/>
+                  <a:gd name="connsiteY0" fmla="*/ 0 h 300852"/>
+                  <a:gd name="connsiteX1" fmla="*/ 1658287 w 1658287"/>
+                  <a:gd name="connsiteY1" fmla="*/ 0 h 300852"/>
+                  <a:gd name="connsiteX2" fmla="*/ 1658287 w 1658287"/>
+                  <a:gd name="connsiteY2" fmla="*/ 300852 h 300852"/>
+                  <a:gd name="connsiteX3" fmla="*/ 0 w 1658287"/>
+                  <a:gd name="connsiteY3" fmla="*/ 300852 h 300852"/>
+                  <a:gd name="connsiteX4" fmla="*/ 0 w 1658287"/>
+                  <a:gd name="connsiteY4" fmla="*/ 0 h 300852"/>
+                  <a:gd name="connsiteX0" fmla="*/ 0 w 1658287"/>
+                  <a:gd name="connsiteY0" fmla="*/ 0 h 300852"/>
+                  <a:gd name="connsiteX1" fmla="*/ 1658287 w 1658287"/>
+                  <a:gd name="connsiteY1" fmla="*/ 0 h 300852"/>
+                  <a:gd name="connsiteX2" fmla="*/ 1643830 w 1658287"/>
+                  <a:gd name="connsiteY2" fmla="*/ 196935 h 300852"/>
+                  <a:gd name="connsiteX3" fmla="*/ 1658287 w 1658287"/>
+                  <a:gd name="connsiteY3" fmla="*/ 300852 h 300852"/>
+                  <a:gd name="connsiteX4" fmla="*/ 0 w 1658287"/>
+                  <a:gd name="connsiteY4" fmla="*/ 300852 h 300852"/>
+                  <a:gd name="connsiteX5" fmla="*/ 0 w 1658287"/>
+                  <a:gd name="connsiteY5" fmla="*/ 0 h 300852"/>
+                </a:gdLst>
+                <a:ahLst/>
+                <a:cxnLst>
+                  <a:cxn ang="0">
+                    <a:pos x="connsiteX0" y="connsiteY0"/>
+                  </a:cxn>
+                  <a:cxn ang="0">
+                    <a:pos x="connsiteX1" y="connsiteY1"/>
+                  </a:cxn>
+                  <a:cxn ang="0">
+                    <a:pos x="connsiteX2" y="connsiteY2"/>
+                  </a:cxn>
+                  <a:cxn ang="0">
+                    <a:pos x="connsiteX3" y="connsiteY3"/>
+                  </a:cxn>
+                  <a:cxn ang="0">
+                    <a:pos x="connsiteX4" y="connsiteY4"/>
+                  </a:cxn>
+                  <a:cxn ang="0">
+                    <a:pos x="connsiteX5" y="connsiteY5"/>
+                  </a:cxn>
+                </a:cxnLst>
+                <a:rect l="l" t="t" r="r" b="b"/>
+                <a:pathLst>
+                  <a:path w="1658287" h="300852">
+                    <a:moveTo>
+                      <a:pt x="0" y="0"/>
+                    </a:moveTo>
+                    <a:lnTo>
+                      <a:pt x="1658287" y="0"/>
+                    </a:lnTo>
+                    <a:lnTo>
+                      <a:pt x="1643830" y="196935"/>
+                    </a:lnTo>
+                    <a:lnTo>
+                      <a:pt x="1658287" y="300852"/>
+                    </a:lnTo>
+                    <a:lnTo>
+                      <a:pt x="0" y="300852"/>
+                    </a:lnTo>
+                    <a:lnTo>
+                      <a:pt x="0" y="0"/>
+                    </a:lnTo>
+                    <a:close/>
+                  </a:path>
+                </a:pathLst>
+              </a:custGeom>
               <a:blipFill rotWithShape="0">
                 <a:blip r:embed="rId13"/>
                 <a:stretch>
-                  <a:fillRect b="-10000"/>
+                  <a:fillRect b="-12245"/>
                 </a:stretch>
               </a:blipFill>
             </p:spPr>
@@ -7066,9 +7207,10 @@
           <a:ln w="28575"/>
           <a:effectLst>
             <a:glow rad="228600">
-              <a:srgbClr val="7030A0">
+              <a:schemeClr val="accent1">
+                <a:satMod val="175000"/>
                 <a:alpha val="40000"/>
-              </a:srgbClr>
+              </a:schemeClr>
             </a:glow>
           </a:effectLst>
         </p:spPr>
@@ -7100,8 +7242,8 @@
           </a:p>
         </p:txBody>
       </p:sp>
-      <mc:AlternateContent xmlns:mc="http://schemas.openxmlformats.org/markup-compatibility/2006" xmlns:a14="http://schemas.microsoft.com/office/drawing/2010/main">
-        <mc:Choice Requires="a14">
+      <mc:AlternateContent xmlns:mc="http://schemas.openxmlformats.org/markup-compatibility/2006">
+        <mc:Choice xmlns:a14="http://schemas.microsoft.com/office/drawing/2010/main" Requires="a14">
           <p:sp>
             <p:nvSpPr>
               <p:cNvPr id="71" name="TextBox 70"/>
@@ -7110,7 +7252,7 @@
             </p:nvSpPr>
             <p:spPr>
               <a:xfrm>
-                <a:off x="4934670" y="3824837"/>
+                <a:off x="4934670" y="3823954"/>
                 <a:ext cx="2958696" cy="398892"/>
               </a:xfrm>
               <a:prstGeom prst="rect">
@@ -7247,7 +7389,7 @@
             </p:txBody>
           </p:sp>
         </mc:Choice>
-        <mc:Fallback xmlns="">
+        <mc:Fallback>
           <p:sp>
             <p:nvSpPr>
               <p:cNvPr id="71" name="TextBox 70"/>
@@ -7258,7 +7400,7 @@
             </p:nvSpPr>
             <p:spPr>
               <a:xfrm>
-                <a:off x="4934670" y="3824837"/>
+                <a:off x="4934670" y="3823954"/>
                 <a:ext cx="2958696" cy="398892"/>
               </a:xfrm>
               <a:prstGeom prst="rect">
@@ -9070,7 +9212,7 @@
         </p:nvSpPr>
         <p:spPr>
           <a:xfrm>
-            <a:off x="6534770" y="1549862"/>
+            <a:off x="6735513" y="1549862"/>
             <a:ext cx="1708658" cy="857771"/>
           </a:xfrm>
           <a:prstGeom prst="roundRect">
@@ -9119,8 +9261,8 @@
           </a:p>
         </p:txBody>
       </p:sp>
-      <mc:AlternateContent xmlns:mc="http://schemas.openxmlformats.org/markup-compatibility/2006" xmlns:a14="http://schemas.microsoft.com/office/drawing/2010/main">
-        <mc:Choice Requires="a14">
+      <mc:AlternateContent xmlns:mc="http://schemas.openxmlformats.org/markup-compatibility/2006">
+        <mc:Choice xmlns:a14="http://schemas.microsoft.com/office/drawing/2010/main" Requires="a14">
           <p:sp>
             <p:nvSpPr>
               <p:cNvPr id="89" name="TextBox 88"/>
@@ -9129,7 +9271,7 @@
             </p:nvSpPr>
             <p:spPr>
               <a:xfrm>
-                <a:off x="6534770" y="1549864"/>
+                <a:off x="6735513" y="1549864"/>
                 <a:ext cx="1708658" cy="847924"/>
               </a:xfrm>
               <a:prstGeom prst="rect">
@@ -9210,7 +9352,7 @@
             </p:txBody>
           </p:sp>
         </mc:Choice>
-        <mc:Fallback xmlns="">
+        <mc:Fallback>
           <p:sp>
             <p:nvSpPr>
               <p:cNvPr id="89" name="TextBox 88"/>
@@ -9221,7 +9363,7 @@
             </p:nvSpPr>
             <p:spPr>
               <a:xfrm>
-                <a:off x="6534770" y="1549864"/>
+                <a:off x="6735513" y="1549864"/>
                 <a:ext cx="1708658" cy="847924"/>
               </a:xfrm>
               <a:prstGeom prst="rect">
@@ -10283,19 +10425,19 @@
           <p:cNvPr id="126" name="Curved Connector 125"/>
           <p:cNvCxnSpPr>
             <a:stCxn id="7" idx="2"/>
-            <a:endCxn id="62" idx="1"/>
+            <a:endCxn id="65" idx="3"/>
           </p:cNvCxnSpPr>
           <p:nvPr/>
         </p:nvCxnSpPr>
         <p:spPr>
-          <a:xfrm rot="5400000">
-            <a:off x="955071" y="2420827"/>
-            <a:ext cx="1310592" cy="784432"/>
+          <a:xfrm rot="16200000" flipH="1">
+            <a:off x="1933713" y="2226620"/>
+            <a:ext cx="1167809" cy="1030062"/>
           </a:xfrm>
           <a:prstGeom prst="curvedConnector4">
             <a:avLst>
-              <a:gd name="adj1" fmla="val 26792"/>
-              <a:gd name="adj2" fmla="val 129142"/>
+              <a:gd name="adj1" fmla="val 43559"/>
+              <a:gd name="adj2" fmla="val 122193"/>
             </a:avLst>
           </a:prstGeom>
           <a:ln>
@@ -10321,18 +10463,20 @@
         <p:nvCxnSpPr>
           <p:cNvPr id="128" name="Curved Connector 127"/>
           <p:cNvCxnSpPr>
-            <a:stCxn id="8" idx="2"/>
-            <a:endCxn id="62" idx="0"/>
+            <a:stCxn id="8" idx="1"/>
+            <a:endCxn id="67" idx="1"/>
           </p:cNvCxnSpPr>
           <p:nvPr/>
         </p:nvCxnSpPr>
         <p:spPr>
-          <a:xfrm rot="5400000">
-            <a:off x="3444963" y="904479"/>
-            <a:ext cx="756468" cy="3154609"/>
+          <a:xfrm rot="10800000" flipV="1">
+            <a:off x="3092193" y="1971021"/>
+            <a:ext cx="1523877" cy="1577202"/>
           </a:xfrm>
           <a:prstGeom prst="curvedConnector3">
-            <a:avLst/>
+            <a:avLst>
+              <a:gd name="adj1" fmla="val 50000"/>
+            </a:avLst>
           </a:prstGeom>
           <a:ln>
             <a:tailEnd type="triangle" w="lg" len="lg"/>
@@ -10364,7 +10508,7 @@
         </p:nvCxnSpPr>
         <p:spPr>
           <a:xfrm>
-            <a:off x="7379039" y="585874"/>
+            <a:off x="7579782" y="585874"/>
             <a:ext cx="10060" cy="963990"/>
           </a:xfrm>
           <a:prstGeom prst="straightConnector1">
@@ -10401,7 +10545,7 @@
         <p:spPr>
           <a:xfrm>
             <a:off x="6184940" y="1971021"/>
-            <a:ext cx="349830" cy="2805"/>
+            <a:ext cx="550573" cy="2805"/>
           </a:xfrm>
           <a:prstGeom prst="straightConnector1">
             <a:avLst/>
@@ -10436,8 +10580,8 @@
         </p:nvCxnSpPr>
         <p:spPr>
           <a:xfrm rot="5400000">
-            <a:off x="6803985" y="2105437"/>
-            <a:ext cx="282918" cy="887310"/>
+            <a:off x="6904357" y="2005066"/>
+            <a:ext cx="282918" cy="1088053"/>
           </a:xfrm>
           <a:prstGeom prst="curvedConnector3">
             <a:avLst/>
@@ -10652,19 +10796,18 @@
         <p:nvCxnSpPr>
           <p:cNvPr id="160" name="Curved Connector 159"/>
           <p:cNvCxnSpPr>
-            <a:stCxn id="62" idx="3"/>
             <a:endCxn id="76" idx="1"/>
           </p:cNvCxnSpPr>
           <p:nvPr/>
         </p:nvCxnSpPr>
         <p:spPr>
           <a:xfrm>
-            <a:off x="3273643" y="3468338"/>
-            <a:ext cx="3459287" cy="2649244"/>
+            <a:off x="3393699" y="5021570"/>
+            <a:ext cx="3339228" cy="1096011"/>
           </a:xfrm>
           <a:prstGeom prst="curvedConnector3">
             <a:avLst>
-              <a:gd name="adj1" fmla="val 38810"/>
+              <a:gd name="adj1" fmla="val 64360"/>
             </a:avLst>
           </a:prstGeom>
           <a:ln>
@@ -11263,6 +11406,813 @@
           </a:fontRef>
         </p:style>
       </p:cxnSp>
+      <p:cxnSp>
+        <p:nvCxnSpPr>
+          <p:cNvPr id="101" name="Curved Connector 100"/>
+          <p:cNvCxnSpPr>
+            <a:endCxn id="66" idx="3"/>
+          </p:cNvCxnSpPr>
+          <p:nvPr/>
+        </p:nvCxnSpPr>
+        <p:spPr>
+          <a:xfrm rot="10800000" flipV="1">
+            <a:off x="3092195" y="3168410"/>
+            <a:ext cx="1853239" cy="524926"/>
+          </a:xfrm>
+          <a:prstGeom prst="curvedConnector3">
+            <a:avLst>
+              <a:gd name="adj1" fmla="val 50000"/>
+            </a:avLst>
+          </a:prstGeom>
+          <a:ln>
+            <a:tailEnd type="triangle" w="lg" len="lg"/>
+          </a:ln>
+        </p:spPr>
+        <p:style>
+          <a:lnRef idx="3">
+            <a:schemeClr val="accent3"/>
+          </a:lnRef>
+          <a:fillRef idx="0">
+            <a:schemeClr val="accent3"/>
+          </a:fillRef>
+          <a:effectRef idx="2">
+            <a:schemeClr val="accent3"/>
+          </a:effectRef>
+          <a:fontRef idx="minor">
+            <a:schemeClr val="tx1"/>
+          </a:fontRef>
+        </p:style>
+      </p:cxnSp>
+      <p:cxnSp>
+        <p:nvCxnSpPr>
+          <p:cNvPr id="108" name="Curved Connector 107"/>
+          <p:cNvCxnSpPr>
+            <a:stCxn id="64" idx="1"/>
+            <a:endCxn id="66" idx="1"/>
+          </p:cNvCxnSpPr>
+          <p:nvPr/>
+        </p:nvCxnSpPr>
+        <p:spPr>
+          <a:xfrm rot="10800000" flipV="1">
+            <a:off x="1433908" y="3320430"/>
+            <a:ext cx="1" cy="372905"/>
+          </a:xfrm>
+          <a:prstGeom prst="curvedConnector3">
+            <a:avLst>
+              <a:gd name="adj1" fmla="val 22860100000"/>
+            </a:avLst>
+          </a:prstGeom>
+          <a:ln>
+            <a:tailEnd type="triangle" w="lg" len="lg"/>
+          </a:ln>
+        </p:spPr>
+        <p:style>
+          <a:lnRef idx="3">
+            <a:schemeClr val="accent3"/>
+          </a:lnRef>
+          <a:fillRef idx="0">
+            <a:schemeClr val="accent3"/>
+          </a:fillRef>
+          <a:effectRef idx="2">
+            <a:schemeClr val="accent3"/>
+          </a:effectRef>
+          <a:fontRef idx="minor">
+            <a:schemeClr val="tx1"/>
+          </a:fontRef>
+        </p:style>
+      </p:cxnSp>
+      <p:sp>
+        <p:nvSpPr>
+          <p:cNvPr id="109" name="Flowchart: Alternate Process 108"/>
+          <p:cNvSpPr/>
+          <p:nvPr/>
+        </p:nvSpPr>
+        <p:spPr>
+          <a:xfrm>
+            <a:off x="100361" y="131991"/>
+            <a:ext cx="6377955" cy="2279169"/>
+          </a:xfrm>
+          <a:prstGeom prst="flowChartAlternateProcess">
+            <a:avLst/>
+          </a:prstGeom>
+          <a:noFill/>
+        </p:spPr>
+        <p:style>
+          <a:lnRef idx="2">
+            <a:schemeClr val="accent2"/>
+          </a:lnRef>
+          <a:fillRef idx="1">
+            <a:schemeClr val="lt1"/>
+          </a:fillRef>
+          <a:effectRef idx="0">
+            <a:schemeClr val="accent2"/>
+          </a:effectRef>
+          <a:fontRef idx="minor">
+            <a:schemeClr val="dk1"/>
+          </a:fontRef>
+        </p:style>
+        <p:txBody>
+          <a:bodyPr rtlCol="0" anchor="ctr"/>
+          <a:lstStyle/>
+          <a:p>
+            <a:pPr algn="ctr"/>
+            <a:endParaRPr lang="en-AU"/>
+          </a:p>
+        </p:txBody>
+      </p:sp>
+      <p:sp>
+        <p:nvSpPr>
+          <p:cNvPr id="114" name="Flowchart: Alternate Process 113"/>
+          <p:cNvSpPr/>
+          <p:nvPr/>
+        </p:nvSpPr>
+        <p:spPr>
+          <a:xfrm>
+            <a:off x="780585" y="5323735"/>
+            <a:ext cx="7583632" cy="1340864"/>
+          </a:xfrm>
+          <a:custGeom>
+            <a:avLst/>
+            <a:gdLst>
+              <a:gd name="connsiteX0" fmla="*/ 0 w 7583632"/>
+              <a:gd name="connsiteY0" fmla="*/ 223477 h 1340864"/>
+              <a:gd name="connsiteX1" fmla="*/ 223477 w 7583632"/>
+              <a:gd name="connsiteY1" fmla="*/ 0 h 1340864"/>
+              <a:gd name="connsiteX2" fmla="*/ 7360155 w 7583632"/>
+              <a:gd name="connsiteY2" fmla="*/ 0 h 1340864"/>
+              <a:gd name="connsiteX3" fmla="*/ 7583632 w 7583632"/>
+              <a:gd name="connsiteY3" fmla="*/ 223477 h 1340864"/>
+              <a:gd name="connsiteX4" fmla="*/ 7583632 w 7583632"/>
+              <a:gd name="connsiteY4" fmla="*/ 1117387 h 1340864"/>
+              <a:gd name="connsiteX5" fmla="*/ 7360155 w 7583632"/>
+              <a:gd name="connsiteY5" fmla="*/ 1340864 h 1340864"/>
+              <a:gd name="connsiteX6" fmla="*/ 223477 w 7583632"/>
+              <a:gd name="connsiteY6" fmla="*/ 1340864 h 1340864"/>
+              <a:gd name="connsiteX7" fmla="*/ 0 w 7583632"/>
+              <a:gd name="connsiteY7" fmla="*/ 1117387 h 1340864"/>
+              <a:gd name="connsiteX8" fmla="*/ 0 w 7583632"/>
+              <a:gd name="connsiteY8" fmla="*/ 223477 h 1340864"/>
+              <a:gd name="connsiteX0" fmla="*/ 0 w 7583632"/>
+              <a:gd name="connsiteY0" fmla="*/ 223477 h 1340864"/>
+              <a:gd name="connsiteX1" fmla="*/ 223477 w 7583632"/>
+              <a:gd name="connsiteY1" fmla="*/ 0 h 1340864"/>
+              <a:gd name="connsiteX2" fmla="*/ 7326702 w 7583632"/>
+              <a:gd name="connsiteY2" fmla="*/ 289932 h 1340864"/>
+              <a:gd name="connsiteX3" fmla="*/ 7583632 w 7583632"/>
+              <a:gd name="connsiteY3" fmla="*/ 223477 h 1340864"/>
+              <a:gd name="connsiteX4" fmla="*/ 7583632 w 7583632"/>
+              <a:gd name="connsiteY4" fmla="*/ 1117387 h 1340864"/>
+              <a:gd name="connsiteX5" fmla="*/ 7360155 w 7583632"/>
+              <a:gd name="connsiteY5" fmla="*/ 1340864 h 1340864"/>
+              <a:gd name="connsiteX6" fmla="*/ 223477 w 7583632"/>
+              <a:gd name="connsiteY6" fmla="*/ 1340864 h 1340864"/>
+              <a:gd name="connsiteX7" fmla="*/ 0 w 7583632"/>
+              <a:gd name="connsiteY7" fmla="*/ 1117387 h 1340864"/>
+              <a:gd name="connsiteX8" fmla="*/ 0 w 7583632"/>
+              <a:gd name="connsiteY8" fmla="*/ 223477 h 1340864"/>
+              <a:gd name="connsiteX0" fmla="*/ 0 w 7583632"/>
+              <a:gd name="connsiteY0" fmla="*/ 223477 h 1340864"/>
+              <a:gd name="connsiteX1" fmla="*/ 223477 w 7583632"/>
+              <a:gd name="connsiteY1" fmla="*/ 0 h 1340864"/>
+              <a:gd name="connsiteX2" fmla="*/ 7326702 w 7583632"/>
+              <a:gd name="connsiteY2" fmla="*/ 289932 h 1340864"/>
+              <a:gd name="connsiteX3" fmla="*/ 7583632 w 7583632"/>
+              <a:gd name="connsiteY3" fmla="*/ 558013 h 1340864"/>
+              <a:gd name="connsiteX4" fmla="*/ 7583632 w 7583632"/>
+              <a:gd name="connsiteY4" fmla="*/ 1117387 h 1340864"/>
+              <a:gd name="connsiteX5" fmla="*/ 7360155 w 7583632"/>
+              <a:gd name="connsiteY5" fmla="*/ 1340864 h 1340864"/>
+              <a:gd name="connsiteX6" fmla="*/ 223477 w 7583632"/>
+              <a:gd name="connsiteY6" fmla="*/ 1340864 h 1340864"/>
+              <a:gd name="connsiteX7" fmla="*/ 0 w 7583632"/>
+              <a:gd name="connsiteY7" fmla="*/ 1117387 h 1340864"/>
+              <a:gd name="connsiteX8" fmla="*/ 0 w 7583632"/>
+              <a:gd name="connsiteY8" fmla="*/ 223477 h 1340864"/>
+            </a:gdLst>
+            <a:ahLst/>
+            <a:cxnLst>
+              <a:cxn ang="0">
+                <a:pos x="connsiteX0" y="connsiteY0"/>
+              </a:cxn>
+              <a:cxn ang="0">
+                <a:pos x="connsiteX1" y="connsiteY1"/>
+              </a:cxn>
+              <a:cxn ang="0">
+                <a:pos x="connsiteX2" y="connsiteY2"/>
+              </a:cxn>
+              <a:cxn ang="0">
+                <a:pos x="connsiteX3" y="connsiteY3"/>
+              </a:cxn>
+              <a:cxn ang="0">
+                <a:pos x="connsiteX4" y="connsiteY4"/>
+              </a:cxn>
+              <a:cxn ang="0">
+                <a:pos x="connsiteX5" y="connsiteY5"/>
+              </a:cxn>
+              <a:cxn ang="0">
+                <a:pos x="connsiteX6" y="connsiteY6"/>
+              </a:cxn>
+              <a:cxn ang="0">
+                <a:pos x="connsiteX7" y="connsiteY7"/>
+              </a:cxn>
+              <a:cxn ang="0">
+                <a:pos x="connsiteX8" y="connsiteY8"/>
+              </a:cxn>
+            </a:cxnLst>
+            <a:rect l="l" t="t" r="r" b="b"/>
+            <a:pathLst>
+              <a:path w="7583632" h="1340864">
+                <a:moveTo>
+                  <a:pt x="0" y="223477"/>
+                </a:moveTo>
+                <a:cubicBezTo>
+                  <a:pt x="0" y="100054"/>
+                  <a:pt x="100054" y="0"/>
+                  <a:pt x="223477" y="0"/>
+                </a:cubicBezTo>
+                <a:cubicBezTo>
+                  <a:pt x="2602370" y="0"/>
+                  <a:pt x="4947809" y="289932"/>
+                  <a:pt x="7326702" y="289932"/>
+                </a:cubicBezTo>
+                <a:cubicBezTo>
+                  <a:pt x="7450125" y="289932"/>
+                  <a:pt x="7583632" y="434590"/>
+                  <a:pt x="7583632" y="558013"/>
+                </a:cubicBezTo>
+                <a:lnTo>
+                  <a:pt x="7583632" y="1117387"/>
+                </a:lnTo>
+                <a:cubicBezTo>
+                  <a:pt x="7583632" y="1240810"/>
+                  <a:pt x="7483578" y="1340864"/>
+                  <a:pt x="7360155" y="1340864"/>
+                </a:cubicBezTo>
+                <a:lnTo>
+                  <a:pt x="223477" y="1340864"/>
+                </a:lnTo>
+                <a:cubicBezTo>
+                  <a:pt x="100054" y="1340864"/>
+                  <a:pt x="0" y="1240810"/>
+                  <a:pt x="0" y="1117387"/>
+                </a:cubicBezTo>
+                <a:lnTo>
+                  <a:pt x="0" y="223477"/>
+                </a:lnTo>
+                <a:close/>
+              </a:path>
+            </a:pathLst>
+          </a:custGeom>
+          <a:noFill/>
+          <a:ln>
+            <a:solidFill>
+              <a:srgbClr val="9966FF"/>
+            </a:solidFill>
+          </a:ln>
+        </p:spPr>
+        <p:style>
+          <a:lnRef idx="2">
+            <a:schemeClr val="dk1"/>
+          </a:lnRef>
+          <a:fillRef idx="1">
+            <a:schemeClr val="lt1"/>
+          </a:fillRef>
+          <a:effectRef idx="0">
+            <a:schemeClr val="dk1"/>
+          </a:effectRef>
+          <a:fontRef idx="minor">
+            <a:schemeClr val="dk1"/>
+          </a:fontRef>
+        </p:style>
+        <p:txBody>
+          <a:bodyPr rtlCol="0" anchor="ctr"/>
+          <a:lstStyle/>
+          <a:p>
+            <a:pPr algn="ctr"/>
+            <a:endParaRPr lang="en-AU" dirty="0"/>
+          </a:p>
+        </p:txBody>
+      </p:sp>
+      <p:sp>
+        <p:nvSpPr>
+          <p:cNvPr id="116" name="TextBox 115"/>
+          <p:cNvSpPr txBox="1"/>
+          <p:nvPr/>
+        </p:nvSpPr>
+        <p:spPr>
+          <a:xfrm>
+            <a:off x="72910" y="286659"/>
+            <a:ext cx="1226953" cy="646331"/>
+          </a:xfrm>
+          <a:prstGeom prst="rect">
+            <a:avLst/>
+          </a:prstGeom>
+          <a:noFill/>
+        </p:spPr>
+        <p:txBody>
+          <a:bodyPr wrap="square" rtlCol="0">
+            <a:spAutoFit/>
+          </a:bodyPr>
+          <a:lstStyle/>
+          <a:p>
+            <a:r>
+              <a:rPr lang="en-AU" i="1" dirty="0" smtClean="0">
+                <a:solidFill>
+                  <a:srgbClr val="F1650F"/>
+                </a:solidFill>
+                <a:latin typeface="Helvetica" panose="020B0604020202020204" pitchFamily="34" charset="0"/>
+                <a:cs typeface="Helvetica" panose="020B0604020202020204" pitchFamily="34" charset="0"/>
+              </a:rPr>
+              <a:t>Feature Extraction</a:t>
+            </a:r>
+            <a:endParaRPr lang="en-AU" i="1" dirty="0">
+              <a:solidFill>
+                <a:srgbClr val="F1650F"/>
+              </a:solidFill>
+              <a:latin typeface="Helvetica" panose="020B0604020202020204" pitchFamily="34" charset="0"/>
+              <a:cs typeface="Helvetica" panose="020B0604020202020204" pitchFamily="34" charset="0"/>
+            </a:endParaRPr>
+          </a:p>
+        </p:txBody>
+      </p:sp>
+      <p:sp>
+        <p:nvSpPr>
+          <p:cNvPr id="145" name="TextBox 144"/>
+          <p:cNvSpPr txBox="1"/>
+          <p:nvPr/>
+        </p:nvSpPr>
+        <p:spPr>
+          <a:xfrm>
+            <a:off x="835409" y="6026324"/>
+            <a:ext cx="1337134" cy="646331"/>
+          </a:xfrm>
+          <a:prstGeom prst="rect">
+            <a:avLst/>
+          </a:prstGeom>
+          <a:noFill/>
+        </p:spPr>
+        <p:txBody>
+          <a:bodyPr wrap="square" rtlCol="0">
+            <a:spAutoFit/>
+          </a:bodyPr>
+          <a:lstStyle/>
+          <a:p>
+            <a:r>
+              <a:rPr lang="en-AU" i="1" dirty="0" smtClean="0">
+                <a:solidFill>
+                  <a:srgbClr val="9966FF"/>
+                </a:solidFill>
+                <a:latin typeface="Helvetica" panose="020B0604020202020204" pitchFamily="34" charset="0"/>
+                <a:cs typeface="Helvetica" panose="020B0604020202020204" pitchFamily="34" charset="0"/>
+              </a:rPr>
+              <a:t>Latent Distribution</a:t>
+            </a:r>
+            <a:endParaRPr lang="en-AU" i="1" dirty="0">
+              <a:solidFill>
+                <a:srgbClr val="9966FF"/>
+              </a:solidFill>
+              <a:latin typeface="Helvetica" panose="020B0604020202020204" pitchFamily="34" charset="0"/>
+              <a:cs typeface="Helvetica" panose="020B0604020202020204" pitchFamily="34" charset="0"/>
+            </a:endParaRPr>
+          </a:p>
+        </p:txBody>
+      </p:sp>
+      <p:sp>
+        <p:nvSpPr>
+          <p:cNvPr id="147" name="TextBox 146"/>
+          <p:cNvSpPr txBox="1"/>
+          <p:nvPr/>
+        </p:nvSpPr>
+        <p:spPr>
+          <a:xfrm>
+            <a:off x="7638017" y="718570"/>
+            <a:ext cx="1343709" cy="646331"/>
+          </a:xfrm>
+          <a:prstGeom prst="rect">
+            <a:avLst/>
+          </a:prstGeom>
+          <a:noFill/>
+        </p:spPr>
+        <p:txBody>
+          <a:bodyPr wrap="square" rtlCol="0">
+            <a:spAutoFit/>
+          </a:bodyPr>
+          <a:lstStyle/>
+          <a:p>
+            <a:r>
+              <a:rPr lang="en-AU" i="1" dirty="0" smtClean="0">
+                <a:solidFill>
+                  <a:srgbClr val="00B0F0"/>
+                </a:solidFill>
+                <a:latin typeface="Helvetica" panose="020B0604020202020204" pitchFamily="34" charset="0"/>
+                <a:cs typeface="Helvetica" panose="020B0604020202020204" pitchFamily="34" charset="0"/>
+              </a:rPr>
+              <a:t>Learning &amp; Training</a:t>
+            </a:r>
+            <a:endParaRPr lang="en-AU" i="1" dirty="0">
+              <a:solidFill>
+                <a:srgbClr val="00B0F0"/>
+              </a:solidFill>
+              <a:latin typeface="Helvetica" panose="020B0604020202020204" pitchFamily="34" charset="0"/>
+              <a:cs typeface="Helvetica" panose="020B0604020202020204" pitchFamily="34" charset="0"/>
+            </a:endParaRPr>
+          </a:p>
+        </p:txBody>
+      </p:sp>
+      <p:sp>
+        <p:nvSpPr>
+          <p:cNvPr id="150" name="Flowchart: Alternate Process 149"/>
+          <p:cNvSpPr/>
+          <p:nvPr/>
+        </p:nvSpPr>
+        <p:spPr>
+          <a:xfrm>
+            <a:off x="780584" y="6747130"/>
+            <a:ext cx="8187337" cy="2497231"/>
+          </a:xfrm>
+          <a:prstGeom prst="flowChartAlternateProcess">
+            <a:avLst/>
+          </a:prstGeom>
+          <a:noFill/>
+          <a:ln>
+            <a:solidFill>
+              <a:srgbClr val="00B050"/>
+            </a:solidFill>
+          </a:ln>
+        </p:spPr>
+        <p:style>
+          <a:lnRef idx="2">
+            <a:schemeClr val="accent2"/>
+          </a:lnRef>
+          <a:fillRef idx="1">
+            <a:schemeClr val="lt1"/>
+          </a:fillRef>
+          <a:effectRef idx="0">
+            <a:schemeClr val="accent2"/>
+          </a:effectRef>
+          <a:fontRef idx="minor">
+            <a:schemeClr val="dk1"/>
+          </a:fontRef>
+        </p:style>
+        <p:txBody>
+          <a:bodyPr rtlCol="0" anchor="ctr"/>
+          <a:lstStyle/>
+          <a:p>
+            <a:pPr algn="ctr"/>
+            <a:endParaRPr lang="en-AU"/>
+          </a:p>
+        </p:txBody>
+      </p:sp>
+      <p:sp>
+        <p:nvSpPr>
+          <p:cNvPr id="151" name="TextBox 150"/>
+          <p:cNvSpPr txBox="1"/>
+          <p:nvPr/>
+        </p:nvSpPr>
+        <p:spPr>
+          <a:xfrm>
+            <a:off x="7430294" y="7763384"/>
+            <a:ext cx="1362739" cy="646331"/>
+          </a:xfrm>
+          <a:prstGeom prst="rect">
+            <a:avLst/>
+          </a:prstGeom>
+          <a:noFill/>
+        </p:spPr>
+        <p:txBody>
+          <a:bodyPr wrap="square" rtlCol="0">
+            <a:spAutoFit/>
+          </a:bodyPr>
+          <a:lstStyle/>
+          <a:p>
+            <a:r>
+              <a:rPr lang="en-AU" i="1" dirty="0" smtClean="0">
+                <a:solidFill>
+                  <a:srgbClr val="00B050"/>
+                </a:solidFill>
+                <a:latin typeface="Helvetica" panose="020B0604020202020204" pitchFamily="34" charset="0"/>
+                <a:cs typeface="Helvetica" panose="020B0604020202020204" pitchFamily="34" charset="0"/>
+              </a:rPr>
+              <a:t>Inference &amp; Prediction</a:t>
+            </a:r>
+            <a:endParaRPr lang="en-AU" i="1" dirty="0">
+              <a:solidFill>
+                <a:srgbClr val="00B050"/>
+              </a:solidFill>
+              <a:latin typeface="Helvetica" panose="020B0604020202020204" pitchFamily="34" charset="0"/>
+              <a:cs typeface="Helvetica" panose="020B0604020202020204" pitchFamily="34" charset="0"/>
+            </a:endParaRPr>
+          </a:p>
+        </p:txBody>
+      </p:sp>
+      <p:sp>
+        <p:nvSpPr>
+          <p:cNvPr id="153" name="Rounded Rectangle 152"/>
+          <p:cNvSpPr/>
+          <p:nvPr/>
+        </p:nvSpPr>
+        <p:spPr>
+          <a:xfrm>
+            <a:off x="381202" y="2619118"/>
+            <a:ext cx="293588" cy="264223"/>
+          </a:xfrm>
+          <a:prstGeom prst="roundRect">
+            <a:avLst/>
+          </a:prstGeom>
+          <a:ln w="28575"/>
+          <a:effectLst>
+            <a:glow rad="228600">
+              <a:schemeClr val="accent1">
+                <a:satMod val="175000"/>
+                <a:alpha val="40000"/>
+              </a:schemeClr>
+            </a:glow>
+            <a:softEdge rad="0"/>
+          </a:effectLst>
+        </p:spPr>
+        <p:style>
+          <a:lnRef idx="2">
+            <a:schemeClr val="accent5"/>
+          </a:lnRef>
+          <a:fillRef idx="1">
+            <a:schemeClr val="lt1"/>
+          </a:fillRef>
+          <a:effectRef idx="0">
+            <a:schemeClr val="accent5"/>
+          </a:effectRef>
+          <a:fontRef idx="minor">
+            <a:schemeClr val="dk1"/>
+          </a:fontRef>
+        </p:style>
+        <p:txBody>
+          <a:bodyPr rot="0" spcFirstLastPara="0" vertOverflow="overflow" horzOverflow="overflow" vert="horz" wrap="square" lIns="77421" tIns="38710" rIns="77421" bIns="38710" numCol="1" spcCol="0" rtlCol="0" fromWordArt="0" anchor="ctr" anchorCtr="0" forceAA="0" compatLnSpc="1">
+            <a:prstTxWarp prst="textNoShape">
+              <a:avLst/>
+            </a:prstTxWarp>
+            <a:noAutofit/>
+          </a:bodyPr>
+          <a:lstStyle/>
+          <a:p>
+            <a:pPr algn="ctr"/>
+            <a:endParaRPr lang="en-AU" sz="1185"/>
+          </a:p>
+        </p:txBody>
+      </p:sp>
+      <p:sp>
+        <p:nvSpPr>
+          <p:cNvPr id="157" name="Rounded Rectangle 156"/>
+          <p:cNvSpPr/>
+          <p:nvPr/>
+        </p:nvSpPr>
+        <p:spPr>
+          <a:xfrm>
+            <a:off x="390161" y="4340941"/>
+            <a:ext cx="283045" cy="265562"/>
+          </a:xfrm>
+          <a:prstGeom prst="roundRect">
+            <a:avLst/>
+          </a:prstGeom>
+          <a:ln w="28575">
+            <a:solidFill>
+              <a:srgbClr val="00B050"/>
+            </a:solidFill>
+            <a:prstDash val="sysDot"/>
+          </a:ln>
+          <a:effectLst>
+            <a:glow rad="228600">
+              <a:schemeClr val="accent6">
+                <a:satMod val="175000"/>
+                <a:alpha val="40000"/>
+              </a:schemeClr>
+            </a:glow>
+          </a:effectLst>
+        </p:spPr>
+        <p:style>
+          <a:lnRef idx="2">
+            <a:schemeClr val="accent5"/>
+          </a:lnRef>
+          <a:fillRef idx="1">
+            <a:schemeClr val="lt1"/>
+          </a:fillRef>
+          <a:effectRef idx="0">
+            <a:schemeClr val="accent5"/>
+          </a:effectRef>
+          <a:fontRef idx="minor">
+            <a:schemeClr val="dk1"/>
+          </a:fontRef>
+        </p:style>
+        <p:txBody>
+          <a:bodyPr rot="0" spcFirstLastPara="0" vertOverflow="overflow" horzOverflow="overflow" vert="horz" wrap="square" lIns="77421" tIns="38710" rIns="77421" bIns="38710" numCol="1" spcCol="0" rtlCol="0" fromWordArt="0" anchor="ctr" anchorCtr="0" forceAA="0" compatLnSpc="1">
+            <a:prstTxWarp prst="textNoShape">
+              <a:avLst/>
+            </a:prstTxWarp>
+            <a:noAutofit/>
+          </a:bodyPr>
+          <a:lstStyle/>
+          <a:p>
+            <a:pPr algn="ctr"/>
+            <a:endParaRPr lang="en-AU" sz="1185"/>
+          </a:p>
+        </p:txBody>
+      </p:sp>
+      <p:sp>
+        <p:nvSpPr>
+          <p:cNvPr id="165" name="Rounded Rectangle 164"/>
+          <p:cNvSpPr/>
+          <p:nvPr/>
+        </p:nvSpPr>
+        <p:spPr>
+          <a:xfrm>
+            <a:off x="390293" y="3446603"/>
+            <a:ext cx="284497" cy="277628"/>
+          </a:xfrm>
+          <a:prstGeom prst="roundRect">
+            <a:avLst/>
+          </a:prstGeom>
+          <a:ln w="28575"/>
+          <a:effectLst>
+            <a:glow rad="228600">
+              <a:srgbClr val="7030A0">
+                <a:alpha val="40000"/>
+              </a:srgbClr>
+            </a:glow>
+          </a:effectLst>
+        </p:spPr>
+        <p:style>
+          <a:lnRef idx="2">
+            <a:schemeClr val="accent5"/>
+          </a:lnRef>
+          <a:fillRef idx="1">
+            <a:schemeClr val="lt1"/>
+          </a:fillRef>
+          <a:effectRef idx="0">
+            <a:schemeClr val="accent5"/>
+          </a:effectRef>
+          <a:fontRef idx="minor">
+            <a:schemeClr val="dk1"/>
+          </a:fontRef>
+        </p:style>
+        <p:txBody>
+          <a:bodyPr rot="0" spcFirstLastPara="0" vertOverflow="overflow" horzOverflow="overflow" vert="horz" wrap="square" lIns="77421" tIns="38710" rIns="77421" bIns="38710" numCol="1" spcCol="0" rtlCol="0" fromWordArt="0" anchor="ctr" anchorCtr="0" forceAA="0" compatLnSpc="1">
+            <a:prstTxWarp prst="textNoShape">
+              <a:avLst/>
+            </a:prstTxWarp>
+            <a:noAutofit/>
+          </a:bodyPr>
+          <a:lstStyle/>
+          <a:p>
+            <a:pPr algn="ctr"/>
+            <a:endParaRPr lang="en-AU" sz="1185"/>
+          </a:p>
+        </p:txBody>
+      </p:sp>
+      <p:sp>
+        <p:nvSpPr>
+          <p:cNvPr id="167" name="TextBox 166"/>
+          <p:cNvSpPr txBox="1"/>
+          <p:nvPr/>
+        </p:nvSpPr>
+        <p:spPr>
+          <a:xfrm>
+            <a:off x="0" y="3024034"/>
+            <a:ext cx="1062018" cy="307777"/>
+          </a:xfrm>
+          <a:prstGeom prst="rect">
+            <a:avLst/>
+          </a:prstGeom>
+          <a:noFill/>
+        </p:spPr>
+        <p:txBody>
+          <a:bodyPr wrap="square" rtlCol="0">
+            <a:spAutoFit/>
+          </a:bodyPr>
+          <a:lstStyle/>
+          <a:p>
+            <a:pPr algn="ctr"/>
+            <a:r>
+              <a:rPr lang="en-AU" sz="1400" i="1" dirty="0" smtClean="0">
+                <a:solidFill>
+                  <a:schemeClr val="tx1">
+                    <a:lumMod val="50000"/>
+                    <a:lumOff val="50000"/>
+                  </a:schemeClr>
+                </a:solidFill>
+                <a:latin typeface="Helvetica" panose="020B0604020202020204" pitchFamily="34" charset="0"/>
+                <a:cs typeface="Helvetica" panose="020B0604020202020204" pitchFamily="34" charset="0"/>
+              </a:rPr>
+              <a:t>Quantities</a:t>
+            </a:r>
+            <a:endParaRPr lang="en-AU" sz="1400" i="1" dirty="0">
+              <a:solidFill>
+                <a:schemeClr val="tx1">
+                  <a:lumMod val="50000"/>
+                  <a:lumOff val="50000"/>
+                </a:schemeClr>
+              </a:solidFill>
+              <a:latin typeface="Helvetica" panose="020B0604020202020204" pitchFamily="34" charset="0"/>
+              <a:cs typeface="Helvetica" panose="020B0604020202020204" pitchFamily="34" charset="0"/>
+            </a:endParaRPr>
+          </a:p>
+        </p:txBody>
+      </p:sp>
+      <p:sp>
+        <p:nvSpPr>
+          <p:cNvPr id="169" name="TextBox 168"/>
+          <p:cNvSpPr txBox="1"/>
+          <p:nvPr/>
+        </p:nvSpPr>
+        <p:spPr>
+          <a:xfrm>
+            <a:off x="154071" y="3882437"/>
+            <a:ext cx="770809" cy="305029"/>
+          </a:xfrm>
+          <a:prstGeom prst="rect">
+            <a:avLst/>
+          </a:prstGeom>
+          <a:noFill/>
+        </p:spPr>
+        <p:txBody>
+          <a:bodyPr wrap="square" rtlCol="0">
+            <a:spAutoFit/>
+          </a:bodyPr>
+          <a:lstStyle/>
+          <a:p>
+            <a:pPr algn="ctr"/>
+            <a:r>
+              <a:rPr lang="en-AU" sz="1400" i="1" dirty="0" smtClean="0">
+                <a:solidFill>
+                  <a:schemeClr val="tx1">
+                    <a:lumMod val="50000"/>
+                    <a:lumOff val="50000"/>
+                  </a:schemeClr>
+                </a:solidFill>
+                <a:latin typeface="Helvetica" panose="020B0604020202020204" pitchFamily="34" charset="0"/>
+                <a:cs typeface="Helvetica" panose="020B0604020202020204" pitchFamily="34" charset="0"/>
+              </a:rPr>
+              <a:t>Cache</a:t>
+            </a:r>
+            <a:endParaRPr lang="en-AU" sz="1400" i="1" dirty="0">
+              <a:solidFill>
+                <a:schemeClr val="tx1">
+                  <a:lumMod val="50000"/>
+                  <a:lumOff val="50000"/>
+                </a:schemeClr>
+              </a:solidFill>
+              <a:latin typeface="Helvetica" panose="020B0604020202020204" pitchFamily="34" charset="0"/>
+              <a:cs typeface="Helvetica" panose="020B0604020202020204" pitchFamily="34" charset="0"/>
+            </a:endParaRPr>
+          </a:p>
+        </p:txBody>
+      </p:sp>
+      <p:sp>
+        <p:nvSpPr>
+          <p:cNvPr id="171" name="TextBox 170"/>
+          <p:cNvSpPr txBox="1"/>
+          <p:nvPr/>
+        </p:nvSpPr>
+        <p:spPr>
+          <a:xfrm>
+            <a:off x="114436" y="4746747"/>
+            <a:ext cx="852699" cy="305029"/>
+          </a:xfrm>
+          <a:prstGeom prst="rect">
+            <a:avLst/>
+          </a:prstGeom>
+          <a:noFill/>
+        </p:spPr>
+        <p:txBody>
+          <a:bodyPr wrap="square" rtlCol="0">
+            <a:spAutoFit/>
+          </a:bodyPr>
+          <a:lstStyle/>
+          <a:p>
+            <a:pPr algn="ctr"/>
+            <a:r>
+              <a:rPr lang="en-AU" sz="1400" i="1" dirty="0" smtClean="0">
+                <a:solidFill>
+                  <a:schemeClr val="tx1">
+                    <a:lumMod val="50000"/>
+                    <a:lumOff val="50000"/>
+                  </a:schemeClr>
+                </a:solidFill>
+                <a:latin typeface="Helvetica" panose="020B0604020202020204" pitchFamily="34" charset="0"/>
+                <a:cs typeface="Helvetica" panose="020B0604020202020204" pitchFamily="34" charset="0"/>
+              </a:rPr>
+              <a:t>Process</a:t>
+            </a:r>
+            <a:endParaRPr lang="en-AU" sz="1400" i="1" dirty="0">
+              <a:solidFill>
+                <a:schemeClr val="tx1">
+                  <a:lumMod val="50000"/>
+                  <a:lumOff val="50000"/>
+                </a:schemeClr>
+              </a:solidFill>
+              <a:latin typeface="Helvetica" panose="020B0604020202020204" pitchFamily="34" charset="0"/>
+              <a:cs typeface="Helvetica" panose="020B0604020202020204" pitchFamily="34" charset="0"/>
+            </a:endParaRPr>
+          </a:p>
+        </p:txBody>
+      </p:sp>
     </p:spTree>
     <p:extLst>
       <p:ext uri="{BB962C8B-B14F-4D97-AF65-F5344CB8AC3E}">
